--- a/CSDL_1_2_22_N04_NHOM07_Loading.pptx
+++ b/CSDL_1_2_22_N04_NHOM07_Loading.pptx
@@ -3359,48 +3359,6 @@
           <a:chExt cx="0" cy="0"/>
         </a:xfrm>
       </p:grpSpPr>
-      <p:pic>
-        <p:nvPicPr>
-          <p:cNvPr id="9" name="Picture 8"/>
-          <p:cNvPicPr>
-            <a:picLocks noChangeAspect="1"/>
-          </p:cNvPicPr>
-          <p:nvPr/>
-        </p:nvPicPr>
-        <p:blipFill>
-          <a:blip r:embed="rId2" cstate="print">
-            <a:duotone>
-              <a:schemeClr val="accent1">
-                <a:shade val="45000"/>
-                <a:satMod val="135000"/>
-              </a:schemeClr>
-              <a:prstClr val="white"/>
-            </a:duotone>
-            <a:extLst>
-              <a:ext uri="{28A0092B-C50C-407E-A947-70E740481C1C}">
-                <a14:useLocalDpi xmlns:a14="http://schemas.microsoft.com/office/drawing/2010/main" val="0"/>
-              </a:ext>
-            </a:extLst>
-          </a:blip>
-          <a:stretch>
-            <a:fillRect/>
-          </a:stretch>
-        </p:blipFill>
-        <p:spPr>
-          <a:xfrm>
-            <a:off x="0" y="0"/>
-            <a:ext cx="12192000" cy="6858000"/>
-          </a:xfrm>
-          <a:prstGeom prst="rect">
-            <a:avLst/>
-          </a:prstGeom>
-          <a:ln>
-            <a:solidFill>
-              <a:schemeClr val="bg1"/>
-            </a:solidFill>
-          </a:ln>
-        </p:spPr>
-      </p:pic>
       <p:sp>
         <p:nvSpPr>
           <p:cNvPr id="10" name="Rectangle 9"/>
@@ -3695,7 +3653,7 @@
         </p:nvSpPr>
         <p:spPr>
           <a:xfrm rot="16200000">
-            <a:off x="5925617" y="972397"/>
+            <a:off x="5925615" y="973328"/>
             <a:ext cx="340765" cy="11428574"/>
           </a:xfrm>
           <a:prstGeom prst="rect">
@@ -3871,7 +3829,7 @@
           <p:nvPr>
             <p:extLst>
               <p:ext uri="{D42A27DB-BD31-4B8C-83A1-F6EECF244321}">
-                <p14:modId xmlns:p14="http://schemas.microsoft.com/office/powerpoint/2010/main" val="117227058"/>
+                <p14:modId xmlns:p14="http://schemas.microsoft.com/office/powerpoint/2010/main" val="183274551"/>
               </p:ext>
             </p:extLst>
           </p:nvPr>
@@ -4002,7 +3960,7 @@
                             </a:schemeClr>
                           </a:solidFill>
                         </a:rPr>
-                        <a:t>: </a:t>
+                        <a:t>: Ts. </a:t>
                       </a:r>
                       <a:r>
                         <a:rPr lang="en-US" b="1" dirty="0" err="1">
@@ -4012,7 +3970,7 @@
                             </a:schemeClr>
                           </a:solidFill>
                         </a:rPr>
-                        <a:t>Trần</a:t>
+                        <a:t>Nguyễn</a:t>
                       </a:r>
                       <a:r>
                         <a:rPr lang="en-US" b="1" dirty="0">
@@ -4292,7 +4250,7 @@
           <p:nvPr/>
         </p:nvPicPr>
         <p:blipFill>
-          <a:blip r:embed="rId3" cstate="print">
+          <a:blip r:embed="rId2" cstate="print">
             <a:extLst>
               <a:ext uri="{28A0092B-C50C-407E-A947-70E740481C1C}">
                 <a14:useLocalDpi xmlns:a14="http://schemas.microsoft.com/office/drawing/2010/main" val="0"/>

--- a/CSDL_1_2_22_N04_NHOM07_Loading.pptx
+++ b/CSDL_1_2_22_N04_NHOM07_Loading.pptx
@@ -26,8 +26,9 @@
     <p:sldId id="292" r:id="rId20"/>
     <p:sldId id="293" r:id="rId21"/>
     <p:sldId id="277" r:id="rId22"/>
-    <p:sldId id="263" r:id="rId23"/>
-    <p:sldId id="264" r:id="rId24"/>
+    <p:sldId id="294" r:id="rId23"/>
+    <p:sldId id="263" r:id="rId24"/>
+    <p:sldId id="264" r:id="rId25"/>
   </p:sldIdLst>
   <p:sldSz cx="12192000" cy="6858000"/>
   <p:notesSz cx="6858000" cy="9144000"/>
@@ -292,7 +293,7 @@
           <a:p>
             <a:fld id="{DDC9BA76-7BAD-4FE6-AD43-5E94B1E05FEE}" type="datetimeFigureOut">
               <a:rPr lang="vi-VN" smtClean="0"/>
-              <a:t>15/04/2023</a:t>
+              <a:t>16/04/2023</a:t>
             </a:fld>
             <a:endParaRPr lang="vi-VN"/>
           </a:p>
@@ -490,7 +491,7 @@
           <a:p>
             <a:fld id="{DDC9BA76-7BAD-4FE6-AD43-5E94B1E05FEE}" type="datetimeFigureOut">
               <a:rPr lang="vi-VN" smtClean="0"/>
-              <a:t>15/04/2023</a:t>
+              <a:t>16/04/2023</a:t>
             </a:fld>
             <a:endParaRPr lang="vi-VN"/>
           </a:p>
@@ -698,7 +699,7 @@
           <a:p>
             <a:fld id="{DDC9BA76-7BAD-4FE6-AD43-5E94B1E05FEE}" type="datetimeFigureOut">
               <a:rPr lang="vi-VN" smtClean="0"/>
-              <a:t>15/04/2023</a:t>
+              <a:t>16/04/2023</a:t>
             </a:fld>
             <a:endParaRPr lang="vi-VN"/>
           </a:p>
@@ -896,7 +897,7 @@
           <a:p>
             <a:fld id="{DDC9BA76-7BAD-4FE6-AD43-5E94B1E05FEE}" type="datetimeFigureOut">
               <a:rPr lang="vi-VN" smtClean="0"/>
-              <a:t>15/04/2023</a:t>
+              <a:t>16/04/2023</a:t>
             </a:fld>
             <a:endParaRPr lang="vi-VN"/>
           </a:p>
@@ -1171,7 +1172,7 @@
           <a:p>
             <a:fld id="{DDC9BA76-7BAD-4FE6-AD43-5E94B1E05FEE}" type="datetimeFigureOut">
               <a:rPr lang="vi-VN" smtClean="0"/>
-              <a:t>15/04/2023</a:t>
+              <a:t>16/04/2023</a:t>
             </a:fld>
             <a:endParaRPr lang="vi-VN"/>
           </a:p>
@@ -1436,7 +1437,7 @@
           <a:p>
             <a:fld id="{DDC9BA76-7BAD-4FE6-AD43-5E94B1E05FEE}" type="datetimeFigureOut">
               <a:rPr lang="vi-VN" smtClean="0"/>
-              <a:t>15/04/2023</a:t>
+              <a:t>16/04/2023</a:t>
             </a:fld>
             <a:endParaRPr lang="vi-VN"/>
           </a:p>
@@ -1848,7 +1849,7 @@
           <a:p>
             <a:fld id="{DDC9BA76-7BAD-4FE6-AD43-5E94B1E05FEE}" type="datetimeFigureOut">
               <a:rPr lang="vi-VN" smtClean="0"/>
-              <a:t>15/04/2023</a:t>
+              <a:t>16/04/2023</a:t>
             </a:fld>
             <a:endParaRPr lang="vi-VN"/>
           </a:p>
@@ -1989,7 +1990,7 @@
           <a:p>
             <a:fld id="{DDC9BA76-7BAD-4FE6-AD43-5E94B1E05FEE}" type="datetimeFigureOut">
               <a:rPr lang="vi-VN" smtClean="0"/>
-              <a:t>15/04/2023</a:t>
+              <a:t>16/04/2023</a:t>
             </a:fld>
             <a:endParaRPr lang="vi-VN"/>
           </a:p>
@@ -2102,7 +2103,7 @@
           <a:p>
             <a:fld id="{DDC9BA76-7BAD-4FE6-AD43-5E94B1E05FEE}" type="datetimeFigureOut">
               <a:rPr lang="vi-VN" smtClean="0"/>
-              <a:t>15/04/2023</a:t>
+              <a:t>16/04/2023</a:t>
             </a:fld>
             <a:endParaRPr lang="vi-VN"/>
           </a:p>
@@ -2413,7 +2414,7 @@
           <a:p>
             <a:fld id="{DDC9BA76-7BAD-4FE6-AD43-5E94B1E05FEE}" type="datetimeFigureOut">
               <a:rPr lang="vi-VN" smtClean="0"/>
-              <a:t>15/04/2023</a:t>
+              <a:t>16/04/2023</a:t>
             </a:fld>
             <a:endParaRPr lang="vi-VN"/>
           </a:p>
@@ -2701,7 +2702,7 @@
           <a:p>
             <a:fld id="{DDC9BA76-7BAD-4FE6-AD43-5E94B1E05FEE}" type="datetimeFigureOut">
               <a:rPr lang="vi-VN" smtClean="0"/>
-              <a:t>15/04/2023</a:t>
+              <a:t>16/04/2023</a:t>
             </a:fld>
             <a:endParaRPr lang="vi-VN"/>
           </a:p>
@@ -2942,7 +2943,7 @@
           <a:p>
             <a:fld id="{DDC9BA76-7BAD-4FE6-AD43-5E94B1E05FEE}" type="datetimeFigureOut">
               <a:rPr lang="vi-VN" smtClean="0"/>
-              <a:t>15/04/2023</a:t>
+              <a:t>16/04/2023</a:t>
             </a:fld>
             <a:endParaRPr lang="vi-VN"/>
           </a:p>
@@ -3359,6 +3360,42 @@
           <a:chExt cx="0" cy="0"/>
         </a:xfrm>
       </p:grpSpPr>
+      <p:pic>
+        <p:nvPicPr>
+          <p:cNvPr id="9" name="Picture 8" descr="A picture containing electronics, circuit&#10;&#10;Description automatically generated">
+            <a:extLst>
+              <a:ext uri="{FF2B5EF4-FFF2-40B4-BE49-F238E27FC236}">
+                <a16:creationId xmlns:a16="http://schemas.microsoft.com/office/drawing/2014/main" id="{FD87B730-18EA-AF68-13A7-196E5D5EBF71}"/>
+              </a:ext>
+            </a:extLst>
+          </p:cNvPr>
+          <p:cNvPicPr>
+            <a:picLocks noChangeAspect="1"/>
+          </p:cNvPicPr>
+          <p:nvPr/>
+        </p:nvPicPr>
+        <p:blipFill>
+          <a:blip r:embed="rId2">
+            <a:extLst>
+              <a:ext uri="{28A0092B-C50C-407E-A947-70E740481C1C}">
+                <a14:useLocalDpi xmlns:a14="http://schemas.microsoft.com/office/drawing/2010/main" val="0"/>
+              </a:ext>
+            </a:extLst>
+          </a:blip>
+          <a:stretch>
+            <a:fillRect/>
+          </a:stretch>
+        </p:blipFill>
+        <p:spPr>
+          <a:xfrm>
+            <a:off x="-2" y="0"/>
+            <a:ext cx="12192002" cy="6857998"/>
+          </a:xfrm>
+          <a:prstGeom prst="rect">
+            <a:avLst/>
+          </a:prstGeom>
+        </p:spPr>
+      </p:pic>
       <p:sp>
         <p:nvSpPr>
           <p:cNvPr id="10" name="Rectangle 9"/>
@@ -4250,7 +4287,7 @@
           <p:nvPr/>
         </p:nvPicPr>
         <p:blipFill>
-          <a:blip r:embed="rId2" cstate="print">
+          <a:blip r:embed="rId3" cstate="print">
             <a:extLst>
               <a:ext uri="{28A0092B-C50C-407E-A947-70E740481C1C}">
                 <a14:useLocalDpi xmlns:a14="http://schemas.microsoft.com/office/drawing/2010/main" val="0"/>
@@ -10150,6 +10187,3575 @@
 <file path=ppt/slides/slide22.xml><?xml version="1.0" encoding="utf-8"?>
 <p:sld xmlns:a="http://schemas.openxmlformats.org/drawingml/2006/main" xmlns:r="http://schemas.openxmlformats.org/officeDocument/2006/relationships" xmlns:p="http://schemas.openxmlformats.org/presentationml/2006/main">
   <p:cSld>
+    <p:bg>
+      <p:bgPr>
+        <a:solidFill>
+          <a:srgbClr val="8FABB7"/>
+        </a:solidFill>
+        <a:effectLst/>
+      </p:bgPr>
+    </p:bg>
+    <p:spTree>
+      <p:nvGrpSpPr>
+        <p:cNvPr id="1" name=""/>
+        <p:cNvGrpSpPr/>
+        <p:nvPr/>
+      </p:nvGrpSpPr>
+      <p:grpSpPr>
+        <a:xfrm>
+          <a:off x="0" y="0"/>
+          <a:ext cx="0" cy="0"/>
+          <a:chOff x="0" y="0"/>
+          <a:chExt cx="0" cy="0"/>
+        </a:xfrm>
+      </p:grpSpPr>
+      <p:sp>
+        <p:nvSpPr>
+          <p:cNvPr id="4" name="Rectangle 3"/>
+          <p:cNvSpPr/>
+          <p:nvPr/>
+        </p:nvSpPr>
+        <p:spPr>
+          <a:xfrm>
+            <a:off x="358924" y="333286"/>
+            <a:ext cx="11459910" cy="6212792"/>
+          </a:xfrm>
+          <a:prstGeom prst="rect">
+            <a:avLst/>
+          </a:prstGeom>
+          <a:solidFill>
+            <a:srgbClr val="F8F8F8"/>
+          </a:solidFill>
+          <a:ln>
+            <a:noFill/>
+          </a:ln>
+        </p:spPr>
+        <p:style>
+          <a:lnRef idx="2">
+            <a:schemeClr val="accent1">
+              <a:shade val="50000"/>
+            </a:schemeClr>
+          </a:lnRef>
+          <a:fillRef idx="1">
+            <a:schemeClr val="accent1"/>
+          </a:fillRef>
+          <a:effectRef idx="0">
+            <a:schemeClr val="accent1"/>
+          </a:effectRef>
+          <a:fontRef idx="minor">
+            <a:schemeClr val="lt1"/>
+          </a:fontRef>
+        </p:style>
+        <p:txBody>
+          <a:bodyPr rtlCol="0" anchor="ctr"/>
+          <a:lstStyle/>
+          <a:p>
+            <a:pPr algn="ctr"/>
+            <a:endParaRPr lang="vi-VN" dirty="0"/>
+          </a:p>
+        </p:txBody>
+      </p:sp>
+      <p:cxnSp>
+        <p:nvCxnSpPr>
+          <p:cNvPr id="10" name="Straight Connector 9"/>
+          <p:cNvCxnSpPr/>
+          <p:nvPr/>
+        </p:nvCxnSpPr>
+        <p:spPr>
+          <a:xfrm flipV="1">
+            <a:off x="358924" y="856716"/>
+            <a:ext cx="11502640" cy="8545"/>
+          </a:xfrm>
+          <a:prstGeom prst="line">
+            <a:avLst/>
+          </a:prstGeom>
+          <a:ln w="19050">
+            <a:solidFill>
+              <a:srgbClr val="8FABB7"/>
+            </a:solidFill>
+            <a:prstDash val="dash"/>
+          </a:ln>
+        </p:spPr>
+        <p:style>
+          <a:lnRef idx="1">
+            <a:schemeClr val="accent1"/>
+          </a:lnRef>
+          <a:fillRef idx="0">
+            <a:schemeClr val="accent1"/>
+          </a:fillRef>
+          <a:effectRef idx="0">
+            <a:schemeClr val="accent1"/>
+          </a:effectRef>
+          <a:fontRef idx="minor">
+            <a:schemeClr val="tx1"/>
+          </a:fontRef>
+        </p:style>
+      </p:cxnSp>
+      <p:cxnSp>
+        <p:nvCxnSpPr>
+          <p:cNvPr id="14" name="Straight Connector 13"/>
+          <p:cNvCxnSpPr/>
+          <p:nvPr/>
+        </p:nvCxnSpPr>
+        <p:spPr>
+          <a:xfrm flipV="1">
+            <a:off x="358924" y="6145138"/>
+            <a:ext cx="11502640" cy="8545"/>
+          </a:xfrm>
+          <a:prstGeom prst="line">
+            <a:avLst/>
+          </a:prstGeom>
+          <a:ln w="19050">
+            <a:solidFill>
+              <a:srgbClr val="8FABB7"/>
+            </a:solidFill>
+            <a:prstDash val="dash"/>
+          </a:ln>
+        </p:spPr>
+        <p:style>
+          <a:lnRef idx="1">
+            <a:schemeClr val="accent1"/>
+          </a:lnRef>
+          <a:fillRef idx="0">
+            <a:schemeClr val="accent1"/>
+          </a:fillRef>
+          <a:effectRef idx="0">
+            <a:schemeClr val="accent1"/>
+          </a:effectRef>
+          <a:fontRef idx="minor">
+            <a:schemeClr val="tx1"/>
+          </a:fontRef>
+        </p:style>
+      </p:cxnSp>
+      <p:sp>
+        <p:nvSpPr>
+          <p:cNvPr id="5" name="TextBox 4"/>
+          <p:cNvSpPr txBox="1"/>
+          <p:nvPr/>
+        </p:nvSpPr>
+        <p:spPr>
+          <a:xfrm>
+            <a:off x="914400" y="865261"/>
+            <a:ext cx="10348958" cy="4984826"/>
+          </a:xfrm>
+          <a:prstGeom prst="rect">
+            <a:avLst/>
+          </a:prstGeom>
+          <a:noFill/>
+        </p:spPr>
+        <p:txBody>
+          <a:bodyPr wrap="square" rtlCol="0">
+            <a:spAutoFit/>
+          </a:bodyPr>
+          <a:lstStyle/>
+          <a:p>
+            <a:r>
+              <a:rPr lang="en-US" sz="3000" b="1" dirty="0" err="1"/>
+              <a:t>Các</a:t>
+            </a:r>
+            <a:r>
+              <a:rPr lang="en-US" sz="3000" b="1" dirty="0"/>
+              <a:t> </a:t>
+            </a:r>
+            <a:r>
+              <a:rPr lang="en-US" sz="3000" b="1" dirty="0" err="1"/>
+              <a:t>câu</a:t>
+            </a:r>
+            <a:r>
+              <a:rPr lang="en-US" sz="3000" b="1" dirty="0"/>
+              <a:t> </a:t>
+            </a:r>
+            <a:r>
+              <a:rPr lang="en-US" sz="3000" b="1" dirty="0" err="1"/>
+              <a:t>lệnh</a:t>
+            </a:r>
+            <a:r>
+              <a:rPr lang="en-US" sz="3000" b="1" dirty="0"/>
+              <a:t> </a:t>
+            </a:r>
+            <a:r>
+              <a:rPr lang="en-US" sz="3000" b="1" dirty="0" err="1"/>
+              <a:t>truy</a:t>
+            </a:r>
+            <a:r>
+              <a:rPr lang="en-US" sz="3000" b="1" dirty="0"/>
+              <a:t> </a:t>
+            </a:r>
+            <a:r>
+              <a:rPr lang="en-US" sz="3000" b="1" dirty="0" err="1"/>
+              <a:t>vấn</a:t>
+            </a:r>
+            <a:endParaRPr lang="en-US" sz="3000" b="1" dirty="0"/>
+          </a:p>
+          <a:p>
+            <a:pPr marL="342900" marR="0" lvl="0" indent="-342900">
+              <a:lnSpc>
+                <a:spcPct val="107000"/>
+              </a:lnSpc>
+              <a:spcBef>
+                <a:spcPts val="0"/>
+              </a:spcBef>
+              <a:spcAft>
+                <a:spcPts val="0"/>
+              </a:spcAft>
+              <a:buFont typeface="+mj-lt"/>
+              <a:buAutoNum type="arabicPeriod"/>
+            </a:pPr>
+            <a:r>
+              <a:rPr lang="en-US" sz="1800" dirty="0" err="1">
+                <a:effectLst/>
+                <a:latin typeface="Times New Roman" panose="02020603050405020304" pitchFamily="18" charset="0"/>
+                <a:ea typeface="Calibri" panose="020F0502020204030204" pitchFamily="34" charset="0"/>
+                <a:cs typeface="Times New Roman" panose="02020603050405020304" pitchFamily="18" charset="0"/>
+              </a:rPr>
+              <a:t>Đưa</a:t>
+            </a:r>
+            <a:r>
+              <a:rPr lang="en-US" sz="1800" dirty="0">
+                <a:effectLst/>
+                <a:latin typeface="Times New Roman" panose="02020603050405020304" pitchFamily="18" charset="0"/>
+                <a:ea typeface="Calibri" panose="020F0502020204030204" pitchFamily="34" charset="0"/>
+                <a:cs typeface="Times New Roman" panose="02020603050405020304" pitchFamily="18" charset="0"/>
+              </a:rPr>
+              <a:t> </a:t>
+            </a:r>
+            <a:r>
+              <a:rPr lang="en-US" sz="1800" dirty="0" err="1">
+                <a:effectLst/>
+                <a:latin typeface="Times New Roman" panose="02020603050405020304" pitchFamily="18" charset="0"/>
+                <a:ea typeface="Calibri" panose="020F0502020204030204" pitchFamily="34" charset="0"/>
+                <a:cs typeface="Times New Roman" panose="02020603050405020304" pitchFamily="18" charset="0"/>
+              </a:rPr>
+              <a:t>ra</a:t>
+            </a:r>
+            <a:r>
+              <a:rPr lang="en-US" sz="1800" dirty="0">
+                <a:effectLst/>
+                <a:latin typeface="Times New Roman" panose="02020603050405020304" pitchFamily="18" charset="0"/>
+                <a:ea typeface="Calibri" panose="020F0502020204030204" pitchFamily="34" charset="0"/>
+                <a:cs typeface="Times New Roman" panose="02020603050405020304" pitchFamily="18" charset="0"/>
+              </a:rPr>
+              <a:t> </a:t>
+            </a:r>
+            <a:r>
+              <a:rPr lang="en-US" sz="1800" dirty="0" err="1">
+                <a:effectLst/>
+                <a:latin typeface="Times New Roman" panose="02020603050405020304" pitchFamily="18" charset="0"/>
+                <a:ea typeface="Calibri" panose="020F0502020204030204" pitchFamily="34" charset="0"/>
+                <a:cs typeface="Times New Roman" panose="02020603050405020304" pitchFamily="18" charset="0"/>
+              </a:rPr>
+              <a:t>tên</a:t>
+            </a:r>
+            <a:r>
+              <a:rPr lang="en-US" sz="1800" dirty="0">
+                <a:effectLst/>
+                <a:latin typeface="Times New Roman" panose="02020603050405020304" pitchFamily="18" charset="0"/>
+                <a:ea typeface="Calibri" panose="020F0502020204030204" pitchFamily="34" charset="0"/>
+                <a:cs typeface="Times New Roman" panose="02020603050405020304" pitchFamily="18" charset="0"/>
+              </a:rPr>
+              <a:t> </a:t>
+            </a:r>
+            <a:r>
+              <a:rPr lang="en-US" sz="1800" dirty="0" err="1">
+                <a:effectLst/>
+                <a:latin typeface="Times New Roman" panose="02020603050405020304" pitchFamily="18" charset="0"/>
+                <a:ea typeface="Calibri" panose="020F0502020204030204" pitchFamily="34" charset="0"/>
+                <a:cs typeface="Times New Roman" panose="02020603050405020304" pitchFamily="18" charset="0"/>
+              </a:rPr>
+              <a:t>hãng</a:t>
+            </a:r>
+            <a:r>
+              <a:rPr lang="en-US" sz="1800" dirty="0">
+                <a:effectLst/>
+                <a:latin typeface="Times New Roman" panose="02020603050405020304" pitchFamily="18" charset="0"/>
+                <a:ea typeface="Calibri" panose="020F0502020204030204" pitchFamily="34" charset="0"/>
+                <a:cs typeface="Times New Roman" panose="02020603050405020304" pitchFamily="18" charset="0"/>
+              </a:rPr>
+              <a:t> </a:t>
+            </a:r>
+            <a:r>
+              <a:rPr lang="en-US" sz="1800" dirty="0" err="1">
+                <a:effectLst/>
+                <a:latin typeface="Times New Roman" panose="02020603050405020304" pitchFamily="18" charset="0"/>
+                <a:ea typeface="Calibri" panose="020F0502020204030204" pitchFamily="34" charset="0"/>
+                <a:cs typeface="Times New Roman" panose="02020603050405020304" pitchFamily="18" charset="0"/>
+              </a:rPr>
+              <a:t>có</a:t>
+            </a:r>
+            <a:r>
+              <a:rPr lang="en-US" sz="1800" dirty="0">
+                <a:effectLst/>
+                <a:latin typeface="Times New Roman" panose="02020603050405020304" pitchFamily="18" charset="0"/>
+                <a:ea typeface="Calibri" panose="020F0502020204030204" pitchFamily="34" charset="0"/>
+                <a:cs typeface="Times New Roman" panose="02020603050405020304" pitchFamily="18" charset="0"/>
+              </a:rPr>
+              <a:t> CPU </a:t>
+            </a:r>
+            <a:r>
+              <a:rPr lang="en-US" sz="1800" dirty="0" err="1">
+                <a:effectLst/>
+                <a:latin typeface="Times New Roman" panose="02020603050405020304" pitchFamily="18" charset="0"/>
+                <a:ea typeface="Calibri" panose="020F0502020204030204" pitchFamily="34" charset="0"/>
+                <a:cs typeface="Times New Roman" panose="02020603050405020304" pitchFamily="18" charset="0"/>
+              </a:rPr>
+              <a:t>được</a:t>
+            </a:r>
+            <a:r>
+              <a:rPr lang="en-US" sz="1800" dirty="0">
+                <a:effectLst/>
+                <a:latin typeface="Times New Roman" panose="02020603050405020304" pitchFamily="18" charset="0"/>
+                <a:ea typeface="Calibri" panose="020F0502020204030204" pitchFamily="34" charset="0"/>
+                <a:cs typeface="Times New Roman" panose="02020603050405020304" pitchFamily="18" charset="0"/>
+              </a:rPr>
+              <a:t> </a:t>
+            </a:r>
+            <a:r>
+              <a:rPr lang="en-US" sz="1800" dirty="0" err="1">
+                <a:effectLst/>
+                <a:latin typeface="Times New Roman" panose="02020603050405020304" pitchFamily="18" charset="0"/>
+                <a:ea typeface="Calibri" panose="020F0502020204030204" pitchFamily="34" charset="0"/>
+                <a:cs typeface="Times New Roman" panose="02020603050405020304" pitchFamily="18" charset="0"/>
+              </a:rPr>
+              <a:t>sản</a:t>
+            </a:r>
+            <a:r>
+              <a:rPr lang="en-US" sz="1800" dirty="0">
+                <a:effectLst/>
+                <a:latin typeface="Times New Roman" panose="02020603050405020304" pitchFamily="18" charset="0"/>
+                <a:ea typeface="Calibri" panose="020F0502020204030204" pitchFamily="34" charset="0"/>
+                <a:cs typeface="Times New Roman" panose="02020603050405020304" pitchFamily="18" charset="0"/>
+              </a:rPr>
+              <a:t> </a:t>
+            </a:r>
+            <a:r>
+              <a:rPr lang="en-US" sz="1800" dirty="0" err="1">
+                <a:effectLst/>
+                <a:latin typeface="Times New Roman" panose="02020603050405020304" pitchFamily="18" charset="0"/>
+                <a:ea typeface="Calibri" panose="020F0502020204030204" pitchFamily="34" charset="0"/>
+                <a:cs typeface="Times New Roman" panose="02020603050405020304" pitchFamily="18" charset="0"/>
+              </a:rPr>
+              <a:t>xuất</a:t>
+            </a:r>
+            <a:r>
+              <a:rPr lang="en-US" sz="1800" dirty="0">
+                <a:effectLst/>
+                <a:latin typeface="Times New Roman" panose="02020603050405020304" pitchFamily="18" charset="0"/>
+                <a:ea typeface="Calibri" panose="020F0502020204030204" pitchFamily="34" charset="0"/>
+                <a:cs typeface="Times New Roman" panose="02020603050405020304" pitchFamily="18" charset="0"/>
+              </a:rPr>
+              <a:t> </a:t>
+            </a:r>
+            <a:r>
+              <a:rPr lang="en-US" sz="1800" dirty="0" err="1">
+                <a:effectLst/>
+                <a:latin typeface="Times New Roman" panose="02020603050405020304" pitchFamily="18" charset="0"/>
+                <a:ea typeface="Calibri" panose="020F0502020204030204" pitchFamily="34" charset="0"/>
+                <a:cs typeface="Times New Roman" panose="02020603050405020304" pitchFamily="18" charset="0"/>
+              </a:rPr>
+              <a:t>năm</a:t>
+            </a:r>
+            <a:r>
+              <a:rPr lang="en-US" sz="1800" dirty="0">
+                <a:effectLst/>
+                <a:latin typeface="Times New Roman" panose="02020603050405020304" pitchFamily="18" charset="0"/>
+                <a:ea typeface="Calibri" panose="020F0502020204030204" pitchFamily="34" charset="0"/>
+                <a:cs typeface="Times New Roman" panose="02020603050405020304" pitchFamily="18" charset="0"/>
+              </a:rPr>
+              <a:t> 2020.</a:t>
+            </a:r>
+            <a:endParaRPr lang="en-US" sz="1800" dirty="0">
+              <a:effectLst/>
+              <a:latin typeface="Calibri" panose="020F0502020204030204" pitchFamily="34" charset="0"/>
+              <a:ea typeface="Calibri" panose="020F0502020204030204" pitchFamily="34" charset="0"/>
+              <a:cs typeface="Times New Roman" panose="02020603050405020304" pitchFamily="18" charset="0"/>
+            </a:endParaRPr>
+          </a:p>
+          <a:p>
+            <a:pPr marL="342900" marR="0" lvl="0" indent="-342900">
+              <a:lnSpc>
+                <a:spcPct val="107000"/>
+              </a:lnSpc>
+              <a:spcBef>
+                <a:spcPts val="0"/>
+              </a:spcBef>
+              <a:spcAft>
+                <a:spcPts val="0"/>
+              </a:spcAft>
+              <a:buFont typeface="+mj-lt"/>
+              <a:buAutoNum type="arabicPeriod"/>
+            </a:pPr>
+            <a:r>
+              <a:rPr lang="en-US" sz="1800" dirty="0" err="1">
+                <a:effectLst/>
+                <a:latin typeface="Times New Roman" panose="02020603050405020304" pitchFamily="18" charset="0"/>
+                <a:ea typeface="Calibri" panose="020F0502020204030204" pitchFamily="34" charset="0"/>
+                <a:cs typeface="Times New Roman" panose="02020603050405020304" pitchFamily="18" charset="0"/>
+              </a:rPr>
+              <a:t>Đưa</a:t>
+            </a:r>
+            <a:r>
+              <a:rPr lang="en-US" sz="1800" dirty="0">
+                <a:effectLst/>
+                <a:latin typeface="Times New Roman" panose="02020603050405020304" pitchFamily="18" charset="0"/>
+                <a:ea typeface="Calibri" panose="020F0502020204030204" pitchFamily="34" charset="0"/>
+                <a:cs typeface="Times New Roman" panose="02020603050405020304" pitchFamily="18" charset="0"/>
+              </a:rPr>
+              <a:t> </a:t>
+            </a:r>
+            <a:r>
+              <a:rPr lang="en-US" sz="1800" dirty="0" err="1">
+                <a:effectLst/>
+                <a:latin typeface="Times New Roman" panose="02020603050405020304" pitchFamily="18" charset="0"/>
+                <a:ea typeface="Calibri" panose="020F0502020204030204" pitchFamily="34" charset="0"/>
+                <a:cs typeface="Times New Roman" panose="02020603050405020304" pitchFamily="18" charset="0"/>
+              </a:rPr>
+              <a:t>ra</a:t>
+            </a:r>
+            <a:r>
+              <a:rPr lang="en-US" sz="1800" dirty="0">
+                <a:effectLst/>
+                <a:latin typeface="Times New Roman" panose="02020603050405020304" pitchFamily="18" charset="0"/>
+                <a:ea typeface="Calibri" panose="020F0502020204030204" pitchFamily="34" charset="0"/>
+                <a:cs typeface="Times New Roman" panose="02020603050405020304" pitchFamily="18" charset="0"/>
+              </a:rPr>
+              <a:t> </a:t>
+            </a:r>
+            <a:r>
+              <a:rPr lang="en-US" sz="1800" dirty="0" err="1">
+                <a:effectLst/>
+                <a:latin typeface="Times New Roman" panose="02020603050405020304" pitchFamily="18" charset="0"/>
+                <a:ea typeface="Calibri" panose="020F0502020204030204" pitchFamily="34" charset="0"/>
+                <a:cs typeface="Times New Roman" panose="02020603050405020304" pitchFamily="18" charset="0"/>
+              </a:rPr>
+              <a:t>tên</a:t>
+            </a:r>
+            <a:r>
+              <a:rPr lang="en-US" sz="1800" dirty="0">
+                <a:effectLst/>
+                <a:latin typeface="Times New Roman" panose="02020603050405020304" pitchFamily="18" charset="0"/>
+                <a:ea typeface="Calibri" panose="020F0502020204030204" pitchFamily="34" charset="0"/>
+                <a:cs typeface="Times New Roman" panose="02020603050405020304" pitchFamily="18" charset="0"/>
+              </a:rPr>
+              <a:t> </a:t>
+            </a:r>
+            <a:r>
+              <a:rPr lang="en-US" sz="1800" dirty="0" err="1">
+                <a:effectLst/>
+                <a:latin typeface="Times New Roman" panose="02020603050405020304" pitchFamily="18" charset="0"/>
+                <a:ea typeface="Calibri" panose="020F0502020204030204" pitchFamily="34" charset="0"/>
+                <a:cs typeface="Times New Roman" panose="02020603050405020304" pitchFamily="18" charset="0"/>
+              </a:rPr>
+              <a:t>cửa</a:t>
+            </a:r>
+            <a:r>
+              <a:rPr lang="en-US" sz="1800" dirty="0">
+                <a:effectLst/>
+                <a:latin typeface="Times New Roman" panose="02020603050405020304" pitchFamily="18" charset="0"/>
+                <a:ea typeface="Calibri" panose="020F0502020204030204" pitchFamily="34" charset="0"/>
+                <a:cs typeface="Times New Roman" panose="02020603050405020304" pitchFamily="18" charset="0"/>
+              </a:rPr>
+              <a:t> </a:t>
+            </a:r>
+            <a:r>
+              <a:rPr lang="en-US" sz="1800" dirty="0" err="1">
+                <a:effectLst/>
+                <a:latin typeface="Times New Roman" panose="02020603050405020304" pitchFamily="18" charset="0"/>
+                <a:ea typeface="Calibri" panose="020F0502020204030204" pitchFamily="34" charset="0"/>
+                <a:cs typeface="Times New Roman" panose="02020603050405020304" pitchFamily="18" charset="0"/>
+              </a:rPr>
+              <a:t>hàng</a:t>
+            </a:r>
+            <a:r>
+              <a:rPr lang="en-US" sz="1800" dirty="0">
+                <a:effectLst/>
+                <a:latin typeface="Times New Roman" panose="02020603050405020304" pitchFamily="18" charset="0"/>
+                <a:ea typeface="Calibri" panose="020F0502020204030204" pitchFamily="34" charset="0"/>
+                <a:cs typeface="Times New Roman" panose="02020603050405020304" pitchFamily="18" charset="0"/>
+              </a:rPr>
+              <a:t> </a:t>
+            </a:r>
+            <a:r>
+              <a:rPr lang="en-US" sz="1800" dirty="0" err="1">
+                <a:effectLst/>
+                <a:latin typeface="Times New Roman" panose="02020603050405020304" pitchFamily="18" charset="0"/>
+                <a:ea typeface="Calibri" panose="020F0502020204030204" pitchFamily="34" charset="0"/>
+                <a:cs typeface="Times New Roman" panose="02020603050405020304" pitchFamily="18" charset="0"/>
+              </a:rPr>
+              <a:t>có</a:t>
+            </a:r>
+            <a:r>
+              <a:rPr lang="en-US" sz="1800" dirty="0">
+                <a:effectLst/>
+                <a:latin typeface="Times New Roman" panose="02020603050405020304" pitchFamily="18" charset="0"/>
+                <a:ea typeface="Calibri" panose="020F0502020204030204" pitchFamily="34" charset="0"/>
+                <a:cs typeface="Times New Roman" panose="02020603050405020304" pitchFamily="18" charset="0"/>
+              </a:rPr>
+              <a:t> </a:t>
+            </a:r>
+            <a:r>
+              <a:rPr lang="en-US" sz="1800" dirty="0" err="1">
+                <a:effectLst/>
+                <a:latin typeface="Times New Roman" panose="02020603050405020304" pitchFamily="18" charset="0"/>
+                <a:ea typeface="Calibri" panose="020F0502020204030204" pitchFamily="34" charset="0"/>
+                <a:cs typeface="Times New Roman" panose="02020603050405020304" pitchFamily="18" charset="0"/>
+              </a:rPr>
+              <a:t>địa</a:t>
+            </a:r>
+            <a:r>
+              <a:rPr lang="en-US" sz="1800" dirty="0">
+                <a:effectLst/>
+                <a:latin typeface="Times New Roman" panose="02020603050405020304" pitchFamily="18" charset="0"/>
+                <a:ea typeface="Calibri" panose="020F0502020204030204" pitchFamily="34" charset="0"/>
+                <a:cs typeface="Times New Roman" panose="02020603050405020304" pitchFamily="18" charset="0"/>
+              </a:rPr>
+              <a:t> </a:t>
+            </a:r>
+            <a:r>
+              <a:rPr lang="en-US" sz="1800" dirty="0" err="1">
+                <a:effectLst/>
+                <a:latin typeface="Times New Roman" panose="02020603050405020304" pitchFamily="18" charset="0"/>
+                <a:ea typeface="Calibri" panose="020F0502020204030204" pitchFamily="34" charset="0"/>
+                <a:cs typeface="Times New Roman" panose="02020603050405020304" pitchFamily="18" charset="0"/>
+              </a:rPr>
+              <a:t>chỉ</a:t>
+            </a:r>
+            <a:r>
+              <a:rPr lang="en-US" sz="1800" dirty="0">
+                <a:effectLst/>
+                <a:latin typeface="Times New Roman" panose="02020603050405020304" pitchFamily="18" charset="0"/>
+                <a:ea typeface="Calibri" panose="020F0502020204030204" pitchFamily="34" charset="0"/>
+                <a:cs typeface="Times New Roman" panose="02020603050405020304" pitchFamily="18" charset="0"/>
+              </a:rPr>
+              <a:t> ở </a:t>
+            </a:r>
+            <a:r>
+              <a:rPr lang="en-US" sz="1800" dirty="0" err="1">
+                <a:effectLst/>
+                <a:latin typeface="Times New Roman" panose="02020603050405020304" pitchFamily="18" charset="0"/>
+                <a:ea typeface="Calibri" panose="020F0502020204030204" pitchFamily="34" charset="0"/>
+                <a:cs typeface="Times New Roman" panose="02020603050405020304" pitchFamily="18" charset="0"/>
+              </a:rPr>
+              <a:t>Số</a:t>
+            </a:r>
+            <a:r>
+              <a:rPr lang="en-US" sz="1800" dirty="0">
+                <a:effectLst/>
+                <a:latin typeface="Times New Roman" panose="02020603050405020304" pitchFamily="18" charset="0"/>
+                <a:ea typeface="Calibri" panose="020F0502020204030204" pitchFamily="34" charset="0"/>
+                <a:cs typeface="Times New Roman" panose="02020603050405020304" pitchFamily="18" charset="0"/>
+              </a:rPr>
+              <a:t> 3 </a:t>
+            </a:r>
+            <a:r>
+              <a:rPr lang="en-US" sz="1800" dirty="0" err="1">
+                <a:effectLst/>
+                <a:latin typeface="Times New Roman" panose="02020603050405020304" pitchFamily="18" charset="0"/>
+                <a:ea typeface="Calibri" panose="020F0502020204030204" pitchFamily="34" charset="0"/>
+                <a:cs typeface="Times New Roman" panose="02020603050405020304" pitchFamily="18" charset="0"/>
+              </a:rPr>
+              <a:t>Cầu</a:t>
+            </a:r>
+            <a:r>
+              <a:rPr lang="en-US" sz="1800" dirty="0">
+                <a:effectLst/>
+                <a:latin typeface="Times New Roman" panose="02020603050405020304" pitchFamily="18" charset="0"/>
+                <a:ea typeface="Calibri" panose="020F0502020204030204" pitchFamily="34" charset="0"/>
+                <a:cs typeface="Times New Roman" panose="02020603050405020304" pitchFamily="18" charset="0"/>
+              </a:rPr>
+              <a:t> </a:t>
+            </a:r>
+            <a:r>
+              <a:rPr lang="en-US" sz="1800" dirty="0" err="1">
+                <a:effectLst/>
+                <a:latin typeface="Times New Roman" panose="02020603050405020304" pitchFamily="18" charset="0"/>
+                <a:ea typeface="Calibri" panose="020F0502020204030204" pitchFamily="34" charset="0"/>
+                <a:cs typeface="Times New Roman" panose="02020603050405020304" pitchFamily="18" charset="0"/>
+              </a:rPr>
+              <a:t>Giấy</a:t>
+            </a:r>
+            <a:r>
+              <a:rPr lang="en-US" sz="1800" dirty="0">
+                <a:effectLst/>
+                <a:latin typeface="Times New Roman" panose="02020603050405020304" pitchFamily="18" charset="0"/>
+                <a:ea typeface="Calibri" panose="020F0502020204030204" pitchFamily="34" charset="0"/>
+                <a:cs typeface="Times New Roman" panose="02020603050405020304" pitchFamily="18" charset="0"/>
+              </a:rPr>
+              <a:t>.</a:t>
+            </a:r>
+            <a:endParaRPr lang="en-US" sz="1800" dirty="0">
+              <a:effectLst/>
+              <a:latin typeface="Calibri" panose="020F0502020204030204" pitchFamily="34" charset="0"/>
+              <a:ea typeface="Calibri" panose="020F0502020204030204" pitchFamily="34" charset="0"/>
+              <a:cs typeface="Times New Roman" panose="02020603050405020304" pitchFamily="18" charset="0"/>
+            </a:endParaRPr>
+          </a:p>
+          <a:p>
+            <a:pPr marL="342900" marR="0" lvl="0" indent="-342900">
+              <a:lnSpc>
+                <a:spcPct val="107000"/>
+              </a:lnSpc>
+              <a:spcBef>
+                <a:spcPts val="0"/>
+              </a:spcBef>
+              <a:spcAft>
+                <a:spcPts val="0"/>
+              </a:spcAft>
+              <a:buFont typeface="+mj-lt"/>
+              <a:buAutoNum type="arabicPeriod"/>
+            </a:pPr>
+            <a:r>
+              <a:rPr lang="en-US" sz="1800" dirty="0" err="1">
+                <a:effectLst/>
+                <a:latin typeface="Times New Roman" panose="02020603050405020304" pitchFamily="18" charset="0"/>
+                <a:ea typeface="Calibri" panose="020F0502020204030204" pitchFamily="34" charset="0"/>
+                <a:cs typeface="Times New Roman" panose="02020603050405020304" pitchFamily="18" charset="0"/>
+              </a:rPr>
+              <a:t>Đưa</a:t>
+            </a:r>
+            <a:r>
+              <a:rPr lang="en-US" sz="1800" dirty="0">
+                <a:effectLst/>
+                <a:latin typeface="Times New Roman" panose="02020603050405020304" pitchFamily="18" charset="0"/>
+                <a:ea typeface="Calibri" panose="020F0502020204030204" pitchFamily="34" charset="0"/>
+                <a:cs typeface="Times New Roman" panose="02020603050405020304" pitchFamily="18" charset="0"/>
+              </a:rPr>
+              <a:t> </a:t>
+            </a:r>
+            <a:r>
+              <a:rPr lang="en-US" sz="1800" dirty="0" err="1">
+                <a:effectLst/>
+                <a:latin typeface="Times New Roman" panose="02020603050405020304" pitchFamily="18" charset="0"/>
+                <a:ea typeface="Calibri" panose="020F0502020204030204" pitchFamily="34" charset="0"/>
+                <a:cs typeface="Times New Roman" panose="02020603050405020304" pitchFamily="18" charset="0"/>
+              </a:rPr>
+              <a:t>ra</a:t>
+            </a:r>
+            <a:r>
+              <a:rPr lang="en-US" sz="1800" dirty="0">
+                <a:effectLst/>
+                <a:latin typeface="Times New Roman" panose="02020603050405020304" pitchFamily="18" charset="0"/>
+                <a:ea typeface="Calibri" panose="020F0502020204030204" pitchFamily="34" charset="0"/>
+                <a:cs typeface="Times New Roman" panose="02020603050405020304" pitchFamily="18" charset="0"/>
+              </a:rPr>
+              <a:t> </a:t>
+            </a:r>
+            <a:r>
+              <a:rPr lang="en-US" sz="1800" dirty="0" err="1">
+                <a:effectLst/>
+                <a:latin typeface="Times New Roman" panose="02020603050405020304" pitchFamily="18" charset="0"/>
+                <a:ea typeface="Calibri" panose="020F0502020204030204" pitchFamily="34" charset="0"/>
+                <a:cs typeface="Times New Roman" panose="02020603050405020304" pitchFamily="18" charset="0"/>
+              </a:rPr>
+              <a:t>mã</a:t>
+            </a:r>
+            <a:r>
+              <a:rPr lang="en-US" sz="1800" dirty="0">
+                <a:effectLst/>
+                <a:latin typeface="Times New Roman" panose="02020603050405020304" pitchFamily="18" charset="0"/>
+                <a:ea typeface="Calibri" panose="020F0502020204030204" pitchFamily="34" charset="0"/>
+                <a:cs typeface="Times New Roman" panose="02020603050405020304" pitchFamily="18" charset="0"/>
+              </a:rPr>
+              <a:t> CPU, </a:t>
+            </a:r>
+            <a:r>
+              <a:rPr lang="en-US" sz="1800" dirty="0" err="1">
+                <a:effectLst/>
+                <a:latin typeface="Times New Roman" panose="02020603050405020304" pitchFamily="18" charset="0"/>
+                <a:ea typeface="Calibri" panose="020F0502020204030204" pitchFamily="34" charset="0"/>
+                <a:cs typeface="Times New Roman" panose="02020603050405020304" pitchFamily="18" charset="0"/>
+              </a:rPr>
+              <a:t>tên</a:t>
+            </a:r>
+            <a:r>
+              <a:rPr lang="en-US" sz="1800" dirty="0">
+                <a:effectLst/>
+                <a:latin typeface="Times New Roman" panose="02020603050405020304" pitchFamily="18" charset="0"/>
+                <a:ea typeface="Calibri" panose="020F0502020204030204" pitchFamily="34" charset="0"/>
+                <a:cs typeface="Times New Roman" panose="02020603050405020304" pitchFamily="18" charset="0"/>
+              </a:rPr>
+              <a:t> CPU </a:t>
+            </a:r>
+            <a:r>
+              <a:rPr lang="en-US" sz="1800" dirty="0" err="1">
+                <a:effectLst/>
+                <a:latin typeface="Times New Roman" panose="02020603050405020304" pitchFamily="18" charset="0"/>
+                <a:ea typeface="Calibri" panose="020F0502020204030204" pitchFamily="34" charset="0"/>
+                <a:cs typeface="Times New Roman" panose="02020603050405020304" pitchFamily="18" charset="0"/>
+              </a:rPr>
+              <a:t>xuất</a:t>
+            </a:r>
+            <a:r>
+              <a:rPr lang="en-US" sz="1800" dirty="0">
+                <a:effectLst/>
+                <a:latin typeface="Times New Roman" panose="02020603050405020304" pitchFamily="18" charset="0"/>
+                <a:ea typeface="Calibri" panose="020F0502020204030204" pitchFamily="34" charset="0"/>
+                <a:cs typeface="Times New Roman" panose="02020603050405020304" pitchFamily="18" charset="0"/>
+              </a:rPr>
+              <a:t> </a:t>
+            </a:r>
+            <a:r>
+              <a:rPr lang="en-US" sz="1800" dirty="0" err="1">
+                <a:effectLst/>
+                <a:latin typeface="Times New Roman" panose="02020603050405020304" pitchFamily="18" charset="0"/>
+                <a:ea typeface="Calibri" panose="020F0502020204030204" pitchFamily="34" charset="0"/>
+                <a:cs typeface="Times New Roman" panose="02020603050405020304" pitchFamily="18" charset="0"/>
+              </a:rPr>
+              <a:t>xứ</a:t>
+            </a:r>
+            <a:r>
+              <a:rPr lang="en-US" sz="1800" dirty="0">
+                <a:effectLst/>
+                <a:latin typeface="Times New Roman" panose="02020603050405020304" pitchFamily="18" charset="0"/>
+                <a:ea typeface="Calibri" panose="020F0502020204030204" pitchFamily="34" charset="0"/>
+                <a:cs typeface="Times New Roman" panose="02020603050405020304" pitchFamily="18" charset="0"/>
+              </a:rPr>
+              <a:t> </a:t>
+            </a:r>
+            <a:r>
+              <a:rPr lang="en-US" sz="1800" dirty="0" err="1">
+                <a:effectLst/>
+                <a:latin typeface="Times New Roman" panose="02020603050405020304" pitchFamily="18" charset="0"/>
+                <a:ea typeface="Calibri" panose="020F0502020204030204" pitchFamily="34" charset="0"/>
+                <a:cs typeface="Times New Roman" panose="02020603050405020304" pitchFamily="18" charset="0"/>
+              </a:rPr>
+              <a:t>Mỹ</a:t>
+            </a:r>
+            <a:r>
+              <a:rPr lang="en-US" sz="1800" dirty="0">
+                <a:effectLst/>
+                <a:latin typeface="Times New Roman" panose="02020603050405020304" pitchFamily="18" charset="0"/>
+                <a:ea typeface="Calibri" panose="020F0502020204030204" pitchFamily="34" charset="0"/>
+                <a:cs typeface="Times New Roman" panose="02020603050405020304" pitchFamily="18" charset="0"/>
+              </a:rPr>
+              <a:t> </a:t>
+            </a:r>
+            <a:r>
+              <a:rPr lang="en-US" sz="1800" dirty="0" err="1">
+                <a:effectLst/>
+                <a:latin typeface="Times New Roman" panose="02020603050405020304" pitchFamily="18" charset="0"/>
+                <a:ea typeface="Calibri" panose="020F0502020204030204" pitchFamily="34" charset="0"/>
+                <a:cs typeface="Times New Roman" panose="02020603050405020304" pitchFamily="18" charset="0"/>
+              </a:rPr>
+              <a:t>và</a:t>
+            </a:r>
+            <a:r>
+              <a:rPr lang="en-US" sz="1800" dirty="0">
+                <a:effectLst/>
+                <a:latin typeface="Times New Roman" panose="02020603050405020304" pitchFamily="18" charset="0"/>
+                <a:ea typeface="Calibri" panose="020F0502020204030204" pitchFamily="34" charset="0"/>
+                <a:cs typeface="Times New Roman" panose="02020603050405020304" pitchFamily="18" charset="0"/>
+              </a:rPr>
+              <a:t> </a:t>
+            </a:r>
+            <a:r>
+              <a:rPr lang="en-US" sz="1800" dirty="0" err="1">
+                <a:effectLst/>
+                <a:latin typeface="Times New Roman" panose="02020603050405020304" pitchFamily="18" charset="0"/>
+                <a:ea typeface="Calibri" panose="020F0502020204030204" pitchFamily="34" charset="0"/>
+                <a:cs typeface="Times New Roman" panose="02020603050405020304" pitchFamily="18" charset="0"/>
+              </a:rPr>
+              <a:t>có</a:t>
+            </a:r>
+            <a:r>
+              <a:rPr lang="en-US" sz="1800" dirty="0">
+                <a:effectLst/>
+                <a:latin typeface="Times New Roman" panose="02020603050405020304" pitchFamily="18" charset="0"/>
+                <a:ea typeface="Calibri" panose="020F0502020204030204" pitchFamily="34" charset="0"/>
+                <a:cs typeface="Times New Roman" panose="02020603050405020304" pitchFamily="18" charset="0"/>
+              </a:rPr>
+              <a:t> </a:t>
+            </a:r>
+            <a:r>
+              <a:rPr lang="en-US" sz="1800" dirty="0" err="1">
+                <a:effectLst/>
+                <a:latin typeface="Times New Roman" panose="02020603050405020304" pitchFamily="18" charset="0"/>
+                <a:ea typeface="Calibri" panose="020F0502020204030204" pitchFamily="34" charset="0"/>
+                <a:cs typeface="Times New Roman" panose="02020603050405020304" pitchFamily="18" charset="0"/>
+              </a:rPr>
+              <a:t>giá</a:t>
+            </a:r>
+            <a:r>
+              <a:rPr lang="en-US" sz="1800" dirty="0">
+                <a:effectLst/>
+                <a:latin typeface="Times New Roman" panose="02020603050405020304" pitchFamily="18" charset="0"/>
+                <a:ea typeface="Calibri" panose="020F0502020204030204" pitchFamily="34" charset="0"/>
+                <a:cs typeface="Times New Roman" panose="02020603050405020304" pitchFamily="18" charset="0"/>
+              </a:rPr>
+              <a:t> </a:t>
+            </a:r>
+            <a:r>
+              <a:rPr lang="en-US" sz="1800" dirty="0" err="1">
+                <a:effectLst/>
+                <a:latin typeface="Times New Roman" panose="02020603050405020304" pitchFamily="18" charset="0"/>
+                <a:ea typeface="Calibri" panose="020F0502020204030204" pitchFamily="34" charset="0"/>
+                <a:cs typeface="Times New Roman" panose="02020603050405020304" pitchFamily="18" charset="0"/>
+              </a:rPr>
+              <a:t>tiền</a:t>
+            </a:r>
+            <a:r>
+              <a:rPr lang="en-US" sz="1800" dirty="0">
+                <a:effectLst/>
+                <a:latin typeface="Times New Roman" panose="02020603050405020304" pitchFamily="18" charset="0"/>
+                <a:ea typeface="Calibri" panose="020F0502020204030204" pitchFamily="34" charset="0"/>
+                <a:cs typeface="Times New Roman" panose="02020603050405020304" pitchFamily="18" charset="0"/>
+              </a:rPr>
+              <a:t> </a:t>
+            </a:r>
+            <a:r>
+              <a:rPr lang="en-US" sz="1800" dirty="0" err="1">
+                <a:effectLst/>
+                <a:latin typeface="Times New Roman" panose="02020603050405020304" pitchFamily="18" charset="0"/>
+                <a:ea typeface="Calibri" panose="020F0502020204030204" pitchFamily="34" charset="0"/>
+                <a:cs typeface="Times New Roman" panose="02020603050405020304" pitchFamily="18" charset="0"/>
+              </a:rPr>
+              <a:t>lớn</a:t>
+            </a:r>
+            <a:r>
+              <a:rPr lang="en-US" sz="1800" dirty="0">
+                <a:effectLst/>
+                <a:latin typeface="Times New Roman" panose="02020603050405020304" pitchFamily="18" charset="0"/>
+                <a:ea typeface="Calibri" panose="020F0502020204030204" pitchFamily="34" charset="0"/>
+                <a:cs typeface="Times New Roman" panose="02020603050405020304" pitchFamily="18" charset="0"/>
+              </a:rPr>
+              <a:t> </a:t>
+            </a:r>
+            <a:r>
+              <a:rPr lang="en-US" sz="1800" dirty="0" err="1">
+                <a:effectLst/>
+                <a:latin typeface="Times New Roman" panose="02020603050405020304" pitchFamily="18" charset="0"/>
+                <a:ea typeface="Calibri" panose="020F0502020204030204" pitchFamily="34" charset="0"/>
+                <a:cs typeface="Times New Roman" panose="02020603050405020304" pitchFamily="18" charset="0"/>
+              </a:rPr>
+              <a:t>hơn</a:t>
+            </a:r>
+            <a:r>
+              <a:rPr lang="en-US" sz="1800" dirty="0">
+                <a:effectLst/>
+                <a:latin typeface="Times New Roman" panose="02020603050405020304" pitchFamily="18" charset="0"/>
+                <a:ea typeface="Calibri" panose="020F0502020204030204" pitchFamily="34" charset="0"/>
+                <a:cs typeface="Times New Roman" panose="02020603050405020304" pitchFamily="18" charset="0"/>
+              </a:rPr>
+              <a:t> 10 </a:t>
+            </a:r>
+            <a:r>
+              <a:rPr lang="en-US" sz="1800" dirty="0" err="1">
+                <a:effectLst/>
+                <a:latin typeface="Times New Roman" panose="02020603050405020304" pitchFamily="18" charset="0"/>
+                <a:ea typeface="Calibri" panose="020F0502020204030204" pitchFamily="34" charset="0"/>
+                <a:cs typeface="Times New Roman" panose="02020603050405020304" pitchFamily="18" charset="0"/>
+              </a:rPr>
+              <a:t>triệu</a:t>
+            </a:r>
+            <a:r>
+              <a:rPr lang="en-US" sz="1800" dirty="0">
+                <a:effectLst/>
+                <a:latin typeface="Times New Roman" panose="02020603050405020304" pitchFamily="18" charset="0"/>
+                <a:ea typeface="Calibri" panose="020F0502020204030204" pitchFamily="34" charset="0"/>
+                <a:cs typeface="Times New Roman" panose="02020603050405020304" pitchFamily="18" charset="0"/>
+              </a:rPr>
+              <a:t>.</a:t>
+            </a:r>
+            <a:endParaRPr lang="en-US" sz="1800" dirty="0">
+              <a:effectLst/>
+              <a:latin typeface="Calibri" panose="020F0502020204030204" pitchFamily="34" charset="0"/>
+              <a:ea typeface="Calibri" panose="020F0502020204030204" pitchFamily="34" charset="0"/>
+              <a:cs typeface="Times New Roman" panose="02020603050405020304" pitchFamily="18" charset="0"/>
+            </a:endParaRPr>
+          </a:p>
+          <a:p>
+            <a:pPr marL="342900" marR="0" lvl="0" indent="-342900">
+              <a:lnSpc>
+                <a:spcPct val="107000"/>
+              </a:lnSpc>
+              <a:spcBef>
+                <a:spcPts val="0"/>
+              </a:spcBef>
+              <a:spcAft>
+                <a:spcPts val="0"/>
+              </a:spcAft>
+              <a:buFont typeface="+mj-lt"/>
+              <a:buAutoNum type="arabicPeriod"/>
+            </a:pPr>
+            <a:r>
+              <a:rPr lang="en-US" sz="1800" dirty="0" err="1">
+                <a:effectLst/>
+                <a:latin typeface="Times New Roman" panose="02020603050405020304" pitchFamily="18" charset="0"/>
+                <a:ea typeface="Calibri" panose="020F0502020204030204" pitchFamily="34" charset="0"/>
+                <a:cs typeface="Times New Roman" panose="02020603050405020304" pitchFamily="18" charset="0"/>
+              </a:rPr>
+              <a:t>Đưa</a:t>
+            </a:r>
+            <a:r>
+              <a:rPr lang="en-US" sz="1800" dirty="0">
+                <a:effectLst/>
+                <a:latin typeface="Times New Roman" panose="02020603050405020304" pitchFamily="18" charset="0"/>
+                <a:ea typeface="Calibri" panose="020F0502020204030204" pitchFamily="34" charset="0"/>
+                <a:cs typeface="Times New Roman" panose="02020603050405020304" pitchFamily="18" charset="0"/>
+              </a:rPr>
+              <a:t> </a:t>
+            </a:r>
+            <a:r>
+              <a:rPr lang="en-US" sz="1800" dirty="0" err="1">
+                <a:effectLst/>
+                <a:latin typeface="Times New Roman" panose="02020603050405020304" pitchFamily="18" charset="0"/>
+                <a:ea typeface="Calibri" panose="020F0502020204030204" pitchFamily="34" charset="0"/>
+                <a:cs typeface="Times New Roman" panose="02020603050405020304" pitchFamily="18" charset="0"/>
+              </a:rPr>
+              <a:t>ra</a:t>
+            </a:r>
+            <a:r>
+              <a:rPr lang="en-US" sz="1800" dirty="0">
+                <a:effectLst/>
+                <a:latin typeface="Times New Roman" panose="02020603050405020304" pitchFamily="18" charset="0"/>
+                <a:ea typeface="Calibri" panose="020F0502020204030204" pitchFamily="34" charset="0"/>
+                <a:cs typeface="Times New Roman" panose="02020603050405020304" pitchFamily="18" charset="0"/>
+              </a:rPr>
+              <a:t> </a:t>
+            </a:r>
+            <a:r>
+              <a:rPr lang="en-US" sz="1800" dirty="0" err="1">
+                <a:effectLst/>
+                <a:latin typeface="Times New Roman" panose="02020603050405020304" pitchFamily="18" charset="0"/>
+                <a:ea typeface="Calibri" panose="020F0502020204030204" pitchFamily="34" charset="0"/>
+                <a:cs typeface="Times New Roman" panose="02020603050405020304" pitchFamily="18" charset="0"/>
+              </a:rPr>
+              <a:t>mã</a:t>
+            </a:r>
+            <a:r>
+              <a:rPr lang="en-US" sz="1800" dirty="0">
+                <a:effectLst/>
+                <a:latin typeface="Times New Roman" panose="02020603050405020304" pitchFamily="18" charset="0"/>
+                <a:ea typeface="Calibri" panose="020F0502020204030204" pitchFamily="34" charset="0"/>
+                <a:cs typeface="Times New Roman" panose="02020603050405020304" pitchFamily="18" charset="0"/>
+              </a:rPr>
+              <a:t> </a:t>
+            </a:r>
+            <a:r>
+              <a:rPr lang="en-US" sz="1800" dirty="0" err="1">
+                <a:effectLst/>
+                <a:latin typeface="Times New Roman" panose="02020603050405020304" pitchFamily="18" charset="0"/>
+                <a:ea typeface="Calibri" panose="020F0502020204030204" pitchFamily="34" charset="0"/>
+                <a:cs typeface="Times New Roman" panose="02020603050405020304" pitchFamily="18" charset="0"/>
+              </a:rPr>
+              <a:t>đơn</a:t>
+            </a:r>
+            <a:r>
+              <a:rPr lang="en-US" sz="1800" dirty="0">
+                <a:effectLst/>
+                <a:latin typeface="Times New Roman" panose="02020603050405020304" pitchFamily="18" charset="0"/>
+                <a:ea typeface="Calibri" panose="020F0502020204030204" pitchFamily="34" charset="0"/>
+                <a:cs typeface="Times New Roman" panose="02020603050405020304" pitchFamily="18" charset="0"/>
+              </a:rPr>
+              <a:t> </a:t>
+            </a:r>
+            <a:r>
+              <a:rPr lang="en-US" sz="1800" dirty="0" err="1">
+                <a:effectLst/>
+                <a:latin typeface="Times New Roman" panose="02020603050405020304" pitchFamily="18" charset="0"/>
+                <a:ea typeface="Calibri" panose="020F0502020204030204" pitchFamily="34" charset="0"/>
+                <a:cs typeface="Times New Roman" panose="02020603050405020304" pitchFamily="18" charset="0"/>
+              </a:rPr>
+              <a:t>hàng</a:t>
+            </a:r>
+            <a:r>
+              <a:rPr lang="en-US" sz="1800" dirty="0">
+                <a:effectLst/>
+                <a:latin typeface="Times New Roman" panose="02020603050405020304" pitchFamily="18" charset="0"/>
+                <a:ea typeface="Calibri" panose="020F0502020204030204" pitchFamily="34" charset="0"/>
+                <a:cs typeface="Times New Roman" panose="02020603050405020304" pitchFamily="18" charset="0"/>
+              </a:rPr>
+              <a:t> </a:t>
+            </a:r>
+            <a:r>
+              <a:rPr lang="en-US" sz="1800" dirty="0" err="1">
+                <a:effectLst/>
+                <a:latin typeface="Times New Roman" panose="02020603050405020304" pitchFamily="18" charset="0"/>
+                <a:ea typeface="Calibri" panose="020F0502020204030204" pitchFamily="34" charset="0"/>
+                <a:cs typeface="Times New Roman" panose="02020603050405020304" pitchFamily="18" charset="0"/>
+              </a:rPr>
+              <a:t>có</a:t>
+            </a:r>
+            <a:r>
+              <a:rPr lang="en-US" sz="1800" dirty="0">
+                <a:effectLst/>
+                <a:latin typeface="Times New Roman" panose="02020603050405020304" pitchFamily="18" charset="0"/>
+                <a:ea typeface="Calibri" panose="020F0502020204030204" pitchFamily="34" charset="0"/>
+                <a:cs typeface="Times New Roman" panose="02020603050405020304" pitchFamily="18" charset="0"/>
+              </a:rPr>
+              <a:t> </a:t>
+            </a:r>
+            <a:r>
+              <a:rPr lang="en-US" sz="1800" dirty="0" err="1">
+                <a:effectLst/>
+                <a:latin typeface="Times New Roman" panose="02020603050405020304" pitchFamily="18" charset="0"/>
+                <a:ea typeface="Calibri" panose="020F0502020204030204" pitchFamily="34" charset="0"/>
+                <a:cs typeface="Times New Roman" panose="02020603050405020304" pitchFamily="18" charset="0"/>
+              </a:rPr>
+              <a:t>đánh</a:t>
+            </a:r>
+            <a:r>
+              <a:rPr lang="en-US" sz="1800" dirty="0">
+                <a:effectLst/>
+                <a:latin typeface="Times New Roman" panose="02020603050405020304" pitchFamily="18" charset="0"/>
+                <a:ea typeface="Calibri" panose="020F0502020204030204" pitchFamily="34" charset="0"/>
+                <a:cs typeface="Times New Roman" panose="02020603050405020304" pitchFamily="18" charset="0"/>
+              </a:rPr>
+              <a:t> </a:t>
+            </a:r>
+            <a:r>
+              <a:rPr lang="en-US" sz="1800" dirty="0" err="1">
+                <a:effectLst/>
+                <a:latin typeface="Times New Roman" panose="02020603050405020304" pitchFamily="18" charset="0"/>
+                <a:ea typeface="Calibri" panose="020F0502020204030204" pitchFamily="34" charset="0"/>
+                <a:cs typeface="Times New Roman" panose="02020603050405020304" pitchFamily="18" charset="0"/>
+              </a:rPr>
+              <a:t>giá</a:t>
+            </a:r>
+            <a:r>
+              <a:rPr lang="en-US" sz="1800" dirty="0">
+                <a:effectLst/>
+                <a:latin typeface="Times New Roman" panose="02020603050405020304" pitchFamily="18" charset="0"/>
+                <a:ea typeface="Calibri" panose="020F0502020204030204" pitchFamily="34" charset="0"/>
+                <a:cs typeface="Times New Roman" panose="02020603050405020304" pitchFamily="18" charset="0"/>
+              </a:rPr>
+              <a:t> 4 </a:t>
+            </a:r>
+            <a:r>
+              <a:rPr lang="en-US" sz="1800" dirty="0" err="1">
+                <a:effectLst/>
+                <a:latin typeface="Times New Roman" panose="02020603050405020304" pitchFamily="18" charset="0"/>
+                <a:ea typeface="Calibri" panose="020F0502020204030204" pitchFamily="34" charset="0"/>
+                <a:cs typeface="Times New Roman" panose="02020603050405020304" pitchFamily="18" charset="0"/>
+              </a:rPr>
+              <a:t>sao</a:t>
+            </a:r>
+            <a:r>
+              <a:rPr lang="en-US" sz="1800" dirty="0">
+                <a:effectLst/>
+                <a:latin typeface="Times New Roman" panose="02020603050405020304" pitchFamily="18" charset="0"/>
+                <a:ea typeface="Calibri" panose="020F0502020204030204" pitchFamily="34" charset="0"/>
+                <a:cs typeface="Times New Roman" panose="02020603050405020304" pitchFamily="18" charset="0"/>
+              </a:rPr>
+              <a:t>, </a:t>
+            </a:r>
+            <a:r>
+              <a:rPr lang="en-US" sz="1800" dirty="0" err="1">
+                <a:effectLst/>
+                <a:latin typeface="Times New Roman" panose="02020603050405020304" pitchFamily="18" charset="0"/>
+                <a:ea typeface="Calibri" panose="020F0502020204030204" pitchFamily="34" charset="0"/>
+                <a:cs typeface="Times New Roman" panose="02020603050405020304" pitchFamily="18" charset="0"/>
+              </a:rPr>
+              <a:t>được</a:t>
+            </a:r>
+            <a:r>
+              <a:rPr lang="en-US" sz="1800" dirty="0">
+                <a:effectLst/>
+                <a:latin typeface="Times New Roman" panose="02020603050405020304" pitchFamily="18" charset="0"/>
+                <a:ea typeface="Calibri" panose="020F0502020204030204" pitchFamily="34" charset="0"/>
+                <a:cs typeface="Times New Roman" panose="02020603050405020304" pitchFamily="18" charset="0"/>
+              </a:rPr>
+              <a:t> </a:t>
+            </a:r>
+            <a:r>
+              <a:rPr lang="en-US" sz="1800" dirty="0" err="1">
+                <a:effectLst/>
+                <a:latin typeface="Times New Roman" panose="02020603050405020304" pitchFamily="18" charset="0"/>
+                <a:ea typeface="Calibri" panose="020F0502020204030204" pitchFamily="34" charset="0"/>
+                <a:cs typeface="Times New Roman" panose="02020603050405020304" pitchFamily="18" charset="0"/>
+              </a:rPr>
+              <a:t>đặt</a:t>
+            </a:r>
+            <a:r>
+              <a:rPr lang="en-US" sz="1800" dirty="0">
+                <a:effectLst/>
+                <a:latin typeface="Times New Roman" panose="02020603050405020304" pitchFamily="18" charset="0"/>
+                <a:ea typeface="Calibri" panose="020F0502020204030204" pitchFamily="34" charset="0"/>
+                <a:cs typeface="Times New Roman" panose="02020603050405020304" pitchFamily="18" charset="0"/>
+              </a:rPr>
+              <a:t> </a:t>
+            </a:r>
+            <a:r>
+              <a:rPr lang="en-US" sz="1800" dirty="0" err="1">
+                <a:effectLst/>
+                <a:latin typeface="Times New Roman" panose="02020603050405020304" pitchFamily="18" charset="0"/>
+                <a:ea typeface="Calibri" panose="020F0502020204030204" pitchFamily="34" charset="0"/>
+                <a:cs typeface="Times New Roman" panose="02020603050405020304" pitchFamily="18" charset="0"/>
+              </a:rPr>
+              <a:t>vào</a:t>
+            </a:r>
+            <a:r>
+              <a:rPr lang="en-US" sz="1800" dirty="0">
+                <a:effectLst/>
+                <a:latin typeface="Times New Roman" panose="02020603050405020304" pitchFamily="18" charset="0"/>
+                <a:ea typeface="Calibri" panose="020F0502020204030204" pitchFamily="34" charset="0"/>
+                <a:cs typeface="Times New Roman" panose="02020603050405020304" pitchFamily="18" charset="0"/>
+              </a:rPr>
+              <a:t> </a:t>
+            </a:r>
+            <a:r>
+              <a:rPr lang="en-US" sz="1800" dirty="0" err="1">
+                <a:effectLst/>
+                <a:latin typeface="Times New Roman" panose="02020603050405020304" pitchFamily="18" charset="0"/>
+                <a:ea typeface="Calibri" panose="020F0502020204030204" pitchFamily="34" charset="0"/>
+                <a:cs typeface="Times New Roman" panose="02020603050405020304" pitchFamily="18" charset="0"/>
+              </a:rPr>
+              <a:t>ngày</a:t>
+            </a:r>
+            <a:r>
+              <a:rPr lang="en-US" sz="1800" dirty="0">
+                <a:effectLst/>
+                <a:latin typeface="Times New Roman" panose="02020603050405020304" pitchFamily="18" charset="0"/>
+                <a:ea typeface="Calibri" panose="020F0502020204030204" pitchFamily="34" charset="0"/>
+                <a:cs typeface="Times New Roman" panose="02020603050405020304" pitchFamily="18" charset="0"/>
+              </a:rPr>
+              <a:t> 30/04/2022.</a:t>
+            </a:r>
+            <a:endParaRPr lang="en-US" sz="1800" dirty="0">
+              <a:effectLst/>
+              <a:latin typeface="Calibri" panose="020F0502020204030204" pitchFamily="34" charset="0"/>
+              <a:ea typeface="Calibri" panose="020F0502020204030204" pitchFamily="34" charset="0"/>
+              <a:cs typeface="Times New Roman" panose="02020603050405020304" pitchFamily="18" charset="0"/>
+            </a:endParaRPr>
+          </a:p>
+          <a:p>
+            <a:pPr marL="342900" marR="0" lvl="0" indent="-342900">
+              <a:lnSpc>
+                <a:spcPct val="107000"/>
+              </a:lnSpc>
+              <a:spcBef>
+                <a:spcPts val="0"/>
+              </a:spcBef>
+              <a:spcAft>
+                <a:spcPts val="0"/>
+              </a:spcAft>
+              <a:buFont typeface="+mj-lt"/>
+              <a:buAutoNum type="arabicPeriod"/>
+            </a:pPr>
+            <a:r>
+              <a:rPr lang="en-US" sz="1800" dirty="0" err="1">
+                <a:effectLst/>
+                <a:latin typeface="Times New Roman" panose="02020603050405020304" pitchFamily="18" charset="0"/>
+                <a:ea typeface="Calibri" panose="020F0502020204030204" pitchFamily="34" charset="0"/>
+                <a:cs typeface="Times New Roman" panose="02020603050405020304" pitchFamily="18" charset="0"/>
+              </a:rPr>
+              <a:t>Đưa</a:t>
+            </a:r>
+            <a:r>
+              <a:rPr lang="en-US" sz="1800" dirty="0">
+                <a:effectLst/>
+                <a:latin typeface="Times New Roman" panose="02020603050405020304" pitchFamily="18" charset="0"/>
+                <a:ea typeface="Calibri" panose="020F0502020204030204" pitchFamily="34" charset="0"/>
+                <a:cs typeface="Times New Roman" panose="02020603050405020304" pitchFamily="18" charset="0"/>
+              </a:rPr>
+              <a:t> </a:t>
+            </a:r>
+            <a:r>
+              <a:rPr lang="en-US" sz="1800" dirty="0" err="1">
+                <a:effectLst/>
+                <a:latin typeface="Times New Roman" panose="02020603050405020304" pitchFamily="18" charset="0"/>
+                <a:ea typeface="Calibri" panose="020F0502020204030204" pitchFamily="34" charset="0"/>
+                <a:cs typeface="Times New Roman" panose="02020603050405020304" pitchFamily="18" charset="0"/>
+              </a:rPr>
+              <a:t>ra</a:t>
+            </a:r>
+            <a:r>
+              <a:rPr lang="en-US" sz="1800" dirty="0">
+                <a:effectLst/>
+                <a:latin typeface="Times New Roman" panose="02020603050405020304" pitchFamily="18" charset="0"/>
+                <a:ea typeface="Calibri" panose="020F0502020204030204" pitchFamily="34" charset="0"/>
+                <a:cs typeface="Times New Roman" panose="02020603050405020304" pitchFamily="18" charset="0"/>
+              </a:rPr>
+              <a:t> </a:t>
+            </a:r>
+            <a:r>
+              <a:rPr lang="en-US" sz="1800" dirty="0" err="1">
+                <a:effectLst/>
+                <a:latin typeface="Times New Roman" panose="02020603050405020304" pitchFamily="18" charset="0"/>
+                <a:ea typeface="Calibri" panose="020F0502020204030204" pitchFamily="34" charset="0"/>
+                <a:cs typeface="Times New Roman" panose="02020603050405020304" pitchFamily="18" charset="0"/>
+              </a:rPr>
+              <a:t>tên</a:t>
+            </a:r>
+            <a:r>
+              <a:rPr lang="en-US" sz="1800" dirty="0">
+                <a:effectLst/>
+                <a:latin typeface="Times New Roman" panose="02020603050405020304" pitchFamily="18" charset="0"/>
+                <a:ea typeface="Calibri" panose="020F0502020204030204" pitchFamily="34" charset="0"/>
+                <a:cs typeface="Times New Roman" panose="02020603050405020304" pitchFamily="18" charset="0"/>
+              </a:rPr>
+              <a:t> </a:t>
+            </a:r>
+            <a:r>
+              <a:rPr lang="en-US" sz="1800" dirty="0" err="1">
+                <a:effectLst/>
+                <a:latin typeface="Times New Roman" panose="02020603050405020304" pitchFamily="18" charset="0"/>
+                <a:ea typeface="Calibri" panose="020F0502020204030204" pitchFamily="34" charset="0"/>
+                <a:cs typeface="Times New Roman" panose="02020603050405020304" pitchFamily="18" charset="0"/>
+              </a:rPr>
+              <a:t>nhân</a:t>
+            </a:r>
+            <a:r>
+              <a:rPr lang="en-US" sz="1800" dirty="0">
+                <a:effectLst/>
+                <a:latin typeface="Times New Roman" panose="02020603050405020304" pitchFamily="18" charset="0"/>
+                <a:ea typeface="Calibri" panose="020F0502020204030204" pitchFamily="34" charset="0"/>
+                <a:cs typeface="Times New Roman" panose="02020603050405020304" pitchFamily="18" charset="0"/>
+              </a:rPr>
+              <a:t> </a:t>
+            </a:r>
+            <a:r>
+              <a:rPr lang="en-US" sz="1800" dirty="0" err="1">
+                <a:effectLst/>
+                <a:latin typeface="Times New Roman" panose="02020603050405020304" pitchFamily="18" charset="0"/>
+                <a:ea typeface="Calibri" panose="020F0502020204030204" pitchFamily="34" charset="0"/>
+                <a:cs typeface="Times New Roman" panose="02020603050405020304" pitchFamily="18" charset="0"/>
+              </a:rPr>
+              <a:t>viên</a:t>
+            </a:r>
+            <a:r>
+              <a:rPr lang="en-US" sz="1800" dirty="0">
+                <a:effectLst/>
+                <a:latin typeface="Times New Roman" panose="02020603050405020304" pitchFamily="18" charset="0"/>
+                <a:ea typeface="Calibri" panose="020F0502020204030204" pitchFamily="34" charset="0"/>
+                <a:cs typeface="Times New Roman" panose="02020603050405020304" pitchFamily="18" charset="0"/>
+              </a:rPr>
+              <a:t> </a:t>
+            </a:r>
+            <a:r>
+              <a:rPr lang="en-US" sz="1800" dirty="0" err="1">
+                <a:effectLst/>
+                <a:latin typeface="Times New Roman" panose="02020603050405020304" pitchFamily="18" charset="0"/>
+                <a:ea typeface="Calibri" panose="020F0502020204030204" pitchFamily="34" charset="0"/>
+                <a:cs typeface="Times New Roman" panose="02020603050405020304" pitchFamily="18" charset="0"/>
+              </a:rPr>
+              <a:t>nhận</a:t>
+            </a:r>
+            <a:r>
+              <a:rPr lang="en-US" sz="1800" dirty="0">
+                <a:effectLst/>
+                <a:latin typeface="Times New Roman" panose="02020603050405020304" pitchFamily="18" charset="0"/>
+                <a:ea typeface="Calibri" panose="020F0502020204030204" pitchFamily="34" charset="0"/>
+                <a:cs typeface="Times New Roman" panose="02020603050405020304" pitchFamily="18" charset="0"/>
+              </a:rPr>
+              <a:t> </a:t>
+            </a:r>
+            <a:r>
+              <a:rPr lang="en-US" sz="1800" dirty="0" err="1">
+                <a:effectLst/>
+                <a:latin typeface="Times New Roman" panose="02020603050405020304" pitchFamily="18" charset="0"/>
+                <a:ea typeface="Calibri" panose="020F0502020204030204" pitchFamily="34" charset="0"/>
+                <a:cs typeface="Times New Roman" panose="02020603050405020304" pitchFamily="18" charset="0"/>
+              </a:rPr>
+              <a:t>đơn</a:t>
+            </a:r>
+            <a:r>
+              <a:rPr lang="en-US" sz="1800" dirty="0">
+                <a:effectLst/>
+                <a:latin typeface="Times New Roman" panose="02020603050405020304" pitchFamily="18" charset="0"/>
+                <a:ea typeface="Calibri" panose="020F0502020204030204" pitchFamily="34" charset="0"/>
+                <a:cs typeface="Times New Roman" panose="02020603050405020304" pitchFamily="18" charset="0"/>
+              </a:rPr>
+              <a:t> </a:t>
+            </a:r>
+            <a:r>
+              <a:rPr lang="en-US" sz="1800" dirty="0" err="1">
+                <a:effectLst/>
+                <a:latin typeface="Times New Roman" panose="02020603050405020304" pitchFamily="18" charset="0"/>
+                <a:ea typeface="Calibri" panose="020F0502020204030204" pitchFamily="34" charset="0"/>
+                <a:cs typeface="Times New Roman" panose="02020603050405020304" pitchFamily="18" charset="0"/>
+              </a:rPr>
+              <a:t>đặt</a:t>
+            </a:r>
+            <a:r>
+              <a:rPr lang="en-US" sz="1800" dirty="0">
+                <a:effectLst/>
+                <a:latin typeface="Times New Roman" panose="02020603050405020304" pitchFamily="18" charset="0"/>
+                <a:ea typeface="Calibri" panose="020F0502020204030204" pitchFamily="34" charset="0"/>
+                <a:cs typeface="Times New Roman" panose="02020603050405020304" pitchFamily="18" charset="0"/>
+              </a:rPr>
+              <a:t> </a:t>
+            </a:r>
+            <a:r>
+              <a:rPr lang="en-US" sz="1800" dirty="0" err="1">
+                <a:effectLst/>
+                <a:latin typeface="Times New Roman" panose="02020603050405020304" pitchFamily="18" charset="0"/>
+                <a:ea typeface="Calibri" panose="020F0502020204030204" pitchFamily="34" charset="0"/>
+                <a:cs typeface="Times New Roman" panose="02020603050405020304" pitchFamily="18" charset="0"/>
+              </a:rPr>
+              <a:t>hàng</a:t>
+            </a:r>
+            <a:r>
+              <a:rPr lang="en-US" sz="1800" dirty="0">
+                <a:effectLst/>
+                <a:latin typeface="Times New Roman" panose="02020603050405020304" pitchFamily="18" charset="0"/>
+                <a:ea typeface="Calibri" panose="020F0502020204030204" pitchFamily="34" charset="0"/>
+                <a:cs typeface="Times New Roman" panose="02020603050405020304" pitchFamily="18" charset="0"/>
+              </a:rPr>
+              <a:t> </a:t>
+            </a:r>
+            <a:r>
+              <a:rPr lang="en-US" sz="1800" dirty="0" err="1">
+                <a:effectLst/>
+                <a:latin typeface="Times New Roman" panose="02020603050405020304" pitchFamily="18" charset="0"/>
+                <a:ea typeface="Calibri" panose="020F0502020204030204" pitchFamily="34" charset="0"/>
+                <a:cs typeface="Times New Roman" panose="02020603050405020304" pitchFamily="18" charset="0"/>
+              </a:rPr>
+              <a:t>ngày</a:t>
+            </a:r>
+            <a:r>
+              <a:rPr lang="en-US" sz="1800" dirty="0">
+                <a:effectLst/>
+                <a:latin typeface="Times New Roman" panose="02020603050405020304" pitchFamily="18" charset="0"/>
+                <a:ea typeface="Calibri" panose="020F0502020204030204" pitchFamily="34" charset="0"/>
+                <a:cs typeface="Times New Roman" panose="02020603050405020304" pitchFamily="18" charset="0"/>
+              </a:rPr>
+              <a:t> 01/04/2022.</a:t>
+            </a:r>
+            <a:endParaRPr lang="en-US" sz="1800" dirty="0">
+              <a:effectLst/>
+              <a:latin typeface="Calibri" panose="020F0502020204030204" pitchFamily="34" charset="0"/>
+              <a:ea typeface="Calibri" panose="020F0502020204030204" pitchFamily="34" charset="0"/>
+              <a:cs typeface="Times New Roman" panose="02020603050405020304" pitchFamily="18" charset="0"/>
+            </a:endParaRPr>
+          </a:p>
+          <a:p>
+            <a:pPr marL="342900" marR="0" lvl="0" indent="-342900">
+              <a:lnSpc>
+                <a:spcPct val="107000"/>
+              </a:lnSpc>
+              <a:spcBef>
+                <a:spcPts val="0"/>
+              </a:spcBef>
+              <a:spcAft>
+                <a:spcPts val="0"/>
+              </a:spcAft>
+              <a:buFont typeface="+mj-lt"/>
+              <a:buAutoNum type="arabicPeriod"/>
+            </a:pPr>
+            <a:r>
+              <a:rPr lang="en-US" sz="1800" dirty="0" err="1">
+                <a:effectLst/>
+                <a:latin typeface="Times New Roman" panose="02020603050405020304" pitchFamily="18" charset="0"/>
+                <a:ea typeface="Calibri" panose="020F0502020204030204" pitchFamily="34" charset="0"/>
+                <a:cs typeface="Times New Roman" panose="02020603050405020304" pitchFamily="18" charset="0"/>
+              </a:rPr>
+              <a:t>Đưa</a:t>
+            </a:r>
+            <a:r>
+              <a:rPr lang="en-US" sz="1800" dirty="0">
+                <a:effectLst/>
+                <a:latin typeface="Times New Roman" panose="02020603050405020304" pitchFamily="18" charset="0"/>
+                <a:ea typeface="Calibri" panose="020F0502020204030204" pitchFamily="34" charset="0"/>
+                <a:cs typeface="Times New Roman" panose="02020603050405020304" pitchFamily="18" charset="0"/>
+              </a:rPr>
+              <a:t> </a:t>
+            </a:r>
+            <a:r>
+              <a:rPr lang="en-US" sz="1800" dirty="0" err="1">
+                <a:effectLst/>
+                <a:latin typeface="Times New Roman" panose="02020603050405020304" pitchFamily="18" charset="0"/>
+                <a:ea typeface="Calibri" panose="020F0502020204030204" pitchFamily="34" charset="0"/>
+                <a:cs typeface="Times New Roman" panose="02020603050405020304" pitchFamily="18" charset="0"/>
+              </a:rPr>
+              <a:t>ra</a:t>
+            </a:r>
+            <a:r>
+              <a:rPr lang="en-US" sz="1800" dirty="0">
+                <a:effectLst/>
+                <a:latin typeface="Times New Roman" panose="02020603050405020304" pitchFamily="18" charset="0"/>
+                <a:ea typeface="Calibri" panose="020F0502020204030204" pitchFamily="34" charset="0"/>
+                <a:cs typeface="Times New Roman" panose="02020603050405020304" pitchFamily="18" charset="0"/>
+              </a:rPr>
+              <a:t> </a:t>
+            </a:r>
+            <a:r>
+              <a:rPr lang="en-US" sz="1800" dirty="0" err="1">
+                <a:effectLst/>
+                <a:latin typeface="Times New Roman" panose="02020603050405020304" pitchFamily="18" charset="0"/>
+                <a:ea typeface="Calibri" panose="020F0502020204030204" pitchFamily="34" charset="0"/>
+                <a:cs typeface="Times New Roman" panose="02020603050405020304" pitchFamily="18" charset="0"/>
+              </a:rPr>
+              <a:t>tên</a:t>
+            </a:r>
+            <a:r>
+              <a:rPr lang="en-US" sz="1800" dirty="0">
+                <a:effectLst/>
+                <a:latin typeface="Times New Roman" panose="02020603050405020304" pitchFamily="18" charset="0"/>
+                <a:ea typeface="Calibri" panose="020F0502020204030204" pitchFamily="34" charset="0"/>
+                <a:cs typeface="Times New Roman" panose="02020603050405020304" pitchFamily="18" charset="0"/>
+              </a:rPr>
+              <a:t> CPU </a:t>
+            </a:r>
+            <a:r>
+              <a:rPr lang="en-US" sz="1800" dirty="0" err="1">
+                <a:effectLst/>
+                <a:latin typeface="Times New Roman" panose="02020603050405020304" pitchFamily="18" charset="0"/>
+                <a:ea typeface="Calibri" panose="020F0502020204030204" pitchFamily="34" charset="0"/>
+                <a:cs typeface="Times New Roman" panose="02020603050405020304" pitchFamily="18" charset="0"/>
+              </a:rPr>
+              <a:t>và</a:t>
+            </a:r>
+            <a:r>
+              <a:rPr lang="en-US" sz="1800" dirty="0">
+                <a:effectLst/>
+                <a:latin typeface="Times New Roman" panose="02020603050405020304" pitchFamily="18" charset="0"/>
+                <a:ea typeface="Calibri" panose="020F0502020204030204" pitchFamily="34" charset="0"/>
+                <a:cs typeface="Times New Roman" panose="02020603050405020304" pitchFamily="18" charset="0"/>
+              </a:rPr>
+              <a:t> </a:t>
+            </a:r>
+            <a:r>
+              <a:rPr lang="en-US" sz="1800" dirty="0" err="1">
+                <a:effectLst/>
+                <a:latin typeface="Times New Roman" panose="02020603050405020304" pitchFamily="18" charset="0"/>
+                <a:ea typeface="Calibri" panose="020F0502020204030204" pitchFamily="34" charset="0"/>
+                <a:cs typeface="Times New Roman" panose="02020603050405020304" pitchFamily="18" charset="0"/>
+              </a:rPr>
+              <a:t>số</a:t>
+            </a:r>
+            <a:r>
+              <a:rPr lang="en-US" sz="1800" dirty="0">
+                <a:effectLst/>
+                <a:latin typeface="Times New Roman" panose="02020603050405020304" pitchFamily="18" charset="0"/>
+                <a:ea typeface="Calibri" panose="020F0502020204030204" pitchFamily="34" charset="0"/>
+                <a:cs typeface="Times New Roman" panose="02020603050405020304" pitchFamily="18" charset="0"/>
+              </a:rPr>
+              <a:t> </a:t>
+            </a:r>
+            <a:r>
+              <a:rPr lang="en-US" sz="1800" dirty="0" err="1">
+                <a:effectLst/>
+                <a:latin typeface="Times New Roman" panose="02020603050405020304" pitchFamily="18" charset="0"/>
+                <a:ea typeface="Calibri" panose="020F0502020204030204" pitchFamily="34" charset="0"/>
+                <a:cs typeface="Times New Roman" panose="02020603050405020304" pitchFamily="18" charset="0"/>
+              </a:rPr>
+              <a:t>lượng</a:t>
+            </a:r>
+            <a:r>
+              <a:rPr lang="en-US" sz="1800" dirty="0">
+                <a:effectLst/>
+                <a:latin typeface="Times New Roman" panose="02020603050405020304" pitchFamily="18" charset="0"/>
+                <a:ea typeface="Calibri" panose="020F0502020204030204" pitchFamily="34" charset="0"/>
+                <a:cs typeface="Times New Roman" panose="02020603050405020304" pitchFamily="18" charset="0"/>
+              </a:rPr>
+              <a:t> </a:t>
+            </a:r>
+            <a:r>
+              <a:rPr lang="en-US" sz="1800" dirty="0" err="1">
+                <a:effectLst/>
+                <a:latin typeface="Times New Roman" panose="02020603050405020304" pitchFamily="18" charset="0"/>
+                <a:ea typeface="Calibri" panose="020F0502020204030204" pitchFamily="34" charset="0"/>
+                <a:cs typeface="Times New Roman" panose="02020603050405020304" pitchFamily="18" charset="0"/>
+              </a:rPr>
+              <a:t>của</a:t>
+            </a:r>
+            <a:r>
+              <a:rPr lang="en-US" sz="1800" dirty="0">
+                <a:effectLst/>
+                <a:latin typeface="Times New Roman" panose="02020603050405020304" pitchFamily="18" charset="0"/>
+                <a:ea typeface="Calibri" panose="020F0502020204030204" pitchFamily="34" charset="0"/>
+                <a:cs typeface="Times New Roman" panose="02020603050405020304" pitchFamily="18" charset="0"/>
+              </a:rPr>
+              <a:t> CPU ở </a:t>
+            </a:r>
+            <a:r>
+              <a:rPr lang="en-US" sz="1800" dirty="0" err="1">
+                <a:effectLst/>
+                <a:latin typeface="Times New Roman" panose="02020603050405020304" pitchFamily="18" charset="0"/>
+                <a:ea typeface="Calibri" panose="020F0502020204030204" pitchFamily="34" charset="0"/>
+                <a:cs typeface="Times New Roman" panose="02020603050405020304" pitchFamily="18" charset="0"/>
+              </a:rPr>
+              <a:t>cửa</a:t>
+            </a:r>
+            <a:r>
+              <a:rPr lang="en-US" sz="1800" dirty="0">
+                <a:effectLst/>
+                <a:latin typeface="Times New Roman" panose="02020603050405020304" pitchFamily="18" charset="0"/>
+                <a:ea typeface="Calibri" panose="020F0502020204030204" pitchFamily="34" charset="0"/>
+                <a:cs typeface="Times New Roman" panose="02020603050405020304" pitchFamily="18" charset="0"/>
+              </a:rPr>
+              <a:t> </a:t>
+            </a:r>
+            <a:r>
+              <a:rPr lang="en-US" sz="1800" dirty="0" err="1">
+                <a:effectLst/>
+                <a:latin typeface="Times New Roman" panose="02020603050405020304" pitchFamily="18" charset="0"/>
+                <a:ea typeface="Calibri" panose="020F0502020204030204" pitchFamily="34" charset="0"/>
+                <a:cs typeface="Times New Roman" panose="02020603050405020304" pitchFamily="18" charset="0"/>
+              </a:rPr>
+              <a:t>hàng</a:t>
+            </a:r>
+            <a:r>
+              <a:rPr lang="en-US" sz="1800" dirty="0">
+                <a:effectLst/>
+                <a:latin typeface="Times New Roman" panose="02020603050405020304" pitchFamily="18" charset="0"/>
+                <a:ea typeface="Calibri" panose="020F0502020204030204" pitchFamily="34" charset="0"/>
+                <a:cs typeface="Times New Roman" panose="02020603050405020304" pitchFamily="18" charset="0"/>
+              </a:rPr>
+              <a:t> </a:t>
+            </a:r>
+            <a:r>
+              <a:rPr lang="en-US" sz="1800" dirty="0" err="1">
+                <a:effectLst/>
+                <a:latin typeface="Times New Roman" panose="02020603050405020304" pitchFamily="18" charset="0"/>
+                <a:ea typeface="Calibri" panose="020F0502020204030204" pitchFamily="34" charset="0"/>
+                <a:cs typeface="Times New Roman" panose="02020603050405020304" pitchFamily="18" charset="0"/>
+              </a:rPr>
+              <a:t>có</a:t>
+            </a:r>
+            <a:r>
+              <a:rPr lang="en-US" sz="1800" dirty="0">
+                <a:effectLst/>
+                <a:latin typeface="Times New Roman" panose="02020603050405020304" pitchFamily="18" charset="0"/>
+                <a:ea typeface="Calibri" panose="020F0502020204030204" pitchFamily="34" charset="0"/>
+                <a:cs typeface="Times New Roman" panose="02020603050405020304" pitchFamily="18" charset="0"/>
+              </a:rPr>
+              <a:t> </a:t>
+            </a:r>
+            <a:r>
+              <a:rPr lang="en-US" sz="1800" dirty="0" err="1">
+                <a:effectLst/>
+                <a:latin typeface="Times New Roman" panose="02020603050405020304" pitchFamily="18" charset="0"/>
+                <a:ea typeface="Calibri" panose="020F0502020204030204" pitchFamily="34" charset="0"/>
+                <a:cs typeface="Times New Roman" panose="02020603050405020304" pitchFamily="18" charset="0"/>
+              </a:rPr>
+              <a:t>tên</a:t>
+            </a:r>
+            <a:r>
+              <a:rPr lang="en-US" sz="1800" dirty="0">
+                <a:effectLst/>
+                <a:latin typeface="Times New Roman" panose="02020603050405020304" pitchFamily="18" charset="0"/>
+                <a:ea typeface="Calibri" panose="020F0502020204030204" pitchFamily="34" charset="0"/>
+                <a:cs typeface="Times New Roman" panose="02020603050405020304" pitchFamily="18" charset="0"/>
+              </a:rPr>
+              <a:t> Thinh Vuong.</a:t>
+            </a:r>
+            <a:endParaRPr lang="en-US" sz="1800" dirty="0">
+              <a:effectLst/>
+              <a:latin typeface="Calibri" panose="020F0502020204030204" pitchFamily="34" charset="0"/>
+              <a:ea typeface="Calibri" panose="020F0502020204030204" pitchFamily="34" charset="0"/>
+              <a:cs typeface="Times New Roman" panose="02020603050405020304" pitchFamily="18" charset="0"/>
+            </a:endParaRPr>
+          </a:p>
+          <a:p>
+            <a:pPr marL="342900" marR="0" lvl="0" indent="-342900">
+              <a:lnSpc>
+                <a:spcPct val="107000"/>
+              </a:lnSpc>
+              <a:spcBef>
+                <a:spcPts val="0"/>
+              </a:spcBef>
+              <a:spcAft>
+                <a:spcPts val="0"/>
+              </a:spcAft>
+              <a:buFont typeface="+mj-lt"/>
+              <a:buAutoNum type="arabicPeriod"/>
+            </a:pPr>
+            <a:r>
+              <a:rPr lang="en-US" sz="1800" dirty="0" err="1">
+                <a:effectLst/>
+                <a:latin typeface="Times New Roman" panose="02020603050405020304" pitchFamily="18" charset="0"/>
+                <a:ea typeface="Calibri" panose="020F0502020204030204" pitchFamily="34" charset="0"/>
+                <a:cs typeface="Times New Roman" panose="02020603050405020304" pitchFamily="18" charset="0"/>
+              </a:rPr>
+              <a:t>Đưa</a:t>
+            </a:r>
+            <a:r>
+              <a:rPr lang="en-US" sz="1800" dirty="0">
+                <a:effectLst/>
+                <a:latin typeface="Times New Roman" panose="02020603050405020304" pitchFamily="18" charset="0"/>
+                <a:ea typeface="Calibri" panose="020F0502020204030204" pitchFamily="34" charset="0"/>
+                <a:cs typeface="Times New Roman" panose="02020603050405020304" pitchFamily="18" charset="0"/>
+              </a:rPr>
+              <a:t> </a:t>
+            </a:r>
+            <a:r>
+              <a:rPr lang="en-US" sz="1800" dirty="0" err="1">
+                <a:effectLst/>
+                <a:latin typeface="Times New Roman" panose="02020603050405020304" pitchFamily="18" charset="0"/>
+                <a:ea typeface="Calibri" panose="020F0502020204030204" pitchFamily="34" charset="0"/>
+                <a:cs typeface="Times New Roman" panose="02020603050405020304" pitchFamily="18" charset="0"/>
+              </a:rPr>
+              <a:t>ra</a:t>
+            </a:r>
+            <a:r>
+              <a:rPr lang="en-US" sz="1800" dirty="0">
+                <a:effectLst/>
+                <a:latin typeface="Times New Roman" panose="02020603050405020304" pitchFamily="18" charset="0"/>
+                <a:ea typeface="Calibri" panose="020F0502020204030204" pitchFamily="34" charset="0"/>
+                <a:cs typeface="Times New Roman" panose="02020603050405020304" pitchFamily="18" charset="0"/>
+              </a:rPr>
+              <a:t> </a:t>
+            </a:r>
+            <a:r>
+              <a:rPr lang="en-US" sz="1800" dirty="0" err="1">
+                <a:effectLst/>
+                <a:latin typeface="Times New Roman" panose="02020603050405020304" pitchFamily="18" charset="0"/>
+                <a:ea typeface="Calibri" panose="020F0502020204030204" pitchFamily="34" charset="0"/>
+                <a:cs typeface="Times New Roman" panose="02020603050405020304" pitchFamily="18" charset="0"/>
+              </a:rPr>
+              <a:t>tên</a:t>
+            </a:r>
+            <a:r>
+              <a:rPr lang="en-US" sz="1800" dirty="0">
+                <a:effectLst/>
+                <a:latin typeface="Times New Roman" panose="02020603050405020304" pitchFamily="18" charset="0"/>
+                <a:ea typeface="Calibri" panose="020F0502020204030204" pitchFamily="34" charset="0"/>
+                <a:cs typeface="Times New Roman" panose="02020603050405020304" pitchFamily="18" charset="0"/>
+              </a:rPr>
+              <a:t> </a:t>
+            </a:r>
+            <a:r>
+              <a:rPr lang="en-US" sz="1800" dirty="0" err="1">
+                <a:effectLst/>
+                <a:latin typeface="Times New Roman" panose="02020603050405020304" pitchFamily="18" charset="0"/>
+                <a:ea typeface="Calibri" panose="020F0502020204030204" pitchFamily="34" charset="0"/>
+                <a:cs typeface="Times New Roman" panose="02020603050405020304" pitchFamily="18" charset="0"/>
+              </a:rPr>
+              <a:t>những</a:t>
+            </a:r>
+            <a:r>
+              <a:rPr lang="en-US" sz="1800" dirty="0">
+                <a:effectLst/>
+                <a:latin typeface="Times New Roman" panose="02020603050405020304" pitchFamily="18" charset="0"/>
+                <a:ea typeface="Calibri" panose="020F0502020204030204" pitchFamily="34" charset="0"/>
+                <a:cs typeface="Times New Roman" panose="02020603050405020304" pitchFamily="18" charset="0"/>
+              </a:rPr>
+              <a:t> </a:t>
+            </a:r>
+            <a:r>
+              <a:rPr lang="en-US" sz="1800" dirty="0" err="1">
+                <a:effectLst/>
+                <a:latin typeface="Times New Roman" panose="02020603050405020304" pitchFamily="18" charset="0"/>
+                <a:ea typeface="Calibri" panose="020F0502020204030204" pitchFamily="34" charset="0"/>
+                <a:cs typeface="Times New Roman" panose="02020603050405020304" pitchFamily="18" charset="0"/>
+              </a:rPr>
+              <a:t>khách</a:t>
+            </a:r>
+            <a:r>
+              <a:rPr lang="en-US" sz="1800" dirty="0">
+                <a:effectLst/>
+                <a:latin typeface="Times New Roman" panose="02020603050405020304" pitchFamily="18" charset="0"/>
+                <a:ea typeface="Calibri" panose="020F0502020204030204" pitchFamily="34" charset="0"/>
+                <a:cs typeface="Times New Roman" panose="02020603050405020304" pitchFamily="18" charset="0"/>
+              </a:rPr>
+              <a:t> </a:t>
+            </a:r>
+            <a:r>
+              <a:rPr lang="en-US" sz="1800" dirty="0" err="1">
+                <a:effectLst/>
+                <a:latin typeface="Times New Roman" panose="02020603050405020304" pitchFamily="18" charset="0"/>
+                <a:ea typeface="Calibri" panose="020F0502020204030204" pitchFamily="34" charset="0"/>
+                <a:cs typeface="Times New Roman" panose="02020603050405020304" pitchFamily="18" charset="0"/>
+              </a:rPr>
+              <a:t>hàng</a:t>
+            </a:r>
+            <a:r>
+              <a:rPr lang="en-US" sz="1800" dirty="0">
+                <a:effectLst/>
+                <a:latin typeface="Times New Roman" panose="02020603050405020304" pitchFamily="18" charset="0"/>
+                <a:ea typeface="Calibri" panose="020F0502020204030204" pitchFamily="34" charset="0"/>
+                <a:cs typeface="Times New Roman" panose="02020603050405020304" pitchFamily="18" charset="0"/>
+              </a:rPr>
+              <a:t> </a:t>
+            </a:r>
+            <a:r>
+              <a:rPr lang="en-US" sz="1800" dirty="0" err="1">
+                <a:effectLst/>
+                <a:latin typeface="Times New Roman" panose="02020603050405020304" pitchFamily="18" charset="0"/>
+                <a:ea typeface="Calibri" panose="020F0502020204030204" pitchFamily="34" charset="0"/>
+                <a:cs typeface="Times New Roman" panose="02020603050405020304" pitchFamily="18" charset="0"/>
+              </a:rPr>
+              <a:t>mua</a:t>
+            </a:r>
+            <a:r>
+              <a:rPr lang="en-US" sz="1800" dirty="0">
+                <a:effectLst/>
+                <a:latin typeface="Times New Roman" panose="02020603050405020304" pitchFamily="18" charset="0"/>
+                <a:ea typeface="Calibri" panose="020F0502020204030204" pitchFamily="34" charset="0"/>
+                <a:cs typeface="Times New Roman" panose="02020603050405020304" pitchFamily="18" charset="0"/>
+              </a:rPr>
+              <a:t> CPU </a:t>
+            </a:r>
+            <a:r>
+              <a:rPr lang="en-US" sz="1800" dirty="0" err="1">
+                <a:effectLst/>
+                <a:latin typeface="Times New Roman" panose="02020603050405020304" pitchFamily="18" charset="0"/>
+                <a:ea typeface="Calibri" panose="020F0502020204030204" pitchFamily="34" charset="0"/>
+                <a:cs typeface="Times New Roman" panose="02020603050405020304" pitchFamily="18" charset="0"/>
+              </a:rPr>
+              <a:t>của</a:t>
+            </a:r>
+            <a:r>
+              <a:rPr lang="en-US" sz="1800" dirty="0">
+                <a:effectLst/>
+                <a:latin typeface="Times New Roman" panose="02020603050405020304" pitchFamily="18" charset="0"/>
+                <a:ea typeface="Calibri" panose="020F0502020204030204" pitchFamily="34" charset="0"/>
+                <a:cs typeface="Times New Roman" panose="02020603050405020304" pitchFamily="18" charset="0"/>
+              </a:rPr>
+              <a:t> </a:t>
+            </a:r>
+            <a:r>
+              <a:rPr lang="en-US" sz="1800" dirty="0" err="1">
+                <a:effectLst/>
+                <a:latin typeface="Times New Roman" panose="02020603050405020304" pitchFamily="18" charset="0"/>
+                <a:ea typeface="Calibri" panose="020F0502020204030204" pitchFamily="34" charset="0"/>
+                <a:cs typeface="Times New Roman" panose="02020603050405020304" pitchFamily="18" charset="0"/>
+              </a:rPr>
+              <a:t>hãng</a:t>
+            </a:r>
+            <a:r>
+              <a:rPr lang="en-US" sz="1800" dirty="0">
+                <a:effectLst/>
+                <a:latin typeface="Times New Roman" panose="02020603050405020304" pitchFamily="18" charset="0"/>
+                <a:ea typeface="Calibri" panose="020F0502020204030204" pitchFamily="34" charset="0"/>
+                <a:cs typeface="Times New Roman" panose="02020603050405020304" pitchFamily="18" charset="0"/>
+              </a:rPr>
+              <a:t> AMD </a:t>
+            </a:r>
+            <a:r>
+              <a:rPr lang="en-US" sz="1800" dirty="0" err="1">
+                <a:effectLst/>
+                <a:latin typeface="Times New Roman" panose="02020603050405020304" pitchFamily="18" charset="0"/>
+                <a:ea typeface="Calibri" panose="020F0502020204030204" pitchFamily="34" charset="0"/>
+                <a:cs typeface="Times New Roman" panose="02020603050405020304" pitchFamily="18" charset="0"/>
+              </a:rPr>
+              <a:t>được</a:t>
+            </a:r>
+            <a:r>
+              <a:rPr lang="en-US" sz="1800" dirty="0">
+                <a:effectLst/>
+                <a:latin typeface="Times New Roman" panose="02020603050405020304" pitchFamily="18" charset="0"/>
+                <a:ea typeface="Calibri" panose="020F0502020204030204" pitchFamily="34" charset="0"/>
+                <a:cs typeface="Times New Roman" panose="02020603050405020304" pitchFamily="18" charset="0"/>
+              </a:rPr>
+              <a:t> </a:t>
+            </a:r>
+            <a:r>
+              <a:rPr lang="en-US" sz="1800" dirty="0" err="1">
+                <a:effectLst/>
+                <a:latin typeface="Times New Roman" panose="02020603050405020304" pitchFamily="18" charset="0"/>
+                <a:ea typeface="Calibri" panose="020F0502020204030204" pitchFamily="34" charset="0"/>
+                <a:cs typeface="Times New Roman" panose="02020603050405020304" pitchFamily="18" charset="0"/>
+              </a:rPr>
+              <a:t>sản</a:t>
+            </a:r>
+            <a:r>
+              <a:rPr lang="en-US" sz="1800" dirty="0">
+                <a:effectLst/>
+                <a:latin typeface="Times New Roman" panose="02020603050405020304" pitchFamily="18" charset="0"/>
+                <a:ea typeface="Calibri" panose="020F0502020204030204" pitchFamily="34" charset="0"/>
+                <a:cs typeface="Times New Roman" panose="02020603050405020304" pitchFamily="18" charset="0"/>
+              </a:rPr>
+              <a:t> </a:t>
+            </a:r>
+            <a:r>
+              <a:rPr lang="en-US" sz="1800" dirty="0" err="1">
+                <a:effectLst/>
+                <a:latin typeface="Times New Roman" panose="02020603050405020304" pitchFamily="18" charset="0"/>
+                <a:ea typeface="Calibri" panose="020F0502020204030204" pitchFamily="34" charset="0"/>
+                <a:cs typeface="Times New Roman" panose="02020603050405020304" pitchFamily="18" charset="0"/>
+              </a:rPr>
+              <a:t>xuất</a:t>
+            </a:r>
+            <a:r>
+              <a:rPr lang="en-US" sz="1800" dirty="0">
+                <a:effectLst/>
+                <a:latin typeface="Times New Roman" panose="02020603050405020304" pitchFamily="18" charset="0"/>
+                <a:ea typeface="Calibri" panose="020F0502020204030204" pitchFamily="34" charset="0"/>
+                <a:cs typeface="Times New Roman" panose="02020603050405020304" pitchFamily="18" charset="0"/>
+              </a:rPr>
+              <a:t> </a:t>
+            </a:r>
+            <a:r>
+              <a:rPr lang="en-US" sz="1800" dirty="0" err="1">
+                <a:effectLst/>
+                <a:latin typeface="Times New Roman" panose="02020603050405020304" pitchFamily="18" charset="0"/>
+                <a:ea typeface="Calibri" panose="020F0502020204030204" pitchFamily="34" charset="0"/>
+                <a:cs typeface="Times New Roman" panose="02020603050405020304" pitchFamily="18" charset="0"/>
+              </a:rPr>
+              <a:t>năm</a:t>
+            </a:r>
+            <a:r>
+              <a:rPr lang="en-US" sz="1800" dirty="0">
+                <a:effectLst/>
+                <a:latin typeface="Times New Roman" panose="02020603050405020304" pitchFamily="18" charset="0"/>
+                <a:ea typeface="Calibri" panose="020F0502020204030204" pitchFamily="34" charset="0"/>
+                <a:cs typeface="Times New Roman" panose="02020603050405020304" pitchFamily="18" charset="0"/>
+              </a:rPr>
+              <a:t> 2021.</a:t>
+            </a:r>
+            <a:endParaRPr lang="en-US" sz="1800" dirty="0">
+              <a:effectLst/>
+              <a:latin typeface="Calibri" panose="020F0502020204030204" pitchFamily="34" charset="0"/>
+              <a:ea typeface="Calibri" panose="020F0502020204030204" pitchFamily="34" charset="0"/>
+              <a:cs typeface="Times New Roman" panose="02020603050405020304" pitchFamily="18" charset="0"/>
+            </a:endParaRPr>
+          </a:p>
+          <a:p>
+            <a:pPr marL="342900" marR="0" lvl="0" indent="-342900">
+              <a:lnSpc>
+                <a:spcPct val="107000"/>
+              </a:lnSpc>
+              <a:spcBef>
+                <a:spcPts val="0"/>
+              </a:spcBef>
+              <a:spcAft>
+                <a:spcPts val="0"/>
+              </a:spcAft>
+              <a:buFont typeface="+mj-lt"/>
+              <a:buAutoNum type="arabicPeriod"/>
+            </a:pPr>
+            <a:r>
+              <a:rPr lang="en-US" sz="1800" dirty="0" err="1">
+                <a:effectLst/>
+                <a:latin typeface="Times New Roman" panose="02020603050405020304" pitchFamily="18" charset="0"/>
+                <a:ea typeface="Calibri" panose="020F0502020204030204" pitchFamily="34" charset="0"/>
+                <a:cs typeface="Times New Roman" panose="02020603050405020304" pitchFamily="18" charset="0"/>
+              </a:rPr>
+              <a:t>Đưa</a:t>
+            </a:r>
+            <a:r>
+              <a:rPr lang="en-US" sz="1800" dirty="0">
+                <a:effectLst/>
+                <a:latin typeface="Times New Roman" panose="02020603050405020304" pitchFamily="18" charset="0"/>
+                <a:ea typeface="Calibri" panose="020F0502020204030204" pitchFamily="34" charset="0"/>
+                <a:cs typeface="Times New Roman" panose="02020603050405020304" pitchFamily="18" charset="0"/>
+              </a:rPr>
+              <a:t> </a:t>
+            </a:r>
+            <a:r>
+              <a:rPr lang="en-US" sz="1800" dirty="0" err="1">
+                <a:effectLst/>
+                <a:latin typeface="Times New Roman" panose="02020603050405020304" pitchFamily="18" charset="0"/>
+                <a:ea typeface="Calibri" panose="020F0502020204030204" pitchFamily="34" charset="0"/>
+                <a:cs typeface="Times New Roman" panose="02020603050405020304" pitchFamily="18" charset="0"/>
+              </a:rPr>
+              <a:t>ra</a:t>
+            </a:r>
+            <a:r>
+              <a:rPr lang="en-US" sz="1800" dirty="0">
+                <a:effectLst/>
+                <a:latin typeface="Times New Roman" panose="02020603050405020304" pitchFamily="18" charset="0"/>
+                <a:ea typeface="Calibri" panose="020F0502020204030204" pitchFamily="34" charset="0"/>
+                <a:cs typeface="Times New Roman" panose="02020603050405020304" pitchFamily="18" charset="0"/>
+              </a:rPr>
+              <a:t> </a:t>
+            </a:r>
+            <a:r>
+              <a:rPr lang="en-US" sz="1800" dirty="0" err="1">
+                <a:effectLst/>
+                <a:latin typeface="Times New Roman" panose="02020603050405020304" pitchFamily="18" charset="0"/>
+                <a:ea typeface="Calibri" panose="020F0502020204030204" pitchFamily="34" charset="0"/>
+                <a:cs typeface="Times New Roman" panose="02020603050405020304" pitchFamily="18" charset="0"/>
+              </a:rPr>
+              <a:t>tên</a:t>
+            </a:r>
+            <a:r>
+              <a:rPr lang="en-US" sz="1800" dirty="0">
+                <a:effectLst/>
+                <a:latin typeface="Times New Roman" panose="02020603050405020304" pitchFamily="18" charset="0"/>
+                <a:ea typeface="Calibri" panose="020F0502020204030204" pitchFamily="34" charset="0"/>
+                <a:cs typeface="Times New Roman" panose="02020603050405020304" pitchFamily="18" charset="0"/>
+              </a:rPr>
+              <a:t> CPU </a:t>
+            </a:r>
+            <a:r>
+              <a:rPr lang="en-US" sz="1800" dirty="0" err="1">
+                <a:effectLst/>
+                <a:latin typeface="Times New Roman" panose="02020603050405020304" pitchFamily="18" charset="0"/>
+                <a:ea typeface="Calibri" panose="020F0502020204030204" pitchFamily="34" charset="0"/>
+                <a:cs typeface="Times New Roman" panose="02020603050405020304" pitchFamily="18" charset="0"/>
+              </a:rPr>
+              <a:t>chưa</a:t>
+            </a:r>
+            <a:r>
+              <a:rPr lang="en-US" sz="1800" dirty="0">
+                <a:effectLst/>
+                <a:latin typeface="Times New Roman" panose="02020603050405020304" pitchFamily="18" charset="0"/>
+                <a:ea typeface="Calibri" panose="020F0502020204030204" pitchFamily="34" charset="0"/>
+                <a:cs typeface="Times New Roman" panose="02020603050405020304" pitchFamily="18" charset="0"/>
+              </a:rPr>
+              <a:t> </a:t>
+            </a:r>
+            <a:r>
+              <a:rPr lang="en-US" sz="1800" dirty="0" err="1">
+                <a:effectLst/>
+                <a:latin typeface="Times New Roman" panose="02020603050405020304" pitchFamily="18" charset="0"/>
+                <a:ea typeface="Calibri" panose="020F0502020204030204" pitchFamily="34" charset="0"/>
+                <a:cs typeface="Times New Roman" panose="02020603050405020304" pitchFamily="18" charset="0"/>
+              </a:rPr>
+              <a:t>từng</a:t>
+            </a:r>
+            <a:r>
+              <a:rPr lang="en-US" sz="1800" dirty="0">
+                <a:effectLst/>
+                <a:latin typeface="Times New Roman" panose="02020603050405020304" pitchFamily="18" charset="0"/>
+                <a:ea typeface="Calibri" panose="020F0502020204030204" pitchFamily="34" charset="0"/>
+                <a:cs typeface="Times New Roman" panose="02020603050405020304" pitchFamily="18" charset="0"/>
+              </a:rPr>
+              <a:t> </a:t>
+            </a:r>
+            <a:r>
+              <a:rPr lang="en-US" sz="1800" dirty="0" err="1">
+                <a:effectLst/>
+                <a:latin typeface="Times New Roman" panose="02020603050405020304" pitchFamily="18" charset="0"/>
+                <a:ea typeface="Calibri" panose="020F0502020204030204" pitchFamily="34" charset="0"/>
+                <a:cs typeface="Times New Roman" panose="02020603050405020304" pitchFamily="18" charset="0"/>
+              </a:rPr>
+              <a:t>được</a:t>
+            </a:r>
+            <a:r>
+              <a:rPr lang="en-US" sz="1800" dirty="0">
+                <a:effectLst/>
+                <a:latin typeface="Times New Roman" panose="02020603050405020304" pitchFamily="18" charset="0"/>
+                <a:ea typeface="Calibri" panose="020F0502020204030204" pitchFamily="34" charset="0"/>
+                <a:cs typeface="Times New Roman" panose="02020603050405020304" pitchFamily="18" charset="0"/>
+              </a:rPr>
+              <a:t> </a:t>
+            </a:r>
+            <a:r>
+              <a:rPr lang="en-US" sz="1800" dirty="0" err="1">
+                <a:effectLst/>
+                <a:latin typeface="Times New Roman" panose="02020603050405020304" pitchFamily="18" charset="0"/>
+                <a:ea typeface="Calibri" panose="020F0502020204030204" pitchFamily="34" charset="0"/>
+                <a:cs typeface="Times New Roman" panose="02020603050405020304" pitchFamily="18" charset="0"/>
+              </a:rPr>
+              <a:t>bán</a:t>
+            </a:r>
+            <a:r>
+              <a:rPr lang="en-US" sz="1800" dirty="0">
+                <a:effectLst/>
+                <a:latin typeface="Times New Roman" panose="02020603050405020304" pitchFamily="18" charset="0"/>
+                <a:ea typeface="Calibri" panose="020F0502020204030204" pitchFamily="34" charset="0"/>
+                <a:cs typeface="Times New Roman" panose="02020603050405020304" pitchFamily="18" charset="0"/>
+              </a:rPr>
+              <a:t>.</a:t>
+            </a:r>
+            <a:endParaRPr lang="en-US" sz="1800" dirty="0">
+              <a:effectLst/>
+              <a:latin typeface="Calibri" panose="020F0502020204030204" pitchFamily="34" charset="0"/>
+              <a:ea typeface="Calibri" panose="020F0502020204030204" pitchFamily="34" charset="0"/>
+              <a:cs typeface="Times New Roman" panose="02020603050405020304" pitchFamily="18" charset="0"/>
+            </a:endParaRPr>
+          </a:p>
+          <a:p>
+            <a:pPr marL="342900" marR="0" lvl="0" indent="-342900">
+              <a:lnSpc>
+                <a:spcPct val="107000"/>
+              </a:lnSpc>
+              <a:spcBef>
+                <a:spcPts val="0"/>
+              </a:spcBef>
+              <a:spcAft>
+                <a:spcPts val="0"/>
+              </a:spcAft>
+              <a:buFont typeface="+mj-lt"/>
+              <a:buAutoNum type="arabicPeriod"/>
+            </a:pPr>
+            <a:r>
+              <a:rPr lang="en-US" sz="1800" dirty="0" err="1">
+                <a:effectLst/>
+                <a:latin typeface="Times New Roman" panose="02020603050405020304" pitchFamily="18" charset="0"/>
+                <a:ea typeface="Calibri" panose="020F0502020204030204" pitchFamily="34" charset="0"/>
+                <a:cs typeface="Times New Roman" panose="02020603050405020304" pitchFamily="18" charset="0"/>
+              </a:rPr>
+              <a:t>Đưa</a:t>
+            </a:r>
+            <a:r>
+              <a:rPr lang="en-US" sz="1800" dirty="0">
+                <a:effectLst/>
+                <a:latin typeface="Times New Roman" panose="02020603050405020304" pitchFamily="18" charset="0"/>
+                <a:ea typeface="Calibri" panose="020F0502020204030204" pitchFamily="34" charset="0"/>
+                <a:cs typeface="Times New Roman" panose="02020603050405020304" pitchFamily="18" charset="0"/>
+              </a:rPr>
+              <a:t> </a:t>
+            </a:r>
+            <a:r>
+              <a:rPr lang="en-US" sz="1800" dirty="0" err="1">
+                <a:effectLst/>
+                <a:latin typeface="Times New Roman" panose="02020603050405020304" pitchFamily="18" charset="0"/>
+                <a:ea typeface="Calibri" panose="020F0502020204030204" pitchFamily="34" charset="0"/>
+                <a:cs typeface="Times New Roman" panose="02020603050405020304" pitchFamily="18" charset="0"/>
+              </a:rPr>
+              <a:t>ra</a:t>
+            </a:r>
+            <a:r>
+              <a:rPr lang="en-US" sz="1800" dirty="0">
+                <a:effectLst/>
+                <a:latin typeface="Times New Roman" panose="02020603050405020304" pitchFamily="18" charset="0"/>
+                <a:ea typeface="Calibri" panose="020F0502020204030204" pitchFamily="34" charset="0"/>
+                <a:cs typeface="Times New Roman" panose="02020603050405020304" pitchFamily="18" charset="0"/>
+              </a:rPr>
+              <a:t> </a:t>
+            </a:r>
+            <a:r>
+              <a:rPr lang="en-US" sz="1800" dirty="0" err="1">
+                <a:effectLst/>
+                <a:latin typeface="Times New Roman" panose="02020603050405020304" pitchFamily="18" charset="0"/>
+                <a:ea typeface="Calibri" panose="020F0502020204030204" pitchFamily="34" charset="0"/>
+                <a:cs typeface="Times New Roman" panose="02020603050405020304" pitchFamily="18" charset="0"/>
+              </a:rPr>
+              <a:t>tên</a:t>
+            </a:r>
+            <a:r>
+              <a:rPr lang="en-US" sz="1800" dirty="0">
+                <a:effectLst/>
+                <a:latin typeface="Times New Roman" panose="02020603050405020304" pitchFamily="18" charset="0"/>
+                <a:ea typeface="Calibri" panose="020F0502020204030204" pitchFamily="34" charset="0"/>
+                <a:cs typeface="Times New Roman" panose="02020603050405020304" pitchFamily="18" charset="0"/>
+              </a:rPr>
+              <a:t> </a:t>
+            </a:r>
+            <a:r>
+              <a:rPr lang="en-US" sz="1800" dirty="0" err="1">
+                <a:effectLst/>
+                <a:latin typeface="Times New Roman" panose="02020603050405020304" pitchFamily="18" charset="0"/>
+                <a:ea typeface="Calibri" panose="020F0502020204030204" pitchFamily="34" charset="0"/>
+                <a:cs typeface="Times New Roman" panose="02020603050405020304" pitchFamily="18" charset="0"/>
+              </a:rPr>
+              <a:t>những</a:t>
+            </a:r>
+            <a:r>
+              <a:rPr lang="en-US" sz="1800" dirty="0">
+                <a:effectLst/>
+                <a:latin typeface="Times New Roman" panose="02020603050405020304" pitchFamily="18" charset="0"/>
+                <a:ea typeface="Calibri" panose="020F0502020204030204" pitchFamily="34" charset="0"/>
+                <a:cs typeface="Times New Roman" panose="02020603050405020304" pitchFamily="18" charset="0"/>
+              </a:rPr>
+              <a:t> </a:t>
+            </a:r>
+            <a:r>
+              <a:rPr lang="en-US" sz="1800" dirty="0" err="1">
+                <a:effectLst/>
+                <a:latin typeface="Times New Roman" panose="02020603050405020304" pitchFamily="18" charset="0"/>
+                <a:ea typeface="Calibri" panose="020F0502020204030204" pitchFamily="34" charset="0"/>
+                <a:cs typeface="Times New Roman" panose="02020603050405020304" pitchFamily="18" charset="0"/>
+              </a:rPr>
+              <a:t>khách</a:t>
+            </a:r>
+            <a:r>
+              <a:rPr lang="en-US" sz="1800" dirty="0">
+                <a:effectLst/>
+                <a:latin typeface="Times New Roman" panose="02020603050405020304" pitchFamily="18" charset="0"/>
+                <a:ea typeface="Calibri" panose="020F0502020204030204" pitchFamily="34" charset="0"/>
+                <a:cs typeface="Times New Roman" panose="02020603050405020304" pitchFamily="18" charset="0"/>
+              </a:rPr>
+              <a:t> </a:t>
+            </a:r>
+            <a:r>
+              <a:rPr lang="en-US" sz="1800" dirty="0" err="1">
+                <a:effectLst/>
+                <a:latin typeface="Times New Roman" panose="02020603050405020304" pitchFamily="18" charset="0"/>
+                <a:ea typeface="Calibri" panose="020F0502020204030204" pitchFamily="34" charset="0"/>
+                <a:cs typeface="Times New Roman" panose="02020603050405020304" pitchFamily="18" charset="0"/>
+              </a:rPr>
+              <a:t>hàng</a:t>
+            </a:r>
+            <a:r>
+              <a:rPr lang="en-US" sz="1800" dirty="0">
+                <a:effectLst/>
+                <a:latin typeface="Times New Roman" panose="02020603050405020304" pitchFamily="18" charset="0"/>
+                <a:ea typeface="Calibri" panose="020F0502020204030204" pitchFamily="34" charset="0"/>
+                <a:cs typeface="Times New Roman" panose="02020603050405020304" pitchFamily="18" charset="0"/>
+              </a:rPr>
+              <a:t> </a:t>
+            </a:r>
+            <a:r>
+              <a:rPr lang="en-US" sz="1800" dirty="0" err="1">
+                <a:effectLst/>
+                <a:latin typeface="Times New Roman" panose="02020603050405020304" pitchFamily="18" charset="0"/>
+                <a:ea typeface="Calibri" panose="020F0502020204030204" pitchFamily="34" charset="0"/>
+                <a:cs typeface="Times New Roman" panose="02020603050405020304" pitchFamily="18" charset="0"/>
+              </a:rPr>
+              <a:t>chưa</a:t>
+            </a:r>
+            <a:r>
+              <a:rPr lang="en-US" sz="1800" dirty="0">
+                <a:effectLst/>
+                <a:latin typeface="Times New Roman" panose="02020603050405020304" pitchFamily="18" charset="0"/>
+                <a:ea typeface="Calibri" panose="020F0502020204030204" pitchFamily="34" charset="0"/>
+                <a:cs typeface="Times New Roman" panose="02020603050405020304" pitchFamily="18" charset="0"/>
+              </a:rPr>
+              <a:t> </a:t>
+            </a:r>
+            <a:r>
+              <a:rPr lang="en-US" sz="1800" dirty="0" err="1">
+                <a:effectLst/>
+                <a:latin typeface="Times New Roman" panose="02020603050405020304" pitchFamily="18" charset="0"/>
+                <a:ea typeface="Calibri" panose="020F0502020204030204" pitchFamily="34" charset="0"/>
+                <a:cs typeface="Times New Roman" panose="02020603050405020304" pitchFamily="18" charset="0"/>
+              </a:rPr>
+              <a:t>mua</a:t>
+            </a:r>
+            <a:r>
+              <a:rPr lang="en-US" sz="1800" dirty="0">
+                <a:effectLst/>
+                <a:latin typeface="Times New Roman" panose="02020603050405020304" pitchFamily="18" charset="0"/>
+                <a:ea typeface="Calibri" panose="020F0502020204030204" pitchFamily="34" charset="0"/>
+                <a:cs typeface="Times New Roman" panose="02020603050405020304" pitchFamily="18" charset="0"/>
+              </a:rPr>
+              <a:t> </a:t>
+            </a:r>
+            <a:r>
+              <a:rPr lang="en-US" sz="1800" dirty="0" err="1">
+                <a:effectLst/>
+                <a:latin typeface="Times New Roman" panose="02020603050405020304" pitchFamily="18" charset="0"/>
+                <a:ea typeface="Calibri" panose="020F0502020204030204" pitchFamily="34" charset="0"/>
+                <a:cs typeface="Times New Roman" panose="02020603050405020304" pitchFamily="18" charset="0"/>
+              </a:rPr>
+              <a:t>hàng</a:t>
+            </a:r>
+            <a:r>
+              <a:rPr lang="en-US" sz="1800" dirty="0">
+                <a:effectLst/>
+                <a:latin typeface="Times New Roman" panose="02020603050405020304" pitchFamily="18" charset="0"/>
+                <a:ea typeface="Calibri" panose="020F0502020204030204" pitchFamily="34" charset="0"/>
+                <a:cs typeface="Times New Roman" panose="02020603050405020304" pitchFamily="18" charset="0"/>
+              </a:rPr>
+              <a:t> </a:t>
+            </a:r>
+            <a:r>
+              <a:rPr lang="en-US" sz="1800" dirty="0" err="1">
+                <a:effectLst/>
+                <a:latin typeface="Times New Roman" panose="02020603050405020304" pitchFamily="18" charset="0"/>
+                <a:ea typeface="Calibri" panose="020F0502020204030204" pitchFamily="34" charset="0"/>
+                <a:cs typeface="Times New Roman" panose="02020603050405020304" pitchFamily="18" charset="0"/>
+              </a:rPr>
+              <a:t>kể</a:t>
+            </a:r>
+            <a:r>
+              <a:rPr lang="en-US" sz="1800" dirty="0">
+                <a:effectLst/>
+                <a:latin typeface="Times New Roman" panose="02020603050405020304" pitchFamily="18" charset="0"/>
+                <a:ea typeface="Calibri" panose="020F0502020204030204" pitchFamily="34" charset="0"/>
+                <a:cs typeface="Times New Roman" panose="02020603050405020304" pitchFamily="18" charset="0"/>
+              </a:rPr>
+              <a:t> </a:t>
+            </a:r>
+            <a:r>
+              <a:rPr lang="en-US" sz="1800" dirty="0" err="1">
+                <a:effectLst/>
+                <a:latin typeface="Times New Roman" panose="02020603050405020304" pitchFamily="18" charset="0"/>
+                <a:ea typeface="Calibri" panose="020F0502020204030204" pitchFamily="34" charset="0"/>
+                <a:cs typeface="Times New Roman" panose="02020603050405020304" pitchFamily="18" charset="0"/>
+              </a:rPr>
+              <a:t>từ</a:t>
+            </a:r>
+            <a:r>
+              <a:rPr lang="en-US" sz="1800" dirty="0">
+                <a:effectLst/>
+                <a:latin typeface="Times New Roman" panose="02020603050405020304" pitchFamily="18" charset="0"/>
+                <a:ea typeface="Calibri" panose="020F0502020204030204" pitchFamily="34" charset="0"/>
+                <a:cs typeface="Times New Roman" panose="02020603050405020304" pitchFamily="18" charset="0"/>
+              </a:rPr>
+              <a:t> </a:t>
+            </a:r>
+            <a:r>
+              <a:rPr lang="en-US" sz="1800" dirty="0" err="1">
+                <a:effectLst/>
+                <a:latin typeface="Times New Roman" panose="02020603050405020304" pitchFamily="18" charset="0"/>
+                <a:ea typeface="Calibri" panose="020F0502020204030204" pitchFamily="34" charset="0"/>
+                <a:cs typeface="Times New Roman" panose="02020603050405020304" pitchFamily="18" charset="0"/>
+              </a:rPr>
+              <a:t>ngày</a:t>
+            </a:r>
+            <a:r>
+              <a:rPr lang="en-US" sz="1800" dirty="0">
+                <a:effectLst/>
+                <a:latin typeface="Times New Roman" panose="02020603050405020304" pitchFamily="18" charset="0"/>
+                <a:ea typeface="Calibri" panose="020F0502020204030204" pitchFamily="34" charset="0"/>
+                <a:cs typeface="Times New Roman" panose="02020603050405020304" pitchFamily="18" charset="0"/>
+              </a:rPr>
+              <a:t> 01/04/2022.</a:t>
+            </a:r>
+            <a:endParaRPr lang="en-US" sz="1800" dirty="0">
+              <a:effectLst/>
+              <a:latin typeface="Calibri" panose="020F0502020204030204" pitchFamily="34" charset="0"/>
+              <a:ea typeface="Calibri" panose="020F0502020204030204" pitchFamily="34" charset="0"/>
+              <a:cs typeface="Times New Roman" panose="02020603050405020304" pitchFamily="18" charset="0"/>
+            </a:endParaRPr>
+          </a:p>
+          <a:p>
+            <a:pPr marL="342900" marR="0" lvl="0" indent="-342900">
+              <a:lnSpc>
+                <a:spcPct val="107000"/>
+              </a:lnSpc>
+              <a:spcBef>
+                <a:spcPts val="0"/>
+              </a:spcBef>
+              <a:spcAft>
+                <a:spcPts val="0"/>
+              </a:spcAft>
+              <a:buFont typeface="+mj-lt"/>
+              <a:buAutoNum type="arabicPeriod"/>
+            </a:pPr>
+            <a:r>
+              <a:rPr lang="en-US" sz="1800" dirty="0" err="1">
+                <a:effectLst/>
+                <a:latin typeface="Times New Roman" panose="02020603050405020304" pitchFamily="18" charset="0"/>
+                <a:ea typeface="Calibri" panose="020F0502020204030204" pitchFamily="34" charset="0"/>
+                <a:cs typeface="Times New Roman" panose="02020603050405020304" pitchFamily="18" charset="0"/>
+              </a:rPr>
+              <a:t>Đưa</a:t>
+            </a:r>
+            <a:r>
+              <a:rPr lang="en-US" sz="1800" dirty="0">
+                <a:effectLst/>
+                <a:latin typeface="Times New Roman" panose="02020603050405020304" pitchFamily="18" charset="0"/>
+                <a:ea typeface="Calibri" panose="020F0502020204030204" pitchFamily="34" charset="0"/>
+                <a:cs typeface="Times New Roman" panose="02020603050405020304" pitchFamily="18" charset="0"/>
+              </a:rPr>
+              <a:t> </a:t>
+            </a:r>
+            <a:r>
+              <a:rPr lang="en-US" sz="1800" dirty="0" err="1">
+                <a:effectLst/>
+                <a:latin typeface="Times New Roman" panose="02020603050405020304" pitchFamily="18" charset="0"/>
+                <a:ea typeface="Calibri" panose="020F0502020204030204" pitchFamily="34" charset="0"/>
+                <a:cs typeface="Times New Roman" panose="02020603050405020304" pitchFamily="18" charset="0"/>
+              </a:rPr>
+              <a:t>ra</a:t>
+            </a:r>
+            <a:r>
+              <a:rPr lang="en-US" sz="1800" dirty="0">
+                <a:effectLst/>
+                <a:latin typeface="Times New Roman" panose="02020603050405020304" pitchFamily="18" charset="0"/>
+                <a:ea typeface="Calibri" panose="020F0502020204030204" pitchFamily="34" charset="0"/>
+                <a:cs typeface="Times New Roman" panose="02020603050405020304" pitchFamily="18" charset="0"/>
+              </a:rPr>
+              <a:t> </a:t>
+            </a:r>
+            <a:r>
+              <a:rPr lang="en-US" sz="1800" dirty="0" err="1">
+                <a:effectLst/>
+                <a:latin typeface="Times New Roman" panose="02020603050405020304" pitchFamily="18" charset="0"/>
+                <a:ea typeface="Calibri" panose="020F0502020204030204" pitchFamily="34" charset="0"/>
+                <a:cs typeface="Times New Roman" panose="02020603050405020304" pitchFamily="18" charset="0"/>
+              </a:rPr>
+              <a:t>tên</a:t>
+            </a:r>
+            <a:r>
+              <a:rPr lang="en-US" sz="1800" dirty="0">
+                <a:effectLst/>
+                <a:latin typeface="Times New Roman" panose="02020603050405020304" pitchFamily="18" charset="0"/>
+                <a:ea typeface="Calibri" panose="020F0502020204030204" pitchFamily="34" charset="0"/>
+                <a:cs typeface="Times New Roman" panose="02020603050405020304" pitchFamily="18" charset="0"/>
+              </a:rPr>
+              <a:t> CPU </a:t>
+            </a:r>
+            <a:r>
+              <a:rPr lang="en-US" sz="1800" dirty="0" err="1">
+                <a:effectLst/>
+                <a:latin typeface="Times New Roman" panose="02020603050405020304" pitchFamily="18" charset="0"/>
+                <a:ea typeface="Calibri" panose="020F0502020204030204" pitchFamily="34" charset="0"/>
+                <a:cs typeface="Times New Roman" panose="02020603050405020304" pitchFamily="18" charset="0"/>
+              </a:rPr>
+              <a:t>và</a:t>
+            </a:r>
+            <a:r>
+              <a:rPr lang="en-US" sz="1800" dirty="0">
+                <a:effectLst/>
+                <a:latin typeface="Times New Roman" panose="02020603050405020304" pitchFamily="18" charset="0"/>
+                <a:ea typeface="Calibri" panose="020F0502020204030204" pitchFamily="34" charset="0"/>
+                <a:cs typeface="Times New Roman" panose="02020603050405020304" pitchFamily="18" charset="0"/>
+              </a:rPr>
+              <a:t> </a:t>
+            </a:r>
+            <a:r>
+              <a:rPr lang="en-US" sz="1800" dirty="0" err="1">
+                <a:effectLst/>
+                <a:latin typeface="Times New Roman" panose="02020603050405020304" pitchFamily="18" charset="0"/>
+                <a:ea typeface="Calibri" panose="020F0502020204030204" pitchFamily="34" charset="0"/>
+                <a:cs typeface="Times New Roman" panose="02020603050405020304" pitchFamily="18" charset="0"/>
+              </a:rPr>
+              <a:t>số</a:t>
+            </a:r>
+            <a:r>
+              <a:rPr lang="en-US" sz="1800" dirty="0">
+                <a:effectLst/>
+                <a:latin typeface="Times New Roman" panose="02020603050405020304" pitchFamily="18" charset="0"/>
+                <a:ea typeface="Calibri" panose="020F0502020204030204" pitchFamily="34" charset="0"/>
+                <a:cs typeface="Times New Roman" panose="02020603050405020304" pitchFamily="18" charset="0"/>
+              </a:rPr>
+              <a:t> </a:t>
+            </a:r>
+            <a:r>
+              <a:rPr lang="en-US" sz="1800" dirty="0" err="1">
+                <a:effectLst/>
+                <a:latin typeface="Times New Roman" panose="02020603050405020304" pitchFamily="18" charset="0"/>
+                <a:ea typeface="Calibri" panose="020F0502020204030204" pitchFamily="34" charset="0"/>
+                <a:cs typeface="Times New Roman" panose="02020603050405020304" pitchFamily="18" charset="0"/>
+              </a:rPr>
+              <a:t>lượng</a:t>
+            </a:r>
+            <a:r>
+              <a:rPr lang="en-US" sz="1800" dirty="0">
+                <a:effectLst/>
+                <a:latin typeface="Times New Roman" panose="02020603050405020304" pitchFamily="18" charset="0"/>
+                <a:ea typeface="Calibri" panose="020F0502020204030204" pitchFamily="34" charset="0"/>
+                <a:cs typeface="Times New Roman" panose="02020603050405020304" pitchFamily="18" charset="0"/>
+              </a:rPr>
+              <a:t> </a:t>
+            </a:r>
+            <a:r>
+              <a:rPr lang="en-US" sz="1800" dirty="0" err="1">
+                <a:effectLst/>
+                <a:latin typeface="Times New Roman" panose="02020603050405020304" pitchFamily="18" charset="0"/>
+                <a:ea typeface="Calibri" panose="020F0502020204030204" pitchFamily="34" charset="0"/>
+                <a:cs typeface="Times New Roman" panose="02020603050405020304" pitchFamily="18" charset="0"/>
+              </a:rPr>
+              <a:t>đã</a:t>
+            </a:r>
+            <a:r>
+              <a:rPr lang="en-US" sz="1800" dirty="0">
+                <a:effectLst/>
+                <a:latin typeface="Times New Roman" panose="02020603050405020304" pitchFamily="18" charset="0"/>
+                <a:ea typeface="Calibri" panose="020F0502020204030204" pitchFamily="34" charset="0"/>
+                <a:cs typeface="Times New Roman" panose="02020603050405020304" pitchFamily="18" charset="0"/>
+              </a:rPr>
+              <a:t> </a:t>
+            </a:r>
+            <a:r>
+              <a:rPr lang="en-US" sz="1800" dirty="0" err="1">
+                <a:effectLst/>
+                <a:latin typeface="Times New Roman" panose="02020603050405020304" pitchFamily="18" charset="0"/>
+                <a:ea typeface="Calibri" panose="020F0502020204030204" pitchFamily="34" charset="0"/>
+                <a:cs typeface="Times New Roman" panose="02020603050405020304" pitchFamily="18" charset="0"/>
+              </a:rPr>
+              <a:t>bán</a:t>
+            </a:r>
+            <a:r>
+              <a:rPr lang="en-US" sz="1800" dirty="0">
+                <a:effectLst/>
+                <a:latin typeface="Times New Roman" panose="02020603050405020304" pitchFamily="18" charset="0"/>
+                <a:ea typeface="Calibri" panose="020F0502020204030204" pitchFamily="34" charset="0"/>
+                <a:cs typeface="Times New Roman" panose="02020603050405020304" pitchFamily="18" charset="0"/>
+              </a:rPr>
+              <a:t>.</a:t>
+            </a:r>
+            <a:endParaRPr lang="en-US" sz="1800" dirty="0">
+              <a:effectLst/>
+              <a:latin typeface="Calibri" panose="020F0502020204030204" pitchFamily="34" charset="0"/>
+              <a:ea typeface="Calibri" panose="020F0502020204030204" pitchFamily="34" charset="0"/>
+              <a:cs typeface="Times New Roman" panose="02020603050405020304" pitchFamily="18" charset="0"/>
+            </a:endParaRPr>
+          </a:p>
+          <a:p>
+            <a:pPr marL="342900" marR="0" lvl="0" indent="-342900">
+              <a:lnSpc>
+                <a:spcPct val="107000"/>
+              </a:lnSpc>
+              <a:spcBef>
+                <a:spcPts val="0"/>
+              </a:spcBef>
+              <a:spcAft>
+                <a:spcPts val="0"/>
+              </a:spcAft>
+              <a:buFont typeface="+mj-lt"/>
+              <a:buAutoNum type="arabicPeriod"/>
+            </a:pPr>
+            <a:r>
+              <a:rPr lang="en-US" sz="1800" dirty="0" err="1">
+                <a:effectLst/>
+                <a:latin typeface="Times New Roman" panose="02020603050405020304" pitchFamily="18" charset="0"/>
+                <a:ea typeface="Calibri" panose="020F0502020204030204" pitchFamily="34" charset="0"/>
+                <a:cs typeface="Times New Roman" panose="02020603050405020304" pitchFamily="18" charset="0"/>
+              </a:rPr>
+              <a:t>Tìm</a:t>
+            </a:r>
+            <a:r>
+              <a:rPr lang="en-US" sz="1800" dirty="0">
+                <a:effectLst/>
+                <a:latin typeface="Times New Roman" panose="02020603050405020304" pitchFamily="18" charset="0"/>
+                <a:ea typeface="Calibri" panose="020F0502020204030204" pitchFamily="34" charset="0"/>
+                <a:cs typeface="Times New Roman" panose="02020603050405020304" pitchFamily="18" charset="0"/>
+              </a:rPr>
+              <a:t> </a:t>
+            </a:r>
+            <a:r>
+              <a:rPr lang="en-US" sz="1800" dirty="0" err="1">
+                <a:effectLst/>
+                <a:latin typeface="Times New Roman" panose="02020603050405020304" pitchFamily="18" charset="0"/>
+                <a:ea typeface="Calibri" panose="020F0502020204030204" pitchFamily="34" charset="0"/>
+                <a:cs typeface="Times New Roman" panose="02020603050405020304" pitchFamily="18" charset="0"/>
+              </a:rPr>
+              <a:t>kiếm</a:t>
+            </a:r>
+            <a:r>
+              <a:rPr lang="en-US" sz="1800" dirty="0">
+                <a:effectLst/>
+                <a:latin typeface="Times New Roman" panose="02020603050405020304" pitchFamily="18" charset="0"/>
+                <a:ea typeface="Calibri" panose="020F0502020204030204" pitchFamily="34" charset="0"/>
+                <a:cs typeface="Times New Roman" panose="02020603050405020304" pitchFamily="18" charset="0"/>
+              </a:rPr>
+              <a:t> </a:t>
+            </a:r>
+            <a:r>
+              <a:rPr lang="en-US" sz="1800" dirty="0" err="1">
+                <a:effectLst/>
+                <a:latin typeface="Times New Roman" panose="02020603050405020304" pitchFamily="18" charset="0"/>
+                <a:ea typeface="Calibri" panose="020F0502020204030204" pitchFamily="34" charset="0"/>
+                <a:cs typeface="Times New Roman" panose="02020603050405020304" pitchFamily="18" charset="0"/>
+              </a:rPr>
+              <a:t>các</a:t>
+            </a:r>
+            <a:r>
+              <a:rPr lang="en-US" sz="1800" dirty="0">
+                <a:effectLst/>
+                <a:latin typeface="Times New Roman" panose="02020603050405020304" pitchFamily="18" charset="0"/>
+                <a:ea typeface="Calibri" panose="020F0502020204030204" pitchFamily="34" charset="0"/>
+                <a:cs typeface="Times New Roman" panose="02020603050405020304" pitchFamily="18" charset="0"/>
+              </a:rPr>
+              <a:t> </a:t>
+            </a:r>
+            <a:r>
+              <a:rPr lang="en-US" sz="1800" dirty="0" err="1">
+                <a:effectLst/>
+                <a:latin typeface="Times New Roman" panose="02020603050405020304" pitchFamily="18" charset="0"/>
+                <a:ea typeface="Calibri" panose="020F0502020204030204" pitchFamily="34" charset="0"/>
+                <a:cs typeface="Times New Roman" panose="02020603050405020304" pitchFamily="18" charset="0"/>
+              </a:rPr>
+              <a:t>đơn</a:t>
+            </a:r>
+            <a:r>
+              <a:rPr lang="en-US" sz="1800" dirty="0">
+                <a:effectLst/>
+                <a:latin typeface="Times New Roman" panose="02020603050405020304" pitchFamily="18" charset="0"/>
+                <a:ea typeface="Calibri" panose="020F0502020204030204" pitchFamily="34" charset="0"/>
+                <a:cs typeface="Times New Roman" panose="02020603050405020304" pitchFamily="18" charset="0"/>
+              </a:rPr>
+              <a:t> </a:t>
+            </a:r>
+            <a:r>
+              <a:rPr lang="en-US" sz="1800" dirty="0" err="1">
+                <a:effectLst/>
+                <a:latin typeface="Times New Roman" panose="02020603050405020304" pitchFamily="18" charset="0"/>
+                <a:ea typeface="Calibri" panose="020F0502020204030204" pitchFamily="34" charset="0"/>
+                <a:cs typeface="Times New Roman" panose="02020603050405020304" pitchFamily="18" charset="0"/>
+              </a:rPr>
+              <a:t>hàng</a:t>
+            </a:r>
+            <a:r>
+              <a:rPr lang="en-US" sz="1800" dirty="0">
+                <a:effectLst/>
+                <a:latin typeface="Times New Roman" panose="02020603050405020304" pitchFamily="18" charset="0"/>
+                <a:ea typeface="Calibri" panose="020F0502020204030204" pitchFamily="34" charset="0"/>
+                <a:cs typeface="Times New Roman" panose="02020603050405020304" pitchFamily="18" charset="0"/>
+              </a:rPr>
+              <a:t> </a:t>
+            </a:r>
+            <a:r>
+              <a:rPr lang="en-US" sz="1800" dirty="0" err="1">
+                <a:effectLst/>
+                <a:latin typeface="Times New Roman" panose="02020603050405020304" pitchFamily="18" charset="0"/>
+                <a:ea typeface="Calibri" panose="020F0502020204030204" pitchFamily="34" charset="0"/>
+                <a:cs typeface="Times New Roman" panose="02020603050405020304" pitchFamily="18" charset="0"/>
+              </a:rPr>
+              <a:t>mà</a:t>
+            </a:r>
+            <a:r>
+              <a:rPr lang="en-US" sz="1800" dirty="0">
+                <a:effectLst/>
+                <a:latin typeface="Times New Roman" panose="02020603050405020304" pitchFamily="18" charset="0"/>
+                <a:ea typeface="Calibri" panose="020F0502020204030204" pitchFamily="34" charset="0"/>
+                <a:cs typeface="Times New Roman" panose="02020603050405020304" pitchFamily="18" charset="0"/>
+              </a:rPr>
+              <a:t> </a:t>
+            </a:r>
+            <a:r>
+              <a:rPr lang="en-US" sz="1800" dirty="0" err="1">
+                <a:effectLst/>
+                <a:latin typeface="Times New Roman" panose="02020603050405020304" pitchFamily="18" charset="0"/>
+                <a:ea typeface="Calibri" panose="020F0502020204030204" pitchFamily="34" charset="0"/>
+                <a:cs typeface="Times New Roman" panose="02020603050405020304" pitchFamily="18" charset="0"/>
+              </a:rPr>
+              <a:t>khách</a:t>
+            </a:r>
+            <a:r>
+              <a:rPr lang="en-US" sz="1800" dirty="0">
+                <a:effectLst/>
+                <a:latin typeface="Times New Roman" panose="02020603050405020304" pitchFamily="18" charset="0"/>
+                <a:ea typeface="Calibri" panose="020F0502020204030204" pitchFamily="34" charset="0"/>
+                <a:cs typeface="Times New Roman" panose="02020603050405020304" pitchFamily="18" charset="0"/>
+              </a:rPr>
+              <a:t> </a:t>
+            </a:r>
+            <a:r>
+              <a:rPr lang="en-US" sz="1800" dirty="0" err="1">
+                <a:effectLst/>
+                <a:latin typeface="Times New Roman" panose="02020603050405020304" pitchFamily="18" charset="0"/>
+                <a:ea typeface="Calibri" panose="020F0502020204030204" pitchFamily="34" charset="0"/>
+                <a:cs typeface="Times New Roman" panose="02020603050405020304" pitchFamily="18" charset="0"/>
+              </a:rPr>
+              <a:t>hàng</a:t>
+            </a:r>
+            <a:r>
+              <a:rPr lang="en-US" sz="1800" dirty="0">
+                <a:effectLst/>
+                <a:latin typeface="Times New Roman" panose="02020603050405020304" pitchFamily="18" charset="0"/>
+                <a:ea typeface="Calibri" panose="020F0502020204030204" pitchFamily="34" charset="0"/>
+                <a:cs typeface="Times New Roman" panose="02020603050405020304" pitchFamily="18" charset="0"/>
+              </a:rPr>
+              <a:t> </a:t>
+            </a:r>
+            <a:r>
+              <a:rPr lang="en-US" sz="1800" dirty="0" err="1">
+                <a:effectLst/>
+                <a:latin typeface="Times New Roman" panose="02020603050405020304" pitchFamily="18" charset="0"/>
+                <a:ea typeface="Calibri" panose="020F0502020204030204" pitchFamily="34" charset="0"/>
+                <a:cs typeface="Times New Roman" panose="02020603050405020304" pitchFamily="18" charset="0"/>
+              </a:rPr>
+              <a:t>đã</a:t>
+            </a:r>
+            <a:r>
+              <a:rPr lang="en-US" sz="1800" dirty="0">
+                <a:effectLst/>
+                <a:latin typeface="Times New Roman" panose="02020603050405020304" pitchFamily="18" charset="0"/>
+                <a:ea typeface="Calibri" panose="020F0502020204030204" pitchFamily="34" charset="0"/>
+                <a:cs typeface="Times New Roman" panose="02020603050405020304" pitchFamily="18" charset="0"/>
+              </a:rPr>
+              <a:t> </a:t>
+            </a:r>
+            <a:r>
+              <a:rPr lang="en-US" sz="1800" dirty="0" err="1">
+                <a:effectLst/>
+                <a:latin typeface="Times New Roman" panose="02020603050405020304" pitchFamily="18" charset="0"/>
+                <a:ea typeface="Calibri" panose="020F0502020204030204" pitchFamily="34" charset="0"/>
+                <a:cs typeface="Times New Roman" panose="02020603050405020304" pitchFamily="18" charset="0"/>
+              </a:rPr>
+              <a:t>mua</a:t>
+            </a:r>
+            <a:r>
+              <a:rPr lang="en-US" sz="1800" dirty="0">
+                <a:effectLst/>
+                <a:latin typeface="Times New Roman" panose="02020603050405020304" pitchFamily="18" charset="0"/>
+                <a:ea typeface="Calibri" panose="020F0502020204030204" pitchFamily="34" charset="0"/>
+                <a:cs typeface="Times New Roman" panose="02020603050405020304" pitchFamily="18" charset="0"/>
+              </a:rPr>
+              <a:t> CPU Intel Core i9 12900K </a:t>
+            </a:r>
+            <a:r>
+              <a:rPr lang="en-US" sz="1800" dirty="0" err="1">
+                <a:effectLst/>
+                <a:latin typeface="Times New Roman" panose="02020603050405020304" pitchFamily="18" charset="0"/>
+                <a:ea typeface="Calibri" panose="020F0502020204030204" pitchFamily="34" charset="0"/>
+                <a:cs typeface="Times New Roman" panose="02020603050405020304" pitchFamily="18" charset="0"/>
+              </a:rPr>
+              <a:t>và</a:t>
+            </a:r>
+            <a:r>
+              <a:rPr lang="en-US" sz="1800" dirty="0">
+                <a:effectLst/>
+                <a:latin typeface="Times New Roman" panose="02020603050405020304" pitchFamily="18" charset="0"/>
+                <a:ea typeface="Calibri" panose="020F0502020204030204" pitchFamily="34" charset="0"/>
+                <a:cs typeface="Times New Roman" panose="02020603050405020304" pitchFamily="18" charset="0"/>
+              </a:rPr>
+              <a:t> CPU AMD Ryzen 7 6800H.</a:t>
+            </a:r>
+            <a:endParaRPr lang="en-US" sz="1800" dirty="0">
+              <a:effectLst/>
+              <a:latin typeface="Calibri" panose="020F0502020204030204" pitchFamily="34" charset="0"/>
+              <a:ea typeface="Calibri" panose="020F0502020204030204" pitchFamily="34" charset="0"/>
+              <a:cs typeface="Times New Roman" panose="02020603050405020304" pitchFamily="18" charset="0"/>
+            </a:endParaRPr>
+          </a:p>
+          <a:p>
+            <a:pPr marL="342900" marR="0" lvl="0" indent="-342900">
+              <a:lnSpc>
+                <a:spcPct val="107000"/>
+              </a:lnSpc>
+              <a:spcBef>
+                <a:spcPts val="0"/>
+              </a:spcBef>
+              <a:spcAft>
+                <a:spcPts val="0"/>
+              </a:spcAft>
+              <a:buFont typeface="+mj-lt"/>
+              <a:buAutoNum type="arabicPeriod"/>
+            </a:pPr>
+            <a:r>
+              <a:rPr lang="en-US" sz="1800" dirty="0" err="1">
+                <a:effectLst/>
+                <a:latin typeface="Times New Roman" panose="02020603050405020304" pitchFamily="18" charset="0"/>
+                <a:ea typeface="Calibri" panose="020F0502020204030204" pitchFamily="34" charset="0"/>
+                <a:cs typeface="Times New Roman" panose="02020603050405020304" pitchFamily="18" charset="0"/>
+              </a:rPr>
+              <a:t>Đưa</a:t>
+            </a:r>
+            <a:r>
+              <a:rPr lang="en-US" sz="1800" dirty="0">
+                <a:effectLst/>
+                <a:latin typeface="Times New Roman" panose="02020603050405020304" pitchFamily="18" charset="0"/>
+                <a:ea typeface="Calibri" panose="020F0502020204030204" pitchFamily="34" charset="0"/>
+                <a:cs typeface="Times New Roman" panose="02020603050405020304" pitchFamily="18" charset="0"/>
+              </a:rPr>
+              <a:t> </a:t>
+            </a:r>
+            <a:r>
+              <a:rPr lang="en-US" sz="1800" dirty="0" err="1">
+                <a:effectLst/>
+                <a:latin typeface="Times New Roman" panose="02020603050405020304" pitchFamily="18" charset="0"/>
+                <a:ea typeface="Calibri" panose="020F0502020204030204" pitchFamily="34" charset="0"/>
+                <a:cs typeface="Times New Roman" panose="02020603050405020304" pitchFamily="18" charset="0"/>
+              </a:rPr>
+              <a:t>tên</a:t>
+            </a:r>
+            <a:r>
+              <a:rPr lang="en-US" sz="1800" dirty="0">
+                <a:effectLst/>
+                <a:latin typeface="Times New Roman" panose="02020603050405020304" pitchFamily="18" charset="0"/>
+                <a:ea typeface="Calibri" panose="020F0502020204030204" pitchFamily="34" charset="0"/>
+                <a:cs typeface="Times New Roman" panose="02020603050405020304" pitchFamily="18" charset="0"/>
+              </a:rPr>
+              <a:t> CPU </a:t>
+            </a:r>
+            <a:r>
+              <a:rPr lang="en-US" sz="1800" dirty="0" err="1">
+                <a:effectLst/>
+                <a:latin typeface="Times New Roman" panose="02020603050405020304" pitchFamily="18" charset="0"/>
+                <a:ea typeface="Calibri" panose="020F0502020204030204" pitchFamily="34" charset="0"/>
+                <a:cs typeface="Times New Roman" panose="02020603050405020304" pitchFamily="18" charset="0"/>
+              </a:rPr>
+              <a:t>có</a:t>
+            </a:r>
+            <a:r>
+              <a:rPr lang="en-US" sz="1800" dirty="0">
+                <a:effectLst/>
+                <a:latin typeface="Times New Roman" panose="02020603050405020304" pitchFamily="18" charset="0"/>
+                <a:ea typeface="Calibri" panose="020F0502020204030204" pitchFamily="34" charset="0"/>
+                <a:cs typeface="Times New Roman" panose="02020603050405020304" pitchFamily="18" charset="0"/>
+              </a:rPr>
+              <a:t> </a:t>
+            </a:r>
+            <a:r>
+              <a:rPr lang="en-US" sz="1800" dirty="0" err="1">
+                <a:effectLst/>
+                <a:latin typeface="Times New Roman" panose="02020603050405020304" pitchFamily="18" charset="0"/>
+                <a:ea typeface="Calibri" panose="020F0502020204030204" pitchFamily="34" charset="0"/>
+                <a:cs typeface="Times New Roman" panose="02020603050405020304" pitchFamily="18" charset="0"/>
+              </a:rPr>
+              <a:t>số</a:t>
+            </a:r>
+            <a:r>
+              <a:rPr lang="en-US" sz="1800" dirty="0">
+                <a:effectLst/>
+                <a:latin typeface="Times New Roman" panose="02020603050405020304" pitchFamily="18" charset="0"/>
+                <a:ea typeface="Calibri" panose="020F0502020204030204" pitchFamily="34" charset="0"/>
+                <a:cs typeface="Times New Roman" panose="02020603050405020304" pitchFamily="18" charset="0"/>
+              </a:rPr>
+              <a:t> </a:t>
+            </a:r>
+            <a:r>
+              <a:rPr lang="en-US" sz="1800" dirty="0" err="1">
+                <a:effectLst/>
+                <a:latin typeface="Times New Roman" panose="02020603050405020304" pitchFamily="18" charset="0"/>
+                <a:ea typeface="Calibri" panose="020F0502020204030204" pitchFamily="34" charset="0"/>
+                <a:cs typeface="Times New Roman" panose="02020603050405020304" pitchFamily="18" charset="0"/>
+              </a:rPr>
+              <a:t>lượng</a:t>
+            </a:r>
+            <a:r>
+              <a:rPr lang="en-US" sz="1800" dirty="0">
+                <a:effectLst/>
+                <a:latin typeface="Times New Roman" panose="02020603050405020304" pitchFamily="18" charset="0"/>
+                <a:ea typeface="Calibri" panose="020F0502020204030204" pitchFamily="34" charset="0"/>
+                <a:cs typeface="Times New Roman" panose="02020603050405020304" pitchFamily="18" charset="0"/>
+              </a:rPr>
+              <a:t> </a:t>
+            </a:r>
+            <a:r>
+              <a:rPr lang="en-US" sz="1800" dirty="0" err="1">
+                <a:effectLst/>
+                <a:latin typeface="Times New Roman" panose="02020603050405020304" pitchFamily="18" charset="0"/>
+                <a:ea typeface="Calibri" panose="020F0502020204030204" pitchFamily="34" charset="0"/>
+                <a:cs typeface="Times New Roman" panose="02020603050405020304" pitchFamily="18" charset="0"/>
+              </a:rPr>
+              <a:t>bán</a:t>
+            </a:r>
+            <a:r>
+              <a:rPr lang="en-US" sz="1800" dirty="0">
+                <a:effectLst/>
+                <a:latin typeface="Times New Roman" panose="02020603050405020304" pitchFamily="18" charset="0"/>
+                <a:ea typeface="Calibri" panose="020F0502020204030204" pitchFamily="34" charset="0"/>
+                <a:cs typeface="Times New Roman" panose="02020603050405020304" pitchFamily="18" charset="0"/>
+              </a:rPr>
+              <a:t> </a:t>
+            </a:r>
+            <a:r>
+              <a:rPr lang="en-US" sz="1800" dirty="0" err="1">
+                <a:effectLst/>
+                <a:latin typeface="Times New Roman" panose="02020603050405020304" pitchFamily="18" charset="0"/>
+                <a:ea typeface="Calibri" panose="020F0502020204030204" pitchFamily="34" charset="0"/>
+                <a:cs typeface="Times New Roman" panose="02020603050405020304" pitchFamily="18" charset="0"/>
+              </a:rPr>
+              <a:t>ra</a:t>
+            </a:r>
+            <a:r>
+              <a:rPr lang="en-US" sz="1800" dirty="0">
+                <a:effectLst/>
+                <a:latin typeface="Times New Roman" panose="02020603050405020304" pitchFamily="18" charset="0"/>
+                <a:ea typeface="Calibri" panose="020F0502020204030204" pitchFamily="34" charset="0"/>
+                <a:cs typeface="Times New Roman" panose="02020603050405020304" pitchFamily="18" charset="0"/>
+              </a:rPr>
+              <a:t> </a:t>
+            </a:r>
+            <a:r>
+              <a:rPr lang="en-US" sz="1800" dirty="0" err="1">
+                <a:effectLst/>
+                <a:latin typeface="Times New Roman" panose="02020603050405020304" pitchFamily="18" charset="0"/>
+                <a:ea typeface="Calibri" panose="020F0502020204030204" pitchFamily="34" charset="0"/>
+                <a:cs typeface="Times New Roman" panose="02020603050405020304" pitchFamily="18" charset="0"/>
+              </a:rPr>
+              <a:t>nhiều</a:t>
+            </a:r>
+            <a:r>
+              <a:rPr lang="en-US" sz="1800" dirty="0">
+                <a:effectLst/>
+                <a:latin typeface="Times New Roman" panose="02020603050405020304" pitchFamily="18" charset="0"/>
+                <a:ea typeface="Calibri" panose="020F0502020204030204" pitchFamily="34" charset="0"/>
+                <a:cs typeface="Times New Roman" panose="02020603050405020304" pitchFamily="18" charset="0"/>
+              </a:rPr>
+              <a:t> </a:t>
+            </a:r>
+            <a:r>
+              <a:rPr lang="en-US" sz="1800" dirty="0" err="1">
+                <a:effectLst/>
+                <a:latin typeface="Times New Roman" panose="02020603050405020304" pitchFamily="18" charset="0"/>
+                <a:ea typeface="Calibri" panose="020F0502020204030204" pitchFamily="34" charset="0"/>
+                <a:cs typeface="Times New Roman" panose="02020603050405020304" pitchFamily="18" charset="0"/>
+              </a:rPr>
+              <a:t>nhất</a:t>
+            </a:r>
+            <a:r>
+              <a:rPr lang="en-US" sz="1800" dirty="0">
+                <a:effectLst/>
+                <a:latin typeface="Times New Roman" panose="02020603050405020304" pitchFamily="18" charset="0"/>
+                <a:ea typeface="Calibri" panose="020F0502020204030204" pitchFamily="34" charset="0"/>
+                <a:cs typeface="Times New Roman" panose="02020603050405020304" pitchFamily="18" charset="0"/>
+              </a:rPr>
+              <a:t>.</a:t>
+            </a:r>
+            <a:endParaRPr lang="en-US" sz="1800" dirty="0">
+              <a:effectLst/>
+              <a:latin typeface="Calibri" panose="020F0502020204030204" pitchFamily="34" charset="0"/>
+              <a:ea typeface="Calibri" panose="020F0502020204030204" pitchFamily="34" charset="0"/>
+              <a:cs typeface="Times New Roman" panose="02020603050405020304" pitchFamily="18" charset="0"/>
+            </a:endParaRPr>
+          </a:p>
+          <a:p>
+            <a:pPr marL="342900" marR="0" lvl="0" indent="-342900">
+              <a:lnSpc>
+                <a:spcPct val="107000"/>
+              </a:lnSpc>
+              <a:spcBef>
+                <a:spcPts val="0"/>
+              </a:spcBef>
+              <a:spcAft>
+                <a:spcPts val="0"/>
+              </a:spcAft>
+              <a:buFont typeface="+mj-lt"/>
+              <a:buAutoNum type="arabicPeriod"/>
+            </a:pPr>
+            <a:r>
+              <a:rPr lang="en-US" sz="1800" dirty="0" err="1">
+                <a:effectLst/>
+                <a:latin typeface="Times New Roman" panose="02020603050405020304" pitchFamily="18" charset="0"/>
+                <a:ea typeface="Calibri" panose="020F0502020204030204" pitchFamily="34" charset="0"/>
+                <a:cs typeface="Times New Roman" panose="02020603050405020304" pitchFamily="18" charset="0"/>
+              </a:rPr>
+              <a:t>Đưa</a:t>
+            </a:r>
+            <a:r>
+              <a:rPr lang="en-US" sz="1800" dirty="0">
+                <a:effectLst/>
+                <a:latin typeface="Times New Roman" panose="02020603050405020304" pitchFamily="18" charset="0"/>
+                <a:ea typeface="Calibri" panose="020F0502020204030204" pitchFamily="34" charset="0"/>
+                <a:cs typeface="Times New Roman" panose="02020603050405020304" pitchFamily="18" charset="0"/>
+              </a:rPr>
+              <a:t> </a:t>
+            </a:r>
+            <a:r>
+              <a:rPr lang="en-US" sz="1800" dirty="0" err="1">
+                <a:effectLst/>
+                <a:latin typeface="Times New Roman" panose="02020603050405020304" pitchFamily="18" charset="0"/>
+                <a:ea typeface="Calibri" panose="020F0502020204030204" pitchFamily="34" charset="0"/>
+                <a:cs typeface="Times New Roman" panose="02020603050405020304" pitchFamily="18" charset="0"/>
+              </a:rPr>
+              <a:t>ra</a:t>
+            </a:r>
+            <a:r>
+              <a:rPr lang="en-US" sz="1800" dirty="0">
+                <a:effectLst/>
+                <a:latin typeface="Times New Roman" panose="02020603050405020304" pitchFamily="18" charset="0"/>
+                <a:ea typeface="Calibri" panose="020F0502020204030204" pitchFamily="34" charset="0"/>
+                <a:cs typeface="Times New Roman" panose="02020603050405020304" pitchFamily="18" charset="0"/>
+              </a:rPr>
+              <a:t> </a:t>
+            </a:r>
+            <a:r>
+              <a:rPr lang="en-US" sz="1800" dirty="0" err="1">
+                <a:effectLst/>
+                <a:latin typeface="Times New Roman" panose="02020603050405020304" pitchFamily="18" charset="0"/>
+                <a:ea typeface="Calibri" panose="020F0502020204030204" pitchFamily="34" charset="0"/>
+                <a:cs typeface="Times New Roman" panose="02020603050405020304" pitchFamily="18" charset="0"/>
+              </a:rPr>
+              <a:t>thông</a:t>
+            </a:r>
+            <a:r>
+              <a:rPr lang="en-US" sz="1800" dirty="0">
+                <a:effectLst/>
+                <a:latin typeface="Times New Roman" panose="02020603050405020304" pitchFamily="18" charset="0"/>
+                <a:ea typeface="Calibri" panose="020F0502020204030204" pitchFamily="34" charset="0"/>
+                <a:cs typeface="Times New Roman" panose="02020603050405020304" pitchFamily="18" charset="0"/>
+              </a:rPr>
+              <a:t> tin </a:t>
+            </a:r>
+            <a:r>
+              <a:rPr lang="en-US" sz="1800" dirty="0" err="1">
+                <a:effectLst/>
+                <a:latin typeface="Times New Roman" panose="02020603050405020304" pitchFamily="18" charset="0"/>
+                <a:ea typeface="Calibri" panose="020F0502020204030204" pitchFamily="34" charset="0"/>
+                <a:cs typeface="Times New Roman" panose="02020603050405020304" pitchFamily="18" charset="0"/>
+              </a:rPr>
+              <a:t>khách</a:t>
+            </a:r>
+            <a:r>
+              <a:rPr lang="en-US" sz="1800" dirty="0">
+                <a:effectLst/>
+                <a:latin typeface="Times New Roman" panose="02020603050405020304" pitchFamily="18" charset="0"/>
+                <a:ea typeface="Calibri" panose="020F0502020204030204" pitchFamily="34" charset="0"/>
+                <a:cs typeface="Times New Roman" panose="02020603050405020304" pitchFamily="18" charset="0"/>
+              </a:rPr>
+              <a:t> </a:t>
+            </a:r>
+            <a:r>
+              <a:rPr lang="en-US" sz="1800" dirty="0" err="1">
+                <a:effectLst/>
+                <a:latin typeface="Times New Roman" panose="02020603050405020304" pitchFamily="18" charset="0"/>
+                <a:ea typeface="Calibri" panose="020F0502020204030204" pitchFamily="34" charset="0"/>
+                <a:cs typeface="Times New Roman" panose="02020603050405020304" pitchFamily="18" charset="0"/>
+              </a:rPr>
+              <a:t>hàng</a:t>
+            </a:r>
+            <a:r>
+              <a:rPr lang="en-US" sz="1800" dirty="0">
+                <a:effectLst/>
+                <a:latin typeface="Times New Roman" panose="02020603050405020304" pitchFamily="18" charset="0"/>
+                <a:ea typeface="Calibri" panose="020F0502020204030204" pitchFamily="34" charset="0"/>
+                <a:cs typeface="Times New Roman" panose="02020603050405020304" pitchFamily="18" charset="0"/>
+              </a:rPr>
+              <a:t> </a:t>
+            </a:r>
+            <a:r>
+              <a:rPr lang="en-US" sz="1800" dirty="0" err="1">
+                <a:effectLst/>
+                <a:latin typeface="Times New Roman" panose="02020603050405020304" pitchFamily="18" charset="0"/>
+                <a:ea typeface="Calibri" panose="020F0502020204030204" pitchFamily="34" charset="0"/>
+                <a:cs typeface="Times New Roman" panose="02020603050405020304" pitchFamily="18" charset="0"/>
+              </a:rPr>
+              <a:t>mua</a:t>
+            </a:r>
+            <a:r>
+              <a:rPr lang="en-US" sz="1800" dirty="0">
+                <a:effectLst/>
+                <a:latin typeface="Times New Roman" panose="02020603050405020304" pitchFamily="18" charset="0"/>
+                <a:ea typeface="Calibri" panose="020F0502020204030204" pitchFamily="34" charset="0"/>
+                <a:cs typeface="Times New Roman" panose="02020603050405020304" pitchFamily="18" charset="0"/>
+              </a:rPr>
+              <a:t> </a:t>
+            </a:r>
+            <a:r>
+              <a:rPr lang="en-US" sz="1800" dirty="0" err="1">
+                <a:effectLst/>
+                <a:latin typeface="Times New Roman" panose="02020603050405020304" pitchFamily="18" charset="0"/>
+                <a:ea typeface="Calibri" panose="020F0502020204030204" pitchFamily="34" charset="0"/>
+                <a:cs typeface="Times New Roman" panose="02020603050405020304" pitchFamily="18" charset="0"/>
+              </a:rPr>
+              <a:t>hàng</a:t>
+            </a:r>
+            <a:r>
+              <a:rPr lang="en-US" sz="1800" dirty="0">
+                <a:effectLst/>
+                <a:latin typeface="Times New Roman" panose="02020603050405020304" pitchFamily="18" charset="0"/>
+                <a:ea typeface="Calibri" panose="020F0502020204030204" pitchFamily="34" charset="0"/>
+                <a:cs typeface="Times New Roman" panose="02020603050405020304" pitchFamily="18" charset="0"/>
+              </a:rPr>
+              <a:t> </a:t>
+            </a:r>
+            <a:r>
+              <a:rPr lang="en-US" sz="1800" dirty="0" err="1">
+                <a:effectLst/>
+                <a:latin typeface="Times New Roman" panose="02020603050405020304" pitchFamily="18" charset="0"/>
+                <a:ea typeface="Calibri" panose="020F0502020204030204" pitchFamily="34" charset="0"/>
+                <a:cs typeface="Times New Roman" panose="02020603050405020304" pitchFamily="18" charset="0"/>
+              </a:rPr>
+              <a:t>nhiều</a:t>
+            </a:r>
+            <a:r>
+              <a:rPr lang="en-US" sz="1800" dirty="0">
+                <a:effectLst/>
+                <a:latin typeface="Times New Roman" panose="02020603050405020304" pitchFamily="18" charset="0"/>
+                <a:ea typeface="Calibri" panose="020F0502020204030204" pitchFamily="34" charset="0"/>
+                <a:cs typeface="Times New Roman" panose="02020603050405020304" pitchFamily="18" charset="0"/>
+              </a:rPr>
+              <a:t> </a:t>
+            </a:r>
+            <a:r>
+              <a:rPr lang="en-US" sz="1800" dirty="0" err="1">
+                <a:effectLst/>
+                <a:latin typeface="Times New Roman" panose="02020603050405020304" pitchFamily="18" charset="0"/>
+                <a:ea typeface="Calibri" panose="020F0502020204030204" pitchFamily="34" charset="0"/>
+                <a:cs typeface="Times New Roman" panose="02020603050405020304" pitchFamily="18" charset="0"/>
+              </a:rPr>
+              <a:t>nhất</a:t>
+            </a:r>
+            <a:r>
+              <a:rPr lang="en-US" sz="1800" dirty="0">
+                <a:effectLst/>
+                <a:latin typeface="Times New Roman" panose="02020603050405020304" pitchFamily="18" charset="0"/>
+                <a:ea typeface="Calibri" panose="020F0502020204030204" pitchFamily="34" charset="0"/>
+                <a:cs typeface="Times New Roman" panose="02020603050405020304" pitchFamily="18" charset="0"/>
+              </a:rPr>
+              <a:t> </a:t>
+            </a:r>
+            <a:r>
+              <a:rPr lang="en-US" sz="1800" dirty="0" err="1">
+                <a:effectLst/>
+                <a:latin typeface="Times New Roman" panose="02020603050405020304" pitchFamily="18" charset="0"/>
+                <a:ea typeface="Calibri" panose="020F0502020204030204" pitchFamily="34" charset="0"/>
+                <a:cs typeface="Times New Roman" panose="02020603050405020304" pitchFamily="18" charset="0"/>
+              </a:rPr>
+              <a:t>năm</a:t>
+            </a:r>
+            <a:r>
+              <a:rPr lang="en-US" sz="1800" dirty="0">
+                <a:effectLst/>
+                <a:latin typeface="Times New Roman" panose="02020603050405020304" pitchFamily="18" charset="0"/>
+                <a:ea typeface="Calibri" panose="020F0502020204030204" pitchFamily="34" charset="0"/>
+                <a:cs typeface="Times New Roman" panose="02020603050405020304" pitchFamily="18" charset="0"/>
+              </a:rPr>
+              <a:t> 2022.</a:t>
+            </a:r>
+            <a:endParaRPr lang="en-US" sz="1800" dirty="0">
+              <a:effectLst/>
+              <a:latin typeface="Calibri" panose="020F0502020204030204" pitchFamily="34" charset="0"/>
+              <a:ea typeface="Calibri" panose="020F0502020204030204" pitchFamily="34" charset="0"/>
+              <a:cs typeface="Times New Roman" panose="02020603050405020304" pitchFamily="18" charset="0"/>
+            </a:endParaRPr>
+          </a:p>
+          <a:p>
+            <a:pPr marL="342900" marR="0" lvl="0" indent="-342900">
+              <a:lnSpc>
+                <a:spcPct val="107000"/>
+              </a:lnSpc>
+              <a:spcBef>
+                <a:spcPts val="0"/>
+              </a:spcBef>
+              <a:spcAft>
+                <a:spcPts val="0"/>
+              </a:spcAft>
+              <a:buFont typeface="+mj-lt"/>
+              <a:buAutoNum type="arabicPeriod"/>
+            </a:pPr>
+            <a:r>
+              <a:rPr lang="en-US" sz="1800" dirty="0" err="1">
+                <a:effectLst/>
+                <a:latin typeface="Times New Roman" panose="02020603050405020304" pitchFamily="18" charset="0"/>
+                <a:ea typeface="Calibri" panose="020F0502020204030204" pitchFamily="34" charset="0"/>
+                <a:cs typeface="Times New Roman" panose="02020603050405020304" pitchFamily="18" charset="0"/>
+              </a:rPr>
+              <a:t>Đưa</a:t>
+            </a:r>
+            <a:r>
+              <a:rPr lang="en-US" sz="1800" dirty="0">
+                <a:effectLst/>
+                <a:latin typeface="Times New Roman" panose="02020603050405020304" pitchFamily="18" charset="0"/>
+                <a:ea typeface="Calibri" panose="020F0502020204030204" pitchFamily="34" charset="0"/>
+                <a:cs typeface="Times New Roman" panose="02020603050405020304" pitchFamily="18" charset="0"/>
+              </a:rPr>
+              <a:t> </a:t>
+            </a:r>
+            <a:r>
+              <a:rPr lang="en-US" sz="1800" dirty="0" err="1">
+                <a:effectLst/>
+                <a:latin typeface="Times New Roman" panose="02020603050405020304" pitchFamily="18" charset="0"/>
+                <a:ea typeface="Calibri" panose="020F0502020204030204" pitchFamily="34" charset="0"/>
+                <a:cs typeface="Times New Roman" panose="02020603050405020304" pitchFamily="18" charset="0"/>
+              </a:rPr>
+              <a:t>ra</a:t>
+            </a:r>
+            <a:r>
+              <a:rPr lang="en-US" sz="1800" dirty="0">
+                <a:effectLst/>
+                <a:latin typeface="Times New Roman" panose="02020603050405020304" pitchFamily="18" charset="0"/>
+                <a:ea typeface="Calibri" panose="020F0502020204030204" pitchFamily="34" charset="0"/>
+                <a:cs typeface="Times New Roman" panose="02020603050405020304" pitchFamily="18" charset="0"/>
+              </a:rPr>
+              <a:t> </a:t>
+            </a:r>
+            <a:r>
+              <a:rPr lang="en-US" sz="1800" dirty="0" err="1">
+                <a:effectLst/>
+                <a:latin typeface="Times New Roman" panose="02020603050405020304" pitchFamily="18" charset="0"/>
+                <a:ea typeface="Calibri" panose="020F0502020204030204" pitchFamily="34" charset="0"/>
+                <a:cs typeface="Times New Roman" panose="02020603050405020304" pitchFamily="18" charset="0"/>
+              </a:rPr>
+              <a:t>thông</a:t>
+            </a:r>
+            <a:r>
+              <a:rPr lang="en-US" sz="1800" dirty="0">
+                <a:effectLst/>
+                <a:latin typeface="Times New Roman" panose="02020603050405020304" pitchFamily="18" charset="0"/>
+                <a:ea typeface="Calibri" panose="020F0502020204030204" pitchFamily="34" charset="0"/>
+                <a:cs typeface="Times New Roman" panose="02020603050405020304" pitchFamily="18" charset="0"/>
+              </a:rPr>
+              <a:t> tin </a:t>
+            </a:r>
+            <a:r>
+              <a:rPr lang="en-US" sz="1800" dirty="0" err="1">
+                <a:effectLst/>
+                <a:latin typeface="Times New Roman" panose="02020603050405020304" pitchFamily="18" charset="0"/>
+                <a:ea typeface="Calibri" panose="020F0502020204030204" pitchFamily="34" charset="0"/>
+                <a:cs typeface="Times New Roman" panose="02020603050405020304" pitchFamily="18" charset="0"/>
+              </a:rPr>
+              <a:t>nhân</a:t>
+            </a:r>
+            <a:r>
+              <a:rPr lang="en-US" sz="1800" dirty="0">
+                <a:effectLst/>
+                <a:latin typeface="Times New Roman" panose="02020603050405020304" pitchFamily="18" charset="0"/>
+                <a:ea typeface="Calibri" panose="020F0502020204030204" pitchFamily="34" charset="0"/>
+                <a:cs typeface="Times New Roman" panose="02020603050405020304" pitchFamily="18" charset="0"/>
+              </a:rPr>
+              <a:t> </a:t>
+            </a:r>
+            <a:r>
+              <a:rPr lang="en-US" sz="1800" dirty="0" err="1">
+                <a:effectLst/>
+                <a:latin typeface="Times New Roman" panose="02020603050405020304" pitchFamily="18" charset="0"/>
+                <a:ea typeface="Calibri" panose="020F0502020204030204" pitchFamily="34" charset="0"/>
+                <a:cs typeface="Times New Roman" panose="02020603050405020304" pitchFamily="18" charset="0"/>
+              </a:rPr>
+              <a:t>viên</a:t>
+            </a:r>
+            <a:r>
+              <a:rPr lang="en-US" sz="1800" dirty="0">
+                <a:effectLst/>
+                <a:latin typeface="Times New Roman" panose="02020603050405020304" pitchFamily="18" charset="0"/>
+                <a:ea typeface="Calibri" panose="020F0502020204030204" pitchFamily="34" charset="0"/>
+                <a:cs typeface="Times New Roman" panose="02020603050405020304" pitchFamily="18" charset="0"/>
+              </a:rPr>
+              <a:t> </a:t>
+            </a:r>
+            <a:r>
+              <a:rPr lang="en-US" sz="1800" dirty="0" err="1">
+                <a:effectLst/>
+                <a:latin typeface="Times New Roman" panose="02020603050405020304" pitchFamily="18" charset="0"/>
+                <a:ea typeface="Calibri" panose="020F0502020204030204" pitchFamily="34" charset="0"/>
+                <a:cs typeface="Times New Roman" panose="02020603050405020304" pitchFamily="18" charset="0"/>
+              </a:rPr>
+              <a:t>nhận</a:t>
+            </a:r>
+            <a:r>
+              <a:rPr lang="en-US" sz="1800" dirty="0">
+                <a:effectLst/>
+                <a:latin typeface="Times New Roman" panose="02020603050405020304" pitchFamily="18" charset="0"/>
+                <a:ea typeface="Calibri" panose="020F0502020204030204" pitchFamily="34" charset="0"/>
+                <a:cs typeface="Times New Roman" panose="02020603050405020304" pitchFamily="18" charset="0"/>
+              </a:rPr>
+              <a:t> </a:t>
+            </a:r>
+            <a:r>
+              <a:rPr lang="en-US" sz="1800" dirty="0" err="1">
+                <a:effectLst/>
+                <a:latin typeface="Times New Roman" panose="02020603050405020304" pitchFamily="18" charset="0"/>
+                <a:ea typeface="Calibri" panose="020F0502020204030204" pitchFamily="34" charset="0"/>
+                <a:cs typeface="Times New Roman" panose="02020603050405020304" pitchFamily="18" charset="0"/>
+              </a:rPr>
+              <a:t>nhiều</a:t>
+            </a:r>
+            <a:r>
+              <a:rPr lang="en-US" sz="1800" dirty="0">
+                <a:effectLst/>
+                <a:latin typeface="Times New Roman" panose="02020603050405020304" pitchFamily="18" charset="0"/>
+                <a:ea typeface="Calibri" panose="020F0502020204030204" pitchFamily="34" charset="0"/>
+                <a:cs typeface="Times New Roman" panose="02020603050405020304" pitchFamily="18" charset="0"/>
+              </a:rPr>
+              <a:t> </a:t>
+            </a:r>
+            <a:r>
+              <a:rPr lang="en-US" sz="1800" dirty="0" err="1">
+                <a:effectLst/>
+                <a:latin typeface="Times New Roman" panose="02020603050405020304" pitchFamily="18" charset="0"/>
+                <a:ea typeface="Calibri" panose="020F0502020204030204" pitchFamily="34" charset="0"/>
+                <a:cs typeface="Times New Roman" panose="02020603050405020304" pitchFamily="18" charset="0"/>
+              </a:rPr>
+              <a:t>đơn</a:t>
+            </a:r>
+            <a:r>
+              <a:rPr lang="en-US" sz="1800" dirty="0">
+                <a:effectLst/>
+                <a:latin typeface="Times New Roman" panose="02020603050405020304" pitchFamily="18" charset="0"/>
+                <a:ea typeface="Calibri" panose="020F0502020204030204" pitchFamily="34" charset="0"/>
+                <a:cs typeface="Times New Roman" panose="02020603050405020304" pitchFamily="18" charset="0"/>
+              </a:rPr>
+              <a:t> </a:t>
+            </a:r>
+            <a:r>
+              <a:rPr lang="en-US" sz="1800" dirty="0" err="1">
+                <a:effectLst/>
+                <a:latin typeface="Times New Roman" panose="02020603050405020304" pitchFamily="18" charset="0"/>
+                <a:ea typeface="Calibri" panose="020F0502020204030204" pitchFamily="34" charset="0"/>
+                <a:cs typeface="Times New Roman" panose="02020603050405020304" pitchFamily="18" charset="0"/>
+              </a:rPr>
+              <a:t>hàng</a:t>
+            </a:r>
+            <a:r>
+              <a:rPr lang="en-US" sz="1800" dirty="0">
+                <a:effectLst/>
+                <a:latin typeface="Times New Roman" panose="02020603050405020304" pitchFamily="18" charset="0"/>
+                <a:ea typeface="Calibri" panose="020F0502020204030204" pitchFamily="34" charset="0"/>
+                <a:cs typeface="Times New Roman" panose="02020603050405020304" pitchFamily="18" charset="0"/>
+              </a:rPr>
+              <a:t> </a:t>
+            </a:r>
+            <a:r>
+              <a:rPr lang="en-US" sz="1800" dirty="0" err="1">
+                <a:effectLst/>
+                <a:latin typeface="Times New Roman" panose="02020603050405020304" pitchFamily="18" charset="0"/>
+                <a:ea typeface="Calibri" panose="020F0502020204030204" pitchFamily="34" charset="0"/>
+                <a:cs typeface="Times New Roman" panose="02020603050405020304" pitchFamily="18" charset="0"/>
+              </a:rPr>
+              <a:t>nhất</a:t>
+            </a:r>
+            <a:r>
+              <a:rPr lang="en-US" sz="1800" dirty="0">
+                <a:effectLst/>
+                <a:latin typeface="Times New Roman" panose="02020603050405020304" pitchFamily="18" charset="0"/>
+                <a:ea typeface="Calibri" panose="020F0502020204030204" pitchFamily="34" charset="0"/>
+                <a:cs typeface="Times New Roman" panose="02020603050405020304" pitchFamily="18" charset="0"/>
+              </a:rPr>
+              <a:t> </a:t>
+            </a:r>
+            <a:r>
+              <a:rPr lang="en-US" sz="1800" dirty="0" err="1">
+                <a:effectLst/>
+                <a:latin typeface="Times New Roman" panose="02020603050405020304" pitchFamily="18" charset="0"/>
+                <a:ea typeface="Calibri" panose="020F0502020204030204" pitchFamily="34" charset="0"/>
+                <a:cs typeface="Times New Roman" panose="02020603050405020304" pitchFamily="18" charset="0"/>
+              </a:rPr>
+              <a:t>tại</a:t>
+            </a:r>
+            <a:r>
+              <a:rPr lang="en-US" sz="1800" dirty="0">
+                <a:effectLst/>
+                <a:latin typeface="Times New Roman" panose="02020603050405020304" pitchFamily="18" charset="0"/>
+                <a:ea typeface="Calibri" panose="020F0502020204030204" pitchFamily="34" charset="0"/>
+                <a:cs typeface="Times New Roman" panose="02020603050405020304" pitchFamily="18" charset="0"/>
+              </a:rPr>
+              <a:t> </a:t>
+            </a:r>
+            <a:r>
+              <a:rPr lang="en-US" sz="1800" dirty="0" err="1">
+                <a:effectLst/>
+                <a:latin typeface="Times New Roman" panose="02020603050405020304" pitchFamily="18" charset="0"/>
+                <a:ea typeface="Calibri" panose="020F0502020204030204" pitchFamily="34" charset="0"/>
+                <a:cs typeface="Times New Roman" panose="02020603050405020304" pitchFamily="18" charset="0"/>
+              </a:rPr>
+              <a:t>cửa</a:t>
+            </a:r>
+            <a:r>
+              <a:rPr lang="en-US" sz="1800" dirty="0">
+                <a:effectLst/>
+                <a:latin typeface="Times New Roman" panose="02020603050405020304" pitchFamily="18" charset="0"/>
+                <a:ea typeface="Calibri" panose="020F0502020204030204" pitchFamily="34" charset="0"/>
+                <a:cs typeface="Times New Roman" panose="02020603050405020304" pitchFamily="18" charset="0"/>
+              </a:rPr>
+              <a:t> </a:t>
+            </a:r>
+            <a:r>
+              <a:rPr lang="en-US" sz="1800" dirty="0" err="1">
+                <a:effectLst/>
+                <a:latin typeface="Times New Roman" panose="02020603050405020304" pitchFamily="18" charset="0"/>
+                <a:ea typeface="Calibri" panose="020F0502020204030204" pitchFamily="34" charset="0"/>
+                <a:cs typeface="Times New Roman" panose="02020603050405020304" pitchFamily="18" charset="0"/>
+              </a:rPr>
+              <a:t>hàng</a:t>
+            </a:r>
+            <a:r>
+              <a:rPr lang="en-US" sz="1800" dirty="0">
+                <a:effectLst/>
+                <a:latin typeface="Times New Roman" panose="02020603050405020304" pitchFamily="18" charset="0"/>
+                <a:ea typeface="Calibri" panose="020F0502020204030204" pitchFamily="34" charset="0"/>
+                <a:cs typeface="Times New Roman" panose="02020603050405020304" pitchFamily="18" charset="0"/>
+              </a:rPr>
+              <a:t> ở </a:t>
+            </a:r>
+            <a:r>
+              <a:rPr lang="en-US" sz="1800" dirty="0" err="1">
+                <a:effectLst/>
+                <a:latin typeface="Times New Roman" panose="02020603050405020304" pitchFamily="18" charset="0"/>
+                <a:ea typeface="Calibri" panose="020F0502020204030204" pitchFamily="34" charset="0"/>
+                <a:cs typeface="Times New Roman" panose="02020603050405020304" pitchFamily="18" charset="0"/>
+              </a:rPr>
+              <a:t>địa</a:t>
+            </a:r>
+            <a:r>
+              <a:rPr lang="en-US" sz="1800" dirty="0">
+                <a:effectLst/>
+                <a:latin typeface="Times New Roman" panose="02020603050405020304" pitchFamily="18" charset="0"/>
+                <a:ea typeface="Calibri" panose="020F0502020204030204" pitchFamily="34" charset="0"/>
+                <a:cs typeface="Times New Roman" panose="02020603050405020304" pitchFamily="18" charset="0"/>
+              </a:rPr>
+              <a:t> </a:t>
+            </a:r>
+            <a:r>
+              <a:rPr lang="en-US" sz="1800" dirty="0" err="1">
+                <a:effectLst/>
+                <a:latin typeface="Times New Roman" panose="02020603050405020304" pitchFamily="18" charset="0"/>
+                <a:ea typeface="Calibri" panose="020F0502020204030204" pitchFamily="34" charset="0"/>
+                <a:cs typeface="Times New Roman" panose="02020603050405020304" pitchFamily="18" charset="0"/>
+              </a:rPr>
+              <a:t>chỉ</a:t>
+            </a:r>
+            <a:r>
+              <a:rPr lang="en-US" sz="1800" dirty="0">
+                <a:effectLst/>
+                <a:latin typeface="Times New Roman" panose="02020603050405020304" pitchFamily="18" charset="0"/>
+                <a:ea typeface="Calibri" panose="020F0502020204030204" pitchFamily="34" charset="0"/>
+                <a:cs typeface="Times New Roman" panose="02020603050405020304" pitchFamily="18" charset="0"/>
+              </a:rPr>
+              <a:t> </a:t>
+            </a:r>
+            <a:r>
+              <a:rPr lang="en-US" sz="1800" dirty="0" err="1">
+                <a:effectLst/>
+                <a:latin typeface="Times New Roman" panose="02020603050405020304" pitchFamily="18" charset="0"/>
+                <a:ea typeface="Calibri" panose="020F0502020204030204" pitchFamily="34" charset="0"/>
+                <a:cs typeface="Times New Roman" panose="02020603050405020304" pitchFamily="18" charset="0"/>
+              </a:rPr>
+              <a:t>số</a:t>
+            </a:r>
+            <a:r>
+              <a:rPr lang="en-US" sz="1800" dirty="0">
+                <a:effectLst/>
+                <a:latin typeface="Times New Roman" panose="02020603050405020304" pitchFamily="18" charset="0"/>
+                <a:ea typeface="Calibri" panose="020F0502020204030204" pitchFamily="34" charset="0"/>
+                <a:cs typeface="Times New Roman" panose="02020603050405020304" pitchFamily="18" charset="0"/>
+              </a:rPr>
+              <a:t> 888 </a:t>
+            </a:r>
+            <a:r>
+              <a:rPr lang="en-US" sz="1800" dirty="0" err="1">
+                <a:effectLst/>
+                <a:latin typeface="Times New Roman" panose="02020603050405020304" pitchFamily="18" charset="0"/>
+                <a:ea typeface="Calibri" panose="020F0502020204030204" pitchFamily="34" charset="0"/>
+                <a:cs typeface="Times New Roman" panose="02020603050405020304" pitchFamily="18" charset="0"/>
+              </a:rPr>
+              <a:t>đường</a:t>
+            </a:r>
+            <a:r>
+              <a:rPr lang="en-US" sz="1800" dirty="0">
+                <a:effectLst/>
+                <a:latin typeface="Times New Roman" panose="02020603050405020304" pitchFamily="18" charset="0"/>
+                <a:ea typeface="Calibri" panose="020F0502020204030204" pitchFamily="34" charset="0"/>
+                <a:cs typeface="Times New Roman" panose="02020603050405020304" pitchFamily="18" charset="0"/>
+              </a:rPr>
+              <a:t> </a:t>
+            </a:r>
+            <a:r>
+              <a:rPr lang="en-US" sz="1800" dirty="0" err="1">
+                <a:effectLst/>
+                <a:latin typeface="Times New Roman" panose="02020603050405020304" pitchFamily="18" charset="0"/>
+                <a:ea typeface="Calibri" panose="020F0502020204030204" pitchFamily="34" charset="0"/>
+                <a:cs typeface="Times New Roman" panose="02020603050405020304" pitchFamily="18" charset="0"/>
+              </a:rPr>
+              <a:t>Láng</a:t>
+            </a:r>
+            <a:r>
+              <a:rPr lang="en-US" sz="1800" dirty="0">
+                <a:effectLst/>
+                <a:latin typeface="Times New Roman" panose="02020603050405020304" pitchFamily="18" charset="0"/>
+                <a:ea typeface="Calibri" panose="020F0502020204030204" pitchFamily="34" charset="0"/>
+                <a:cs typeface="Times New Roman" panose="02020603050405020304" pitchFamily="18" charset="0"/>
+              </a:rPr>
+              <a:t>.</a:t>
+            </a:r>
+            <a:endParaRPr lang="en-US" sz="1800" dirty="0">
+              <a:effectLst/>
+              <a:latin typeface="Calibri" panose="020F0502020204030204" pitchFamily="34" charset="0"/>
+              <a:ea typeface="Calibri" panose="020F0502020204030204" pitchFamily="34" charset="0"/>
+              <a:cs typeface="Times New Roman" panose="02020603050405020304" pitchFamily="18" charset="0"/>
+            </a:endParaRPr>
+          </a:p>
+          <a:p>
+            <a:pPr marL="342900" marR="0" lvl="0" indent="-342900">
+              <a:lnSpc>
+                <a:spcPct val="107000"/>
+              </a:lnSpc>
+              <a:spcBef>
+                <a:spcPts val="0"/>
+              </a:spcBef>
+              <a:spcAft>
+                <a:spcPts val="800"/>
+              </a:spcAft>
+              <a:buFont typeface="+mj-lt"/>
+              <a:buAutoNum type="arabicPeriod"/>
+            </a:pPr>
+            <a:r>
+              <a:rPr lang="en-US" sz="1800" dirty="0" err="1">
+                <a:effectLst/>
+                <a:latin typeface="Times New Roman" panose="02020603050405020304" pitchFamily="18" charset="0"/>
+                <a:ea typeface="Calibri" panose="020F0502020204030204" pitchFamily="34" charset="0"/>
+                <a:cs typeface="Times New Roman" panose="02020603050405020304" pitchFamily="18" charset="0"/>
+              </a:rPr>
+              <a:t>Đưa</a:t>
+            </a:r>
+            <a:r>
+              <a:rPr lang="en-US" sz="1800" dirty="0">
+                <a:effectLst/>
+                <a:latin typeface="Times New Roman" panose="02020603050405020304" pitchFamily="18" charset="0"/>
+                <a:ea typeface="Calibri" panose="020F0502020204030204" pitchFamily="34" charset="0"/>
+                <a:cs typeface="Times New Roman" panose="02020603050405020304" pitchFamily="18" charset="0"/>
+              </a:rPr>
+              <a:t> </a:t>
+            </a:r>
+            <a:r>
+              <a:rPr lang="en-US" sz="1800" dirty="0" err="1">
+                <a:effectLst/>
+                <a:latin typeface="Times New Roman" panose="02020603050405020304" pitchFamily="18" charset="0"/>
+                <a:ea typeface="Calibri" panose="020F0502020204030204" pitchFamily="34" charset="0"/>
+                <a:cs typeface="Times New Roman" panose="02020603050405020304" pitchFamily="18" charset="0"/>
+              </a:rPr>
+              <a:t>ra</a:t>
+            </a:r>
+            <a:r>
+              <a:rPr lang="en-US" sz="1800" dirty="0">
+                <a:effectLst/>
+                <a:latin typeface="Times New Roman" panose="02020603050405020304" pitchFamily="18" charset="0"/>
+                <a:ea typeface="Calibri" panose="020F0502020204030204" pitchFamily="34" charset="0"/>
+                <a:cs typeface="Times New Roman" panose="02020603050405020304" pitchFamily="18" charset="0"/>
+              </a:rPr>
+              <a:t> </a:t>
+            </a:r>
+            <a:r>
+              <a:rPr lang="en-US" sz="1800" dirty="0" err="1">
+                <a:effectLst/>
+                <a:latin typeface="Times New Roman" panose="02020603050405020304" pitchFamily="18" charset="0"/>
+                <a:ea typeface="Calibri" panose="020F0502020204030204" pitchFamily="34" charset="0"/>
+                <a:cs typeface="Times New Roman" panose="02020603050405020304" pitchFamily="18" charset="0"/>
+              </a:rPr>
+              <a:t>thông</a:t>
+            </a:r>
+            <a:r>
+              <a:rPr lang="en-US" sz="1800" dirty="0">
+                <a:effectLst/>
+                <a:latin typeface="Times New Roman" panose="02020603050405020304" pitchFamily="18" charset="0"/>
+                <a:ea typeface="Calibri" panose="020F0502020204030204" pitchFamily="34" charset="0"/>
+                <a:cs typeface="Times New Roman" panose="02020603050405020304" pitchFamily="18" charset="0"/>
+              </a:rPr>
+              <a:t> tin </a:t>
+            </a:r>
+            <a:r>
+              <a:rPr lang="en-US" sz="1800" dirty="0" err="1">
+                <a:effectLst/>
+                <a:latin typeface="Times New Roman" panose="02020603050405020304" pitchFamily="18" charset="0"/>
+                <a:ea typeface="Calibri" panose="020F0502020204030204" pitchFamily="34" charset="0"/>
+                <a:cs typeface="Times New Roman" panose="02020603050405020304" pitchFamily="18" charset="0"/>
+              </a:rPr>
+              <a:t>các</a:t>
+            </a:r>
+            <a:r>
+              <a:rPr lang="en-US" sz="1800" dirty="0">
+                <a:effectLst/>
+                <a:latin typeface="Times New Roman" panose="02020603050405020304" pitchFamily="18" charset="0"/>
+                <a:ea typeface="Calibri" panose="020F0502020204030204" pitchFamily="34" charset="0"/>
+                <a:cs typeface="Times New Roman" panose="02020603050405020304" pitchFamily="18" charset="0"/>
+              </a:rPr>
+              <a:t> </a:t>
+            </a:r>
+            <a:r>
+              <a:rPr lang="en-US" sz="1800" dirty="0" err="1">
+                <a:effectLst/>
+                <a:latin typeface="Times New Roman" panose="02020603050405020304" pitchFamily="18" charset="0"/>
+                <a:ea typeface="Calibri" panose="020F0502020204030204" pitchFamily="34" charset="0"/>
+                <a:cs typeface="Times New Roman" panose="02020603050405020304" pitchFamily="18" charset="0"/>
+              </a:rPr>
+              <a:t>cửa</a:t>
+            </a:r>
+            <a:r>
+              <a:rPr lang="en-US" sz="1800" dirty="0">
+                <a:effectLst/>
+                <a:latin typeface="Times New Roman" panose="02020603050405020304" pitchFamily="18" charset="0"/>
+                <a:ea typeface="Calibri" panose="020F0502020204030204" pitchFamily="34" charset="0"/>
+                <a:cs typeface="Times New Roman" panose="02020603050405020304" pitchFamily="18" charset="0"/>
+              </a:rPr>
+              <a:t> </a:t>
+            </a:r>
+            <a:r>
+              <a:rPr lang="en-US" sz="1800" dirty="0" err="1">
+                <a:effectLst/>
+                <a:latin typeface="Times New Roman" panose="02020603050405020304" pitchFamily="18" charset="0"/>
+                <a:ea typeface="Calibri" panose="020F0502020204030204" pitchFamily="34" charset="0"/>
+                <a:cs typeface="Times New Roman" panose="02020603050405020304" pitchFamily="18" charset="0"/>
+              </a:rPr>
+              <a:t>hàng</a:t>
+            </a:r>
+            <a:r>
+              <a:rPr lang="en-US" sz="1800" dirty="0">
+                <a:effectLst/>
+                <a:latin typeface="Times New Roman" panose="02020603050405020304" pitchFamily="18" charset="0"/>
+                <a:ea typeface="Calibri" panose="020F0502020204030204" pitchFamily="34" charset="0"/>
+                <a:cs typeface="Times New Roman" panose="02020603050405020304" pitchFamily="18" charset="0"/>
+              </a:rPr>
+              <a:t> </a:t>
+            </a:r>
+            <a:r>
+              <a:rPr lang="en-US" sz="1800" dirty="0" err="1">
+                <a:effectLst/>
+                <a:latin typeface="Times New Roman" panose="02020603050405020304" pitchFamily="18" charset="0"/>
+                <a:ea typeface="Calibri" panose="020F0502020204030204" pitchFamily="34" charset="0"/>
+                <a:cs typeface="Times New Roman" panose="02020603050405020304" pitchFamily="18" charset="0"/>
+              </a:rPr>
+              <a:t>có</a:t>
+            </a:r>
+            <a:r>
+              <a:rPr lang="en-US" sz="1800" dirty="0">
+                <a:effectLst/>
+                <a:latin typeface="Times New Roman" panose="02020603050405020304" pitchFamily="18" charset="0"/>
+                <a:ea typeface="Calibri" panose="020F0502020204030204" pitchFamily="34" charset="0"/>
+                <a:cs typeface="Times New Roman" panose="02020603050405020304" pitchFamily="18" charset="0"/>
+              </a:rPr>
+              <a:t> </a:t>
+            </a:r>
+            <a:r>
+              <a:rPr lang="en-US" sz="1800" dirty="0" err="1">
+                <a:effectLst/>
+                <a:latin typeface="Times New Roman" panose="02020603050405020304" pitchFamily="18" charset="0"/>
+                <a:ea typeface="Calibri" panose="020F0502020204030204" pitchFamily="34" charset="0"/>
+                <a:cs typeface="Times New Roman" panose="02020603050405020304" pitchFamily="18" charset="0"/>
+              </a:rPr>
+              <a:t>doanh</a:t>
+            </a:r>
+            <a:r>
+              <a:rPr lang="en-US" sz="1800" dirty="0">
+                <a:effectLst/>
+                <a:latin typeface="Times New Roman" panose="02020603050405020304" pitchFamily="18" charset="0"/>
+                <a:ea typeface="Calibri" panose="020F0502020204030204" pitchFamily="34" charset="0"/>
+                <a:cs typeface="Times New Roman" panose="02020603050405020304" pitchFamily="18" charset="0"/>
+              </a:rPr>
+              <a:t> </a:t>
+            </a:r>
+            <a:r>
+              <a:rPr lang="en-US" sz="1800" dirty="0" err="1">
+                <a:effectLst/>
+                <a:latin typeface="Times New Roman" panose="02020603050405020304" pitchFamily="18" charset="0"/>
+                <a:ea typeface="Calibri" panose="020F0502020204030204" pitchFamily="34" charset="0"/>
+                <a:cs typeface="Times New Roman" panose="02020603050405020304" pitchFamily="18" charset="0"/>
+              </a:rPr>
+              <a:t>thu</a:t>
+            </a:r>
+            <a:r>
+              <a:rPr lang="en-US" sz="1800" dirty="0">
+                <a:effectLst/>
+                <a:latin typeface="Times New Roman" panose="02020603050405020304" pitchFamily="18" charset="0"/>
+                <a:ea typeface="Calibri" panose="020F0502020204030204" pitchFamily="34" charset="0"/>
+                <a:cs typeface="Times New Roman" panose="02020603050405020304" pitchFamily="18" charset="0"/>
+              </a:rPr>
+              <a:t> </a:t>
+            </a:r>
+            <a:r>
+              <a:rPr lang="en-US" sz="1800" dirty="0" err="1">
+                <a:effectLst/>
+                <a:latin typeface="Times New Roman" panose="02020603050405020304" pitchFamily="18" charset="0"/>
+                <a:ea typeface="Calibri" panose="020F0502020204030204" pitchFamily="34" charset="0"/>
+                <a:cs typeface="Times New Roman" panose="02020603050405020304" pitchFamily="18" charset="0"/>
+              </a:rPr>
+              <a:t>cao</a:t>
+            </a:r>
+            <a:r>
+              <a:rPr lang="en-US" sz="1800" dirty="0">
+                <a:effectLst/>
+                <a:latin typeface="Times New Roman" panose="02020603050405020304" pitchFamily="18" charset="0"/>
+                <a:ea typeface="Calibri" panose="020F0502020204030204" pitchFamily="34" charset="0"/>
+                <a:cs typeface="Times New Roman" panose="02020603050405020304" pitchFamily="18" charset="0"/>
+              </a:rPr>
+              <a:t> </a:t>
+            </a:r>
+            <a:r>
+              <a:rPr lang="en-US" sz="1800" dirty="0" err="1">
+                <a:effectLst/>
+                <a:latin typeface="Times New Roman" panose="02020603050405020304" pitchFamily="18" charset="0"/>
+                <a:ea typeface="Calibri" panose="020F0502020204030204" pitchFamily="34" charset="0"/>
+                <a:cs typeface="Times New Roman" panose="02020603050405020304" pitchFamily="18" charset="0"/>
+              </a:rPr>
+              <a:t>nhất</a:t>
+            </a:r>
+            <a:r>
+              <a:rPr lang="en-US" sz="1800" dirty="0">
+                <a:effectLst/>
+                <a:latin typeface="Times New Roman" panose="02020603050405020304" pitchFamily="18" charset="0"/>
+                <a:ea typeface="Calibri" panose="020F0502020204030204" pitchFamily="34" charset="0"/>
+                <a:cs typeface="Times New Roman" panose="02020603050405020304" pitchFamily="18" charset="0"/>
+              </a:rPr>
+              <a:t> </a:t>
+            </a:r>
+            <a:r>
+              <a:rPr lang="en-US" sz="1800" dirty="0" err="1">
+                <a:effectLst/>
+                <a:latin typeface="Times New Roman" panose="02020603050405020304" pitchFamily="18" charset="0"/>
+                <a:ea typeface="Calibri" panose="020F0502020204030204" pitchFamily="34" charset="0"/>
+                <a:cs typeface="Times New Roman" panose="02020603050405020304" pitchFamily="18" charset="0"/>
+              </a:rPr>
+              <a:t>năm</a:t>
+            </a:r>
+            <a:r>
+              <a:rPr lang="en-US" sz="1800" dirty="0">
+                <a:effectLst/>
+                <a:latin typeface="Times New Roman" panose="02020603050405020304" pitchFamily="18" charset="0"/>
+                <a:ea typeface="Calibri" panose="020F0502020204030204" pitchFamily="34" charset="0"/>
+                <a:cs typeface="Times New Roman" panose="02020603050405020304" pitchFamily="18" charset="0"/>
+              </a:rPr>
+              <a:t> 2022.</a:t>
+            </a:r>
+            <a:endParaRPr lang="en-US" sz="1800" dirty="0">
+              <a:effectLst/>
+              <a:latin typeface="Calibri" panose="020F0502020204030204" pitchFamily="34" charset="0"/>
+              <a:ea typeface="Calibri" panose="020F0502020204030204" pitchFamily="34" charset="0"/>
+              <a:cs typeface="Times New Roman" panose="02020603050405020304" pitchFamily="18" charset="0"/>
+            </a:endParaRPr>
+          </a:p>
+        </p:txBody>
+      </p:sp>
+    </p:spTree>
+    <p:extLst>
+      <p:ext uri="{BB962C8B-B14F-4D97-AF65-F5344CB8AC3E}">
+        <p14:creationId xmlns:p14="http://schemas.microsoft.com/office/powerpoint/2010/main" val="3622587775"/>
+      </p:ext>
+    </p:extLst>
+  </p:cSld>
+  <p:clrMapOvr>
+    <a:masterClrMapping/>
+  </p:clrMapOvr>
+  <mc:AlternateContent xmlns:mc="http://schemas.openxmlformats.org/markup-compatibility/2006" xmlns:p14="http://schemas.microsoft.com/office/powerpoint/2010/main">
+    <mc:Choice Requires="p14">
+      <p:transition spd="slow" p14:dur="800">
+        <p:circle/>
+      </p:transition>
+    </mc:Choice>
+    <mc:Fallback xmlns="">
+      <p:transition spd="slow">
+        <p:circle/>
+      </p:transition>
+    </mc:Fallback>
+  </mc:AlternateContent>
+</p:sld>
+</file>
+
+<file path=ppt/slides/slide23.xml><?xml version="1.0" encoding="utf-8"?>
+<p:sld xmlns:a="http://schemas.openxmlformats.org/drawingml/2006/main" xmlns:r="http://schemas.openxmlformats.org/officeDocument/2006/relationships" xmlns:p="http://schemas.openxmlformats.org/presentationml/2006/main">
+  <p:cSld>
     <p:spTree>
       <p:nvGrpSpPr>
         <p:cNvPr id="1" name=""/>
@@ -10393,7 +13999,7 @@
 </p:sld>
 </file>
 
-<file path=ppt/slides/slide23.xml><?xml version="1.0" encoding="utf-8"?>
+<file path=ppt/slides/slide24.xml><?xml version="1.0" encoding="utf-8"?>
 <p:sld xmlns:a="http://schemas.openxmlformats.org/drawingml/2006/main" xmlns:r="http://schemas.openxmlformats.org/officeDocument/2006/relationships" xmlns:p="http://schemas.openxmlformats.org/presentationml/2006/main">
   <p:cSld>
     <p:spTree>

--- a/CSDL_1_2_22_N04_NHOM07_Loading.pptx
+++ b/CSDL_1_2_22_N04_NHOM07_Loading.pptx
@@ -8448,7 +8448,7 @@
         </p:blipFill>
         <p:spPr>
           <a:xfrm>
-            <a:off x="683198" y="1499693"/>
+            <a:off x="687056" y="3876297"/>
             <a:ext cx="2430888" cy="1192052"/>
           </a:xfrm>
           <a:prstGeom prst="rect">
@@ -8484,7 +8484,7 @@
         </p:blipFill>
         <p:spPr>
           <a:xfrm>
-            <a:off x="3440319" y="3073669"/>
+            <a:off x="8943438" y="2931084"/>
             <a:ext cx="2435393" cy="945213"/>
           </a:xfrm>
           <a:prstGeom prst="rect">
@@ -8556,7 +8556,7 @@
         </p:blipFill>
         <p:spPr>
           <a:xfrm>
-            <a:off x="8943438" y="3042341"/>
+            <a:off x="692680" y="1499693"/>
             <a:ext cx="2430308" cy="2141164"/>
           </a:xfrm>
           <a:prstGeom prst="rect">
@@ -8592,7 +8592,7 @@
         </p:blipFill>
         <p:spPr>
           <a:xfrm>
-            <a:off x="685157" y="2956845"/>
+            <a:off x="3449994" y="3211522"/>
             <a:ext cx="2428929" cy="2124074"/>
           </a:xfrm>
           <a:prstGeom prst="rect">
@@ -13920,7 +13920,7 @@
         </p:nvSpPr>
         <p:spPr>
           <a:xfrm>
-            <a:off x="2414187" y="1897166"/>
+            <a:off x="2414187" y="2142858"/>
             <a:ext cx="7349383" cy="2572284"/>
           </a:xfrm>
           <a:prstGeom prst="horizontalScroll">
@@ -13953,20 +13953,128 @@
           <a:bodyPr rtlCol="0" anchor="ctr"/>
           <a:lstStyle/>
           <a:p>
-            <a:pPr algn="ctr">
-              <a:lnSpc>
-                <a:spcPct val="200000"/>
-              </a:lnSpc>
-            </a:pPr>
-            <a:r>
-              <a:rPr lang="en-US" sz="1700" b="1" dirty="0">
+            <a:pPr algn="ctr"/>
+            <a:r>
+              <a:rPr lang="en-US" sz="3700" b="1" dirty="0" err="1">
                 <a:solidFill>
                   <a:schemeClr val="tx1"/>
                 </a:solidFill>
               </a:rPr>
-              <a:t>Being the first hybrid airlines in Vietnam, Bamboo Airways has applied reasonably Third-degree price discrimination to maximize profits and enlarge their market with early recognized achievements.</a:t>
-            </a:r>
-            <a:endParaRPr lang="vi-VN" sz="1700" dirty="0">
+              <a:t>Đặt</a:t>
+            </a:r>
+            <a:r>
+              <a:rPr lang="en-US" sz="3700" b="1" dirty="0">
+                <a:solidFill>
+                  <a:schemeClr val="tx1"/>
+                </a:solidFill>
+              </a:rPr>
+              <a:t> </a:t>
+            </a:r>
+            <a:r>
+              <a:rPr lang="en-US" sz="3700" b="1" dirty="0" err="1">
+                <a:solidFill>
+                  <a:schemeClr val="tx1"/>
+                </a:solidFill>
+              </a:rPr>
+              <a:t>câu</a:t>
+            </a:r>
+            <a:r>
+              <a:rPr lang="en-US" sz="3700" b="1" dirty="0">
+                <a:solidFill>
+                  <a:schemeClr val="tx1"/>
+                </a:solidFill>
+              </a:rPr>
+              <a:t> </a:t>
+            </a:r>
+            <a:r>
+              <a:rPr lang="en-US" sz="3700" b="1" dirty="0" err="1">
+                <a:solidFill>
+                  <a:schemeClr val="tx1"/>
+                </a:solidFill>
+              </a:rPr>
+              <a:t>hỏi</a:t>
+            </a:r>
+            <a:r>
+              <a:rPr lang="en-US" sz="3700" b="1" dirty="0">
+                <a:solidFill>
+                  <a:schemeClr val="tx1"/>
+                </a:solidFill>
+              </a:rPr>
+              <a:t> </a:t>
+            </a:r>
+            <a:r>
+              <a:rPr lang="en-US" sz="3700" b="1" dirty="0" err="1">
+                <a:solidFill>
+                  <a:schemeClr val="tx1"/>
+                </a:solidFill>
+              </a:rPr>
+              <a:t>và</a:t>
+            </a:r>
+            <a:r>
+              <a:rPr lang="en-US" sz="3700" b="1" dirty="0">
+                <a:solidFill>
+                  <a:schemeClr val="tx1"/>
+                </a:solidFill>
+              </a:rPr>
+              <a:t> </a:t>
+            </a:r>
+            <a:r>
+              <a:rPr lang="en-US" sz="3700" b="1" dirty="0" err="1">
+                <a:solidFill>
+                  <a:schemeClr val="tx1"/>
+                </a:solidFill>
+              </a:rPr>
+              <a:t>giải</a:t>
+            </a:r>
+            <a:r>
+              <a:rPr lang="en-US" sz="3700" b="1" dirty="0">
+                <a:solidFill>
+                  <a:schemeClr val="tx1"/>
+                </a:solidFill>
+              </a:rPr>
+              <a:t> </a:t>
+            </a:r>
+            <a:r>
+              <a:rPr lang="en-US" sz="3700" b="1" dirty="0" err="1">
+                <a:solidFill>
+                  <a:schemeClr val="tx1"/>
+                </a:solidFill>
+              </a:rPr>
+              <a:t>đáp</a:t>
+            </a:r>
+            <a:r>
+              <a:rPr lang="en-US" sz="3700" b="1" dirty="0">
+                <a:solidFill>
+                  <a:schemeClr val="tx1"/>
+                </a:solidFill>
+              </a:rPr>
+              <a:t> </a:t>
+            </a:r>
+            <a:r>
+              <a:rPr lang="en-US" sz="3700" b="1" dirty="0" err="1">
+                <a:solidFill>
+                  <a:schemeClr val="tx1"/>
+                </a:solidFill>
+              </a:rPr>
+              <a:t>thắc</a:t>
+            </a:r>
+            <a:r>
+              <a:rPr lang="en-US" sz="3700" b="1" dirty="0">
+                <a:solidFill>
+                  <a:schemeClr val="tx1"/>
+                </a:solidFill>
+              </a:rPr>
+              <a:t> </a:t>
+            </a:r>
+            <a:r>
+              <a:rPr lang="en-US" sz="3700" b="1" dirty="0" err="1">
+                <a:solidFill>
+                  <a:schemeClr val="tx1"/>
+                </a:solidFill>
+              </a:rPr>
+              <a:t>mắc</a:t>
+            </a:r>
+            <a:endParaRPr lang="vi-VN" sz="3700" dirty="0">
               <a:solidFill>
                 <a:schemeClr val="tx1"/>
               </a:solidFill>
@@ -14186,6 +14294,14 @@
 <file path=ppt/slides/slide3.xml><?xml version="1.0" encoding="utf-8"?>
 <p:sld xmlns:a="http://schemas.openxmlformats.org/drawingml/2006/main" xmlns:r="http://schemas.openxmlformats.org/officeDocument/2006/relationships" xmlns:p="http://schemas.openxmlformats.org/presentationml/2006/main">
   <p:cSld>
+    <p:bg>
+      <p:bgPr>
+        <a:solidFill>
+          <a:srgbClr val="8FABB7"/>
+        </a:solidFill>
+        <a:effectLst/>
+      </p:bgPr>
+    </p:bg>
     <p:spTree>
       <p:nvGrpSpPr>
         <p:cNvPr id="1" name=""/>
@@ -18449,14 +18565,14 @@
               </a:spcAft>
             </a:pPr>
             <a:r>
-              <a:rPr lang="en-US" b="1" u="sng" dirty="0"/>
+              <a:rPr lang="en-US" b="1" dirty="0"/>
               <a:t>1.2. Quy </a:t>
             </a:r>
             <a:r>
-              <a:rPr lang="en-US" b="1" u="sng" dirty="0" err="1"/>
+              <a:rPr lang="en-US" b="1" dirty="0" err="1"/>
               <a:t>mô</a:t>
             </a:r>
-            <a:endParaRPr lang="en-US" b="1" u="sng" dirty="0"/>
+            <a:endParaRPr lang="en-US" b="1" dirty="0"/>
           </a:p>
           <a:p>
             <a:pPr marL="285750" marR="0" lvl="0" indent="-285750">

--- a/CSDL_1_2_22_N04_NHOM07_Loading.pptx
+++ b/CSDL_1_2_22_N04_NHOM07_Loading.pptx
@@ -13,22 +13,26 @@
     <p:sldId id="266" r:id="rId7"/>
     <p:sldId id="281" r:id="rId8"/>
     <p:sldId id="282" r:id="rId9"/>
-    <p:sldId id="283" r:id="rId10"/>
-    <p:sldId id="284" r:id="rId11"/>
-    <p:sldId id="285" r:id="rId12"/>
-    <p:sldId id="286" r:id="rId13"/>
-    <p:sldId id="287" r:id="rId14"/>
-    <p:sldId id="288" r:id="rId15"/>
-    <p:sldId id="289" r:id="rId16"/>
-    <p:sldId id="267" r:id="rId17"/>
-    <p:sldId id="290" r:id="rId18"/>
-    <p:sldId id="291" r:id="rId19"/>
-    <p:sldId id="292" r:id="rId20"/>
+    <p:sldId id="267" r:id="rId10"/>
+    <p:sldId id="290" r:id="rId11"/>
+    <p:sldId id="291" r:id="rId12"/>
+    <p:sldId id="292" r:id="rId13"/>
+    <p:sldId id="283" r:id="rId14"/>
+    <p:sldId id="284" r:id="rId15"/>
+    <p:sldId id="285" r:id="rId16"/>
+    <p:sldId id="286" r:id="rId17"/>
+    <p:sldId id="287" r:id="rId18"/>
+    <p:sldId id="288" r:id="rId19"/>
+    <p:sldId id="289" r:id="rId20"/>
     <p:sldId id="293" r:id="rId21"/>
-    <p:sldId id="277" r:id="rId22"/>
-    <p:sldId id="294" r:id="rId23"/>
-    <p:sldId id="263" r:id="rId24"/>
-    <p:sldId id="264" r:id="rId25"/>
+    <p:sldId id="297" r:id="rId22"/>
+    <p:sldId id="298" r:id="rId23"/>
+    <p:sldId id="299" r:id="rId24"/>
+    <p:sldId id="277" r:id="rId25"/>
+    <p:sldId id="294" r:id="rId26"/>
+    <p:sldId id="295" r:id="rId27"/>
+    <p:sldId id="296" r:id="rId28"/>
+    <p:sldId id="264" r:id="rId29"/>
   </p:sldIdLst>
   <p:sldSz cx="12192000" cy="6858000"/>
   <p:notesSz cx="6858000" cy="9144000"/>
@@ -293,7 +297,7 @@
           <a:p>
             <a:fld id="{DDC9BA76-7BAD-4FE6-AD43-5E94B1E05FEE}" type="datetimeFigureOut">
               <a:rPr lang="vi-VN" smtClean="0"/>
-              <a:t>16/04/2023</a:t>
+              <a:t>19/04/2023</a:t>
             </a:fld>
             <a:endParaRPr lang="vi-VN"/>
           </a:p>
@@ -491,7 +495,7 @@
           <a:p>
             <a:fld id="{DDC9BA76-7BAD-4FE6-AD43-5E94B1E05FEE}" type="datetimeFigureOut">
               <a:rPr lang="vi-VN" smtClean="0"/>
-              <a:t>16/04/2023</a:t>
+              <a:t>19/04/2023</a:t>
             </a:fld>
             <a:endParaRPr lang="vi-VN"/>
           </a:p>
@@ -699,7 +703,7 @@
           <a:p>
             <a:fld id="{DDC9BA76-7BAD-4FE6-AD43-5E94B1E05FEE}" type="datetimeFigureOut">
               <a:rPr lang="vi-VN" smtClean="0"/>
-              <a:t>16/04/2023</a:t>
+              <a:t>19/04/2023</a:t>
             </a:fld>
             <a:endParaRPr lang="vi-VN"/>
           </a:p>
@@ -897,7 +901,7 @@
           <a:p>
             <a:fld id="{DDC9BA76-7BAD-4FE6-AD43-5E94B1E05FEE}" type="datetimeFigureOut">
               <a:rPr lang="vi-VN" smtClean="0"/>
-              <a:t>16/04/2023</a:t>
+              <a:t>19/04/2023</a:t>
             </a:fld>
             <a:endParaRPr lang="vi-VN"/>
           </a:p>
@@ -1172,7 +1176,7 @@
           <a:p>
             <a:fld id="{DDC9BA76-7BAD-4FE6-AD43-5E94B1E05FEE}" type="datetimeFigureOut">
               <a:rPr lang="vi-VN" smtClean="0"/>
-              <a:t>16/04/2023</a:t>
+              <a:t>19/04/2023</a:t>
             </a:fld>
             <a:endParaRPr lang="vi-VN"/>
           </a:p>
@@ -1437,7 +1441,7 @@
           <a:p>
             <a:fld id="{DDC9BA76-7BAD-4FE6-AD43-5E94B1E05FEE}" type="datetimeFigureOut">
               <a:rPr lang="vi-VN" smtClean="0"/>
-              <a:t>16/04/2023</a:t>
+              <a:t>19/04/2023</a:t>
             </a:fld>
             <a:endParaRPr lang="vi-VN"/>
           </a:p>
@@ -1849,7 +1853,7 @@
           <a:p>
             <a:fld id="{DDC9BA76-7BAD-4FE6-AD43-5E94B1E05FEE}" type="datetimeFigureOut">
               <a:rPr lang="vi-VN" smtClean="0"/>
-              <a:t>16/04/2023</a:t>
+              <a:t>19/04/2023</a:t>
             </a:fld>
             <a:endParaRPr lang="vi-VN"/>
           </a:p>
@@ -1990,7 +1994,7 @@
           <a:p>
             <a:fld id="{DDC9BA76-7BAD-4FE6-AD43-5E94B1E05FEE}" type="datetimeFigureOut">
               <a:rPr lang="vi-VN" smtClean="0"/>
-              <a:t>16/04/2023</a:t>
+              <a:t>19/04/2023</a:t>
             </a:fld>
             <a:endParaRPr lang="vi-VN"/>
           </a:p>
@@ -2103,7 +2107,7 @@
           <a:p>
             <a:fld id="{DDC9BA76-7BAD-4FE6-AD43-5E94B1E05FEE}" type="datetimeFigureOut">
               <a:rPr lang="vi-VN" smtClean="0"/>
-              <a:t>16/04/2023</a:t>
+              <a:t>19/04/2023</a:t>
             </a:fld>
             <a:endParaRPr lang="vi-VN"/>
           </a:p>
@@ -2414,7 +2418,7 @@
           <a:p>
             <a:fld id="{DDC9BA76-7BAD-4FE6-AD43-5E94B1E05FEE}" type="datetimeFigureOut">
               <a:rPr lang="vi-VN" smtClean="0"/>
-              <a:t>16/04/2023</a:t>
+              <a:t>19/04/2023</a:t>
             </a:fld>
             <a:endParaRPr lang="vi-VN"/>
           </a:p>
@@ -2702,7 +2706,7 @@
           <a:p>
             <a:fld id="{DDC9BA76-7BAD-4FE6-AD43-5E94B1E05FEE}" type="datetimeFigureOut">
               <a:rPr lang="vi-VN" smtClean="0"/>
-              <a:t>16/04/2023</a:t>
+              <a:t>19/04/2023</a:t>
             </a:fld>
             <a:endParaRPr lang="vi-VN"/>
           </a:p>
@@ -2943,7 +2947,7 @@
           <a:p>
             <a:fld id="{DDC9BA76-7BAD-4FE6-AD43-5E94B1E05FEE}" type="datetimeFigureOut">
               <a:rPr lang="vi-VN" smtClean="0"/>
-              <a:t>16/04/2023</a:t>
+              <a:t>19/04/2023</a:t>
             </a:fld>
             <a:endParaRPr lang="vi-VN"/>
           </a:p>
@@ -4490,2431 +4494,6 @@
         <p:spPr>
           <a:xfrm>
             <a:off x="914400" y="865261"/>
-            <a:ext cx="10348958" cy="1295868"/>
-          </a:xfrm>
-          <a:prstGeom prst="rect">
-            <a:avLst/>
-          </a:prstGeom>
-          <a:noFill/>
-        </p:spPr>
-        <p:txBody>
-          <a:bodyPr wrap="square" rtlCol="0">
-            <a:spAutoFit/>
-          </a:bodyPr>
-          <a:lstStyle/>
-          <a:p>
-            <a:pPr>
-              <a:lnSpc>
-                <a:spcPct val="150000"/>
-              </a:lnSpc>
-            </a:pPr>
-            <a:r>
-              <a:rPr lang="en-US" b="1" dirty="0"/>
-              <a:t>2.3 </a:t>
-            </a:r>
-            <a:r>
-              <a:rPr lang="en-US" b="1" dirty="0" err="1"/>
-              <a:t>Cấu</a:t>
-            </a:r>
-            <a:r>
-              <a:rPr lang="en-US" b="1" dirty="0"/>
-              <a:t> </a:t>
-            </a:r>
-            <a:r>
-              <a:rPr lang="en-US" b="1" dirty="0" err="1"/>
-              <a:t>trúc</a:t>
-            </a:r>
-            <a:r>
-              <a:rPr lang="en-US" b="1" dirty="0"/>
-              <a:t> chi </a:t>
-            </a:r>
-            <a:r>
-              <a:rPr lang="en-US" b="1" dirty="0" err="1"/>
-              <a:t>tiết</a:t>
-            </a:r>
-            <a:r>
-              <a:rPr lang="en-US" b="1" dirty="0"/>
-              <a:t> </a:t>
-            </a:r>
-            <a:r>
-              <a:rPr lang="en-US" b="1" dirty="0" err="1"/>
-              <a:t>các</a:t>
-            </a:r>
-            <a:r>
-              <a:rPr lang="en-US" b="1" dirty="0"/>
-              <a:t> </a:t>
-            </a:r>
-            <a:r>
-              <a:rPr lang="en-US" b="1" dirty="0" err="1"/>
-              <a:t>bảng</a:t>
-            </a:r>
-            <a:endParaRPr lang="en-US" b="1" dirty="0"/>
-          </a:p>
-          <a:p>
-            <a:pPr marL="285750" indent="-285750">
-              <a:lnSpc>
-                <a:spcPct val="150000"/>
-              </a:lnSpc>
-              <a:buFont typeface="Arial" panose="020B0604020202020204" pitchFamily="34" charset="0"/>
-              <a:buChar char="•"/>
-            </a:pPr>
-            <a:r>
-              <a:rPr lang="en-US" b="1" dirty="0" err="1"/>
-              <a:t>Bảng</a:t>
-            </a:r>
-            <a:r>
-              <a:rPr lang="en-US" b="1" dirty="0"/>
-              <a:t> </a:t>
-            </a:r>
-            <a:r>
-              <a:rPr lang="en-US" b="1" dirty="0" err="1"/>
-              <a:t>NhanVien</a:t>
-            </a:r>
-            <a:r>
-              <a:rPr lang="en-US" b="1" dirty="0"/>
-              <a:t> (</a:t>
-            </a:r>
-            <a:r>
-              <a:rPr lang="en-US" b="1" dirty="0" err="1"/>
-              <a:t>Nhân</a:t>
-            </a:r>
-            <a:r>
-              <a:rPr lang="en-US" b="1" dirty="0"/>
-              <a:t> </a:t>
-            </a:r>
-            <a:r>
-              <a:rPr lang="en-US" b="1" dirty="0" err="1"/>
-              <a:t>viên</a:t>
-            </a:r>
-            <a:r>
-              <a:rPr lang="en-US" b="1" dirty="0"/>
-              <a:t>)</a:t>
-            </a:r>
-          </a:p>
-          <a:p>
-            <a:pPr>
-              <a:lnSpc>
-                <a:spcPct val="150000"/>
-              </a:lnSpc>
-            </a:pPr>
-            <a:endParaRPr lang="en-US" b="1" dirty="0"/>
-          </a:p>
-        </p:txBody>
-      </p:sp>
-      <p:pic>
-        <p:nvPicPr>
-          <p:cNvPr id="3" name="Picture 2" descr="Table&#10;&#10;Description automatically generated">
-            <a:extLst>
-              <a:ext uri="{FF2B5EF4-FFF2-40B4-BE49-F238E27FC236}">
-                <a16:creationId xmlns:a16="http://schemas.microsoft.com/office/drawing/2014/main" id="{984B6C09-D602-69BF-8F52-8D1421E69F67}"/>
-              </a:ext>
-            </a:extLst>
-          </p:cNvPr>
-          <p:cNvPicPr>
-            <a:picLocks noChangeAspect="1"/>
-          </p:cNvPicPr>
-          <p:nvPr/>
-        </p:nvPicPr>
-        <p:blipFill>
-          <a:blip r:embed="rId2">
-            <a:extLst>
-              <a:ext uri="{28A0092B-C50C-407E-A947-70E740481C1C}">
-                <a14:useLocalDpi xmlns:a14="http://schemas.microsoft.com/office/drawing/2010/main" val="0"/>
-              </a:ext>
-            </a:extLst>
-          </a:blip>
-          <a:stretch>
-            <a:fillRect/>
-          </a:stretch>
-        </p:blipFill>
-        <p:spPr>
-          <a:xfrm>
-            <a:off x="1865936" y="1980154"/>
-            <a:ext cx="8488615" cy="2421937"/>
-          </a:xfrm>
-          <a:prstGeom prst="rect">
-            <a:avLst/>
-          </a:prstGeom>
-        </p:spPr>
-      </p:pic>
-    </p:spTree>
-    <p:extLst>
-      <p:ext uri="{BB962C8B-B14F-4D97-AF65-F5344CB8AC3E}">
-        <p14:creationId xmlns:p14="http://schemas.microsoft.com/office/powerpoint/2010/main" val="4091682872"/>
-      </p:ext>
-    </p:extLst>
-  </p:cSld>
-  <p:clrMapOvr>
-    <a:masterClrMapping/>
-  </p:clrMapOvr>
-  <mc:AlternateContent xmlns:mc="http://schemas.openxmlformats.org/markup-compatibility/2006" xmlns:p14="http://schemas.microsoft.com/office/powerpoint/2010/main">
-    <mc:Choice Requires="p14">
-      <p:transition spd="slow" p14:dur="800">
-        <p:circle/>
-      </p:transition>
-    </mc:Choice>
-    <mc:Fallback xmlns="">
-      <p:transition spd="slow">
-        <p:circle/>
-      </p:transition>
-    </mc:Fallback>
-  </mc:AlternateContent>
-</p:sld>
-</file>
-
-<file path=ppt/slides/slide11.xml><?xml version="1.0" encoding="utf-8"?>
-<p:sld xmlns:a="http://schemas.openxmlformats.org/drawingml/2006/main" xmlns:r="http://schemas.openxmlformats.org/officeDocument/2006/relationships" xmlns:p="http://schemas.openxmlformats.org/presentationml/2006/main">
-  <p:cSld>
-    <p:bg>
-      <p:bgPr>
-        <a:solidFill>
-          <a:srgbClr val="8FABB7"/>
-        </a:solidFill>
-        <a:effectLst/>
-      </p:bgPr>
-    </p:bg>
-    <p:spTree>
-      <p:nvGrpSpPr>
-        <p:cNvPr id="1" name=""/>
-        <p:cNvGrpSpPr/>
-        <p:nvPr/>
-      </p:nvGrpSpPr>
-      <p:grpSpPr>
-        <a:xfrm>
-          <a:off x="0" y="0"/>
-          <a:ext cx="0" cy="0"/>
-          <a:chOff x="0" y="0"/>
-          <a:chExt cx="0" cy="0"/>
-        </a:xfrm>
-      </p:grpSpPr>
-      <p:sp>
-        <p:nvSpPr>
-          <p:cNvPr id="4" name="Rectangle 3"/>
-          <p:cNvSpPr/>
-          <p:nvPr/>
-        </p:nvSpPr>
-        <p:spPr>
-          <a:xfrm>
-            <a:off x="358924" y="333286"/>
-            <a:ext cx="11459910" cy="6212792"/>
-          </a:xfrm>
-          <a:prstGeom prst="rect">
-            <a:avLst/>
-          </a:prstGeom>
-          <a:solidFill>
-            <a:srgbClr val="F8F8F8"/>
-          </a:solidFill>
-          <a:ln>
-            <a:noFill/>
-          </a:ln>
-        </p:spPr>
-        <p:style>
-          <a:lnRef idx="2">
-            <a:schemeClr val="accent1">
-              <a:shade val="50000"/>
-            </a:schemeClr>
-          </a:lnRef>
-          <a:fillRef idx="1">
-            <a:schemeClr val="accent1"/>
-          </a:fillRef>
-          <a:effectRef idx="0">
-            <a:schemeClr val="accent1"/>
-          </a:effectRef>
-          <a:fontRef idx="minor">
-            <a:schemeClr val="lt1"/>
-          </a:fontRef>
-        </p:style>
-        <p:txBody>
-          <a:bodyPr rtlCol="0" anchor="ctr"/>
-          <a:lstStyle/>
-          <a:p>
-            <a:pPr algn="ctr"/>
-            <a:endParaRPr lang="vi-VN" dirty="0"/>
-          </a:p>
-        </p:txBody>
-      </p:sp>
-      <p:cxnSp>
-        <p:nvCxnSpPr>
-          <p:cNvPr id="10" name="Straight Connector 9"/>
-          <p:cNvCxnSpPr/>
-          <p:nvPr/>
-        </p:nvCxnSpPr>
-        <p:spPr>
-          <a:xfrm flipV="1">
-            <a:off x="358924" y="856716"/>
-            <a:ext cx="11502640" cy="8545"/>
-          </a:xfrm>
-          <a:prstGeom prst="line">
-            <a:avLst/>
-          </a:prstGeom>
-          <a:ln w="19050">
-            <a:solidFill>
-              <a:srgbClr val="8FABB7"/>
-            </a:solidFill>
-            <a:prstDash val="dash"/>
-          </a:ln>
-        </p:spPr>
-        <p:style>
-          <a:lnRef idx="1">
-            <a:schemeClr val="accent1"/>
-          </a:lnRef>
-          <a:fillRef idx="0">
-            <a:schemeClr val="accent1"/>
-          </a:fillRef>
-          <a:effectRef idx="0">
-            <a:schemeClr val="accent1"/>
-          </a:effectRef>
-          <a:fontRef idx="minor">
-            <a:schemeClr val="tx1"/>
-          </a:fontRef>
-        </p:style>
-      </p:cxnSp>
-      <p:cxnSp>
-        <p:nvCxnSpPr>
-          <p:cNvPr id="14" name="Straight Connector 13"/>
-          <p:cNvCxnSpPr/>
-          <p:nvPr/>
-        </p:nvCxnSpPr>
-        <p:spPr>
-          <a:xfrm flipV="1">
-            <a:off x="358924" y="6145138"/>
-            <a:ext cx="11502640" cy="8545"/>
-          </a:xfrm>
-          <a:prstGeom prst="line">
-            <a:avLst/>
-          </a:prstGeom>
-          <a:ln w="19050">
-            <a:solidFill>
-              <a:srgbClr val="8FABB7"/>
-            </a:solidFill>
-            <a:prstDash val="dash"/>
-          </a:ln>
-        </p:spPr>
-        <p:style>
-          <a:lnRef idx="1">
-            <a:schemeClr val="accent1"/>
-          </a:lnRef>
-          <a:fillRef idx="0">
-            <a:schemeClr val="accent1"/>
-          </a:fillRef>
-          <a:effectRef idx="0">
-            <a:schemeClr val="accent1"/>
-          </a:effectRef>
-          <a:fontRef idx="minor">
-            <a:schemeClr val="tx1"/>
-          </a:fontRef>
-        </p:style>
-      </p:cxnSp>
-      <p:sp>
-        <p:nvSpPr>
-          <p:cNvPr id="5" name="TextBox 4"/>
-          <p:cNvSpPr txBox="1"/>
-          <p:nvPr/>
-        </p:nvSpPr>
-        <p:spPr>
-          <a:xfrm>
-            <a:off x="914400" y="865261"/>
-            <a:ext cx="10348958" cy="1295868"/>
-          </a:xfrm>
-          <a:prstGeom prst="rect">
-            <a:avLst/>
-          </a:prstGeom>
-          <a:noFill/>
-        </p:spPr>
-        <p:txBody>
-          <a:bodyPr wrap="square" rtlCol="0">
-            <a:spAutoFit/>
-          </a:bodyPr>
-          <a:lstStyle/>
-          <a:p>
-            <a:pPr>
-              <a:lnSpc>
-                <a:spcPct val="150000"/>
-              </a:lnSpc>
-            </a:pPr>
-            <a:r>
-              <a:rPr lang="en-US" b="1" dirty="0"/>
-              <a:t>2.3 </a:t>
-            </a:r>
-            <a:r>
-              <a:rPr lang="en-US" b="1" dirty="0" err="1"/>
-              <a:t>Cấu</a:t>
-            </a:r>
-            <a:r>
-              <a:rPr lang="en-US" b="1" dirty="0"/>
-              <a:t> </a:t>
-            </a:r>
-            <a:r>
-              <a:rPr lang="en-US" b="1" dirty="0" err="1"/>
-              <a:t>trúc</a:t>
-            </a:r>
-            <a:r>
-              <a:rPr lang="en-US" b="1" dirty="0"/>
-              <a:t> chi </a:t>
-            </a:r>
-            <a:r>
-              <a:rPr lang="en-US" b="1" dirty="0" err="1"/>
-              <a:t>tiết</a:t>
-            </a:r>
-            <a:r>
-              <a:rPr lang="en-US" b="1" dirty="0"/>
-              <a:t> </a:t>
-            </a:r>
-            <a:r>
-              <a:rPr lang="en-US" b="1" dirty="0" err="1"/>
-              <a:t>các</a:t>
-            </a:r>
-            <a:r>
-              <a:rPr lang="en-US" b="1" dirty="0"/>
-              <a:t> </a:t>
-            </a:r>
-            <a:r>
-              <a:rPr lang="en-US" b="1" dirty="0" err="1"/>
-              <a:t>bảng</a:t>
-            </a:r>
-            <a:endParaRPr lang="en-US" b="1" dirty="0"/>
-          </a:p>
-          <a:p>
-            <a:pPr marL="285750" indent="-285750">
-              <a:lnSpc>
-                <a:spcPct val="150000"/>
-              </a:lnSpc>
-              <a:buFont typeface="Arial" panose="020B0604020202020204" pitchFamily="34" charset="0"/>
-              <a:buChar char="•"/>
-            </a:pPr>
-            <a:r>
-              <a:rPr lang="en-US" b="1" dirty="0" err="1"/>
-              <a:t>Bảng</a:t>
-            </a:r>
-            <a:r>
-              <a:rPr lang="en-US" b="1" dirty="0"/>
-              <a:t> </a:t>
-            </a:r>
-            <a:r>
-              <a:rPr lang="en-US" b="1" dirty="0" err="1"/>
-              <a:t>KhachHang</a:t>
-            </a:r>
-            <a:r>
-              <a:rPr lang="en-US" b="1" dirty="0"/>
-              <a:t> (</a:t>
-            </a:r>
-            <a:r>
-              <a:rPr lang="en-US" b="1" dirty="0" err="1"/>
-              <a:t>Khách</a:t>
-            </a:r>
-            <a:r>
-              <a:rPr lang="en-US" b="1" dirty="0"/>
-              <a:t> </a:t>
-            </a:r>
-            <a:r>
-              <a:rPr lang="en-US" b="1" dirty="0" err="1"/>
-              <a:t>hàng</a:t>
-            </a:r>
-            <a:r>
-              <a:rPr lang="en-US" b="1" dirty="0"/>
-              <a:t>)</a:t>
-            </a:r>
-          </a:p>
-          <a:p>
-            <a:pPr>
-              <a:lnSpc>
-                <a:spcPct val="150000"/>
-              </a:lnSpc>
-            </a:pPr>
-            <a:endParaRPr lang="en-US" b="1" dirty="0"/>
-          </a:p>
-        </p:txBody>
-      </p:sp>
-      <p:pic>
-        <p:nvPicPr>
-          <p:cNvPr id="6" name="Picture 5" descr="Table&#10;&#10;Description automatically generated">
-            <a:extLst>
-              <a:ext uri="{FF2B5EF4-FFF2-40B4-BE49-F238E27FC236}">
-                <a16:creationId xmlns:a16="http://schemas.microsoft.com/office/drawing/2014/main" id="{676420D3-0D14-898B-D62B-477404783201}"/>
-              </a:ext>
-            </a:extLst>
-          </p:cNvPr>
-          <p:cNvPicPr>
-            <a:picLocks noChangeAspect="1"/>
-          </p:cNvPicPr>
-          <p:nvPr/>
-        </p:nvPicPr>
-        <p:blipFill>
-          <a:blip r:embed="rId2">
-            <a:extLst>
-              <a:ext uri="{28A0092B-C50C-407E-A947-70E740481C1C}">
-                <a14:useLocalDpi xmlns:a14="http://schemas.microsoft.com/office/drawing/2010/main" val="0"/>
-              </a:ext>
-            </a:extLst>
-          </a:blip>
-          <a:stretch>
-            <a:fillRect/>
-          </a:stretch>
-        </p:blipFill>
-        <p:spPr>
-          <a:xfrm>
-            <a:off x="1826282" y="1975469"/>
-            <a:ext cx="8539435" cy="3479029"/>
-          </a:xfrm>
-          <a:prstGeom prst="rect">
-            <a:avLst/>
-          </a:prstGeom>
-        </p:spPr>
-      </p:pic>
-    </p:spTree>
-    <p:extLst>
-      <p:ext uri="{BB962C8B-B14F-4D97-AF65-F5344CB8AC3E}">
-        <p14:creationId xmlns:p14="http://schemas.microsoft.com/office/powerpoint/2010/main" val="4071603493"/>
-      </p:ext>
-    </p:extLst>
-  </p:cSld>
-  <p:clrMapOvr>
-    <a:masterClrMapping/>
-  </p:clrMapOvr>
-  <mc:AlternateContent xmlns:mc="http://schemas.openxmlformats.org/markup-compatibility/2006" xmlns:p14="http://schemas.microsoft.com/office/powerpoint/2010/main">
-    <mc:Choice Requires="p14">
-      <p:transition spd="slow" p14:dur="800">
-        <p:circle/>
-      </p:transition>
-    </mc:Choice>
-    <mc:Fallback xmlns="">
-      <p:transition spd="slow">
-        <p:circle/>
-      </p:transition>
-    </mc:Fallback>
-  </mc:AlternateContent>
-</p:sld>
-</file>
-
-<file path=ppt/slides/slide12.xml><?xml version="1.0" encoding="utf-8"?>
-<p:sld xmlns:a="http://schemas.openxmlformats.org/drawingml/2006/main" xmlns:r="http://schemas.openxmlformats.org/officeDocument/2006/relationships" xmlns:p="http://schemas.openxmlformats.org/presentationml/2006/main">
-  <p:cSld>
-    <p:bg>
-      <p:bgPr>
-        <a:solidFill>
-          <a:srgbClr val="8FABB7"/>
-        </a:solidFill>
-        <a:effectLst/>
-      </p:bgPr>
-    </p:bg>
-    <p:spTree>
-      <p:nvGrpSpPr>
-        <p:cNvPr id="1" name=""/>
-        <p:cNvGrpSpPr/>
-        <p:nvPr/>
-      </p:nvGrpSpPr>
-      <p:grpSpPr>
-        <a:xfrm>
-          <a:off x="0" y="0"/>
-          <a:ext cx="0" cy="0"/>
-          <a:chOff x="0" y="0"/>
-          <a:chExt cx="0" cy="0"/>
-        </a:xfrm>
-      </p:grpSpPr>
-      <p:sp>
-        <p:nvSpPr>
-          <p:cNvPr id="4" name="Rectangle 3"/>
-          <p:cNvSpPr/>
-          <p:nvPr/>
-        </p:nvSpPr>
-        <p:spPr>
-          <a:xfrm>
-            <a:off x="358924" y="333286"/>
-            <a:ext cx="11459910" cy="6212792"/>
-          </a:xfrm>
-          <a:prstGeom prst="rect">
-            <a:avLst/>
-          </a:prstGeom>
-          <a:solidFill>
-            <a:srgbClr val="F8F8F8"/>
-          </a:solidFill>
-          <a:ln>
-            <a:noFill/>
-          </a:ln>
-        </p:spPr>
-        <p:style>
-          <a:lnRef idx="2">
-            <a:schemeClr val="accent1">
-              <a:shade val="50000"/>
-            </a:schemeClr>
-          </a:lnRef>
-          <a:fillRef idx="1">
-            <a:schemeClr val="accent1"/>
-          </a:fillRef>
-          <a:effectRef idx="0">
-            <a:schemeClr val="accent1"/>
-          </a:effectRef>
-          <a:fontRef idx="minor">
-            <a:schemeClr val="lt1"/>
-          </a:fontRef>
-        </p:style>
-        <p:txBody>
-          <a:bodyPr rtlCol="0" anchor="ctr"/>
-          <a:lstStyle/>
-          <a:p>
-            <a:pPr algn="ctr"/>
-            <a:endParaRPr lang="vi-VN" dirty="0"/>
-          </a:p>
-        </p:txBody>
-      </p:sp>
-      <p:cxnSp>
-        <p:nvCxnSpPr>
-          <p:cNvPr id="10" name="Straight Connector 9"/>
-          <p:cNvCxnSpPr/>
-          <p:nvPr/>
-        </p:nvCxnSpPr>
-        <p:spPr>
-          <a:xfrm flipV="1">
-            <a:off x="358924" y="856716"/>
-            <a:ext cx="11502640" cy="8545"/>
-          </a:xfrm>
-          <a:prstGeom prst="line">
-            <a:avLst/>
-          </a:prstGeom>
-          <a:ln w="19050">
-            <a:solidFill>
-              <a:srgbClr val="8FABB7"/>
-            </a:solidFill>
-            <a:prstDash val="dash"/>
-          </a:ln>
-        </p:spPr>
-        <p:style>
-          <a:lnRef idx="1">
-            <a:schemeClr val="accent1"/>
-          </a:lnRef>
-          <a:fillRef idx="0">
-            <a:schemeClr val="accent1"/>
-          </a:fillRef>
-          <a:effectRef idx="0">
-            <a:schemeClr val="accent1"/>
-          </a:effectRef>
-          <a:fontRef idx="minor">
-            <a:schemeClr val="tx1"/>
-          </a:fontRef>
-        </p:style>
-      </p:cxnSp>
-      <p:cxnSp>
-        <p:nvCxnSpPr>
-          <p:cNvPr id="14" name="Straight Connector 13"/>
-          <p:cNvCxnSpPr/>
-          <p:nvPr/>
-        </p:nvCxnSpPr>
-        <p:spPr>
-          <a:xfrm flipV="1">
-            <a:off x="358924" y="6145138"/>
-            <a:ext cx="11502640" cy="8545"/>
-          </a:xfrm>
-          <a:prstGeom prst="line">
-            <a:avLst/>
-          </a:prstGeom>
-          <a:ln w="19050">
-            <a:solidFill>
-              <a:srgbClr val="8FABB7"/>
-            </a:solidFill>
-            <a:prstDash val="dash"/>
-          </a:ln>
-        </p:spPr>
-        <p:style>
-          <a:lnRef idx="1">
-            <a:schemeClr val="accent1"/>
-          </a:lnRef>
-          <a:fillRef idx="0">
-            <a:schemeClr val="accent1"/>
-          </a:fillRef>
-          <a:effectRef idx="0">
-            <a:schemeClr val="accent1"/>
-          </a:effectRef>
-          <a:fontRef idx="minor">
-            <a:schemeClr val="tx1"/>
-          </a:fontRef>
-        </p:style>
-      </p:cxnSp>
-      <p:sp>
-        <p:nvSpPr>
-          <p:cNvPr id="5" name="TextBox 4"/>
-          <p:cNvSpPr txBox="1"/>
-          <p:nvPr/>
-        </p:nvSpPr>
-        <p:spPr>
-          <a:xfrm>
-            <a:off x="914400" y="865261"/>
-            <a:ext cx="10348958" cy="1295868"/>
-          </a:xfrm>
-          <a:prstGeom prst="rect">
-            <a:avLst/>
-          </a:prstGeom>
-          <a:noFill/>
-        </p:spPr>
-        <p:txBody>
-          <a:bodyPr wrap="square" rtlCol="0">
-            <a:spAutoFit/>
-          </a:bodyPr>
-          <a:lstStyle/>
-          <a:p>
-            <a:pPr>
-              <a:lnSpc>
-                <a:spcPct val="150000"/>
-              </a:lnSpc>
-            </a:pPr>
-            <a:r>
-              <a:rPr lang="en-US" b="1" dirty="0"/>
-              <a:t>2.3 </a:t>
-            </a:r>
-            <a:r>
-              <a:rPr lang="en-US" b="1" dirty="0" err="1"/>
-              <a:t>Cấu</a:t>
-            </a:r>
-            <a:r>
-              <a:rPr lang="en-US" b="1" dirty="0"/>
-              <a:t> </a:t>
-            </a:r>
-            <a:r>
-              <a:rPr lang="en-US" b="1" dirty="0" err="1"/>
-              <a:t>trúc</a:t>
-            </a:r>
-            <a:r>
-              <a:rPr lang="en-US" b="1" dirty="0"/>
-              <a:t> chi </a:t>
-            </a:r>
-            <a:r>
-              <a:rPr lang="en-US" b="1" dirty="0" err="1"/>
-              <a:t>tiết</a:t>
-            </a:r>
-            <a:r>
-              <a:rPr lang="en-US" b="1" dirty="0"/>
-              <a:t> </a:t>
-            </a:r>
-            <a:r>
-              <a:rPr lang="en-US" b="1" dirty="0" err="1"/>
-              <a:t>các</a:t>
-            </a:r>
-            <a:r>
-              <a:rPr lang="en-US" b="1" dirty="0"/>
-              <a:t> </a:t>
-            </a:r>
-            <a:r>
-              <a:rPr lang="en-US" b="1" dirty="0" err="1"/>
-              <a:t>bảng</a:t>
-            </a:r>
-            <a:endParaRPr lang="en-US" b="1" dirty="0"/>
-          </a:p>
-          <a:p>
-            <a:pPr marL="285750" indent="-285750">
-              <a:lnSpc>
-                <a:spcPct val="150000"/>
-              </a:lnSpc>
-              <a:buFont typeface="Arial" panose="020B0604020202020204" pitchFamily="34" charset="0"/>
-              <a:buChar char="•"/>
-            </a:pPr>
-            <a:r>
-              <a:rPr lang="en-US" b="1" dirty="0" err="1"/>
-              <a:t>Bảng</a:t>
-            </a:r>
-            <a:r>
-              <a:rPr lang="en-US" b="1" dirty="0"/>
-              <a:t> </a:t>
-            </a:r>
-            <a:r>
-              <a:rPr lang="en-US" b="1" dirty="0" err="1"/>
-              <a:t>ChiTietDonHang</a:t>
-            </a:r>
-            <a:r>
-              <a:rPr lang="en-US" b="1" dirty="0"/>
-              <a:t> (Chi </a:t>
-            </a:r>
-            <a:r>
-              <a:rPr lang="en-US" b="1" dirty="0" err="1"/>
-              <a:t>tiết</a:t>
-            </a:r>
-            <a:r>
-              <a:rPr lang="en-US" b="1" dirty="0"/>
-              <a:t> </a:t>
-            </a:r>
-            <a:r>
-              <a:rPr lang="en-US" b="1" dirty="0" err="1"/>
-              <a:t>đơn</a:t>
-            </a:r>
-            <a:r>
-              <a:rPr lang="en-US" b="1" dirty="0"/>
-              <a:t> </a:t>
-            </a:r>
-            <a:r>
-              <a:rPr lang="en-US" b="1" dirty="0" err="1"/>
-              <a:t>hàng</a:t>
-            </a:r>
-            <a:r>
-              <a:rPr lang="en-US" b="1" dirty="0"/>
-              <a:t>)</a:t>
-            </a:r>
-          </a:p>
-          <a:p>
-            <a:pPr>
-              <a:lnSpc>
-                <a:spcPct val="150000"/>
-              </a:lnSpc>
-            </a:pPr>
-            <a:endParaRPr lang="en-US" b="1" dirty="0"/>
-          </a:p>
-        </p:txBody>
-      </p:sp>
-      <p:pic>
-        <p:nvPicPr>
-          <p:cNvPr id="3" name="Picture 2" descr="Table&#10;&#10;Description automatically generated">
-            <a:extLst>
-              <a:ext uri="{FF2B5EF4-FFF2-40B4-BE49-F238E27FC236}">
-                <a16:creationId xmlns:a16="http://schemas.microsoft.com/office/drawing/2014/main" id="{06B530AE-D4F1-1DBA-1523-5E2B90EE947E}"/>
-              </a:ext>
-            </a:extLst>
-          </p:cNvPr>
-          <p:cNvPicPr>
-            <a:picLocks noChangeAspect="1"/>
-          </p:cNvPicPr>
-          <p:nvPr/>
-        </p:nvPicPr>
-        <p:blipFill>
-          <a:blip r:embed="rId2">
-            <a:extLst>
-              <a:ext uri="{28A0092B-C50C-407E-A947-70E740481C1C}">
-                <a14:useLocalDpi xmlns:a14="http://schemas.microsoft.com/office/drawing/2010/main" val="0"/>
-              </a:ext>
-            </a:extLst>
-          </a:blip>
-          <a:stretch>
-            <a:fillRect/>
-          </a:stretch>
-        </p:blipFill>
-        <p:spPr>
-          <a:xfrm>
-            <a:off x="1839430" y="1964977"/>
-            <a:ext cx="8516050" cy="2063778"/>
-          </a:xfrm>
-          <a:prstGeom prst="rect">
-            <a:avLst/>
-          </a:prstGeom>
-        </p:spPr>
-      </p:pic>
-    </p:spTree>
-    <p:extLst>
-      <p:ext uri="{BB962C8B-B14F-4D97-AF65-F5344CB8AC3E}">
-        <p14:creationId xmlns:p14="http://schemas.microsoft.com/office/powerpoint/2010/main" val="1076837402"/>
-      </p:ext>
-    </p:extLst>
-  </p:cSld>
-  <p:clrMapOvr>
-    <a:masterClrMapping/>
-  </p:clrMapOvr>
-  <mc:AlternateContent xmlns:mc="http://schemas.openxmlformats.org/markup-compatibility/2006" xmlns:p14="http://schemas.microsoft.com/office/powerpoint/2010/main">
-    <mc:Choice Requires="p14">
-      <p:transition spd="slow" p14:dur="800">
-        <p:circle/>
-      </p:transition>
-    </mc:Choice>
-    <mc:Fallback xmlns="">
-      <p:transition spd="slow">
-        <p:circle/>
-      </p:transition>
-    </mc:Fallback>
-  </mc:AlternateContent>
-</p:sld>
-</file>
-
-<file path=ppt/slides/slide13.xml><?xml version="1.0" encoding="utf-8"?>
-<p:sld xmlns:a="http://schemas.openxmlformats.org/drawingml/2006/main" xmlns:r="http://schemas.openxmlformats.org/officeDocument/2006/relationships" xmlns:p="http://schemas.openxmlformats.org/presentationml/2006/main">
-  <p:cSld>
-    <p:bg>
-      <p:bgPr>
-        <a:solidFill>
-          <a:srgbClr val="8FABB7"/>
-        </a:solidFill>
-        <a:effectLst/>
-      </p:bgPr>
-    </p:bg>
-    <p:spTree>
-      <p:nvGrpSpPr>
-        <p:cNvPr id="1" name=""/>
-        <p:cNvGrpSpPr/>
-        <p:nvPr/>
-      </p:nvGrpSpPr>
-      <p:grpSpPr>
-        <a:xfrm>
-          <a:off x="0" y="0"/>
-          <a:ext cx="0" cy="0"/>
-          <a:chOff x="0" y="0"/>
-          <a:chExt cx="0" cy="0"/>
-        </a:xfrm>
-      </p:grpSpPr>
-      <p:sp>
-        <p:nvSpPr>
-          <p:cNvPr id="4" name="Rectangle 3"/>
-          <p:cNvSpPr/>
-          <p:nvPr/>
-        </p:nvSpPr>
-        <p:spPr>
-          <a:xfrm>
-            <a:off x="358924" y="333286"/>
-            <a:ext cx="11459910" cy="6212792"/>
-          </a:xfrm>
-          <a:prstGeom prst="rect">
-            <a:avLst/>
-          </a:prstGeom>
-          <a:solidFill>
-            <a:srgbClr val="F8F8F8"/>
-          </a:solidFill>
-          <a:ln>
-            <a:noFill/>
-          </a:ln>
-        </p:spPr>
-        <p:style>
-          <a:lnRef idx="2">
-            <a:schemeClr val="accent1">
-              <a:shade val="50000"/>
-            </a:schemeClr>
-          </a:lnRef>
-          <a:fillRef idx="1">
-            <a:schemeClr val="accent1"/>
-          </a:fillRef>
-          <a:effectRef idx="0">
-            <a:schemeClr val="accent1"/>
-          </a:effectRef>
-          <a:fontRef idx="minor">
-            <a:schemeClr val="lt1"/>
-          </a:fontRef>
-        </p:style>
-        <p:txBody>
-          <a:bodyPr rtlCol="0" anchor="ctr"/>
-          <a:lstStyle/>
-          <a:p>
-            <a:pPr algn="ctr"/>
-            <a:endParaRPr lang="vi-VN" dirty="0"/>
-          </a:p>
-        </p:txBody>
-      </p:sp>
-      <p:cxnSp>
-        <p:nvCxnSpPr>
-          <p:cNvPr id="10" name="Straight Connector 9"/>
-          <p:cNvCxnSpPr/>
-          <p:nvPr/>
-        </p:nvCxnSpPr>
-        <p:spPr>
-          <a:xfrm flipV="1">
-            <a:off x="358924" y="856716"/>
-            <a:ext cx="11502640" cy="8545"/>
-          </a:xfrm>
-          <a:prstGeom prst="line">
-            <a:avLst/>
-          </a:prstGeom>
-          <a:ln w="19050">
-            <a:solidFill>
-              <a:srgbClr val="8FABB7"/>
-            </a:solidFill>
-            <a:prstDash val="dash"/>
-          </a:ln>
-        </p:spPr>
-        <p:style>
-          <a:lnRef idx="1">
-            <a:schemeClr val="accent1"/>
-          </a:lnRef>
-          <a:fillRef idx="0">
-            <a:schemeClr val="accent1"/>
-          </a:fillRef>
-          <a:effectRef idx="0">
-            <a:schemeClr val="accent1"/>
-          </a:effectRef>
-          <a:fontRef idx="minor">
-            <a:schemeClr val="tx1"/>
-          </a:fontRef>
-        </p:style>
-      </p:cxnSp>
-      <p:cxnSp>
-        <p:nvCxnSpPr>
-          <p:cNvPr id="14" name="Straight Connector 13"/>
-          <p:cNvCxnSpPr/>
-          <p:nvPr/>
-        </p:nvCxnSpPr>
-        <p:spPr>
-          <a:xfrm flipV="1">
-            <a:off x="358924" y="6145138"/>
-            <a:ext cx="11502640" cy="8545"/>
-          </a:xfrm>
-          <a:prstGeom prst="line">
-            <a:avLst/>
-          </a:prstGeom>
-          <a:ln w="19050">
-            <a:solidFill>
-              <a:srgbClr val="8FABB7"/>
-            </a:solidFill>
-            <a:prstDash val="dash"/>
-          </a:ln>
-        </p:spPr>
-        <p:style>
-          <a:lnRef idx="1">
-            <a:schemeClr val="accent1"/>
-          </a:lnRef>
-          <a:fillRef idx="0">
-            <a:schemeClr val="accent1"/>
-          </a:fillRef>
-          <a:effectRef idx="0">
-            <a:schemeClr val="accent1"/>
-          </a:effectRef>
-          <a:fontRef idx="minor">
-            <a:schemeClr val="tx1"/>
-          </a:fontRef>
-        </p:style>
-      </p:cxnSp>
-      <p:sp>
-        <p:nvSpPr>
-          <p:cNvPr id="5" name="TextBox 4"/>
-          <p:cNvSpPr txBox="1"/>
-          <p:nvPr/>
-        </p:nvSpPr>
-        <p:spPr>
-          <a:xfrm>
-            <a:off x="914400" y="865261"/>
-            <a:ext cx="10348958" cy="1295868"/>
-          </a:xfrm>
-          <a:prstGeom prst="rect">
-            <a:avLst/>
-          </a:prstGeom>
-          <a:noFill/>
-        </p:spPr>
-        <p:txBody>
-          <a:bodyPr wrap="square" rtlCol="0">
-            <a:spAutoFit/>
-          </a:bodyPr>
-          <a:lstStyle/>
-          <a:p>
-            <a:pPr>
-              <a:lnSpc>
-                <a:spcPct val="150000"/>
-              </a:lnSpc>
-            </a:pPr>
-            <a:r>
-              <a:rPr lang="en-US" b="1" dirty="0"/>
-              <a:t>2.3 </a:t>
-            </a:r>
-            <a:r>
-              <a:rPr lang="en-US" b="1" dirty="0" err="1"/>
-              <a:t>Cấu</a:t>
-            </a:r>
-            <a:r>
-              <a:rPr lang="en-US" b="1" dirty="0"/>
-              <a:t> </a:t>
-            </a:r>
-            <a:r>
-              <a:rPr lang="en-US" b="1" dirty="0" err="1"/>
-              <a:t>trúc</a:t>
-            </a:r>
-            <a:r>
-              <a:rPr lang="en-US" b="1" dirty="0"/>
-              <a:t> chi </a:t>
-            </a:r>
-            <a:r>
-              <a:rPr lang="en-US" b="1" dirty="0" err="1"/>
-              <a:t>tiết</a:t>
-            </a:r>
-            <a:r>
-              <a:rPr lang="en-US" b="1" dirty="0"/>
-              <a:t> </a:t>
-            </a:r>
-            <a:r>
-              <a:rPr lang="en-US" b="1" dirty="0" err="1"/>
-              <a:t>các</a:t>
-            </a:r>
-            <a:r>
-              <a:rPr lang="en-US" b="1" dirty="0"/>
-              <a:t> </a:t>
-            </a:r>
-            <a:r>
-              <a:rPr lang="en-US" b="1" dirty="0" err="1"/>
-              <a:t>bảng</a:t>
-            </a:r>
-            <a:endParaRPr lang="en-US" b="1" dirty="0"/>
-          </a:p>
-          <a:p>
-            <a:pPr marL="285750" indent="-285750">
-              <a:lnSpc>
-                <a:spcPct val="150000"/>
-              </a:lnSpc>
-              <a:buFont typeface="Arial" panose="020B0604020202020204" pitchFamily="34" charset="0"/>
-              <a:buChar char="•"/>
-            </a:pPr>
-            <a:r>
-              <a:rPr lang="en-US" b="1" dirty="0" err="1"/>
-              <a:t>Bảng</a:t>
-            </a:r>
-            <a:r>
-              <a:rPr lang="en-US" b="1" dirty="0"/>
-              <a:t> CPU</a:t>
-            </a:r>
-          </a:p>
-          <a:p>
-            <a:pPr>
-              <a:lnSpc>
-                <a:spcPct val="150000"/>
-              </a:lnSpc>
-            </a:pPr>
-            <a:endParaRPr lang="en-US" b="1" dirty="0"/>
-          </a:p>
-        </p:txBody>
-      </p:sp>
-      <p:pic>
-        <p:nvPicPr>
-          <p:cNvPr id="11" name="Picture 10" descr="Table&#10;&#10;Description automatically generated">
-            <a:extLst>
-              <a:ext uri="{FF2B5EF4-FFF2-40B4-BE49-F238E27FC236}">
-                <a16:creationId xmlns:a16="http://schemas.microsoft.com/office/drawing/2014/main" id="{207C1BC3-094F-EB6D-0920-79C1E7ECE392}"/>
-              </a:ext>
-            </a:extLst>
-          </p:cNvPr>
-          <p:cNvPicPr>
-            <a:picLocks noChangeAspect="1"/>
-          </p:cNvPicPr>
-          <p:nvPr/>
-        </p:nvPicPr>
-        <p:blipFill>
-          <a:blip r:embed="rId2">
-            <a:extLst>
-              <a:ext uri="{28A0092B-C50C-407E-A947-70E740481C1C}">
-                <a14:useLocalDpi xmlns:a14="http://schemas.microsoft.com/office/drawing/2010/main" val="0"/>
-              </a:ext>
-            </a:extLst>
-          </a:blip>
-          <a:stretch>
-            <a:fillRect/>
-          </a:stretch>
-        </p:blipFill>
-        <p:spPr>
-          <a:xfrm>
-            <a:off x="2398910" y="1723047"/>
-            <a:ext cx="7379937" cy="4269692"/>
-          </a:xfrm>
-          <a:prstGeom prst="rect">
-            <a:avLst/>
-          </a:prstGeom>
-        </p:spPr>
-      </p:pic>
-    </p:spTree>
-    <p:extLst>
-      <p:ext uri="{BB962C8B-B14F-4D97-AF65-F5344CB8AC3E}">
-        <p14:creationId xmlns:p14="http://schemas.microsoft.com/office/powerpoint/2010/main" val="386837887"/>
-      </p:ext>
-    </p:extLst>
-  </p:cSld>
-  <p:clrMapOvr>
-    <a:masterClrMapping/>
-  </p:clrMapOvr>
-  <mc:AlternateContent xmlns:mc="http://schemas.openxmlformats.org/markup-compatibility/2006" xmlns:p14="http://schemas.microsoft.com/office/powerpoint/2010/main">
-    <mc:Choice Requires="p14">
-      <p:transition spd="slow" p14:dur="800">
-        <p:circle/>
-      </p:transition>
-    </mc:Choice>
-    <mc:Fallback xmlns="">
-      <p:transition spd="slow">
-        <p:circle/>
-      </p:transition>
-    </mc:Fallback>
-  </mc:AlternateContent>
-</p:sld>
-</file>
-
-<file path=ppt/slides/slide14.xml><?xml version="1.0" encoding="utf-8"?>
-<p:sld xmlns:a="http://schemas.openxmlformats.org/drawingml/2006/main" xmlns:r="http://schemas.openxmlformats.org/officeDocument/2006/relationships" xmlns:p="http://schemas.openxmlformats.org/presentationml/2006/main">
-  <p:cSld>
-    <p:bg>
-      <p:bgPr>
-        <a:solidFill>
-          <a:srgbClr val="8FABB7"/>
-        </a:solidFill>
-        <a:effectLst/>
-      </p:bgPr>
-    </p:bg>
-    <p:spTree>
-      <p:nvGrpSpPr>
-        <p:cNvPr id="1" name=""/>
-        <p:cNvGrpSpPr/>
-        <p:nvPr/>
-      </p:nvGrpSpPr>
-      <p:grpSpPr>
-        <a:xfrm>
-          <a:off x="0" y="0"/>
-          <a:ext cx="0" cy="0"/>
-          <a:chOff x="0" y="0"/>
-          <a:chExt cx="0" cy="0"/>
-        </a:xfrm>
-      </p:grpSpPr>
-      <p:sp>
-        <p:nvSpPr>
-          <p:cNvPr id="4" name="Rectangle 3"/>
-          <p:cNvSpPr/>
-          <p:nvPr/>
-        </p:nvSpPr>
-        <p:spPr>
-          <a:xfrm>
-            <a:off x="358924" y="333286"/>
-            <a:ext cx="11459910" cy="6212792"/>
-          </a:xfrm>
-          <a:prstGeom prst="rect">
-            <a:avLst/>
-          </a:prstGeom>
-          <a:solidFill>
-            <a:srgbClr val="F8F8F8"/>
-          </a:solidFill>
-          <a:ln>
-            <a:noFill/>
-          </a:ln>
-        </p:spPr>
-        <p:style>
-          <a:lnRef idx="2">
-            <a:schemeClr val="accent1">
-              <a:shade val="50000"/>
-            </a:schemeClr>
-          </a:lnRef>
-          <a:fillRef idx="1">
-            <a:schemeClr val="accent1"/>
-          </a:fillRef>
-          <a:effectRef idx="0">
-            <a:schemeClr val="accent1"/>
-          </a:effectRef>
-          <a:fontRef idx="minor">
-            <a:schemeClr val="lt1"/>
-          </a:fontRef>
-        </p:style>
-        <p:txBody>
-          <a:bodyPr rtlCol="0" anchor="ctr"/>
-          <a:lstStyle/>
-          <a:p>
-            <a:pPr algn="ctr"/>
-            <a:endParaRPr lang="vi-VN" dirty="0"/>
-          </a:p>
-        </p:txBody>
-      </p:sp>
-      <p:cxnSp>
-        <p:nvCxnSpPr>
-          <p:cNvPr id="10" name="Straight Connector 9"/>
-          <p:cNvCxnSpPr/>
-          <p:nvPr/>
-        </p:nvCxnSpPr>
-        <p:spPr>
-          <a:xfrm flipV="1">
-            <a:off x="358924" y="856716"/>
-            <a:ext cx="11502640" cy="8545"/>
-          </a:xfrm>
-          <a:prstGeom prst="line">
-            <a:avLst/>
-          </a:prstGeom>
-          <a:ln w="19050">
-            <a:solidFill>
-              <a:srgbClr val="8FABB7"/>
-            </a:solidFill>
-            <a:prstDash val="dash"/>
-          </a:ln>
-        </p:spPr>
-        <p:style>
-          <a:lnRef idx="1">
-            <a:schemeClr val="accent1"/>
-          </a:lnRef>
-          <a:fillRef idx="0">
-            <a:schemeClr val="accent1"/>
-          </a:fillRef>
-          <a:effectRef idx="0">
-            <a:schemeClr val="accent1"/>
-          </a:effectRef>
-          <a:fontRef idx="minor">
-            <a:schemeClr val="tx1"/>
-          </a:fontRef>
-        </p:style>
-      </p:cxnSp>
-      <p:cxnSp>
-        <p:nvCxnSpPr>
-          <p:cNvPr id="14" name="Straight Connector 13"/>
-          <p:cNvCxnSpPr/>
-          <p:nvPr/>
-        </p:nvCxnSpPr>
-        <p:spPr>
-          <a:xfrm flipV="1">
-            <a:off x="358924" y="6145138"/>
-            <a:ext cx="11502640" cy="8545"/>
-          </a:xfrm>
-          <a:prstGeom prst="line">
-            <a:avLst/>
-          </a:prstGeom>
-          <a:ln w="19050">
-            <a:solidFill>
-              <a:srgbClr val="8FABB7"/>
-            </a:solidFill>
-            <a:prstDash val="dash"/>
-          </a:ln>
-        </p:spPr>
-        <p:style>
-          <a:lnRef idx="1">
-            <a:schemeClr val="accent1"/>
-          </a:lnRef>
-          <a:fillRef idx="0">
-            <a:schemeClr val="accent1"/>
-          </a:fillRef>
-          <a:effectRef idx="0">
-            <a:schemeClr val="accent1"/>
-          </a:effectRef>
-          <a:fontRef idx="minor">
-            <a:schemeClr val="tx1"/>
-          </a:fontRef>
-        </p:style>
-      </p:cxnSp>
-      <p:sp>
-        <p:nvSpPr>
-          <p:cNvPr id="5" name="TextBox 4"/>
-          <p:cNvSpPr txBox="1"/>
-          <p:nvPr/>
-        </p:nvSpPr>
-        <p:spPr>
-          <a:xfrm>
-            <a:off x="914400" y="865261"/>
-            <a:ext cx="10348958" cy="1295868"/>
-          </a:xfrm>
-          <a:prstGeom prst="rect">
-            <a:avLst/>
-          </a:prstGeom>
-          <a:noFill/>
-        </p:spPr>
-        <p:txBody>
-          <a:bodyPr wrap="square" rtlCol="0">
-            <a:spAutoFit/>
-          </a:bodyPr>
-          <a:lstStyle/>
-          <a:p>
-            <a:pPr>
-              <a:lnSpc>
-                <a:spcPct val="150000"/>
-              </a:lnSpc>
-            </a:pPr>
-            <a:r>
-              <a:rPr lang="en-US" b="1" dirty="0"/>
-              <a:t>2.3 </a:t>
-            </a:r>
-            <a:r>
-              <a:rPr lang="en-US" b="1" dirty="0" err="1"/>
-              <a:t>Cấu</a:t>
-            </a:r>
-            <a:r>
-              <a:rPr lang="en-US" b="1" dirty="0"/>
-              <a:t> </a:t>
-            </a:r>
-            <a:r>
-              <a:rPr lang="en-US" b="1" dirty="0" err="1"/>
-              <a:t>trúc</a:t>
-            </a:r>
-            <a:r>
-              <a:rPr lang="en-US" b="1" dirty="0"/>
-              <a:t> chi </a:t>
-            </a:r>
-            <a:r>
-              <a:rPr lang="en-US" b="1" dirty="0" err="1"/>
-              <a:t>tiết</a:t>
-            </a:r>
-            <a:r>
-              <a:rPr lang="en-US" b="1" dirty="0"/>
-              <a:t> </a:t>
-            </a:r>
-            <a:r>
-              <a:rPr lang="en-US" b="1" dirty="0" err="1"/>
-              <a:t>các</a:t>
-            </a:r>
-            <a:r>
-              <a:rPr lang="en-US" b="1" dirty="0"/>
-              <a:t> </a:t>
-            </a:r>
-            <a:r>
-              <a:rPr lang="en-US" b="1" dirty="0" err="1"/>
-              <a:t>bảng</a:t>
-            </a:r>
-            <a:endParaRPr lang="en-US" b="1" dirty="0"/>
-          </a:p>
-          <a:p>
-            <a:pPr marL="285750" indent="-285750">
-              <a:lnSpc>
-                <a:spcPct val="150000"/>
-              </a:lnSpc>
-              <a:buFont typeface="Arial" panose="020B0604020202020204" pitchFamily="34" charset="0"/>
-              <a:buChar char="•"/>
-            </a:pPr>
-            <a:r>
-              <a:rPr lang="en-US" b="1" dirty="0" err="1"/>
-              <a:t>Bảng</a:t>
-            </a:r>
-            <a:r>
-              <a:rPr lang="en-US" b="1" dirty="0"/>
-              <a:t> </a:t>
-            </a:r>
-            <a:r>
-              <a:rPr lang="en-US" b="1" dirty="0" err="1"/>
-              <a:t>CuaHang</a:t>
-            </a:r>
-            <a:r>
-              <a:rPr lang="en-US" b="1" dirty="0"/>
-              <a:t> (</a:t>
-            </a:r>
-            <a:r>
-              <a:rPr lang="en-US" b="1" dirty="0" err="1"/>
-              <a:t>Cửa</a:t>
-            </a:r>
-            <a:r>
-              <a:rPr lang="en-US" b="1" dirty="0"/>
-              <a:t> </a:t>
-            </a:r>
-            <a:r>
-              <a:rPr lang="en-US" b="1" dirty="0" err="1"/>
-              <a:t>hàng</a:t>
-            </a:r>
-            <a:r>
-              <a:rPr lang="en-US" b="1" dirty="0"/>
-              <a:t>)</a:t>
-            </a:r>
-          </a:p>
-          <a:p>
-            <a:pPr>
-              <a:lnSpc>
-                <a:spcPct val="150000"/>
-              </a:lnSpc>
-            </a:pPr>
-            <a:endParaRPr lang="en-US" b="1" dirty="0"/>
-          </a:p>
-        </p:txBody>
-      </p:sp>
-      <p:pic>
-        <p:nvPicPr>
-          <p:cNvPr id="3" name="Picture 2" descr="Table&#10;&#10;Description automatically generated">
-            <a:extLst>
-              <a:ext uri="{FF2B5EF4-FFF2-40B4-BE49-F238E27FC236}">
-                <a16:creationId xmlns:a16="http://schemas.microsoft.com/office/drawing/2014/main" id="{1671D255-EE94-A2F1-B719-834185DB9765}"/>
-              </a:ext>
-            </a:extLst>
-          </p:cNvPr>
-          <p:cNvPicPr>
-            <a:picLocks noChangeAspect="1"/>
-          </p:cNvPicPr>
-          <p:nvPr/>
-        </p:nvPicPr>
-        <p:blipFill>
-          <a:blip r:embed="rId2">
-            <a:extLst>
-              <a:ext uri="{28A0092B-C50C-407E-A947-70E740481C1C}">
-                <a14:useLocalDpi xmlns:a14="http://schemas.microsoft.com/office/drawing/2010/main" val="0"/>
-              </a:ext>
-            </a:extLst>
-          </a:blip>
-          <a:stretch>
-            <a:fillRect/>
-          </a:stretch>
-        </p:blipFill>
-        <p:spPr>
-          <a:xfrm>
-            <a:off x="1836520" y="1964977"/>
-            <a:ext cx="8518959" cy="2076447"/>
-          </a:xfrm>
-          <a:prstGeom prst="rect">
-            <a:avLst/>
-          </a:prstGeom>
-        </p:spPr>
-      </p:pic>
-    </p:spTree>
-    <p:extLst>
-      <p:ext uri="{BB962C8B-B14F-4D97-AF65-F5344CB8AC3E}">
-        <p14:creationId xmlns:p14="http://schemas.microsoft.com/office/powerpoint/2010/main" val="4030318192"/>
-      </p:ext>
-    </p:extLst>
-  </p:cSld>
-  <p:clrMapOvr>
-    <a:masterClrMapping/>
-  </p:clrMapOvr>
-  <mc:AlternateContent xmlns:mc="http://schemas.openxmlformats.org/markup-compatibility/2006" xmlns:p14="http://schemas.microsoft.com/office/powerpoint/2010/main">
-    <mc:Choice Requires="p14">
-      <p:transition spd="slow" p14:dur="800">
-        <p:circle/>
-      </p:transition>
-    </mc:Choice>
-    <mc:Fallback xmlns="">
-      <p:transition spd="slow">
-        <p:circle/>
-      </p:transition>
-    </mc:Fallback>
-  </mc:AlternateContent>
-</p:sld>
-</file>
-
-<file path=ppt/slides/slide15.xml><?xml version="1.0" encoding="utf-8"?>
-<p:sld xmlns:a="http://schemas.openxmlformats.org/drawingml/2006/main" xmlns:r="http://schemas.openxmlformats.org/officeDocument/2006/relationships" xmlns:p="http://schemas.openxmlformats.org/presentationml/2006/main">
-  <p:cSld>
-    <p:bg>
-      <p:bgPr>
-        <a:solidFill>
-          <a:srgbClr val="8FABB7"/>
-        </a:solidFill>
-        <a:effectLst/>
-      </p:bgPr>
-    </p:bg>
-    <p:spTree>
-      <p:nvGrpSpPr>
-        <p:cNvPr id="1" name=""/>
-        <p:cNvGrpSpPr/>
-        <p:nvPr/>
-      </p:nvGrpSpPr>
-      <p:grpSpPr>
-        <a:xfrm>
-          <a:off x="0" y="0"/>
-          <a:ext cx="0" cy="0"/>
-          <a:chOff x="0" y="0"/>
-          <a:chExt cx="0" cy="0"/>
-        </a:xfrm>
-      </p:grpSpPr>
-      <p:sp>
-        <p:nvSpPr>
-          <p:cNvPr id="4" name="Rectangle 3"/>
-          <p:cNvSpPr/>
-          <p:nvPr/>
-        </p:nvSpPr>
-        <p:spPr>
-          <a:xfrm>
-            <a:off x="358924" y="333286"/>
-            <a:ext cx="11459910" cy="6212792"/>
-          </a:xfrm>
-          <a:prstGeom prst="rect">
-            <a:avLst/>
-          </a:prstGeom>
-          <a:solidFill>
-            <a:srgbClr val="F8F8F8"/>
-          </a:solidFill>
-          <a:ln>
-            <a:noFill/>
-          </a:ln>
-        </p:spPr>
-        <p:style>
-          <a:lnRef idx="2">
-            <a:schemeClr val="accent1">
-              <a:shade val="50000"/>
-            </a:schemeClr>
-          </a:lnRef>
-          <a:fillRef idx="1">
-            <a:schemeClr val="accent1"/>
-          </a:fillRef>
-          <a:effectRef idx="0">
-            <a:schemeClr val="accent1"/>
-          </a:effectRef>
-          <a:fontRef idx="minor">
-            <a:schemeClr val="lt1"/>
-          </a:fontRef>
-        </p:style>
-        <p:txBody>
-          <a:bodyPr rtlCol="0" anchor="ctr"/>
-          <a:lstStyle/>
-          <a:p>
-            <a:pPr algn="ctr"/>
-            <a:endParaRPr lang="vi-VN" dirty="0"/>
-          </a:p>
-        </p:txBody>
-      </p:sp>
-      <p:cxnSp>
-        <p:nvCxnSpPr>
-          <p:cNvPr id="10" name="Straight Connector 9"/>
-          <p:cNvCxnSpPr/>
-          <p:nvPr/>
-        </p:nvCxnSpPr>
-        <p:spPr>
-          <a:xfrm flipV="1">
-            <a:off x="358924" y="856716"/>
-            <a:ext cx="11502640" cy="8545"/>
-          </a:xfrm>
-          <a:prstGeom prst="line">
-            <a:avLst/>
-          </a:prstGeom>
-          <a:ln w="19050">
-            <a:solidFill>
-              <a:srgbClr val="8FABB7"/>
-            </a:solidFill>
-            <a:prstDash val="dash"/>
-          </a:ln>
-        </p:spPr>
-        <p:style>
-          <a:lnRef idx="1">
-            <a:schemeClr val="accent1"/>
-          </a:lnRef>
-          <a:fillRef idx="0">
-            <a:schemeClr val="accent1"/>
-          </a:fillRef>
-          <a:effectRef idx="0">
-            <a:schemeClr val="accent1"/>
-          </a:effectRef>
-          <a:fontRef idx="minor">
-            <a:schemeClr val="tx1"/>
-          </a:fontRef>
-        </p:style>
-      </p:cxnSp>
-      <p:cxnSp>
-        <p:nvCxnSpPr>
-          <p:cNvPr id="14" name="Straight Connector 13"/>
-          <p:cNvCxnSpPr/>
-          <p:nvPr/>
-        </p:nvCxnSpPr>
-        <p:spPr>
-          <a:xfrm flipV="1">
-            <a:off x="358924" y="6145138"/>
-            <a:ext cx="11502640" cy="8545"/>
-          </a:xfrm>
-          <a:prstGeom prst="line">
-            <a:avLst/>
-          </a:prstGeom>
-          <a:ln w="19050">
-            <a:solidFill>
-              <a:srgbClr val="8FABB7"/>
-            </a:solidFill>
-            <a:prstDash val="dash"/>
-          </a:ln>
-        </p:spPr>
-        <p:style>
-          <a:lnRef idx="1">
-            <a:schemeClr val="accent1"/>
-          </a:lnRef>
-          <a:fillRef idx="0">
-            <a:schemeClr val="accent1"/>
-          </a:fillRef>
-          <a:effectRef idx="0">
-            <a:schemeClr val="accent1"/>
-          </a:effectRef>
-          <a:fontRef idx="minor">
-            <a:schemeClr val="tx1"/>
-          </a:fontRef>
-        </p:style>
-      </p:cxnSp>
-      <p:sp>
-        <p:nvSpPr>
-          <p:cNvPr id="5" name="TextBox 4"/>
-          <p:cNvSpPr txBox="1"/>
-          <p:nvPr/>
-        </p:nvSpPr>
-        <p:spPr>
-          <a:xfrm>
-            <a:off x="914400" y="865261"/>
-            <a:ext cx="10348958" cy="1295868"/>
-          </a:xfrm>
-          <a:prstGeom prst="rect">
-            <a:avLst/>
-          </a:prstGeom>
-          <a:noFill/>
-        </p:spPr>
-        <p:txBody>
-          <a:bodyPr wrap="square" rtlCol="0">
-            <a:spAutoFit/>
-          </a:bodyPr>
-          <a:lstStyle/>
-          <a:p>
-            <a:pPr>
-              <a:lnSpc>
-                <a:spcPct val="150000"/>
-              </a:lnSpc>
-            </a:pPr>
-            <a:r>
-              <a:rPr lang="en-US" b="1" dirty="0"/>
-              <a:t>2.3 </a:t>
-            </a:r>
-            <a:r>
-              <a:rPr lang="en-US" b="1" dirty="0" err="1"/>
-              <a:t>Cấu</a:t>
-            </a:r>
-            <a:r>
-              <a:rPr lang="en-US" b="1" dirty="0"/>
-              <a:t> </a:t>
-            </a:r>
-            <a:r>
-              <a:rPr lang="en-US" b="1" dirty="0" err="1"/>
-              <a:t>trúc</a:t>
-            </a:r>
-            <a:r>
-              <a:rPr lang="en-US" b="1" dirty="0"/>
-              <a:t> chi </a:t>
-            </a:r>
-            <a:r>
-              <a:rPr lang="en-US" b="1" dirty="0" err="1"/>
-              <a:t>tiết</a:t>
-            </a:r>
-            <a:r>
-              <a:rPr lang="en-US" b="1" dirty="0"/>
-              <a:t> </a:t>
-            </a:r>
-            <a:r>
-              <a:rPr lang="en-US" b="1" dirty="0" err="1"/>
-              <a:t>các</a:t>
-            </a:r>
-            <a:r>
-              <a:rPr lang="en-US" b="1" dirty="0"/>
-              <a:t> </a:t>
-            </a:r>
-            <a:r>
-              <a:rPr lang="en-US" b="1" dirty="0" err="1"/>
-              <a:t>bảng</a:t>
-            </a:r>
-            <a:endParaRPr lang="en-US" b="1" dirty="0"/>
-          </a:p>
-          <a:p>
-            <a:pPr marL="285750" indent="-285750">
-              <a:lnSpc>
-                <a:spcPct val="150000"/>
-              </a:lnSpc>
-              <a:buFont typeface="Arial" panose="020B0604020202020204" pitchFamily="34" charset="0"/>
-              <a:buChar char="•"/>
-            </a:pPr>
-            <a:r>
-              <a:rPr lang="en-US" b="1" dirty="0" err="1"/>
-              <a:t>Bảng</a:t>
-            </a:r>
-            <a:r>
-              <a:rPr lang="en-US" b="1" dirty="0"/>
-              <a:t> CPU - </a:t>
-            </a:r>
-            <a:r>
-              <a:rPr lang="en-US" b="1" dirty="0" err="1"/>
-              <a:t>CuaHang</a:t>
-            </a:r>
-            <a:r>
-              <a:rPr lang="en-US" b="1" dirty="0"/>
-              <a:t> (CPU – </a:t>
-            </a:r>
-            <a:r>
-              <a:rPr lang="en-US" b="1" dirty="0" err="1"/>
-              <a:t>Cửa</a:t>
-            </a:r>
-            <a:r>
-              <a:rPr lang="en-US" b="1" dirty="0"/>
-              <a:t> </a:t>
-            </a:r>
-            <a:r>
-              <a:rPr lang="en-US" b="1" dirty="0" err="1"/>
-              <a:t>Hàng</a:t>
-            </a:r>
-            <a:r>
-              <a:rPr lang="en-US" b="1" dirty="0"/>
-              <a:t>)</a:t>
-            </a:r>
-          </a:p>
-          <a:p>
-            <a:pPr>
-              <a:lnSpc>
-                <a:spcPct val="150000"/>
-              </a:lnSpc>
-            </a:pPr>
-            <a:endParaRPr lang="en-US" b="1" dirty="0"/>
-          </a:p>
-        </p:txBody>
-      </p:sp>
-      <p:pic>
-        <p:nvPicPr>
-          <p:cNvPr id="3" name="Picture 2" descr="Table&#10;&#10;Description automatically generated">
-            <a:extLst>
-              <a:ext uri="{FF2B5EF4-FFF2-40B4-BE49-F238E27FC236}">
-                <a16:creationId xmlns:a16="http://schemas.microsoft.com/office/drawing/2014/main" id="{2AB01BE9-0345-2AE8-BFD9-8D165829E0AB}"/>
-              </a:ext>
-            </a:extLst>
-          </p:cNvPr>
-          <p:cNvPicPr>
-            <a:picLocks noChangeAspect="1"/>
-          </p:cNvPicPr>
-          <p:nvPr/>
-        </p:nvPicPr>
-        <p:blipFill>
-          <a:blip r:embed="rId2">
-            <a:extLst>
-              <a:ext uri="{28A0092B-C50C-407E-A947-70E740481C1C}">
-                <a14:useLocalDpi xmlns:a14="http://schemas.microsoft.com/office/drawing/2010/main" val="0"/>
-              </a:ext>
-            </a:extLst>
-          </a:blip>
-          <a:stretch>
-            <a:fillRect/>
-          </a:stretch>
-        </p:blipFill>
-        <p:spPr>
-          <a:xfrm>
-            <a:off x="1836520" y="1964977"/>
-            <a:ext cx="8518959" cy="1736952"/>
-          </a:xfrm>
-          <a:prstGeom prst="rect">
-            <a:avLst/>
-          </a:prstGeom>
-        </p:spPr>
-      </p:pic>
-    </p:spTree>
-    <p:extLst>
-      <p:ext uri="{BB962C8B-B14F-4D97-AF65-F5344CB8AC3E}">
-        <p14:creationId xmlns:p14="http://schemas.microsoft.com/office/powerpoint/2010/main" val="4231917450"/>
-      </p:ext>
-    </p:extLst>
-  </p:cSld>
-  <p:clrMapOvr>
-    <a:masterClrMapping/>
-  </p:clrMapOvr>
-  <mc:AlternateContent xmlns:mc="http://schemas.openxmlformats.org/markup-compatibility/2006" xmlns:p14="http://schemas.microsoft.com/office/powerpoint/2010/main">
-    <mc:Choice Requires="p14">
-      <p:transition spd="slow" p14:dur="800">
-        <p:circle/>
-      </p:transition>
-    </mc:Choice>
-    <mc:Fallback xmlns="">
-      <p:transition spd="slow">
-        <p:circle/>
-      </p:transition>
-    </mc:Fallback>
-  </mc:AlternateContent>
-</p:sld>
-</file>
-
-<file path=ppt/slides/slide16.xml><?xml version="1.0" encoding="utf-8"?>
-<p:sld xmlns:a="http://schemas.openxmlformats.org/drawingml/2006/main" xmlns:r="http://schemas.openxmlformats.org/officeDocument/2006/relationships" xmlns:p="http://schemas.openxmlformats.org/presentationml/2006/main">
-  <p:cSld>
-    <p:spTree>
-      <p:nvGrpSpPr>
-        <p:cNvPr id="1" name=""/>
-        <p:cNvGrpSpPr/>
-        <p:nvPr/>
-      </p:nvGrpSpPr>
-      <p:grpSpPr>
-        <a:xfrm>
-          <a:off x="0" y="0"/>
-          <a:ext cx="0" cy="0"/>
-          <a:chOff x="0" y="0"/>
-          <a:chExt cx="0" cy="0"/>
-        </a:xfrm>
-      </p:grpSpPr>
-      <p:grpSp>
-        <p:nvGrpSpPr>
-          <p:cNvPr id="16" name="Group 15"/>
-          <p:cNvGrpSpPr/>
-          <p:nvPr/>
-        </p:nvGrpSpPr>
-        <p:grpSpPr>
-          <a:xfrm>
-            <a:off x="2785929" y="0"/>
-            <a:ext cx="6107394" cy="6858000"/>
-            <a:chOff x="6084606" y="179463"/>
-            <a:chExt cx="6107394" cy="6493379"/>
-          </a:xfrm>
-        </p:grpSpPr>
-        <p:sp>
-          <p:nvSpPr>
-            <p:cNvPr id="6" name="Rectangle 5"/>
-            <p:cNvSpPr/>
-            <p:nvPr/>
-          </p:nvSpPr>
-          <p:spPr>
-            <a:xfrm>
-              <a:off x="6084606" y="179463"/>
-              <a:ext cx="6107394" cy="222190"/>
-            </a:xfrm>
-            <a:prstGeom prst="rect">
-              <a:avLst/>
-            </a:prstGeom>
-            <a:solidFill>
-              <a:srgbClr val="8FABB7"/>
-            </a:solidFill>
-            <a:ln>
-              <a:noFill/>
-            </a:ln>
-          </p:spPr>
-          <p:style>
-            <a:lnRef idx="2">
-              <a:schemeClr val="accent1">
-                <a:shade val="50000"/>
-              </a:schemeClr>
-            </a:lnRef>
-            <a:fillRef idx="1">
-              <a:schemeClr val="accent1"/>
-            </a:fillRef>
-            <a:effectRef idx="0">
-              <a:schemeClr val="accent1"/>
-            </a:effectRef>
-            <a:fontRef idx="minor">
-              <a:schemeClr val="lt1"/>
-            </a:fontRef>
-          </p:style>
-          <p:txBody>
-            <a:bodyPr rtlCol="0" anchor="ctr"/>
-            <a:lstStyle/>
-            <a:p>
-              <a:pPr algn="ctr"/>
-              <a:endParaRPr lang="vi-VN"/>
-            </a:p>
-          </p:txBody>
-        </p:sp>
-        <p:sp>
-          <p:nvSpPr>
-            <p:cNvPr id="7" name="Rectangle 6"/>
-            <p:cNvSpPr/>
-            <p:nvPr/>
-          </p:nvSpPr>
-          <p:spPr>
-            <a:xfrm>
-              <a:off x="6084606" y="6450652"/>
-              <a:ext cx="6107394" cy="222190"/>
-            </a:xfrm>
-            <a:prstGeom prst="rect">
-              <a:avLst/>
-            </a:prstGeom>
-            <a:solidFill>
-              <a:srgbClr val="8FABB7"/>
-            </a:solidFill>
-            <a:ln>
-              <a:noFill/>
-            </a:ln>
-          </p:spPr>
-          <p:style>
-            <a:lnRef idx="2">
-              <a:schemeClr val="accent1">
-                <a:shade val="50000"/>
-              </a:schemeClr>
-            </a:lnRef>
-            <a:fillRef idx="1">
-              <a:schemeClr val="accent1"/>
-            </a:fillRef>
-            <a:effectRef idx="0">
-              <a:schemeClr val="accent1"/>
-            </a:effectRef>
-            <a:fontRef idx="minor">
-              <a:schemeClr val="lt1"/>
-            </a:fontRef>
-          </p:style>
-          <p:txBody>
-            <a:bodyPr rtlCol="0" anchor="ctr"/>
-            <a:lstStyle/>
-            <a:p>
-              <a:pPr algn="ctr"/>
-              <a:endParaRPr lang="vi-VN"/>
-            </a:p>
-          </p:txBody>
-        </p:sp>
-        <p:sp>
-          <p:nvSpPr>
-            <p:cNvPr id="8" name="Rectangle 7"/>
-            <p:cNvSpPr/>
-            <p:nvPr/>
-          </p:nvSpPr>
-          <p:spPr>
-            <a:xfrm>
-              <a:off x="6084606" y="556899"/>
-              <a:ext cx="6107394" cy="5744201"/>
-            </a:xfrm>
-            <a:prstGeom prst="rect">
-              <a:avLst/>
-            </a:prstGeom>
-            <a:solidFill>
-              <a:srgbClr val="F8F8F8"/>
-            </a:solidFill>
-            <a:ln>
-              <a:noFill/>
-            </a:ln>
-          </p:spPr>
-          <p:style>
-            <a:lnRef idx="2">
-              <a:schemeClr val="accent1">
-                <a:shade val="50000"/>
-              </a:schemeClr>
-            </a:lnRef>
-            <a:fillRef idx="1">
-              <a:schemeClr val="accent1"/>
-            </a:fillRef>
-            <a:effectRef idx="0">
-              <a:schemeClr val="accent1"/>
-            </a:effectRef>
-            <a:fontRef idx="minor">
-              <a:schemeClr val="lt1"/>
-            </a:fontRef>
-          </p:style>
-          <p:txBody>
-            <a:bodyPr rtlCol="0" anchor="ctr"/>
-            <a:lstStyle/>
-            <a:p>
-              <a:pPr algn="ctr"/>
-              <a:endParaRPr lang="vi-VN"/>
-            </a:p>
-          </p:txBody>
-        </p:sp>
-        <p:cxnSp>
-          <p:nvCxnSpPr>
-            <p:cNvPr id="9" name="Straight Connector 8"/>
-            <p:cNvCxnSpPr/>
-            <p:nvPr/>
-          </p:nvCxnSpPr>
-          <p:spPr>
-            <a:xfrm flipV="1">
-              <a:off x="6084606" y="888763"/>
-              <a:ext cx="6107394" cy="34183"/>
-            </a:xfrm>
-            <a:prstGeom prst="line">
-              <a:avLst/>
-            </a:prstGeom>
-            <a:ln w="19050">
-              <a:solidFill>
-                <a:srgbClr val="8FABB7"/>
-              </a:solidFill>
-              <a:prstDash val="dash"/>
-            </a:ln>
-          </p:spPr>
-          <p:style>
-            <a:lnRef idx="1">
-              <a:schemeClr val="accent1"/>
-            </a:lnRef>
-            <a:fillRef idx="0">
-              <a:schemeClr val="accent1"/>
-            </a:fillRef>
-            <a:effectRef idx="0">
-              <a:schemeClr val="accent1"/>
-            </a:effectRef>
-            <a:fontRef idx="minor">
-              <a:schemeClr val="tx1"/>
-            </a:fontRef>
-          </p:style>
-        </p:cxnSp>
-      </p:grpSp>
-      <p:sp>
-        <p:nvSpPr>
-          <p:cNvPr id="17" name="TextBox 16"/>
-          <p:cNvSpPr txBox="1"/>
-          <p:nvPr/>
-        </p:nvSpPr>
-        <p:spPr>
-          <a:xfrm>
-            <a:off x="5131739" y="1435693"/>
-            <a:ext cx="1415772" cy="1569660"/>
-          </a:xfrm>
-          <a:prstGeom prst="rect">
-            <a:avLst/>
-          </a:prstGeom>
-          <a:noFill/>
-        </p:spPr>
-        <p:txBody>
-          <a:bodyPr wrap="none" rtlCol="0">
-            <a:spAutoFit/>
-          </a:bodyPr>
-          <a:lstStyle/>
-          <a:p>
-            <a:r>
-              <a:rPr lang="en-US" sz="9600" dirty="0">
-                <a:latin typeface="Times New Roman" panose="02020603050405020304" pitchFamily="18" charset="0"/>
-                <a:cs typeface="Times New Roman" panose="02020603050405020304" pitchFamily="18" charset="0"/>
-              </a:rPr>
-              <a:t>03</a:t>
-            </a:r>
-            <a:endParaRPr lang="vi-VN" sz="9600" dirty="0">
-              <a:latin typeface="Times New Roman" panose="02020603050405020304" pitchFamily="18" charset="0"/>
-              <a:cs typeface="Times New Roman" panose="02020603050405020304" pitchFamily="18" charset="0"/>
-            </a:endParaRPr>
-          </a:p>
-        </p:txBody>
-      </p:sp>
-      <p:sp>
-        <p:nvSpPr>
-          <p:cNvPr id="20" name="Rectangle 19"/>
-          <p:cNvSpPr/>
-          <p:nvPr/>
-        </p:nvSpPr>
-        <p:spPr>
-          <a:xfrm>
-            <a:off x="2785929" y="3163302"/>
-            <a:ext cx="6107394" cy="769441"/>
-          </a:xfrm>
-          <a:prstGeom prst="rect">
-            <a:avLst/>
-          </a:prstGeom>
-          <a:solidFill>
-            <a:schemeClr val="bg1">
-              <a:alpha val="70000"/>
-            </a:schemeClr>
-          </a:solidFill>
-          <a:ln>
-            <a:noFill/>
-          </a:ln>
-        </p:spPr>
-        <p:style>
-          <a:lnRef idx="2">
-            <a:schemeClr val="accent1">
-              <a:shade val="50000"/>
-            </a:schemeClr>
-          </a:lnRef>
-          <a:fillRef idx="1">
-            <a:schemeClr val="accent1"/>
-          </a:fillRef>
-          <a:effectRef idx="0">
-            <a:schemeClr val="accent1"/>
-          </a:effectRef>
-          <a:fontRef idx="minor">
-            <a:schemeClr val="lt1"/>
-          </a:fontRef>
-        </p:style>
-        <p:txBody>
-          <a:bodyPr rtlCol="0" anchor="ctr"/>
-          <a:lstStyle/>
-          <a:p>
-            <a:pPr algn="ctr"/>
-            <a:endParaRPr lang="vi-VN"/>
-          </a:p>
-        </p:txBody>
-      </p:sp>
-      <p:sp>
-        <p:nvSpPr>
-          <p:cNvPr id="18" name="TextBox 17"/>
-          <p:cNvSpPr txBox="1"/>
-          <p:nvPr/>
-        </p:nvSpPr>
-        <p:spPr>
-          <a:xfrm>
-            <a:off x="3123920" y="3163301"/>
-            <a:ext cx="5431409" cy="769441"/>
-          </a:xfrm>
-          <a:prstGeom prst="rect">
-            <a:avLst/>
-          </a:prstGeom>
-          <a:noFill/>
-        </p:spPr>
-        <p:txBody>
-          <a:bodyPr wrap="square" rtlCol="0">
-            <a:spAutoFit/>
-          </a:bodyPr>
-          <a:lstStyle/>
-          <a:p>
-            <a:pPr algn="ctr"/>
-            <a:r>
-              <a:rPr lang="en-US" sz="2200" b="1" dirty="0" err="1">
-                <a:latin typeface="Times New Roman" panose="02020603050405020304" pitchFamily="18" charset="0"/>
-                <a:cs typeface="Times New Roman" panose="02020603050405020304" pitchFamily="18" charset="0"/>
-              </a:rPr>
-              <a:t>Chuyển</a:t>
-            </a:r>
-            <a:r>
-              <a:rPr lang="en-US" sz="2200" b="1" dirty="0">
-                <a:latin typeface="Times New Roman" panose="02020603050405020304" pitchFamily="18" charset="0"/>
-                <a:cs typeface="Times New Roman" panose="02020603050405020304" pitchFamily="18" charset="0"/>
-              </a:rPr>
-              <a:t> </a:t>
-            </a:r>
-            <a:r>
-              <a:rPr lang="en-US" sz="2200" b="1" dirty="0" err="1">
-                <a:latin typeface="Times New Roman" panose="02020603050405020304" pitchFamily="18" charset="0"/>
-                <a:cs typeface="Times New Roman" panose="02020603050405020304" pitchFamily="18" charset="0"/>
-              </a:rPr>
-              <a:t>từ</a:t>
-            </a:r>
-            <a:r>
-              <a:rPr lang="en-US" sz="2200" b="1" dirty="0">
-                <a:latin typeface="Times New Roman" panose="02020603050405020304" pitchFamily="18" charset="0"/>
-                <a:cs typeface="Times New Roman" panose="02020603050405020304" pitchFamily="18" charset="0"/>
-              </a:rPr>
-              <a:t> </a:t>
-            </a:r>
-            <a:r>
-              <a:rPr lang="en-US" sz="2200" b="1" dirty="0" err="1">
-                <a:latin typeface="Times New Roman" panose="02020603050405020304" pitchFamily="18" charset="0"/>
-                <a:cs typeface="Times New Roman" panose="02020603050405020304" pitchFamily="18" charset="0"/>
-              </a:rPr>
-              <a:t>mô</a:t>
-            </a:r>
-            <a:r>
-              <a:rPr lang="en-US" sz="2200" b="1" dirty="0">
-                <a:latin typeface="Times New Roman" panose="02020603050405020304" pitchFamily="18" charset="0"/>
-                <a:cs typeface="Times New Roman" panose="02020603050405020304" pitchFamily="18" charset="0"/>
-              </a:rPr>
-              <a:t> </a:t>
-            </a:r>
-            <a:r>
-              <a:rPr lang="en-US" sz="2200" b="1" dirty="0" err="1">
-                <a:latin typeface="Times New Roman" panose="02020603050405020304" pitchFamily="18" charset="0"/>
-                <a:cs typeface="Times New Roman" panose="02020603050405020304" pitchFamily="18" charset="0"/>
-              </a:rPr>
-              <a:t>hình</a:t>
-            </a:r>
-            <a:r>
-              <a:rPr lang="en-US" sz="2200" b="1" dirty="0">
-                <a:latin typeface="Times New Roman" panose="02020603050405020304" pitchFamily="18" charset="0"/>
-                <a:cs typeface="Times New Roman" panose="02020603050405020304" pitchFamily="18" charset="0"/>
-              </a:rPr>
-              <a:t> </a:t>
-            </a:r>
-            <a:r>
-              <a:rPr lang="en-US" sz="2200" b="1" dirty="0" err="1">
-                <a:latin typeface="Times New Roman" panose="02020603050405020304" pitchFamily="18" charset="0"/>
-                <a:cs typeface="Times New Roman" panose="02020603050405020304" pitchFamily="18" charset="0"/>
-              </a:rPr>
-              <a:t>thực</a:t>
-            </a:r>
-            <a:r>
-              <a:rPr lang="en-US" sz="2200" b="1" dirty="0">
-                <a:latin typeface="Times New Roman" panose="02020603050405020304" pitchFamily="18" charset="0"/>
-                <a:cs typeface="Times New Roman" panose="02020603050405020304" pitchFamily="18" charset="0"/>
-              </a:rPr>
-              <a:t> </a:t>
-            </a:r>
-            <a:r>
-              <a:rPr lang="en-US" sz="2200" b="1" dirty="0" err="1">
-                <a:latin typeface="Times New Roman" panose="02020603050405020304" pitchFamily="18" charset="0"/>
-                <a:cs typeface="Times New Roman" panose="02020603050405020304" pitchFamily="18" charset="0"/>
-              </a:rPr>
-              <a:t>thể</a:t>
-            </a:r>
-            <a:r>
-              <a:rPr lang="en-US" sz="2200" b="1" dirty="0">
-                <a:latin typeface="Times New Roman" panose="02020603050405020304" pitchFamily="18" charset="0"/>
-                <a:cs typeface="Times New Roman" panose="02020603050405020304" pitchFamily="18" charset="0"/>
-              </a:rPr>
-              <a:t> </a:t>
-            </a:r>
-            <a:r>
-              <a:rPr lang="en-US" sz="2200" b="1" dirty="0" err="1">
-                <a:latin typeface="Times New Roman" panose="02020603050405020304" pitchFamily="18" charset="0"/>
-                <a:cs typeface="Times New Roman" panose="02020603050405020304" pitchFamily="18" charset="0"/>
-              </a:rPr>
-              <a:t>liên</a:t>
-            </a:r>
-            <a:r>
-              <a:rPr lang="en-US" sz="2200" b="1" dirty="0">
-                <a:latin typeface="Times New Roman" panose="02020603050405020304" pitchFamily="18" charset="0"/>
-                <a:cs typeface="Times New Roman" panose="02020603050405020304" pitchFamily="18" charset="0"/>
-              </a:rPr>
-              <a:t> </a:t>
-            </a:r>
-            <a:r>
-              <a:rPr lang="en-US" sz="2200" b="1" dirty="0" err="1">
-                <a:latin typeface="Times New Roman" panose="02020603050405020304" pitchFamily="18" charset="0"/>
-                <a:cs typeface="Times New Roman" panose="02020603050405020304" pitchFamily="18" charset="0"/>
-              </a:rPr>
-              <a:t>kết</a:t>
-            </a:r>
-            <a:r>
-              <a:rPr lang="en-US" sz="2200" b="1" dirty="0">
-                <a:latin typeface="Times New Roman" panose="02020603050405020304" pitchFamily="18" charset="0"/>
-                <a:cs typeface="Times New Roman" panose="02020603050405020304" pitchFamily="18" charset="0"/>
-              </a:rPr>
-              <a:t> sang </a:t>
-            </a:r>
-            <a:r>
-              <a:rPr lang="en-US" sz="2200" b="1" dirty="0" err="1">
-                <a:latin typeface="Times New Roman" panose="02020603050405020304" pitchFamily="18" charset="0"/>
-                <a:cs typeface="Times New Roman" panose="02020603050405020304" pitchFamily="18" charset="0"/>
-              </a:rPr>
-              <a:t>mô</a:t>
-            </a:r>
-            <a:r>
-              <a:rPr lang="en-US" sz="2200" b="1" dirty="0">
-                <a:latin typeface="Times New Roman" panose="02020603050405020304" pitchFamily="18" charset="0"/>
-                <a:cs typeface="Times New Roman" panose="02020603050405020304" pitchFamily="18" charset="0"/>
-              </a:rPr>
-              <a:t> </a:t>
-            </a:r>
-            <a:r>
-              <a:rPr lang="en-US" sz="2200" b="1" dirty="0" err="1">
-                <a:latin typeface="Times New Roman" panose="02020603050405020304" pitchFamily="18" charset="0"/>
-                <a:cs typeface="Times New Roman" panose="02020603050405020304" pitchFamily="18" charset="0"/>
-              </a:rPr>
-              <a:t>hình</a:t>
-            </a:r>
-            <a:r>
-              <a:rPr lang="en-US" sz="2200" b="1" dirty="0">
-                <a:latin typeface="Times New Roman" panose="02020603050405020304" pitchFamily="18" charset="0"/>
-                <a:cs typeface="Times New Roman" panose="02020603050405020304" pitchFamily="18" charset="0"/>
-              </a:rPr>
-              <a:t> </a:t>
-            </a:r>
-            <a:r>
-              <a:rPr lang="en-US" sz="2200" b="1" dirty="0" err="1">
-                <a:latin typeface="Times New Roman" panose="02020603050405020304" pitchFamily="18" charset="0"/>
-                <a:cs typeface="Times New Roman" panose="02020603050405020304" pitchFamily="18" charset="0"/>
-              </a:rPr>
-              <a:t>quan</a:t>
-            </a:r>
-            <a:r>
-              <a:rPr lang="en-US" sz="2200" b="1" dirty="0">
-                <a:latin typeface="Times New Roman" panose="02020603050405020304" pitchFamily="18" charset="0"/>
-                <a:cs typeface="Times New Roman" panose="02020603050405020304" pitchFamily="18" charset="0"/>
-              </a:rPr>
-              <a:t> </a:t>
-            </a:r>
-            <a:r>
-              <a:rPr lang="en-US" sz="2200" b="1" dirty="0" err="1">
-                <a:latin typeface="Times New Roman" panose="02020603050405020304" pitchFamily="18" charset="0"/>
-                <a:cs typeface="Times New Roman" panose="02020603050405020304" pitchFamily="18" charset="0"/>
-              </a:rPr>
-              <a:t>hệ</a:t>
-            </a:r>
-            <a:endParaRPr lang="vi-VN" sz="2200" b="1" dirty="0">
-              <a:latin typeface="Times New Roman" panose="02020603050405020304" pitchFamily="18" charset="0"/>
-              <a:cs typeface="Times New Roman" panose="02020603050405020304" pitchFamily="18" charset="0"/>
-            </a:endParaRPr>
-          </a:p>
-        </p:txBody>
-      </p:sp>
-    </p:spTree>
-    <p:extLst>
-      <p:ext uri="{BB962C8B-B14F-4D97-AF65-F5344CB8AC3E}">
-        <p14:creationId xmlns:p14="http://schemas.microsoft.com/office/powerpoint/2010/main" val="1218212760"/>
-      </p:ext>
-    </p:extLst>
-  </p:cSld>
-  <p:clrMapOvr>
-    <a:masterClrMapping/>
-  </p:clrMapOvr>
-  <p:transition spd="slow">
-    <p:cover/>
-  </p:transition>
-</p:sld>
-</file>
-
-<file path=ppt/slides/slide17.xml><?xml version="1.0" encoding="utf-8"?>
-<p:sld xmlns:a="http://schemas.openxmlformats.org/drawingml/2006/main" xmlns:r="http://schemas.openxmlformats.org/officeDocument/2006/relationships" xmlns:p="http://schemas.openxmlformats.org/presentationml/2006/main">
-  <p:cSld>
-    <p:bg>
-      <p:bgPr>
-        <a:solidFill>
-          <a:srgbClr val="8FABB7"/>
-        </a:solidFill>
-        <a:effectLst/>
-      </p:bgPr>
-    </p:bg>
-    <p:spTree>
-      <p:nvGrpSpPr>
-        <p:cNvPr id="1" name=""/>
-        <p:cNvGrpSpPr/>
-        <p:nvPr/>
-      </p:nvGrpSpPr>
-      <p:grpSpPr>
-        <a:xfrm>
-          <a:off x="0" y="0"/>
-          <a:ext cx="0" cy="0"/>
-          <a:chOff x="0" y="0"/>
-          <a:chExt cx="0" cy="0"/>
-        </a:xfrm>
-      </p:grpSpPr>
-      <p:sp>
-        <p:nvSpPr>
-          <p:cNvPr id="4" name="Rectangle 3"/>
-          <p:cNvSpPr/>
-          <p:nvPr/>
-        </p:nvSpPr>
-        <p:spPr>
-          <a:xfrm>
-            <a:off x="358924" y="333286"/>
-            <a:ext cx="11459910" cy="6212792"/>
-          </a:xfrm>
-          <a:prstGeom prst="rect">
-            <a:avLst/>
-          </a:prstGeom>
-          <a:solidFill>
-            <a:srgbClr val="F8F8F8"/>
-          </a:solidFill>
-          <a:ln>
-            <a:noFill/>
-          </a:ln>
-        </p:spPr>
-        <p:style>
-          <a:lnRef idx="2">
-            <a:schemeClr val="accent1">
-              <a:shade val="50000"/>
-            </a:schemeClr>
-          </a:lnRef>
-          <a:fillRef idx="1">
-            <a:schemeClr val="accent1"/>
-          </a:fillRef>
-          <a:effectRef idx="0">
-            <a:schemeClr val="accent1"/>
-          </a:effectRef>
-          <a:fontRef idx="minor">
-            <a:schemeClr val="lt1"/>
-          </a:fontRef>
-        </p:style>
-        <p:txBody>
-          <a:bodyPr rtlCol="0" anchor="ctr"/>
-          <a:lstStyle/>
-          <a:p>
-            <a:pPr algn="ctr"/>
-            <a:endParaRPr lang="vi-VN" dirty="0"/>
-          </a:p>
-        </p:txBody>
-      </p:sp>
-      <p:cxnSp>
-        <p:nvCxnSpPr>
-          <p:cNvPr id="10" name="Straight Connector 9"/>
-          <p:cNvCxnSpPr/>
-          <p:nvPr/>
-        </p:nvCxnSpPr>
-        <p:spPr>
-          <a:xfrm flipV="1">
-            <a:off x="358924" y="856716"/>
-            <a:ext cx="11502640" cy="8545"/>
-          </a:xfrm>
-          <a:prstGeom prst="line">
-            <a:avLst/>
-          </a:prstGeom>
-          <a:ln w="19050">
-            <a:solidFill>
-              <a:srgbClr val="8FABB7"/>
-            </a:solidFill>
-            <a:prstDash val="dash"/>
-          </a:ln>
-        </p:spPr>
-        <p:style>
-          <a:lnRef idx="1">
-            <a:schemeClr val="accent1"/>
-          </a:lnRef>
-          <a:fillRef idx="0">
-            <a:schemeClr val="accent1"/>
-          </a:fillRef>
-          <a:effectRef idx="0">
-            <a:schemeClr val="accent1"/>
-          </a:effectRef>
-          <a:fontRef idx="minor">
-            <a:schemeClr val="tx1"/>
-          </a:fontRef>
-        </p:style>
-      </p:cxnSp>
-      <p:cxnSp>
-        <p:nvCxnSpPr>
-          <p:cNvPr id="14" name="Straight Connector 13"/>
-          <p:cNvCxnSpPr/>
-          <p:nvPr/>
-        </p:nvCxnSpPr>
-        <p:spPr>
-          <a:xfrm flipV="1">
-            <a:off x="358924" y="6145138"/>
-            <a:ext cx="11502640" cy="8545"/>
-          </a:xfrm>
-          <a:prstGeom prst="line">
-            <a:avLst/>
-          </a:prstGeom>
-          <a:ln w="19050">
-            <a:solidFill>
-              <a:srgbClr val="8FABB7"/>
-            </a:solidFill>
-            <a:prstDash val="dash"/>
-          </a:ln>
-        </p:spPr>
-        <p:style>
-          <a:lnRef idx="1">
-            <a:schemeClr val="accent1"/>
-          </a:lnRef>
-          <a:fillRef idx="0">
-            <a:schemeClr val="accent1"/>
-          </a:fillRef>
-          <a:effectRef idx="0">
-            <a:schemeClr val="accent1"/>
-          </a:effectRef>
-          <a:fontRef idx="minor">
-            <a:schemeClr val="tx1"/>
-          </a:fontRef>
-        </p:style>
-      </p:cxnSp>
-      <p:sp>
-        <p:nvSpPr>
-          <p:cNvPr id="5" name="TextBox 4"/>
-          <p:cNvSpPr txBox="1"/>
-          <p:nvPr/>
-        </p:nvSpPr>
-        <p:spPr>
-          <a:xfrm>
-            <a:off x="914400" y="865261"/>
             <a:ext cx="10348958" cy="2041713"/>
           </a:xfrm>
           <a:prstGeom prst="rect">
@@ -7382,6 +4961,15 @@
                 <a:cs typeface="Times New Roman" panose="02020603050405020304" pitchFamily="18" charset="0"/>
               </a:rPr>
               <a:t>thực</a:t>
+            </a:r>
+            <a:r>
+              <a:rPr lang="vi-VN" sz="1800" dirty="0">
+                <a:effectLst/>
+                <a:latin typeface="Times New Roman" panose="02020603050405020304" pitchFamily="18" charset="0"/>
+                <a:ea typeface="Calibri" panose="020F0502020204030204" pitchFamily="34" charset="0"/>
+                <a:cs typeface="Times New Roman" panose="02020603050405020304" pitchFamily="18" charset="0"/>
+              </a:rPr>
+              <a:t> thể</a:t>
             </a:r>
             <a:endParaRPr lang="en-US" sz="1800" dirty="0">
               <a:effectLst/>
@@ -8143,7 +5731,7 @@
 </p:sld>
 </file>
 
-<file path=ppt/slides/slide18.xml><?xml version="1.0" encoding="utf-8"?>
+<file path=ppt/slides/slide11.xml><?xml version="1.0" encoding="utf-8"?>
 <p:sld xmlns:a="http://schemas.openxmlformats.org/drawingml/2006/main" xmlns:r="http://schemas.openxmlformats.org/officeDocument/2006/relationships" xmlns:p="http://schemas.openxmlformats.org/presentationml/2006/main">
   <p:cSld>
     <p:bg>
@@ -8661,7 +6249,7 @@
 </p:sld>
 </file>
 
-<file path=ppt/slides/slide19.xml><?xml version="1.0" encoding="utf-8"?>
+<file path=ppt/slides/slide12.xml><?xml version="1.0" encoding="utf-8"?>
 <p:sld xmlns:a="http://schemas.openxmlformats.org/drawingml/2006/main" xmlns:r="http://schemas.openxmlformats.org/officeDocument/2006/relationships" xmlns:p="http://schemas.openxmlformats.org/presentationml/2006/main">
   <p:cSld>
     <p:bg>
@@ -8907,6 +6495,2398 @@
     <p:extLst>
       <p:ext uri="{BB962C8B-B14F-4D97-AF65-F5344CB8AC3E}">
         <p14:creationId xmlns:p14="http://schemas.microsoft.com/office/powerpoint/2010/main" val="2048906968"/>
+      </p:ext>
+    </p:extLst>
+  </p:cSld>
+  <p:clrMapOvr>
+    <a:masterClrMapping/>
+  </p:clrMapOvr>
+  <mc:AlternateContent xmlns:mc="http://schemas.openxmlformats.org/markup-compatibility/2006" xmlns:p14="http://schemas.microsoft.com/office/powerpoint/2010/main">
+    <mc:Choice Requires="p14">
+      <p:transition spd="slow" p14:dur="800">
+        <p:circle/>
+      </p:transition>
+    </mc:Choice>
+    <mc:Fallback xmlns="">
+      <p:transition spd="slow">
+        <p:circle/>
+      </p:transition>
+    </mc:Fallback>
+  </mc:AlternateContent>
+</p:sld>
+</file>
+
+<file path=ppt/slides/slide13.xml><?xml version="1.0" encoding="utf-8"?>
+<p:sld xmlns:a="http://schemas.openxmlformats.org/drawingml/2006/main" xmlns:r="http://schemas.openxmlformats.org/officeDocument/2006/relationships" xmlns:p="http://schemas.openxmlformats.org/presentationml/2006/main">
+  <p:cSld>
+    <p:bg>
+      <p:bgPr>
+        <a:solidFill>
+          <a:srgbClr val="8FABB7"/>
+        </a:solidFill>
+        <a:effectLst/>
+      </p:bgPr>
+    </p:bg>
+    <p:spTree>
+      <p:nvGrpSpPr>
+        <p:cNvPr id="1" name=""/>
+        <p:cNvGrpSpPr/>
+        <p:nvPr/>
+      </p:nvGrpSpPr>
+      <p:grpSpPr>
+        <a:xfrm>
+          <a:off x="0" y="0"/>
+          <a:ext cx="0" cy="0"/>
+          <a:chOff x="0" y="0"/>
+          <a:chExt cx="0" cy="0"/>
+        </a:xfrm>
+      </p:grpSpPr>
+      <p:sp>
+        <p:nvSpPr>
+          <p:cNvPr id="4" name="Rectangle 3"/>
+          <p:cNvSpPr/>
+          <p:nvPr/>
+        </p:nvSpPr>
+        <p:spPr>
+          <a:xfrm>
+            <a:off x="358924" y="333286"/>
+            <a:ext cx="11459910" cy="6212792"/>
+          </a:xfrm>
+          <a:prstGeom prst="rect">
+            <a:avLst/>
+          </a:prstGeom>
+          <a:solidFill>
+            <a:srgbClr val="F8F8F8"/>
+          </a:solidFill>
+          <a:ln>
+            <a:noFill/>
+          </a:ln>
+        </p:spPr>
+        <p:style>
+          <a:lnRef idx="2">
+            <a:schemeClr val="accent1">
+              <a:shade val="50000"/>
+            </a:schemeClr>
+          </a:lnRef>
+          <a:fillRef idx="1">
+            <a:schemeClr val="accent1"/>
+          </a:fillRef>
+          <a:effectRef idx="0">
+            <a:schemeClr val="accent1"/>
+          </a:effectRef>
+          <a:fontRef idx="minor">
+            <a:schemeClr val="lt1"/>
+          </a:fontRef>
+        </p:style>
+        <p:txBody>
+          <a:bodyPr rtlCol="0" anchor="ctr"/>
+          <a:lstStyle/>
+          <a:p>
+            <a:pPr algn="ctr"/>
+            <a:endParaRPr lang="vi-VN" dirty="0"/>
+          </a:p>
+        </p:txBody>
+      </p:sp>
+      <p:cxnSp>
+        <p:nvCxnSpPr>
+          <p:cNvPr id="10" name="Straight Connector 9"/>
+          <p:cNvCxnSpPr/>
+          <p:nvPr/>
+        </p:nvCxnSpPr>
+        <p:spPr>
+          <a:xfrm flipV="1">
+            <a:off x="358924" y="856716"/>
+            <a:ext cx="11502640" cy="8545"/>
+          </a:xfrm>
+          <a:prstGeom prst="line">
+            <a:avLst/>
+          </a:prstGeom>
+          <a:ln w="19050">
+            <a:solidFill>
+              <a:srgbClr val="8FABB7"/>
+            </a:solidFill>
+            <a:prstDash val="dash"/>
+          </a:ln>
+        </p:spPr>
+        <p:style>
+          <a:lnRef idx="1">
+            <a:schemeClr val="accent1"/>
+          </a:lnRef>
+          <a:fillRef idx="0">
+            <a:schemeClr val="accent1"/>
+          </a:fillRef>
+          <a:effectRef idx="0">
+            <a:schemeClr val="accent1"/>
+          </a:effectRef>
+          <a:fontRef idx="minor">
+            <a:schemeClr val="tx1"/>
+          </a:fontRef>
+        </p:style>
+      </p:cxnSp>
+      <p:cxnSp>
+        <p:nvCxnSpPr>
+          <p:cNvPr id="14" name="Straight Connector 13"/>
+          <p:cNvCxnSpPr/>
+          <p:nvPr/>
+        </p:nvCxnSpPr>
+        <p:spPr>
+          <a:xfrm flipV="1">
+            <a:off x="358924" y="6145138"/>
+            <a:ext cx="11502640" cy="8545"/>
+          </a:xfrm>
+          <a:prstGeom prst="line">
+            <a:avLst/>
+          </a:prstGeom>
+          <a:ln w="19050">
+            <a:solidFill>
+              <a:srgbClr val="8FABB7"/>
+            </a:solidFill>
+            <a:prstDash val="dash"/>
+          </a:ln>
+        </p:spPr>
+        <p:style>
+          <a:lnRef idx="1">
+            <a:schemeClr val="accent1"/>
+          </a:lnRef>
+          <a:fillRef idx="0">
+            <a:schemeClr val="accent1"/>
+          </a:fillRef>
+          <a:effectRef idx="0">
+            <a:schemeClr val="accent1"/>
+          </a:effectRef>
+          <a:fontRef idx="minor">
+            <a:schemeClr val="tx1"/>
+          </a:fontRef>
+        </p:style>
+      </p:cxnSp>
+      <p:sp>
+        <p:nvSpPr>
+          <p:cNvPr id="5" name="TextBox 4"/>
+          <p:cNvSpPr txBox="1"/>
+          <p:nvPr/>
+        </p:nvSpPr>
+        <p:spPr>
+          <a:xfrm>
+            <a:off x="914400" y="865261"/>
+            <a:ext cx="10348958" cy="1295868"/>
+          </a:xfrm>
+          <a:prstGeom prst="rect">
+            <a:avLst/>
+          </a:prstGeom>
+          <a:noFill/>
+        </p:spPr>
+        <p:txBody>
+          <a:bodyPr wrap="square" rtlCol="0">
+            <a:spAutoFit/>
+          </a:bodyPr>
+          <a:lstStyle/>
+          <a:p>
+            <a:pPr>
+              <a:lnSpc>
+                <a:spcPct val="150000"/>
+              </a:lnSpc>
+            </a:pPr>
+            <a:r>
+              <a:rPr lang="vi-VN" b="1" dirty="0">
+                <a:latin typeface="Calibri" panose="020F0502020204030204" pitchFamily="34" charset="0"/>
+                <a:ea typeface="Calibri" panose="020F0502020204030204" pitchFamily="34" charset="0"/>
+                <a:cs typeface="Calibri" panose="020F0502020204030204" pitchFamily="34" charset="0"/>
+              </a:rPr>
+              <a:t>3</a:t>
+            </a:r>
+            <a:r>
+              <a:rPr lang="en-US" b="1" dirty="0"/>
+              <a:t>.</a:t>
+            </a:r>
+            <a:r>
+              <a:rPr lang="vi-VN" b="1" dirty="0">
+                <a:latin typeface="Calibri" panose="020F0502020204030204" pitchFamily="34" charset="0"/>
+                <a:ea typeface="Calibri" panose="020F0502020204030204" pitchFamily="34" charset="0"/>
+                <a:cs typeface="Calibri" panose="020F0502020204030204" pitchFamily="34" charset="0"/>
+              </a:rPr>
+              <a:t>4</a:t>
+            </a:r>
+            <a:r>
+              <a:rPr lang="en-US" b="1" dirty="0"/>
+              <a:t> </a:t>
+            </a:r>
+            <a:r>
+              <a:rPr lang="en-US" b="1" dirty="0" err="1"/>
+              <a:t>Cấu</a:t>
+            </a:r>
+            <a:r>
+              <a:rPr lang="en-US" b="1" dirty="0"/>
+              <a:t> </a:t>
+            </a:r>
+            <a:r>
+              <a:rPr lang="en-US" b="1" dirty="0" err="1"/>
+              <a:t>trúc</a:t>
+            </a:r>
+            <a:r>
+              <a:rPr lang="en-US" b="1" dirty="0"/>
+              <a:t> chi </a:t>
+            </a:r>
+            <a:r>
+              <a:rPr lang="en-US" b="1" dirty="0" err="1"/>
+              <a:t>tiết</a:t>
+            </a:r>
+            <a:r>
+              <a:rPr lang="en-US" b="1" dirty="0"/>
+              <a:t> </a:t>
+            </a:r>
+            <a:r>
+              <a:rPr lang="en-US" b="1" dirty="0" err="1"/>
+              <a:t>các</a:t>
+            </a:r>
+            <a:r>
+              <a:rPr lang="en-US" b="1" dirty="0"/>
+              <a:t> </a:t>
+            </a:r>
+            <a:r>
+              <a:rPr lang="en-US" b="1" dirty="0" err="1"/>
+              <a:t>bảng</a:t>
+            </a:r>
+            <a:endParaRPr lang="en-US" b="1" dirty="0"/>
+          </a:p>
+          <a:p>
+            <a:pPr marL="285750" indent="-285750">
+              <a:lnSpc>
+                <a:spcPct val="150000"/>
+              </a:lnSpc>
+              <a:buFont typeface="Arial" panose="020B0604020202020204" pitchFamily="34" charset="0"/>
+              <a:buChar char="•"/>
+            </a:pPr>
+            <a:r>
+              <a:rPr lang="en-US" b="1" dirty="0" err="1"/>
+              <a:t>Bảng</a:t>
+            </a:r>
+            <a:r>
+              <a:rPr lang="en-US" b="1" dirty="0"/>
+              <a:t> </a:t>
+            </a:r>
+            <a:r>
+              <a:rPr lang="en-US" b="1" dirty="0" err="1"/>
+              <a:t>DonHang</a:t>
+            </a:r>
+            <a:r>
+              <a:rPr lang="en-US" b="1" dirty="0"/>
+              <a:t> (</a:t>
+            </a:r>
+            <a:r>
+              <a:rPr lang="en-US" b="1" dirty="0" err="1"/>
+              <a:t>Đơn</a:t>
+            </a:r>
+            <a:r>
+              <a:rPr lang="en-US" b="1" dirty="0"/>
+              <a:t> </a:t>
+            </a:r>
+            <a:r>
+              <a:rPr lang="en-US" b="1" dirty="0" err="1"/>
+              <a:t>hàng</a:t>
+            </a:r>
+            <a:r>
+              <a:rPr lang="en-US" b="1" dirty="0"/>
+              <a:t>)</a:t>
+            </a:r>
+          </a:p>
+          <a:p>
+            <a:pPr>
+              <a:lnSpc>
+                <a:spcPct val="150000"/>
+              </a:lnSpc>
+            </a:pPr>
+            <a:endParaRPr lang="en-US" b="1" dirty="0"/>
+          </a:p>
+        </p:txBody>
+      </p:sp>
+      <p:pic>
+        <p:nvPicPr>
+          <p:cNvPr id="8" name="Picture 7" descr="Table&#10;&#10;Description automatically generated">
+            <a:extLst>
+              <a:ext uri="{FF2B5EF4-FFF2-40B4-BE49-F238E27FC236}">
+                <a16:creationId xmlns:a16="http://schemas.microsoft.com/office/drawing/2014/main" id="{102A60A0-51FA-80CC-D791-8D3E47D84E49}"/>
+              </a:ext>
+            </a:extLst>
+          </p:cNvPr>
+          <p:cNvPicPr>
+            <a:picLocks noChangeAspect="1"/>
+          </p:cNvPicPr>
+          <p:nvPr/>
+        </p:nvPicPr>
+        <p:blipFill>
+          <a:blip r:embed="rId2">
+            <a:extLst>
+              <a:ext uri="{28A0092B-C50C-407E-A947-70E740481C1C}">
+                <a14:useLocalDpi xmlns:a14="http://schemas.microsoft.com/office/drawing/2010/main" val="0"/>
+              </a:ext>
+            </a:extLst>
+          </a:blip>
+          <a:stretch>
+            <a:fillRect/>
+          </a:stretch>
+        </p:blipFill>
+        <p:spPr>
+          <a:xfrm>
+            <a:off x="1836520" y="1964977"/>
+            <a:ext cx="8518959" cy="3702866"/>
+          </a:xfrm>
+          <a:prstGeom prst="rect">
+            <a:avLst/>
+          </a:prstGeom>
+        </p:spPr>
+      </p:pic>
+    </p:spTree>
+    <p:extLst>
+      <p:ext uri="{BB962C8B-B14F-4D97-AF65-F5344CB8AC3E}">
+        <p14:creationId xmlns:p14="http://schemas.microsoft.com/office/powerpoint/2010/main" val="3696559501"/>
+      </p:ext>
+    </p:extLst>
+  </p:cSld>
+  <p:clrMapOvr>
+    <a:masterClrMapping/>
+  </p:clrMapOvr>
+  <mc:AlternateContent xmlns:mc="http://schemas.openxmlformats.org/markup-compatibility/2006" xmlns:p14="http://schemas.microsoft.com/office/powerpoint/2010/main">
+    <mc:Choice Requires="p14">
+      <p:transition spd="slow" p14:dur="800">
+        <p:circle/>
+      </p:transition>
+    </mc:Choice>
+    <mc:Fallback xmlns="">
+      <p:transition spd="slow">
+        <p:circle/>
+      </p:transition>
+    </mc:Fallback>
+  </mc:AlternateContent>
+</p:sld>
+</file>
+
+<file path=ppt/slides/slide14.xml><?xml version="1.0" encoding="utf-8"?>
+<p:sld xmlns:a="http://schemas.openxmlformats.org/drawingml/2006/main" xmlns:r="http://schemas.openxmlformats.org/officeDocument/2006/relationships" xmlns:p="http://schemas.openxmlformats.org/presentationml/2006/main">
+  <p:cSld>
+    <p:bg>
+      <p:bgPr>
+        <a:solidFill>
+          <a:srgbClr val="8FABB7"/>
+        </a:solidFill>
+        <a:effectLst/>
+      </p:bgPr>
+    </p:bg>
+    <p:spTree>
+      <p:nvGrpSpPr>
+        <p:cNvPr id="1" name=""/>
+        <p:cNvGrpSpPr/>
+        <p:nvPr/>
+      </p:nvGrpSpPr>
+      <p:grpSpPr>
+        <a:xfrm>
+          <a:off x="0" y="0"/>
+          <a:ext cx="0" cy="0"/>
+          <a:chOff x="0" y="0"/>
+          <a:chExt cx="0" cy="0"/>
+        </a:xfrm>
+      </p:grpSpPr>
+      <p:sp>
+        <p:nvSpPr>
+          <p:cNvPr id="4" name="Rectangle 3"/>
+          <p:cNvSpPr/>
+          <p:nvPr/>
+        </p:nvSpPr>
+        <p:spPr>
+          <a:xfrm>
+            <a:off x="358924" y="333286"/>
+            <a:ext cx="11459910" cy="6212792"/>
+          </a:xfrm>
+          <a:prstGeom prst="rect">
+            <a:avLst/>
+          </a:prstGeom>
+          <a:solidFill>
+            <a:srgbClr val="F8F8F8"/>
+          </a:solidFill>
+          <a:ln>
+            <a:noFill/>
+          </a:ln>
+        </p:spPr>
+        <p:style>
+          <a:lnRef idx="2">
+            <a:schemeClr val="accent1">
+              <a:shade val="50000"/>
+            </a:schemeClr>
+          </a:lnRef>
+          <a:fillRef idx="1">
+            <a:schemeClr val="accent1"/>
+          </a:fillRef>
+          <a:effectRef idx="0">
+            <a:schemeClr val="accent1"/>
+          </a:effectRef>
+          <a:fontRef idx="minor">
+            <a:schemeClr val="lt1"/>
+          </a:fontRef>
+        </p:style>
+        <p:txBody>
+          <a:bodyPr rtlCol="0" anchor="ctr"/>
+          <a:lstStyle/>
+          <a:p>
+            <a:pPr algn="ctr"/>
+            <a:endParaRPr lang="vi-VN" dirty="0"/>
+          </a:p>
+        </p:txBody>
+      </p:sp>
+      <p:cxnSp>
+        <p:nvCxnSpPr>
+          <p:cNvPr id="10" name="Straight Connector 9"/>
+          <p:cNvCxnSpPr/>
+          <p:nvPr/>
+        </p:nvCxnSpPr>
+        <p:spPr>
+          <a:xfrm flipV="1">
+            <a:off x="358924" y="856716"/>
+            <a:ext cx="11502640" cy="8545"/>
+          </a:xfrm>
+          <a:prstGeom prst="line">
+            <a:avLst/>
+          </a:prstGeom>
+          <a:ln w="19050">
+            <a:solidFill>
+              <a:srgbClr val="8FABB7"/>
+            </a:solidFill>
+            <a:prstDash val="dash"/>
+          </a:ln>
+        </p:spPr>
+        <p:style>
+          <a:lnRef idx="1">
+            <a:schemeClr val="accent1"/>
+          </a:lnRef>
+          <a:fillRef idx="0">
+            <a:schemeClr val="accent1"/>
+          </a:fillRef>
+          <a:effectRef idx="0">
+            <a:schemeClr val="accent1"/>
+          </a:effectRef>
+          <a:fontRef idx="minor">
+            <a:schemeClr val="tx1"/>
+          </a:fontRef>
+        </p:style>
+      </p:cxnSp>
+      <p:cxnSp>
+        <p:nvCxnSpPr>
+          <p:cNvPr id="14" name="Straight Connector 13"/>
+          <p:cNvCxnSpPr/>
+          <p:nvPr/>
+        </p:nvCxnSpPr>
+        <p:spPr>
+          <a:xfrm flipV="1">
+            <a:off x="358924" y="6145138"/>
+            <a:ext cx="11502640" cy="8545"/>
+          </a:xfrm>
+          <a:prstGeom prst="line">
+            <a:avLst/>
+          </a:prstGeom>
+          <a:ln w="19050">
+            <a:solidFill>
+              <a:srgbClr val="8FABB7"/>
+            </a:solidFill>
+            <a:prstDash val="dash"/>
+          </a:ln>
+        </p:spPr>
+        <p:style>
+          <a:lnRef idx="1">
+            <a:schemeClr val="accent1"/>
+          </a:lnRef>
+          <a:fillRef idx="0">
+            <a:schemeClr val="accent1"/>
+          </a:fillRef>
+          <a:effectRef idx="0">
+            <a:schemeClr val="accent1"/>
+          </a:effectRef>
+          <a:fontRef idx="minor">
+            <a:schemeClr val="tx1"/>
+          </a:fontRef>
+        </p:style>
+      </p:cxnSp>
+      <p:sp>
+        <p:nvSpPr>
+          <p:cNvPr id="5" name="TextBox 4"/>
+          <p:cNvSpPr txBox="1"/>
+          <p:nvPr/>
+        </p:nvSpPr>
+        <p:spPr>
+          <a:xfrm>
+            <a:off x="914400" y="865261"/>
+            <a:ext cx="10348958" cy="1295868"/>
+          </a:xfrm>
+          <a:prstGeom prst="rect">
+            <a:avLst/>
+          </a:prstGeom>
+          <a:noFill/>
+        </p:spPr>
+        <p:txBody>
+          <a:bodyPr wrap="square" rtlCol="0">
+            <a:spAutoFit/>
+          </a:bodyPr>
+          <a:lstStyle/>
+          <a:p>
+            <a:pPr>
+              <a:lnSpc>
+                <a:spcPct val="150000"/>
+              </a:lnSpc>
+            </a:pPr>
+            <a:r>
+              <a:rPr lang="vi-VN" b="1" dirty="0">
+                <a:latin typeface="Calibri" panose="020F0502020204030204" pitchFamily="34" charset="0"/>
+                <a:ea typeface="Calibri" panose="020F0502020204030204" pitchFamily="34" charset="0"/>
+                <a:cs typeface="Calibri" panose="020F0502020204030204" pitchFamily="34" charset="0"/>
+              </a:rPr>
+              <a:t>3</a:t>
+            </a:r>
+            <a:r>
+              <a:rPr lang="en-US" b="1" dirty="0"/>
+              <a:t>.</a:t>
+            </a:r>
+            <a:r>
+              <a:rPr lang="vi-VN" b="1" dirty="0">
+                <a:latin typeface="Calibri" panose="020F0502020204030204" pitchFamily="34" charset="0"/>
+                <a:ea typeface="Calibri" panose="020F0502020204030204" pitchFamily="34" charset="0"/>
+                <a:cs typeface="Calibri" panose="020F0502020204030204" pitchFamily="34" charset="0"/>
+              </a:rPr>
+              <a:t>4</a:t>
+            </a:r>
+            <a:r>
+              <a:rPr lang="en-US" b="1" dirty="0"/>
+              <a:t> </a:t>
+            </a:r>
+            <a:r>
+              <a:rPr lang="en-US" b="1" dirty="0" err="1"/>
+              <a:t>Cấu</a:t>
+            </a:r>
+            <a:r>
+              <a:rPr lang="en-US" b="1" dirty="0"/>
+              <a:t> </a:t>
+            </a:r>
+            <a:r>
+              <a:rPr lang="en-US" b="1" dirty="0" err="1"/>
+              <a:t>trúc</a:t>
+            </a:r>
+            <a:r>
+              <a:rPr lang="en-US" b="1" dirty="0"/>
+              <a:t> chi </a:t>
+            </a:r>
+            <a:r>
+              <a:rPr lang="en-US" b="1" dirty="0" err="1"/>
+              <a:t>tiết</a:t>
+            </a:r>
+            <a:r>
+              <a:rPr lang="en-US" b="1" dirty="0"/>
+              <a:t> </a:t>
+            </a:r>
+            <a:r>
+              <a:rPr lang="en-US" b="1" dirty="0" err="1"/>
+              <a:t>các</a:t>
+            </a:r>
+            <a:r>
+              <a:rPr lang="en-US" b="1" dirty="0"/>
+              <a:t> </a:t>
+            </a:r>
+            <a:r>
+              <a:rPr lang="en-US" b="1" dirty="0" err="1"/>
+              <a:t>bảng</a:t>
+            </a:r>
+            <a:endParaRPr lang="en-US" b="1" dirty="0"/>
+          </a:p>
+          <a:p>
+            <a:pPr marL="285750" indent="-285750">
+              <a:lnSpc>
+                <a:spcPct val="150000"/>
+              </a:lnSpc>
+              <a:buFont typeface="Arial" panose="020B0604020202020204" pitchFamily="34" charset="0"/>
+              <a:buChar char="•"/>
+            </a:pPr>
+            <a:r>
+              <a:rPr lang="en-US" b="1" dirty="0" err="1"/>
+              <a:t>Bảng</a:t>
+            </a:r>
+            <a:r>
+              <a:rPr lang="en-US" b="1" dirty="0"/>
+              <a:t> </a:t>
+            </a:r>
+            <a:r>
+              <a:rPr lang="en-US" b="1" dirty="0" err="1"/>
+              <a:t>NhanVien</a:t>
+            </a:r>
+            <a:r>
+              <a:rPr lang="en-US" b="1" dirty="0"/>
+              <a:t> (</a:t>
+            </a:r>
+            <a:r>
+              <a:rPr lang="en-US" b="1" dirty="0" err="1"/>
+              <a:t>Nhân</a:t>
+            </a:r>
+            <a:r>
+              <a:rPr lang="en-US" b="1" dirty="0"/>
+              <a:t> </a:t>
+            </a:r>
+            <a:r>
+              <a:rPr lang="en-US" b="1" dirty="0" err="1"/>
+              <a:t>viên</a:t>
+            </a:r>
+            <a:r>
+              <a:rPr lang="en-US" b="1" dirty="0"/>
+              <a:t>)</a:t>
+            </a:r>
+          </a:p>
+          <a:p>
+            <a:pPr>
+              <a:lnSpc>
+                <a:spcPct val="150000"/>
+              </a:lnSpc>
+            </a:pPr>
+            <a:endParaRPr lang="en-US" b="1" dirty="0"/>
+          </a:p>
+        </p:txBody>
+      </p:sp>
+      <p:pic>
+        <p:nvPicPr>
+          <p:cNvPr id="3" name="Picture 2" descr="Table&#10;&#10;Description automatically generated">
+            <a:extLst>
+              <a:ext uri="{FF2B5EF4-FFF2-40B4-BE49-F238E27FC236}">
+                <a16:creationId xmlns:a16="http://schemas.microsoft.com/office/drawing/2014/main" id="{984B6C09-D602-69BF-8F52-8D1421E69F67}"/>
+              </a:ext>
+            </a:extLst>
+          </p:cNvPr>
+          <p:cNvPicPr>
+            <a:picLocks noChangeAspect="1"/>
+          </p:cNvPicPr>
+          <p:nvPr/>
+        </p:nvPicPr>
+        <p:blipFill>
+          <a:blip r:embed="rId2">
+            <a:extLst>
+              <a:ext uri="{28A0092B-C50C-407E-A947-70E740481C1C}">
+                <a14:useLocalDpi xmlns:a14="http://schemas.microsoft.com/office/drawing/2010/main" val="0"/>
+              </a:ext>
+            </a:extLst>
+          </a:blip>
+          <a:stretch>
+            <a:fillRect/>
+          </a:stretch>
+        </p:blipFill>
+        <p:spPr>
+          <a:xfrm>
+            <a:off x="1865936" y="1980154"/>
+            <a:ext cx="8488615" cy="2421937"/>
+          </a:xfrm>
+          <a:prstGeom prst="rect">
+            <a:avLst/>
+          </a:prstGeom>
+        </p:spPr>
+      </p:pic>
+    </p:spTree>
+    <p:extLst>
+      <p:ext uri="{BB962C8B-B14F-4D97-AF65-F5344CB8AC3E}">
+        <p14:creationId xmlns:p14="http://schemas.microsoft.com/office/powerpoint/2010/main" val="4091682872"/>
+      </p:ext>
+    </p:extLst>
+  </p:cSld>
+  <p:clrMapOvr>
+    <a:masterClrMapping/>
+  </p:clrMapOvr>
+  <mc:AlternateContent xmlns:mc="http://schemas.openxmlformats.org/markup-compatibility/2006" xmlns:p14="http://schemas.microsoft.com/office/powerpoint/2010/main">
+    <mc:Choice Requires="p14">
+      <p:transition spd="slow" p14:dur="800">
+        <p:circle/>
+      </p:transition>
+    </mc:Choice>
+    <mc:Fallback xmlns="">
+      <p:transition spd="slow">
+        <p:circle/>
+      </p:transition>
+    </mc:Fallback>
+  </mc:AlternateContent>
+</p:sld>
+</file>
+
+<file path=ppt/slides/slide15.xml><?xml version="1.0" encoding="utf-8"?>
+<p:sld xmlns:a="http://schemas.openxmlformats.org/drawingml/2006/main" xmlns:r="http://schemas.openxmlformats.org/officeDocument/2006/relationships" xmlns:p="http://schemas.openxmlformats.org/presentationml/2006/main">
+  <p:cSld>
+    <p:bg>
+      <p:bgPr>
+        <a:solidFill>
+          <a:srgbClr val="8FABB7"/>
+        </a:solidFill>
+        <a:effectLst/>
+      </p:bgPr>
+    </p:bg>
+    <p:spTree>
+      <p:nvGrpSpPr>
+        <p:cNvPr id="1" name=""/>
+        <p:cNvGrpSpPr/>
+        <p:nvPr/>
+      </p:nvGrpSpPr>
+      <p:grpSpPr>
+        <a:xfrm>
+          <a:off x="0" y="0"/>
+          <a:ext cx="0" cy="0"/>
+          <a:chOff x="0" y="0"/>
+          <a:chExt cx="0" cy="0"/>
+        </a:xfrm>
+      </p:grpSpPr>
+      <p:sp>
+        <p:nvSpPr>
+          <p:cNvPr id="4" name="Rectangle 3"/>
+          <p:cNvSpPr/>
+          <p:nvPr/>
+        </p:nvSpPr>
+        <p:spPr>
+          <a:xfrm>
+            <a:off x="358924" y="333286"/>
+            <a:ext cx="11459910" cy="6212792"/>
+          </a:xfrm>
+          <a:prstGeom prst="rect">
+            <a:avLst/>
+          </a:prstGeom>
+          <a:solidFill>
+            <a:srgbClr val="F8F8F8"/>
+          </a:solidFill>
+          <a:ln>
+            <a:noFill/>
+          </a:ln>
+        </p:spPr>
+        <p:style>
+          <a:lnRef idx="2">
+            <a:schemeClr val="accent1">
+              <a:shade val="50000"/>
+            </a:schemeClr>
+          </a:lnRef>
+          <a:fillRef idx="1">
+            <a:schemeClr val="accent1"/>
+          </a:fillRef>
+          <a:effectRef idx="0">
+            <a:schemeClr val="accent1"/>
+          </a:effectRef>
+          <a:fontRef idx="minor">
+            <a:schemeClr val="lt1"/>
+          </a:fontRef>
+        </p:style>
+        <p:txBody>
+          <a:bodyPr rtlCol="0" anchor="ctr"/>
+          <a:lstStyle/>
+          <a:p>
+            <a:pPr algn="ctr"/>
+            <a:endParaRPr lang="vi-VN" dirty="0"/>
+          </a:p>
+        </p:txBody>
+      </p:sp>
+      <p:cxnSp>
+        <p:nvCxnSpPr>
+          <p:cNvPr id="10" name="Straight Connector 9"/>
+          <p:cNvCxnSpPr/>
+          <p:nvPr/>
+        </p:nvCxnSpPr>
+        <p:spPr>
+          <a:xfrm flipV="1">
+            <a:off x="358924" y="856716"/>
+            <a:ext cx="11502640" cy="8545"/>
+          </a:xfrm>
+          <a:prstGeom prst="line">
+            <a:avLst/>
+          </a:prstGeom>
+          <a:ln w="19050">
+            <a:solidFill>
+              <a:srgbClr val="8FABB7"/>
+            </a:solidFill>
+            <a:prstDash val="dash"/>
+          </a:ln>
+        </p:spPr>
+        <p:style>
+          <a:lnRef idx="1">
+            <a:schemeClr val="accent1"/>
+          </a:lnRef>
+          <a:fillRef idx="0">
+            <a:schemeClr val="accent1"/>
+          </a:fillRef>
+          <a:effectRef idx="0">
+            <a:schemeClr val="accent1"/>
+          </a:effectRef>
+          <a:fontRef idx="minor">
+            <a:schemeClr val="tx1"/>
+          </a:fontRef>
+        </p:style>
+      </p:cxnSp>
+      <p:cxnSp>
+        <p:nvCxnSpPr>
+          <p:cNvPr id="14" name="Straight Connector 13"/>
+          <p:cNvCxnSpPr/>
+          <p:nvPr/>
+        </p:nvCxnSpPr>
+        <p:spPr>
+          <a:xfrm flipV="1">
+            <a:off x="358924" y="6145138"/>
+            <a:ext cx="11502640" cy="8545"/>
+          </a:xfrm>
+          <a:prstGeom prst="line">
+            <a:avLst/>
+          </a:prstGeom>
+          <a:ln w="19050">
+            <a:solidFill>
+              <a:srgbClr val="8FABB7"/>
+            </a:solidFill>
+            <a:prstDash val="dash"/>
+          </a:ln>
+        </p:spPr>
+        <p:style>
+          <a:lnRef idx="1">
+            <a:schemeClr val="accent1"/>
+          </a:lnRef>
+          <a:fillRef idx="0">
+            <a:schemeClr val="accent1"/>
+          </a:fillRef>
+          <a:effectRef idx="0">
+            <a:schemeClr val="accent1"/>
+          </a:effectRef>
+          <a:fontRef idx="minor">
+            <a:schemeClr val="tx1"/>
+          </a:fontRef>
+        </p:style>
+      </p:cxnSp>
+      <p:sp>
+        <p:nvSpPr>
+          <p:cNvPr id="5" name="TextBox 4"/>
+          <p:cNvSpPr txBox="1"/>
+          <p:nvPr/>
+        </p:nvSpPr>
+        <p:spPr>
+          <a:xfrm>
+            <a:off x="914400" y="865261"/>
+            <a:ext cx="10348958" cy="1295868"/>
+          </a:xfrm>
+          <a:prstGeom prst="rect">
+            <a:avLst/>
+          </a:prstGeom>
+          <a:noFill/>
+        </p:spPr>
+        <p:txBody>
+          <a:bodyPr wrap="square" rtlCol="0">
+            <a:spAutoFit/>
+          </a:bodyPr>
+          <a:lstStyle/>
+          <a:p>
+            <a:pPr>
+              <a:lnSpc>
+                <a:spcPct val="150000"/>
+              </a:lnSpc>
+            </a:pPr>
+            <a:r>
+              <a:rPr lang="vi-VN" b="1" dirty="0">
+                <a:latin typeface="Calibri" panose="020F0502020204030204" pitchFamily="34" charset="0"/>
+                <a:ea typeface="Calibri" panose="020F0502020204030204" pitchFamily="34" charset="0"/>
+                <a:cs typeface="Calibri" panose="020F0502020204030204" pitchFamily="34" charset="0"/>
+              </a:rPr>
+              <a:t>3</a:t>
+            </a:r>
+            <a:r>
+              <a:rPr lang="en-US" b="1" dirty="0"/>
+              <a:t>.</a:t>
+            </a:r>
+            <a:r>
+              <a:rPr lang="vi-VN" b="1" dirty="0">
+                <a:latin typeface="Calibri" panose="020F0502020204030204" pitchFamily="34" charset="0"/>
+                <a:ea typeface="Calibri" panose="020F0502020204030204" pitchFamily="34" charset="0"/>
+                <a:cs typeface="Calibri" panose="020F0502020204030204" pitchFamily="34" charset="0"/>
+              </a:rPr>
+              <a:t>4</a:t>
+            </a:r>
+            <a:r>
+              <a:rPr lang="en-US" b="1" dirty="0"/>
+              <a:t> </a:t>
+            </a:r>
+            <a:r>
+              <a:rPr lang="en-US" b="1" dirty="0" err="1"/>
+              <a:t>Cấu</a:t>
+            </a:r>
+            <a:r>
+              <a:rPr lang="en-US" b="1" dirty="0"/>
+              <a:t> </a:t>
+            </a:r>
+            <a:r>
+              <a:rPr lang="en-US" b="1" dirty="0" err="1"/>
+              <a:t>trúc</a:t>
+            </a:r>
+            <a:r>
+              <a:rPr lang="en-US" b="1" dirty="0"/>
+              <a:t> chi </a:t>
+            </a:r>
+            <a:r>
+              <a:rPr lang="en-US" b="1" dirty="0" err="1"/>
+              <a:t>tiết</a:t>
+            </a:r>
+            <a:r>
+              <a:rPr lang="en-US" b="1" dirty="0"/>
+              <a:t> </a:t>
+            </a:r>
+            <a:r>
+              <a:rPr lang="en-US" b="1" dirty="0" err="1"/>
+              <a:t>các</a:t>
+            </a:r>
+            <a:r>
+              <a:rPr lang="en-US" b="1" dirty="0"/>
+              <a:t> </a:t>
+            </a:r>
+            <a:r>
+              <a:rPr lang="en-US" b="1" dirty="0" err="1"/>
+              <a:t>bảng</a:t>
+            </a:r>
+            <a:endParaRPr lang="en-US" b="1" dirty="0"/>
+          </a:p>
+          <a:p>
+            <a:pPr marL="285750" indent="-285750">
+              <a:lnSpc>
+                <a:spcPct val="150000"/>
+              </a:lnSpc>
+              <a:buFont typeface="Arial" panose="020B0604020202020204" pitchFamily="34" charset="0"/>
+              <a:buChar char="•"/>
+            </a:pPr>
+            <a:r>
+              <a:rPr lang="en-US" b="1" dirty="0" err="1"/>
+              <a:t>Bảng</a:t>
+            </a:r>
+            <a:r>
+              <a:rPr lang="en-US" b="1" dirty="0"/>
+              <a:t> </a:t>
+            </a:r>
+            <a:r>
+              <a:rPr lang="en-US" b="1" dirty="0" err="1"/>
+              <a:t>KhachHang</a:t>
+            </a:r>
+            <a:r>
+              <a:rPr lang="en-US" b="1" dirty="0"/>
+              <a:t> (</a:t>
+            </a:r>
+            <a:r>
+              <a:rPr lang="en-US" b="1" dirty="0" err="1"/>
+              <a:t>Khách</a:t>
+            </a:r>
+            <a:r>
+              <a:rPr lang="en-US" b="1" dirty="0"/>
+              <a:t> </a:t>
+            </a:r>
+            <a:r>
+              <a:rPr lang="en-US" b="1" dirty="0" err="1"/>
+              <a:t>hàng</a:t>
+            </a:r>
+            <a:r>
+              <a:rPr lang="en-US" b="1" dirty="0"/>
+              <a:t>)</a:t>
+            </a:r>
+          </a:p>
+          <a:p>
+            <a:pPr>
+              <a:lnSpc>
+                <a:spcPct val="150000"/>
+              </a:lnSpc>
+            </a:pPr>
+            <a:endParaRPr lang="en-US" b="1" dirty="0"/>
+          </a:p>
+        </p:txBody>
+      </p:sp>
+      <p:pic>
+        <p:nvPicPr>
+          <p:cNvPr id="6" name="Picture 5" descr="Table&#10;&#10;Description automatically generated">
+            <a:extLst>
+              <a:ext uri="{FF2B5EF4-FFF2-40B4-BE49-F238E27FC236}">
+                <a16:creationId xmlns:a16="http://schemas.microsoft.com/office/drawing/2014/main" id="{676420D3-0D14-898B-D62B-477404783201}"/>
+              </a:ext>
+            </a:extLst>
+          </p:cNvPr>
+          <p:cNvPicPr>
+            <a:picLocks noChangeAspect="1"/>
+          </p:cNvPicPr>
+          <p:nvPr/>
+        </p:nvPicPr>
+        <p:blipFill>
+          <a:blip r:embed="rId2">
+            <a:extLst>
+              <a:ext uri="{28A0092B-C50C-407E-A947-70E740481C1C}">
+                <a14:useLocalDpi xmlns:a14="http://schemas.microsoft.com/office/drawing/2010/main" val="0"/>
+              </a:ext>
+            </a:extLst>
+          </a:blip>
+          <a:stretch>
+            <a:fillRect/>
+          </a:stretch>
+        </p:blipFill>
+        <p:spPr>
+          <a:xfrm>
+            <a:off x="1826282" y="1975469"/>
+            <a:ext cx="8539435" cy="3479029"/>
+          </a:xfrm>
+          <a:prstGeom prst="rect">
+            <a:avLst/>
+          </a:prstGeom>
+        </p:spPr>
+      </p:pic>
+    </p:spTree>
+    <p:extLst>
+      <p:ext uri="{BB962C8B-B14F-4D97-AF65-F5344CB8AC3E}">
+        <p14:creationId xmlns:p14="http://schemas.microsoft.com/office/powerpoint/2010/main" val="4071603493"/>
+      </p:ext>
+    </p:extLst>
+  </p:cSld>
+  <p:clrMapOvr>
+    <a:masterClrMapping/>
+  </p:clrMapOvr>
+  <mc:AlternateContent xmlns:mc="http://schemas.openxmlformats.org/markup-compatibility/2006" xmlns:p14="http://schemas.microsoft.com/office/powerpoint/2010/main">
+    <mc:Choice Requires="p14">
+      <p:transition spd="slow" p14:dur="800">
+        <p:circle/>
+      </p:transition>
+    </mc:Choice>
+    <mc:Fallback xmlns="">
+      <p:transition spd="slow">
+        <p:circle/>
+      </p:transition>
+    </mc:Fallback>
+  </mc:AlternateContent>
+</p:sld>
+</file>
+
+<file path=ppt/slides/slide16.xml><?xml version="1.0" encoding="utf-8"?>
+<p:sld xmlns:a="http://schemas.openxmlformats.org/drawingml/2006/main" xmlns:r="http://schemas.openxmlformats.org/officeDocument/2006/relationships" xmlns:p="http://schemas.openxmlformats.org/presentationml/2006/main">
+  <p:cSld>
+    <p:bg>
+      <p:bgPr>
+        <a:solidFill>
+          <a:srgbClr val="8FABB7"/>
+        </a:solidFill>
+        <a:effectLst/>
+      </p:bgPr>
+    </p:bg>
+    <p:spTree>
+      <p:nvGrpSpPr>
+        <p:cNvPr id="1" name=""/>
+        <p:cNvGrpSpPr/>
+        <p:nvPr/>
+      </p:nvGrpSpPr>
+      <p:grpSpPr>
+        <a:xfrm>
+          <a:off x="0" y="0"/>
+          <a:ext cx="0" cy="0"/>
+          <a:chOff x="0" y="0"/>
+          <a:chExt cx="0" cy="0"/>
+        </a:xfrm>
+      </p:grpSpPr>
+      <p:sp>
+        <p:nvSpPr>
+          <p:cNvPr id="4" name="Rectangle 3"/>
+          <p:cNvSpPr/>
+          <p:nvPr/>
+        </p:nvSpPr>
+        <p:spPr>
+          <a:xfrm>
+            <a:off x="358924" y="333286"/>
+            <a:ext cx="11459910" cy="6212792"/>
+          </a:xfrm>
+          <a:prstGeom prst="rect">
+            <a:avLst/>
+          </a:prstGeom>
+          <a:solidFill>
+            <a:srgbClr val="F8F8F8"/>
+          </a:solidFill>
+          <a:ln>
+            <a:noFill/>
+          </a:ln>
+        </p:spPr>
+        <p:style>
+          <a:lnRef idx="2">
+            <a:schemeClr val="accent1">
+              <a:shade val="50000"/>
+            </a:schemeClr>
+          </a:lnRef>
+          <a:fillRef idx="1">
+            <a:schemeClr val="accent1"/>
+          </a:fillRef>
+          <a:effectRef idx="0">
+            <a:schemeClr val="accent1"/>
+          </a:effectRef>
+          <a:fontRef idx="minor">
+            <a:schemeClr val="lt1"/>
+          </a:fontRef>
+        </p:style>
+        <p:txBody>
+          <a:bodyPr rtlCol="0" anchor="ctr"/>
+          <a:lstStyle/>
+          <a:p>
+            <a:pPr algn="ctr"/>
+            <a:endParaRPr lang="vi-VN" dirty="0"/>
+          </a:p>
+        </p:txBody>
+      </p:sp>
+      <p:cxnSp>
+        <p:nvCxnSpPr>
+          <p:cNvPr id="10" name="Straight Connector 9"/>
+          <p:cNvCxnSpPr/>
+          <p:nvPr/>
+        </p:nvCxnSpPr>
+        <p:spPr>
+          <a:xfrm flipV="1">
+            <a:off x="358924" y="856716"/>
+            <a:ext cx="11502640" cy="8545"/>
+          </a:xfrm>
+          <a:prstGeom prst="line">
+            <a:avLst/>
+          </a:prstGeom>
+          <a:ln w="19050">
+            <a:solidFill>
+              <a:srgbClr val="8FABB7"/>
+            </a:solidFill>
+            <a:prstDash val="dash"/>
+          </a:ln>
+        </p:spPr>
+        <p:style>
+          <a:lnRef idx="1">
+            <a:schemeClr val="accent1"/>
+          </a:lnRef>
+          <a:fillRef idx="0">
+            <a:schemeClr val="accent1"/>
+          </a:fillRef>
+          <a:effectRef idx="0">
+            <a:schemeClr val="accent1"/>
+          </a:effectRef>
+          <a:fontRef idx="minor">
+            <a:schemeClr val="tx1"/>
+          </a:fontRef>
+        </p:style>
+      </p:cxnSp>
+      <p:cxnSp>
+        <p:nvCxnSpPr>
+          <p:cNvPr id="14" name="Straight Connector 13"/>
+          <p:cNvCxnSpPr/>
+          <p:nvPr/>
+        </p:nvCxnSpPr>
+        <p:spPr>
+          <a:xfrm flipV="1">
+            <a:off x="358924" y="6145138"/>
+            <a:ext cx="11502640" cy="8545"/>
+          </a:xfrm>
+          <a:prstGeom prst="line">
+            <a:avLst/>
+          </a:prstGeom>
+          <a:ln w="19050">
+            <a:solidFill>
+              <a:srgbClr val="8FABB7"/>
+            </a:solidFill>
+            <a:prstDash val="dash"/>
+          </a:ln>
+        </p:spPr>
+        <p:style>
+          <a:lnRef idx="1">
+            <a:schemeClr val="accent1"/>
+          </a:lnRef>
+          <a:fillRef idx="0">
+            <a:schemeClr val="accent1"/>
+          </a:fillRef>
+          <a:effectRef idx="0">
+            <a:schemeClr val="accent1"/>
+          </a:effectRef>
+          <a:fontRef idx="minor">
+            <a:schemeClr val="tx1"/>
+          </a:fontRef>
+        </p:style>
+      </p:cxnSp>
+      <p:sp>
+        <p:nvSpPr>
+          <p:cNvPr id="5" name="TextBox 4"/>
+          <p:cNvSpPr txBox="1"/>
+          <p:nvPr/>
+        </p:nvSpPr>
+        <p:spPr>
+          <a:xfrm>
+            <a:off x="914400" y="865261"/>
+            <a:ext cx="10348958" cy="1295868"/>
+          </a:xfrm>
+          <a:prstGeom prst="rect">
+            <a:avLst/>
+          </a:prstGeom>
+          <a:noFill/>
+        </p:spPr>
+        <p:txBody>
+          <a:bodyPr wrap="square" rtlCol="0">
+            <a:spAutoFit/>
+          </a:bodyPr>
+          <a:lstStyle/>
+          <a:p>
+            <a:pPr>
+              <a:lnSpc>
+                <a:spcPct val="150000"/>
+              </a:lnSpc>
+            </a:pPr>
+            <a:r>
+              <a:rPr lang="vi-VN" b="1" dirty="0">
+                <a:latin typeface="Calibri" panose="020F0502020204030204" pitchFamily="34" charset="0"/>
+                <a:ea typeface="Calibri" panose="020F0502020204030204" pitchFamily="34" charset="0"/>
+                <a:cs typeface="Calibri" panose="020F0502020204030204" pitchFamily="34" charset="0"/>
+              </a:rPr>
+              <a:t>3</a:t>
+            </a:r>
+            <a:r>
+              <a:rPr lang="en-US" b="1" dirty="0"/>
+              <a:t>.</a:t>
+            </a:r>
+            <a:r>
+              <a:rPr lang="vi-VN" b="1" dirty="0">
+                <a:latin typeface="Calibri" panose="020F0502020204030204" pitchFamily="34" charset="0"/>
+                <a:ea typeface="Calibri" panose="020F0502020204030204" pitchFamily="34" charset="0"/>
+                <a:cs typeface="Calibri" panose="020F0502020204030204" pitchFamily="34" charset="0"/>
+              </a:rPr>
+              <a:t>4</a:t>
+            </a:r>
+            <a:r>
+              <a:rPr lang="en-US" b="1" dirty="0"/>
+              <a:t> </a:t>
+            </a:r>
+            <a:r>
+              <a:rPr lang="en-US" b="1" dirty="0" err="1"/>
+              <a:t>Cấu</a:t>
+            </a:r>
+            <a:r>
+              <a:rPr lang="en-US" b="1" dirty="0"/>
+              <a:t> </a:t>
+            </a:r>
+            <a:r>
+              <a:rPr lang="en-US" b="1" dirty="0" err="1"/>
+              <a:t>trúc</a:t>
+            </a:r>
+            <a:r>
+              <a:rPr lang="en-US" b="1" dirty="0"/>
+              <a:t> chi </a:t>
+            </a:r>
+            <a:r>
+              <a:rPr lang="en-US" b="1" dirty="0" err="1"/>
+              <a:t>tiết</a:t>
+            </a:r>
+            <a:r>
+              <a:rPr lang="en-US" b="1" dirty="0"/>
+              <a:t> </a:t>
+            </a:r>
+            <a:r>
+              <a:rPr lang="en-US" b="1" dirty="0" err="1"/>
+              <a:t>các</a:t>
+            </a:r>
+            <a:r>
+              <a:rPr lang="en-US" b="1" dirty="0"/>
+              <a:t> </a:t>
+            </a:r>
+            <a:r>
+              <a:rPr lang="en-US" b="1" dirty="0" err="1"/>
+              <a:t>bảng</a:t>
+            </a:r>
+            <a:endParaRPr lang="en-US" b="1" dirty="0"/>
+          </a:p>
+          <a:p>
+            <a:pPr marL="285750" indent="-285750">
+              <a:lnSpc>
+                <a:spcPct val="150000"/>
+              </a:lnSpc>
+              <a:buFont typeface="Arial" panose="020B0604020202020204" pitchFamily="34" charset="0"/>
+              <a:buChar char="•"/>
+            </a:pPr>
+            <a:r>
+              <a:rPr lang="en-US" b="1" dirty="0" err="1"/>
+              <a:t>Bảng</a:t>
+            </a:r>
+            <a:r>
+              <a:rPr lang="en-US" b="1" dirty="0"/>
+              <a:t> </a:t>
+            </a:r>
+            <a:r>
+              <a:rPr lang="en-US" b="1" dirty="0" err="1"/>
+              <a:t>ChiTietDonHang</a:t>
+            </a:r>
+            <a:r>
+              <a:rPr lang="en-US" b="1" dirty="0"/>
+              <a:t> (Chi </a:t>
+            </a:r>
+            <a:r>
+              <a:rPr lang="en-US" b="1" dirty="0" err="1"/>
+              <a:t>tiết</a:t>
+            </a:r>
+            <a:r>
+              <a:rPr lang="en-US" b="1" dirty="0"/>
+              <a:t> </a:t>
+            </a:r>
+            <a:r>
+              <a:rPr lang="en-US" b="1" dirty="0" err="1"/>
+              <a:t>đơn</a:t>
+            </a:r>
+            <a:r>
+              <a:rPr lang="en-US" b="1" dirty="0"/>
+              <a:t> </a:t>
+            </a:r>
+            <a:r>
+              <a:rPr lang="en-US" b="1" dirty="0" err="1"/>
+              <a:t>hàng</a:t>
+            </a:r>
+            <a:r>
+              <a:rPr lang="en-US" b="1" dirty="0"/>
+              <a:t>)</a:t>
+            </a:r>
+          </a:p>
+          <a:p>
+            <a:pPr>
+              <a:lnSpc>
+                <a:spcPct val="150000"/>
+              </a:lnSpc>
+            </a:pPr>
+            <a:endParaRPr lang="en-US" b="1" dirty="0"/>
+          </a:p>
+        </p:txBody>
+      </p:sp>
+      <p:pic>
+        <p:nvPicPr>
+          <p:cNvPr id="3" name="Picture 2" descr="Table&#10;&#10;Description automatically generated">
+            <a:extLst>
+              <a:ext uri="{FF2B5EF4-FFF2-40B4-BE49-F238E27FC236}">
+                <a16:creationId xmlns:a16="http://schemas.microsoft.com/office/drawing/2014/main" id="{06B530AE-D4F1-1DBA-1523-5E2B90EE947E}"/>
+              </a:ext>
+            </a:extLst>
+          </p:cNvPr>
+          <p:cNvPicPr>
+            <a:picLocks noChangeAspect="1"/>
+          </p:cNvPicPr>
+          <p:nvPr/>
+        </p:nvPicPr>
+        <p:blipFill>
+          <a:blip r:embed="rId2">
+            <a:extLst>
+              <a:ext uri="{28A0092B-C50C-407E-A947-70E740481C1C}">
+                <a14:useLocalDpi xmlns:a14="http://schemas.microsoft.com/office/drawing/2010/main" val="0"/>
+              </a:ext>
+            </a:extLst>
+          </a:blip>
+          <a:stretch>
+            <a:fillRect/>
+          </a:stretch>
+        </p:blipFill>
+        <p:spPr>
+          <a:xfrm>
+            <a:off x="1839430" y="1964977"/>
+            <a:ext cx="8516050" cy="2063778"/>
+          </a:xfrm>
+          <a:prstGeom prst="rect">
+            <a:avLst/>
+          </a:prstGeom>
+        </p:spPr>
+      </p:pic>
+    </p:spTree>
+    <p:extLst>
+      <p:ext uri="{BB962C8B-B14F-4D97-AF65-F5344CB8AC3E}">
+        <p14:creationId xmlns:p14="http://schemas.microsoft.com/office/powerpoint/2010/main" val="1076837402"/>
+      </p:ext>
+    </p:extLst>
+  </p:cSld>
+  <p:clrMapOvr>
+    <a:masterClrMapping/>
+  </p:clrMapOvr>
+  <mc:AlternateContent xmlns:mc="http://schemas.openxmlformats.org/markup-compatibility/2006" xmlns:p14="http://schemas.microsoft.com/office/powerpoint/2010/main">
+    <mc:Choice Requires="p14">
+      <p:transition spd="slow" p14:dur="800">
+        <p:circle/>
+      </p:transition>
+    </mc:Choice>
+    <mc:Fallback xmlns="">
+      <p:transition spd="slow">
+        <p:circle/>
+      </p:transition>
+    </mc:Fallback>
+  </mc:AlternateContent>
+</p:sld>
+</file>
+
+<file path=ppt/slides/slide17.xml><?xml version="1.0" encoding="utf-8"?>
+<p:sld xmlns:a="http://schemas.openxmlformats.org/drawingml/2006/main" xmlns:r="http://schemas.openxmlformats.org/officeDocument/2006/relationships" xmlns:p="http://schemas.openxmlformats.org/presentationml/2006/main">
+  <p:cSld>
+    <p:bg>
+      <p:bgPr>
+        <a:solidFill>
+          <a:srgbClr val="8FABB7"/>
+        </a:solidFill>
+        <a:effectLst/>
+      </p:bgPr>
+    </p:bg>
+    <p:spTree>
+      <p:nvGrpSpPr>
+        <p:cNvPr id="1" name=""/>
+        <p:cNvGrpSpPr/>
+        <p:nvPr/>
+      </p:nvGrpSpPr>
+      <p:grpSpPr>
+        <a:xfrm>
+          <a:off x="0" y="0"/>
+          <a:ext cx="0" cy="0"/>
+          <a:chOff x="0" y="0"/>
+          <a:chExt cx="0" cy="0"/>
+        </a:xfrm>
+      </p:grpSpPr>
+      <p:sp>
+        <p:nvSpPr>
+          <p:cNvPr id="4" name="Rectangle 3"/>
+          <p:cNvSpPr/>
+          <p:nvPr/>
+        </p:nvSpPr>
+        <p:spPr>
+          <a:xfrm>
+            <a:off x="358924" y="333286"/>
+            <a:ext cx="11459910" cy="6212792"/>
+          </a:xfrm>
+          <a:prstGeom prst="rect">
+            <a:avLst/>
+          </a:prstGeom>
+          <a:solidFill>
+            <a:srgbClr val="F8F8F8"/>
+          </a:solidFill>
+          <a:ln>
+            <a:noFill/>
+          </a:ln>
+        </p:spPr>
+        <p:style>
+          <a:lnRef idx="2">
+            <a:schemeClr val="accent1">
+              <a:shade val="50000"/>
+            </a:schemeClr>
+          </a:lnRef>
+          <a:fillRef idx="1">
+            <a:schemeClr val="accent1"/>
+          </a:fillRef>
+          <a:effectRef idx="0">
+            <a:schemeClr val="accent1"/>
+          </a:effectRef>
+          <a:fontRef idx="minor">
+            <a:schemeClr val="lt1"/>
+          </a:fontRef>
+        </p:style>
+        <p:txBody>
+          <a:bodyPr rtlCol="0" anchor="ctr"/>
+          <a:lstStyle/>
+          <a:p>
+            <a:pPr algn="ctr"/>
+            <a:endParaRPr lang="vi-VN" dirty="0"/>
+          </a:p>
+        </p:txBody>
+      </p:sp>
+      <p:cxnSp>
+        <p:nvCxnSpPr>
+          <p:cNvPr id="10" name="Straight Connector 9"/>
+          <p:cNvCxnSpPr/>
+          <p:nvPr/>
+        </p:nvCxnSpPr>
+        <p:spPr>
+          <a:xfrm flipV="1">
+            <a:off x="358924" y="856716"/>
+            <a:ext cx="11502640" cy="8545"/>
+          </a:xfrm>
+          <a:prstGeom prst="line">
+            <a:avLst/>
+          </a:prstGeom>
+          <a:ln w="19050">
+            <a:solidFill>
+              <a:srgbClr val="8FABB7"/>
+            </a:solidFill>
+            <a:prstDash val="dash"/>
+          </a:ln>
+        </p:spPr>
+        <p:style>
+          <a:lnRef idx="1">
+            <a:schemeClr val="accent1"/>
+          </a:lnRef>
+          <a:fillRef idx="0">
+            <a:schemeClr val="accent1"/>
+          </a:fillRef>
+          <a:effectRef idx="0">
+            <a:schemeClr val="accent1"/>
+          </a:effectRef>
+          <a:fontRef idx="minor">
+            <a:schemeClr val="tx1"/>
+          </a:fontRef>
+        </p:style>
+      </p:cxnSp>
+      <p:cxnSp>
+        <p:nvCxnSpPr>
+          <p:cNvPr id="14" name="Straight Connector 13"/>
+          <p:cNvCxnSpPr/>
+          <p:nvPr/>
+        </p:nvCxnSpPr>
+        <p:spPr>
+          <a:xfrm flipV="1">
+            <a:off x="358924" y="6145138"/>
+            <a:ext cx="11502640" cy="8545"/>
+          </a:xfrm>
+          <a:prstGeom prst="line">
+            <a:avLst/>
+          </a:prstGeom>
+          <a:ln w="19050">
+            <a:solidFill>
+              <a:srgbClr val="8FABB7"/>
+            </a:solidFill>
+            <a:prstDash val="dash"/>
+          </a:ln>
+        </p:spPr>
+        <p:style>
+          <a:lnRef idx="1">
+            <a:schemeClr val="accent1"/>
+          </a:lnRef>
+          <a:fillRef idx="0">
+            <a:schemeClr val="accent1"/>
+          </a:fillRef>
+          <a:effectRef idx="0">
+            <a:schemeClr val="accent1"/>
+          </a:effectRef>
+          <a:fontRef idx="minor">
+            <a:schemeClr val="tx1"/>
+          </a:fontRef>
+        </p:style>
+      </p:cxnSp>
+      <p:sp>
+        <p:nvSpPr>
+          <p:cNvPr id="5" name="TextBox 4"/>
+          <p:cNvSpPr txBox="1"/>
+          <p:nvPr/>
+        </p:nvSpPr>
+        <p:spPr>
+          <a:xfrm>
+            <a:off x="914400" y="865261"/>
+            <a:ext cx="10348958" cy="1295868"/>
+          </a:xfrm>
+          <a:prstGeom prst="rect">
+            <a:avLst/>
+          </a:prstGeom>
+          <a:noFill/>
+        </p:spPr>
+        <p:txBody>
+          <a:bodyPr wrap="square" rtlCol="0">
+            <a:spAutoFit/>
+          </a:bodyPr>
+          <a:lstStyle/>
+          <a:p>
+            <a:pPr>
+              <a:lnSpc>
+                <a:spcPct val="150000"/>
+              </a:lnSpc>
+            </a:pPr>
+            <a:r>
+              <a:rPr lang="vi-VN" b="1" dirty="0">
+                <a:latin typeface="Calibri" panose="020F0502020204030204" pitchFamily="34" charset="0"/>
+                <a:ea typeface="Calibri" panose="020F0502020204030204" pitchFamily="34" charset="0"/>
+                <a:cs typeface="Calibri" panose="020F0502020204030204" pitchFamily="34" charset="0"/>
+              </a:rPr>
+              <a:t>3</a:t>
+            </a:r>
+            <a:r>
+              <a:rPr lang="en-US" b="1" dirty="0"/>
+              <a:t>.</a:t>
+            </a:r>
+            <a:r>
+              <a:rPr lang="vi-VN" b="1" dirty="0">
+                <a:latin typeface="Calibri" panose="020F0502020204030204" pitchFamily="34" charset="0"/>
+                <a:ea typeface="Calibri" panose="020F0502020204030204" pitchFamily="34" charset="0"/>
+                <a:cs typeface="Calibri" panose="020F0502020204030204" pitchFamily="34" charset="0"/>
+              </a:rPr>
+              <a:t>4</a:t>
+            </a:r>
+            <a:r>
+              <a:rPr lang="en-US" b="1" dirty="0"/>
+              <a:t> </a:t>
+            </a:r>
+            <a:r>
+              <a:rPr lang="en-US" b="1" dirty="0" err="1"/>
+              <a:t>Cấu</a:t>
+            </a:r>
+            <a:r>
+              <a:rPr lang="en-US" b="1" dirty="0"/>
+              <a:t> </a:t>
+            </a:r>
+            <a:r>
+              <a:rPr lang="en-US" b="1" dirty="0" err="1"/>
+              <a:t>trúc</a:t>
+            </a:r>
+            <a:r>
+              <a:rPr lang="en-US" b="1" dirty="0"/>
+              <a:t> chi </a:t>
+            </a:r>
+            <a:r>
+              <a:rPr lang="en-US" b="1" dirty="0" err="1"/>
+              <a:t>tiết</a:t>
+            </a:r>
+            <a:r>
+              <a:rPr lang="en-US" b="1" dirty="0"/>
+              <a:t> </a:t>
+            </a:r>
+            <a:r>
+              <a:rPr lang="en-US" b="1" dirty="0" err="1"/>
+              <a:t>các</a:t>
+            </a:r>
+            <a:r>
+              <a:rPr lang="en-US" b="1" dirty="0"/>
+              <a:t> </a:t>
+            </a:r>
+            <a:r>
+              <a:rPr lang="en-US" b="1" dirty="0" err="1"/>
+              <a:t>bảng</a:t>
+            </a:r>
+            <a:endParaRPr lang="en-US" b="1" dirty="0"/>
+          </a:p>
+          <a:p>
+            <a:pPr marL="285750" indent="-285750">
+              <a:lnSpc>
+                <a:spcPct val="150000"/>
+              </a:lnSpc>
+              <a:buFont typeface="Arial" panose="020B0604020202020204" pitchFamily="34" charset="0"/>
+              <a:buChar char="•"/>
+            </a:pPr>
+            <a:r>
+              <a:rPr lang="en-US" b="1" dirty="0" err="1"/>
+              <a:t>Bảng</a:t>
+            </a:r>
+            <a:r>
+              <a:rPr lang="en-US" b="1" dirty="0"/>
+              <a:t> CPU</a:t>
+            </a:r>
+          </a:p>
+          <a:p>
+            <a:pPr>
+              <a:lnSpc>
+                <a:spcPct val="150000"/>
+              </a:lnSpc>
+            </a:pPr>
+            <a:endParaRPr lang="en-US" b="1" dirty="0"/>
+          </a:p>
+        </p:txBody>
+      </p:sp>
+      <p:pic>
+        <p:nvPicPr>
+          <p:cNvPr id="11" name="Picture 10" descr="Table&#10;&#10;Description automatically generated">
+            <a:extLst>
+              <a:ext uri="{FF2B5EF4-FFF2-40B4-BE49-F238E27FC236}">
+                <a16:creationId xmlns:a16="http://schemas.microsoft.com/office/drawing/2014/main" id="{207C1BC3-094F-EB6D-0920-79C1E7ECE392}"/>
+              </a:ext>
+            </a:extLst>
+          </p:cNvPr>
+          <p:cNvPicPr>
+            <a:picLocks noChangeAspect="1"/>
+          </p:cNvPicPr>
+          <p:nvPr/>
+        </p:nvPicPr>
+        <p:blipFill>
+          <a:blip r:embed="rId2">
+            <a:extLst>
+              <a:ext uri="{28A0092B-C50C-407E-A947-70E740481C1C}">
+                <a14:useLocalDpi xmlns:a14="http://schemas.microsoft.com/office/drawing/2010/main" val="0"/>
+              </a:ext>
+            </a:extLst>
+          </a:blip>
+          <a:stretch>
+            <a:fillRect/>
+          </a:stretch>
+        </p:blipFill>
+        <p:spPr>
+          <a:xfrm>
+            <a:off x="2398910" y="1723047"/>
+            <a:ext cx="7379937" cy="4269692"/>
+          </a:xfrm>
+          <a:prstGeom prst="rect">
+            <a:avLst/>
+          </a:prstGeom>
+        </p:spPr>
+      </p:pic>
+    </p:spTree>
+    <p:extLst>
+      <p:ext uri="{BB962C8B-B14F-4D97-AF65-F5344CB8AC3E}">
+        <p14:creationId xmlns:p14="http://schemas.microsoft.com/office/powerpoint/2010/main" val="386837887"/>
+      </p:ext>
+    </p:extLst>
+  </p:cSld>
+  <p:clrMapOvr>
+    <a:masterClrMapping/>
+  </p:clrMapOvr>
+  <mc:AlternateContent xmlns:mc="http://schemas.openxmlformats.org/markup-compatibility/2006" xmlns:p14="http://schemas.microsoft.com/office/powerpoint/2010/main">
+    <mc:Choice Requires="p14">
+      <p:transition spd="slow" p14:dur="800">
+        <p:circle/>
+      </p:transition>
+    </mc:Choice>
+    <mc:Fallback xmlns="">
+      <p:transition spd="slow">
+        <p:circle/>
+      </p:transition>
+    </mc:Fallback>
+  </mc:AlternateContent>
+</p:sld>
+</file>
+
+<file path=ppt/slides/slide18.xml><?xml version="1.0" encoding="utf-8"?>
+<p:sld xmlns:a="http://schemas.openxmlformats.org/drawingml/2006/main" xmlns:r="http://schemas.openxmlformats.org/officeDocument/2006/relationships" xmlns:p="http://schemas.openxmlformats.org/presentationml/2006/main">
+  <p:cSld>
+    <p:bg>
+      <p:bgPr>
+        <a:solidFill>
+          <a:srgbClr val="8FABB7"/>
+        </a:solidFill>
+        <a:effectLst/>
+      </p:bgPr>
+    </p:bg>
+    <p:spTree>
+      <p:nvGrpSpPr>
+        <p:cNvPr id="1" name=""/>
+        <p:cNvGrpSpPr/>
+        <p:nvPr/>
+      </p:nvGrpSpPr>
+      <p:grpSpPr>
+        <a:xfrm>
+          <a:off x="0" y="0"/>
+          <a:ext cx="0" cy="0"/>
+          <a:chOff x="0" y="0"/>
+          <a:chExt cx="0" cy="0"/>
+        </a:xfrm>
+      </p:grpSpPr>
+      <p:sp>
+        <p:nvSpPr>
+          <p:cNvPr id="4" name="Rectangle 3"/>
+          <p:cNvSpPr/>
+          <p:nvPr/>
+        </p:nvSpPr>
+        <p:spPr>
+          <a:xfrm>
+            <a:off x="358924" y="333286"/>
+            <a:ext cx="11459910" cy="6212792"/>
+          </a:xfrm>
+          <a:prstGeom prst="rect">
+            <a:avLst/>
+          </a:prstGeom>
+          <a:solidFill>
+            <a:srgbClr val="F8F8F8"/>
+          </a:solidFill>
+          <a:ln>
+            <a:noFill/>
+          </a:ln>
+        </p:spPr>
+        <p:style>
+          <a:lnRef idx="2">
+            <a:schemeClr val="accent1">
+              <a:shade val="50000"/>
+            </a:schemeClr>
+          </a:lnRef>
+          <a:fillRef idx="1">
+            <a:schemeClr val="accent1"/>
+          </a:fillRef>
+          <a:effectRef idx="0">
+            <a:schemeClr val="accent1"/>
+          </a:effectRef>
+          <a:fontRef idx="minor">
+            <a:schemeClr val="lt1"/>
+          </a:fontRef>
+        </p:style>
+        <p:txBody>
+          <a:bodyPr rtlCol="0" anchor="ctr"/>
+          <a:lstStyle/>
+          <a:p>
+            <a:pPr algn="ctr"/>
+            <a:endParaRPr lang="vi-VN" dirty="0"/>
+          </a:p>
+        </p:txBody>
+      </p:sp>
+      <p:cxnSp>
+        <p:nvCxnSpPr>
+          <p:cNvPr id="10" name="Straight Connector 9"/>
+          <p:cNvCxnSpPr/>
+          <p:nvPr/>
+        </p:nvCxnSpPr>
+        <p:spPr>
+          <a:xfrm flipV="1">
+            <a:off x="358924" y="856716"/>
+            <a:ext cx="11502640" cy="8545"/>
+          </a:xfrm>
+          <a:prstGeom prst="line">
+            <a:avLst/>
+          </a:prstGeom>
+          <a:ln w="19050">
+            <a:solidFill>
+              <a:srgbClr val="8FABB7"/>
+            </a:solidFill>
+            <a:prstDash val="dash"/>
+          </a:ln>
+        </p:spPr>
+        <p:style>
+          <a:lnRef idx="1">
+            <a:schemeClr val="accent1"/>
+          </a:lnRef>
+          <a:fillRef idx="0">
+            <a:schemeClr val="accent1"/>
+          </a:fillRef>
+          <a:effectRef idx="0">
+            <a:schemeClr val="accent1"/>
+          </a:effectRef>
+          <a:fontRef idx="minor">
+            <a:schemeClr val="tx1"/>
+          </a:fontRef>
+        </p:style>
+      </p:cxnSp>
+      <p:cxnSp>
+        <p:nvCxnSpPr>
+          <p:cNvPr id="14" name="Straight Connector 13"/>
+          <p:cNvCxnSpPr/>
+          <p:nvPr/>
+        </p:nvCxnSpPr>
+        <p:spPr>
+          <a:xfrm flipV="1">
+            <a:off x="358924" y="6145138"/>
+            <a:ext cx="11502640" cy="8545"/>
+          </a:xfrm>
+          <a:prstGeom prst="line">
+            <a:avLst/>
+          </a:prstGeom>
+          <a:ln w="19050">
+            <a:solidFill>
+              <a:srgbClr val="8FABB7"/>
+            </a:solidFill>
+            <a:prstDash val="dash"/>
+          </a:ln>
+        </p:spPr>
+        <p:style>
+          <a:lnRef idx="1">
+            <a:schemeClr val="accent1"/>
+          </a:lnRef>
+          <a:fillRef idx="0">
+            <a:schemeClr val="accent1"/>
+          </a:fillRef>
+          <a:effectRef idx="0">
+            <a:schemeClr val="accent1"/>
+          </a:effectRef>
+          <a:fontRef idx="minor">
+            <a:schemeClr val="tx1"/>
+          </a:fontRef>
+        </p:style>
+      </p:cxnSp>
+      <p:sp>
+        <p:nvSpPr>
+          <p:cNvPr id="5" name="TextBox 4"/>
+          <p:cNvSpPr txBox="1"/>
+          <p:nvPr/>
+        </p:nvSpPr>
+        <p:spPr>
+          <a:xfrm>
+            <a:off x="914400" y="865261"/>
+            <a:ext cx="10348958" cy="1295868"/>
+          </a:xfrm>
+          <a:prstGeom prst="rect">
+            <a:avLst/>
+          </a:prstGeom>
+          <a:noFill/>
+        </p:spPr>
+        <p:txBody>
+          <a:bodyPr wrap="square" rtlCol="0">
+            <a:spAutoFit/>
+          </a:bodyPr>
+          <a:lstStyle/>
+          <a:p>
+            <a:pPr>
+              <a:lnSpc>
+                <a:spcPct val="150000"/>
+              </a:lnSpc>
+            </a:pPr>
+            <a:r>
+              <a:rPr lang="vi-VN" b="1" dirty="0">
+                <a:latin typeface="Calibri" panose="020F0502020204030204" pitchFamily="34" charset="0"/>
+                <a:ea typeface="Calibri" panose="020F0502020204030204" pitchFamily="34" charset="0"/>
+                <a:cs typeface="Calibri" panose="020F0502020204030204" pitchFamily="34" charset="0"/>
+              </a:rPr>
+              <a:t>3</a:t>
+            </a:r>
+            <a:r>
+              <a:rPr lang="en-US" b="1" dirty="0"/>
+              <a:t>.</a:t>
+            </a:r>
+            <a:r>
+              <a:rPr lang="vi-VN" b="1" dirty="0">
+                <a:latin typeface="Calibri" panose="020F0502020204030204" pitchFamily="34" charset="0"/>
+                <a:ea typeface="Calibri" panose="020F0502020204030204" pitchFamily="34" charset="0"/>
+                <a:cs typeface="Calibri" panose="020F0502020204030204" pitchFamily="34" charset="0"/>
+              </a:rPr>
+              <a:t>4</a:t>
+            </a:r>
+            <a:r>
+              <a:rPr lang="en-US" b="1" dirty="0"/>
+              <a:t> </a:t>
+            </a:r>
+            <a:r>
+              <a:rPr lang="en-US" b="1" dirty="0" err="1"/>
+              <a:t>Cấu</a:t>
+            </a:r>
+            <a:r>
+              <a:rPr lang="en-US" b="1" dirty="0"/>
+              <a:t> </a:t>
+            </a:r>
+            <a:r>
+              <a:rPr lang="en-US" b="1" dirty="0" err="1"/>
+              <a:t>trúc</a:t>
+            </a:r>
+            <a:r>
+              <a:rPr lang="en-US" b="1" dirty="0"/>
+              <a:t> chi </a:t>
+            </a:r>
+            <a:r>
+              <a:rPr lang="en-US" b="1" dirty="0" err="1"/>
+              <a:t>tiết</a:t>
+            </a:r>
+            <a:r>
+              <a:rPr lang="en-US" b="1" dirty="0"/>
+              <a:t> </a:t>
+            </a:r>
+            <a:r>
+              <a:rPr lang="en-US" b="1" dirty="0" err="1"/>
+              <a:t>các</a:t>
+            </a:r>
+            <a:r>
+              <a:rPr lang="en-US" b="1" dirty="0"/>
+              <a:t> </a:t>
+            </a:r>
+            <a:r>
+              <a:rPr lang="en-US" b="1" dirty="0" err="1"/>
+              <a:t>bảng</a:t>
+            </a:r>
+            <a:endParaRPr lang="en-US" b="1" dirty="0"/>
+          </a:p>
+          <a:p>
+            <a:pPr marL="285750" indent="-285750">
+              <a:lnSpc>
+                <a:spcPct val="150000"/>
+              </a:lnSpc>
+              <a:buFont typeface="Arial" panose="020B0604020202020204" pitchFamily="34" charset="0"/>
+              <a:buChar char="•"/>
+            </a:pPr>
+            <a:r>
+              <a:rPr lang="en-US" b="1" dirty="0" err="1"/>
+              <a:t>Bảng</a:t>
+            </a:r>
+            <a:r>
+              <a:rPr lang="en-US" b="1" dirty="0"/>
+              <a:t> </a:t>
+            </a:r>
+            <a:r>
+              <a:rPr lang="en-US" b="1" dirty="0" err="1"/>
+              <a:t>CuaHang</a:t>
+            </a:r>
+            <a:r>
+              <a:rPr lang="en-US" b="1" dirty="0"/>
+              <a:t> (</a:t>
+            </a:r>
+            <a:r>
+              <a:rPr lang="en-US" b="1" dirty="0" err="1"/>
+              <a:t>Cửa</a:t>
+            </a:r>
+            <a:r>
+              <a:rPr lang="en-US" b="1" dirty="0"/>
+              <a:t> </a:t>
+            </a:r>
+            <a:r>
+              <a:rPr lang="en-US" b="1" dirty="0" err="1"/>
+              <a:t>hàng</a:t>
+            </a:r>
+            <a:r>
+              <a:rPr lang="en-US" b="1" dirty="0"/>
+              <a:t>)</a:t>
+            </a:r>
+          </a:p>
+          <a:p>
+            <a:pPr>
+              <a:lnSpc>
+                <a:spcPct val="150000"/>
+              </a:lnSpc>
+            </a:pPr>
+            <a:endParaRPr lang="en-US" b="1" dirty="0"/>
+          </a:p>
+        </p:txBody>
+      </p:sp>
+      <p:pic>
+        <p:nvPicPr>
+          <p:cNvPr id="3" name="Picture 2" descr="Table&#10;&#10;Description automatically generated">
+            <a:extLst>
+              <a:ext uri="{FF2B5EF4-FFF2-40B4-BE49-F238E27FC236}">
+                <a16:creationId xmlns:a16="http://schemas.microsoft.com/office/drawing/2014/main" id="{1671D255-EE94-A2F1-B719-834185DB9765}"/>
+              </a:ext>
+            </a:extLst>
+          </p:cNvPr>
+          <p:cNvPicPr>
+            <a:picLocks noChangeAspect="1"/>
+          </p:cNvPicPr>
+          <p:nvPr/>
+        </p:nvPicPr>
+        <p:blipFill>
+          <a:blip r:embed="rId2">
+            <a:extLst>
+              <a:ext uri="{28A0092B-C50C-407E-A947-70E740481C1C}">
+                <a14:useLocalDpi xmlns:a14="http://schemas.microsoft.com/office/drawing/2010/main" val="0"/>
+              </a:ext>
+            </a:extLst>
+          </a:blip>
+          <a:stretch>
+            <a:fillRect/>
+          </a:stretch>
+        </p:blipFill>
+        <p:spPr>
+          <a:xfrm>
+            <a:off x="1836520" y="1964977"/>
+            <a:ext cx="8518959" cy="2076447"/>
+          </a:xfrm>
+          <a:prstGeom prst="rect">
+            <a:avLst/>
+          </a:prstGeom>
+        </p:spPr>
+      </p:pic>
+    </p:spTree>
+    <p:extLst>
+      <p:ext uri="{BB962C8B-B14F-4D97-AF65-F5344CB8AC3E}">
+        <p14:creationId xmlns:p14="http://schemas.microsoft.com/office/powerpoint/2010/main" val="4030318192"/>
+      </p:ext>
+    </p:extLst>
+  </p:cSld>
+  <p:clrMapOvr>
+    <a:masterClrMapping/>
+  </p:clrMapOvr>
+  <mc:AlternateContent xmlns:mc="http://schemas.openxmlformats.org/markup-compatibility/2006" xmlns:p14="http://schemas.microsoft.com/office/powerpoint/2010/main">
+    <mc:Choice Requires="p14">
+      <p:transition spd="slow" p14:dur="800">
+        <p:circle/>
+      </p:transition>
+    </mc:Choice>
+    <mc:Fallback xmlns="">
+      <p:transition spd="slow">
+        <p:circle/>
+      </p:transition>
+    </mc:Fallback>
+  </mc:AlternateContent>
+</p:sld>
+</file>
+
+<file path=ppt/slides/slide19.xml><?xml version="1.0" encoding="utf-8"?>
+<p:sld xmlns:a="http://schemas.openxmlformats.org/drawingml/2006/main" xmlns:r="http://schemas.openxmlformats.org/officeDocument/2006/relationships" xmlns:p="http://schemas.openxmlformats.org/presentationml/2006/main">
+  <p:cSld>
+    <p:bg>
+      <p:bgPr>
+        <a:solidFill>
+          <a:srgbClr val="8FABB7"/>
+        </a:solidFill>
+        <a:effectLst/>
+      </p:bgPr>
+    </p:bg>
+    <p:spTree>
+      <p:nvGrpSpPr>
+        <p:cNvPr id="1" name=""/>
+        <p:cNvGrpSpPr/>
+        <p:nvPr/>
+      </p:nvGrpSpPr>
+      <p:grpSpPr>
+        <a:xfrm>
+          <a:off x="0" y="0"/>
+          <a:ext cx="0" cy="0"/>
+          <a:chOff x="0" y="0"/>
+          <a:chExt cx="0" cy="0"/>
+        </a:xfrm>
+      </p:grpSpPr>
+      <p:sp>
+        <p:nvSpPr>
+          <p:cNvPr id="4" name="Rectangle 3"/>
+          <p:cNvSpPr/>
+          <p:nvPr/>
+        </p:nvSpPr>
+        <p:spPr>
+          <a:xfrm>
+            <a:off x="358924" y="333286"/>
+            <a:ext cx="11459910" cy="6212792"/>
+          </a:xfrm>
+          <a:prstGeom prst="rect">
+            <a:avLst/>
+          </a:prstGeom>
+          <a:solidFill>
+            <a:srgbClr val="F8F8F8"/>
+          </a:solidFill>
+          <a:ln>
+            <a:noFill/>
+          </a:ln>
+        </p:spPr>
+        <p:style>
+          <a:lnRef idx="2">
+            <a:schemeClr val="accent1">
+              <a:shade val="50000"/>
+            </a:schemeClr>
+          </a:lnRef>
+          <a:fillRef idx="1">
+            <a:schemeClr val="accent1"/>
+          </a:fillRef>
+          <a:effectRef idx="0">
+            <a:schemeClr val="accent1"/>
+          </a:effectRef>
+          <a:fontRef idx="minor">
+            <a:schemeClr val="lt1"/>
+          </a:fontRef>
+        </p:style>
+        <p:txBody>
+          <a:bodyPr rtlCol="0" anchor="ctr"/>
+          <a:lstStyle/>
+          <a:p>
+            <a:pPr algn="ctr"/>
+            <a:endParaRPr lang="vi-VN" dirty="0"/>
+          </a:p>
+        </p:txBody>
+      </p:sp>
+      <p:cxnSp>
+        <p:nvCxnSpPr>
+          <p:cNvPr id="10" name="Straight Connector 9"/>
+          <p:cNvCxnSpPr/>
+          <p:nvPr/>
+        </p:nvCxnSpPr>
+        <p:spPr>
+          <a:xfrm flipV="1">
+            <a:off x="358924" y="856716"/>
+            <a:ext cx="11502640" cy="8545"/>
+          </a:xfrm>
+          <a:prstGeom prst="line">
+            <a:avLst/>
+          </a:prstGeom>
+          <a:ln w="19050">
+            <a:solidFill>
+              <a:srgbClr val="8FABB7"/>
+            </a:solidFill>
+            <a:prstDash val="dash"/>
+          </a:ln>
+        </p:spPr>
+        <p:style>
+          <a:lnRef idx="1">
+            <a:schemeClr val="accent1"/>
+          </a:lnRef>
+          <a:fillRef idx="0">
+            <a:schemeClr val="accent1"/>
+          </a:fillRef>
+          <a:effectRef idx="0">
+            <a:schemeClr val="accent1"/>
+          </a:effectRef>
+          <a:fontRef idx="minor">
+            <a:schemeClr val="tx1"/>
+          </a:fontRef>
+        </p:style>
+      </p:cxnSp>
+      <p:cxnSp>
+        <p:nvCxnSpPr>
+          <p:cNvPr id="14" name="Straight Connector 13"/>
+          <p:cNvCxnSpPr/>
+          <p:nvPr/>
+        </p:nvCxnSpPr>
+        <p:spPr>
+          <a:xfrm flipV="1">
+            <a:off x="358924" y="6145138"/>
+            <a:ext cx="11502640" cy="8545"/>
+          </a:xfrm>
+          <a:prstGeom prst="line">
+            <a:avLst/>
+          </a:prstGeom>
+          <a:ln w="19050">
+            <a:solidFill>
+              <a:srgbClr val="8FABB7"/>
+            </a:solidFill>
+            <a:prstDash val="dash"/>
+          </a:ln>
+        </p:spPr>
+        <p:style>
+          <a:lnRef idx="1">
+            <a:schemeClr val="accent1"/>
+          </a:lnRef>
+          <a:fillRef idx="0">
+            <a:schemeClr val="accent1"/>
+          </a:fillRef>
+          <a:effectRef idx="0">
+            <a:schemeClr val="accent1"/>
+          </a:effectRef>
+          <a:fontRef idx="minor">
+            <a:schemeClr val="tx1"/>
+          </a:fontRef>
+        </p:style>
+      </p:cxnSp>
+      <p:sp>
+        <p:nvSpPr>
+          <p:cNvPr id="5" name="TextBox 4"/>
+          <p:cNvSpPr txBox="1"/>
+          <p:nvPr/>
+        </p:nvSpPr>
+        <p:spPr>
+          <a:xfrm>
+            <a:off x="914400" y="865261"/>
+            <a:ext cx="10348958" cy="1295868"/>
+          </a:xfrm>
+          <a:prstGeom prst="rect">
+            <a:avLst/>
+          </a:prstGeom>
+          <a:noFill/>
+        </p:spPr>
+        <p:txBody>
+          <a:bodyPr wrap="square" rtlCol="0">
+            <a:spAutoFit/>
+          </a:bodyPr>
+          <a:lstStyle/>
+          <a:p>
+            <a:pPr>
+              <a:lnSpc>
+                <a:spcPct val="150000"/>
+              </a:lnSpc>
+            </a:pPr>
+            <a:r>
+              <a:rPr lang="vi-VN" b="1" dirty="0">
+                <a:latin typeface="Calibri" panose="020F0502020204030204" pitchFamily="34" charset="0"/>
+                <a:ea typeface="Calibri" panose="020F0502020204030204" pitchFamily="34" charset="0"/>
+                <a:cs typeface="Calibri" panose="020F0502020204030204" pitchFamily="34" charset="0"/>
+              </a:rPr>
+              <a:t>3</a:t>
+            </a:r>
+            <a:r>
+              <a:rPr lang="en-US" b="1" dirty="0"/>
+              <a:t>.</a:t>
+            </a:r>
+            <a:r>
+              <a:rPr lang="vi-VN" b="1" dirty="0">
+                <a:latin typeface="Calibri" panose="020F0502020204030204" pitchFamily="34" charset="0"/>
+                <a:ea typeface="Calibri" panose="020F0502020204030204" pitchFamily="34" charset="0"/>
+                <a:cs typeface="Calibri" panose="020F0502020204030204" pitchFamily="34" charset="0"/>
+              </a:rPr>
+              <a:t>4</a:t>
+            </a:r>
+            <a:r>
+              <a:rPr lang="en-US" b="1" dirty="0"/>
+              <a:t> </a:t>
+            </a:r>
+            <a:r>
+              <a:rPr lang="en-US" b="1" dirty="0" err="1"/>
+              <a:t>Cấu</a:t>
+            </a:r>
+            <a:r>
+              <a:rPr lang="en-US" b="1" dirty="0"/>
+              <a:t> </a:t>
+            </a:r>
+            <a:r>
+              <a:rPr lang="en-US" b="1" dirty="0" err="1"/>
+              <a:t>trúc</a:t>
+            </a:r>
+            <a:r>
+              <a:rPr lang="en-US" b="1" dirty="0"/>
+              <a:t> chi </a:t>
+            </a:r>
+            <a:r>
+              <a:rPr lang="en-US" b="1" dirty="0" err="1"/>
+              <a:t>tiết</a:t>
+            </a:r>
+            <a:r>
+              <a:rPr lang="en-US" b="1" dirty="0"/>
+              <a:t> </a:t>
+            </a:r>
+            <a:r>
+              <a:rPr lang="en-US" b="1" dirty="0" err="1"/>
+              <a:t>các</a:t>
+            </a:r>
+            <a:r>
+              <a:rPr lang="en-US" b="1" dirty="0"/>
+              <a:t> </a:t>
+            </a:r>
+            <a:r>
+              <a:rPr lang="en-US" b="1" dirty="0" err="1"/>
+              <a:t>bảng</a:t>
+            </a:r>
+            <a:endParaRPr lang="en-US" b="1" dirty="0"/>
+          </a:p>
+          <a:p>
+            <a:pPr marL="285750" indent="-285750">
+              <a:lnSpc>
+                <a:spcPct val="150000"/>
+              </a:lnSpc>
+              <a:buFont typeface="Arial" panose="020B0604020202020204" pitchFamily="34" charset="0"/>
+              <a:buChar char="•"/>
+            </a:pPr>
+            <a:r>
+              <a:rPr lang="en-US" b="1" dirty="0" err="1"/>
+              <a:t>Bảng</a:t>
+            </a:r>
+            <a:r>
+              <a:rPr lang="en-US" b="1" dirty="0"/>
+              <a:t> CPU - </a:t>
+            </a:r>
+            <a:r>
+              <a:rPr lang="en-US" b="1" dirty="0" err="1"/>
+              <a:t>CuaHang</a:t>
+            </a:r>
+            <a:r>
+              <a:rPr lang="en-US" b="1" dirty="0"/>
+              <a:t> (CPU – </a:t>
+            </a:r>
+            <a:r>
+              <a:rPr lang="en-US" b="1" dirty="0" err="1"/>
+              <a:t>Cửa</a:t>
+            </a:r>
+            <a:r>
+              <a:rPr lang="en-US" b="1" dirty="0"/>
+              <a:t> </a:t>
+            </a:r>
+            <a:r>
+              <a:rPr lang="en-US" b="1" dirty="0" err="1"/>
+              <a:t>Hàng</a:t>
+            </a:r>
+            <a:r>
+              <a:rPr lang="en-US" b="1" dirty="0"/>
+              <a:t>)</a:t>
+            </a:r>
+          </a:p>
+          <a:p>
+            <a:pPr>
+              <a:lnSpc>
+                <a:spcPct val="150000"/>
+              </a:lnSpc>
+            </a:pPr>
+            <a:endParaRPr lang="en-US" b="1" dirty="0"/>
+          </a:p>
+        </p:txBody>
+      </p:sp>
+      <p:pic>
+        <p:nvPicPr>
+          <p:cNvPr id="3" name="Picture 2" descr="Table&#10;&#10;Description automatically generated">
+            <a:extLst>
+              <a:ext uri="{FF2B5EF4-FFF2-40B4-BE49-F238E27FC236}">
+                <a16:creationId xmlns:a16="http://schemas.microsoft.com/office/drawing/2014/main" id="{2AB01BE9-0345-2AE8-BFD9-8D165829E0AB}"/>
+              </a:ext>
+            </a:extLst>
+          </p:cNvPr>
+          <p:cNvPicPr>
+            <a:picLocks noChangeAspect="1"/>
+          </p:cNvPicPr>
+          <p:nvPr/>
+        </p:nvPicPr>
+        <p:blipFill>
+          <a:blip r:embed="rId2">
+            <a:extLst>
+              <a:ext uri="{28A0092B-C50C-407E-A947-70E740481C1C}">
+                <a14:useLocalDpi xmlns:a14="http://schemas.microsoft.com/office/drawing/2010/main" val="0"/>
+              </a:ext>
+            </a:extLst>
+          </a:blip>
+          <a:stretch>
+            <a:fillRect/>
+          </a:stretch>
+        </p:blipFill>
+        <p:spPr>
+          <a:xfrm>
+            <a:off x="1836520" y="1964977"/>
+            <a:ext cx="8518959" cy="1736952"/>
+          </a:xfrm>
+          <a:prstGeom prst="rect">
+            <a:avLst/>
+          </a:prstGeom>
+        </p:spPr>
+      </p:pic>
+    </p:spTree>
+    <p:extLst>
+      <p:ext uri="{BB962C8B-B14F-4D97-AF65-F5344CB8AC3E}">
+        <p14:creationId xmlns:p14="http://schemas.microsoft.com/office/powerpoint/2010/main" val="4231917450"/>
       </p:ext>
     </p:extLst>
   </p:cSld>
@@ -9724,6 +9704,2343 @@
 <file path=ppt/slides/slide21.xml><?xml version="1.0" encoding="utf-8"?>
 <p:sld xmlns:a="http://schemas.openxmlformats.org/drawingml/2006/main" xmlns:r="http://schemas.openxmlformats.org/officeDocument/2006/relationships" xmlns:p="http://schemas.openxmlformats.org/presentationml/2006/main">
   <p:cSld>
+    <p:bg>
+      <p:bgPr>
+        <a:solidFill>
+          <a:srgbClr val="8FABB7"/>
+        </a:solidFill>
+        <a:effectLst/>
+      </p:bgPr>
+    </p:bg>
+    <p:spTree>
+      <p:nvGrpSpPr>
+        <p:cNvPr id="1" name=""/>
+        <p:cNvGrpSpPr/>
+        <p:nvPr/>
+      </p:nvGrpSpPr>
+      <p:grpSpPr>
+        <a:xfrm>
+          <a:off x="0" y="0"/>
+          <a:ext cx="0" cy="0"/>
+          <a:chOff x="0" y="0"/>
+          <a:chExt cx="0" cy="0"/>
+        </a:xfrm>
+      </p:grpSpPr>
+      <p:sp>
+        <p:nvSpPr>
+          <p:cNvPr id="4" name="Rectangle 3"/>
+          <p:cNvSpPr/>
+          <p:nvPr/>
+        </p:nvSpPr>
+        <p:spPr>
+          <a:xfrm>
+            <a:off x="358924" y="333286"/>
+            <a:ext cx="11459910" cy="6212792"/>
+          </a:xfrm>
+          <a:prstGeom prst="rect">
+            <a:avLst/>
+          </a:prstGeom>
+          <a:solidFill>
+            <a:srgbClr val="F8F8F8"/>
+          </a:solidFill>
+          <a:ln>
+            <a:noFill/>
+          </a:ln>
+        </p:spPr>
+        <p:style>
+          <a:lnRef idx="2">
+            <a:schemeClr val="accent1">
+              <a:shade val="50000"/>
+            </a:schemeClr>
+          </a:lnRef>
+          <a:fillRef idx="1">
+            <a:schemeClr val="accent1"/>
+          </a:fillRef>
+          <a:effectRef idx="0">
+            <a:schemeClr val="accent1"/>
+          </a:effectRef>
+          <a:fontRef idx="minor">
+            <a:schemeClr val="lt1"/>
+          </a:fontRef>
+        </p:style>
+        <p:txBody>
+          <a:bodyPr rtlCol="0" anchor="ctr"/>
+          <a:lstStyle/>
+          <a:p>
+            <a:pPr algn="ctr"/>
+            <a:endParaRPr lang="vi-VN" dirty="0"/>
+          </a:p>
+        </p:txBody>
+      </p:sp>
+      <p:cxnSp>
+        <p:nvCxnSpPr>
+          <p:cNvPr id="10" name="Straight Connector 9"/>
+          <p:cNvCxnSpPr/>
+          <p:nvPr/>
+        </p:nvCxnSpPr>
+        <p:spPr>
+          <a:xfrm flipV="1">
+            <a:off x="358924" y="856716"/>
+            <a:ext cx="11502640" cy="8545"/>
+          </a:xfrm>
+          <a:prstGeom prst="line">
+            <a:avLst/>
+          </a:prstGeom>
+          <a:ln w="19050">
+            <a:solidFill>
+              <a:srgbClr val="8FABB7"/>
+            </a:solidFill>
+            <a:prstDash val="dash"/>
+          </a:ln>
+        </p:spPr>
+        <p:style>
+          <a:lnRef idx="1">
+            <a:schemeClr val="accent1"/>
+          </a:lnRef>
+          <a:fillRef idx="0">
+            <a:schemeClr val="accent1"/>
+          </a:fillRef>
+          <a:effectRef idx="0">
+            <a:schemeClr val="accent1"/>
+          </a:effectRef>
+          <a:fontRef idx="minor">
+            <a:schemeClr val="tx1"/>
+          </a:fontRef>
+        </p:style>
+      </p:cxnSp>
+      <p:cxnSp>
+        <p:nvCxnSpPr>
+          <p:cNvPr id="14" name="Straight Connector 13"/>
+          <p:cNvCxnSpPr/>
+          <p:nvPr/>
+        </p:nvCxnSpPr>
+        <p:spPr>
+          <a:xfrm flipV="1">
+            <a:off x="358924" y="6145138"/>
+            <a:ext cx="11502640" cy="8545"/>
+          </a:xfrm>
+          <a:prstGeom prst="line">
+            <a:avLst/>
+          </a:prstGeom>
+          <a:ln w="19050">
+            <a:solidFill>
+              <a:srgbClr val="8FABB7"/>
+            </a:solidFill>
+            <a:prstDash val="dash"/>
+          </a:ln>
+        </p:spPr>
+        <p:style>
+          <a:lnRef idx="1">
+            <a:schemeClr val="accent1"/>
+          </a:lnRef>
+          <a:fillRef idx="0">
+            <a:schemeClr val="accent1"/>
+          </a:fillRef>
+          <a:effectRef idx="0">
+            <a:schemeClr val="accent1"/>
+          </a:effectRef>
+          <a:fontRef idx="minor">
+            <a:schemeClr val="tx1"/>
+          </a:fontRef>
+        </p:style>
+      </p:cxnSp>
+      <p:sp>
+        <p:nvSpPr>
+          <p:cNvPr id="5" name="TextBox 4"/>
+          <p:cNvSpPr txBox="1"/>
+          <p:nvPr/>
+        </p:nvSpPr>
+        <p:spPr>
+          <a:xfrm>
+            <a:off x="914400" y="865261"/>
+            <a:ext cx="10348958" cy="5006499"/>
+          </a:xfrm>
+          <a:prstGeom prst="rect">
+            <a:avLst/>
+          </a:prstGeom>
+          <a:noFill/>
+        </p:spPr>
+        <p:txBody>
+          <a:bodyPr wrap="square" rtlCol="0">
+            <a:spAutoFit/>
+          </a:bodyPr>
+          <a:lstStyle/>
+          <a:p>
+            <a:r>
+              <a:rPr lang="vi-VN" sz="3000" b="1" dirty="0"/>
+              <a:t>Các ràng buộc toàn vẹn</a:t>
+            </a:r>
+          </a:p>
+          <a:p>
+            <a:pPr marL="690563" marR="0">
+              <a:spcBef>
+                <a:spcPts val="0"/>
+              </a:spcBef>
+              <a:spcAft>
+                <a:spcPts val="800"/>
+              </a:spcAft>
+            </a:pPr>
+            <a:r>
+              <a:rPr lang="en-US" sz="1800" dirty="0">
+                <a:effectLst/>
+                <a:latin typeface="Times New Roman" panose="02020603050405020304" pitchFamily="18" charset="0"/>
+                <a:ea typeface="Calibri" panose="020F0502020204030204" pitchFamily="34" charset="0"/>
+                <a:cs typeface="Times New Roman" panose="02020603050405020304" pitchFamily="18" charset="0"/>
+              </a:rPr>
+              <a:t>RB-1:</a:t>
+            </a:r>
+          </a:p>
+          <a:p>
+            <a:pPr marL="690563" marR="0">
+              <a:spcBef>
+                <a:spcPts val="0"/>
+              </a:spcBef>
+              <a:spcAft>
+                <a:spcPts val="800"/>
+              </a:spcAft>
+              <a:buFont typeface="Wingdings" panose="05000000000000000000" pitchFamily="2" charset="2"/>
+              <a:buChar char="q"/>
+            </a:pPr>
+            <a:r>
+              <a:rPr lang="en-US" sz="1800" dirty="0">
+                <a:effectLst/>
+                <a:latin typeface="Times New Roman" panose="02020603050405020304" pitchFamily="18" charset="0"/>
+                <a:ea typeface="Calibri" panose="020F0502020204030204" pitchFamily="34" charset="0"/>
+                <a:cs typeface="Times New Roman" panose="02020603050405020304" pitchFamily="18" charset="0"/>
+              </a:rPr>
+              <a:t>	</a:t>
+            </a:r>
+            <a:r>
+              <a:rPr lang="en-US" sz="1800" dirty="0" err="1">
+                <a:effectLst/>
+                <a:latin typeface="Times New Roman" panose="02020603050405020304" pitchFamily="18" charset="0"/>
+                <a:ea typeface="Calibri" panose="020F0502020204030204" pitchFamily="34" charset="0"/>
+                <a:cs typeface="Times New Roman" panose="02020603050405020304" pitchFamily="18" charset="0"/>
+              </a:rPr>
+              <a:t>Mỗi</a:t>
+            </a:r>
+            <a:r>
+              <a:rPr lang="en-US" sz="1800" dirty="0">
+                <a:effectLst/>
+                <a:latin typeface="Times New Roman" panose="02020603050405020304" pitchFamily="18" charset="0"/>
+                <a:ea typeface="Calibri" panose="020F0502020204030204" pitchFamily="34" charset="0"/>
+                <a:cs typeface="Times New Roman" panose="02020603050405020304" pitchFamily="18" charset="0"/>
+              </a:rPr>
+              <a:t> </a:t>
+            </a:r>
+            <a:r>
+              <a:rPr lang="en-US" sz="1800" dirty="0" err="1">
+                <a:effectLst/>
+                <a:latin typeface="Times New Roman" panose="02020603050405020304" pitchFamily="18" charset="0"/>
+                <a:ea typeface="Calibri" panose="020F0502020204030204" pitchFamily="34" charset="0"/>
+                <a:cs typeface="Times New Roman" panose="02020603050405020304" pitchFamily="18" charset="0"/>
+              </a:rPr>
+              <a:t>khách</a:t>
+            </a:r>
+            <a:r>
+              <a:rPr lang="en-US" sz="1800" dirty="0">
+                <a:effectLst/>
+                <a:latin typeface="Times New Roman" panose="02020603050405020304" pitchFamily="18" charset="0"/>
+                <a:ea typeface="Calibri" panose="020F0502020204030204" pitchFamily="34" charset="0"/>
+                <a:cs typeface="Times New Roman" panose="02020603050405020304" pitchFamily="18" charset="0"/>
+              </a:rPr>
+              <a:t> </a:t>
+            </a:r>
+            <a:r>
+              <a:rPr lang="en-US" sz="1800" dirty="0" err="1">
+                <a:effectLst/>
+                <a:latin typeface="Times New Roman" panose="02020603050405020304" pitchFamily="18" charset="0"/>
+                <a:ea typeface="Calibri" panose="020F0502020204030204" pitchFamily="34" charset="0"/>
+                <a:cs typeface="Times New Roman" panose="02020603050405020304" pitchFamily="18" charset="0"/>
+              </a:rPr>
+              <a:t>hàng</a:t>
+            </a:r>
+            <a:r>
+              <a:rPr lang="en-US" sz="1800" dirty="0">
+                <a:effectLst/>
+                <a:latin typeface="Times New Roman" panose="02020603050405020304" pitchFamily="18" charset="0"/>
+                <a:ea typeface="Calibri" panose="020F0502020204030204" pitchFamily="34" charset="0"/>
+                <a:cs typeface="Times New Roman" panose="02020603050405020304" pitchFamily="18" charset="0"/>
+              </a:rPr>
+              <a:t> </a:t>
+            </a:r>
+            <a:r>
+              <a:rPr lang="en-US" sz="1800" dirty="0" err="1">
+                <a:effectLst/>
+                <a:latin typeface="Times New Roman" panose="02020603050405020304" pitchFamily="18" charset="0"/>
+                <a:ea typeface="Calibri" panose="020F0502020204030204" pitchFamily="34" charset="0"/>
+                <a:cs typeface="Times New Roman" panose="02020603050405020304" pitchFamily="18" charset="0"/>
+              </a:rPr>
+              <a:t>có</a:t>
+            </a:r>
+            <a:r>
+              <a:rPr lang="en-US" sz="1800" dirty="0">
+                <a:effectLst/>
+                <a:latin typeface="Times New Roman" panose="02020603050405020304" pitchFamily="18" charset="0"/>
+                <a:ea typeface="Calibri" panose="020F0502020204030204" pitchFamily="34" charset="0"/>
+                <a:cs typeface="Times New Roman" panose="02020603050405020304" pitchFamily="18" charset="0"/>
+              </a:rPr>
+              <a:t> </a:t>
+            </a:r>
+            <a:r>
+              <a:rPr lang="en-US" sz="1800" dirty="0" err="1">
+                <a:effectLst/>
+                <a:latin typeface="Times New Roman" panose="02020603050405020304" pitchFamily="18" charset="0"/>
+                <a:ea typeface="Calibri" panose="020F0502020204030204" pitchFamily="34" charset="0"/>
+                <a:cs typeface="Times New Roman" panose="02020603050405020304" pitchFamily="18" charset="0"/>
+              </a:rPr>
+              <a:t>một</a:t>
+            </a:r>
+            <a:r>
+              <a:rPr lang="en-US" sz="1800" dirty="0">
+                <a:effectLst/>
+                <a:latin typeface="Times New Roman" panose="02020603050405020304" pitchFamily="18" charset="0"/>
+                <a:ea typeface="Calibri" panose="020F0502020204030204" pitchFamily="34" charset="0"/>
+                <a:cs typeface="Times New Roman" panose="02020603050405020304" pitchFamily="18" charset="0"/>
+              </a:rPr>
+              <a:t> </a:t>
+            </a:r>
+            <a:r>
+              <a:rPr lang="en-US" sz="1800" dirty="0" err="1">
+                <a:effectLst/>
+                <a:latin typeface="Times New Roman" panose="02020603050405020304" pitchFamily="18" charset="0"/>
+                <a:ea typeface="Calibri" panose="020F0502020204030204" pitchFamily="34" charset="0"/>
+                <a:cs typeface="Times New Roman" panose="02020603050405020304" pitchFamily="18" charset="0"/>
+              </a:rPr>
+              <a:t>mã</a:t>
+            </a:r>
+            <a:r>
+              <a:rPr lang="en-US" sz="1800" dirty="0">
+                <a:effectLst/>
+                <a:latin typeface="Times New Roman" panose="02020603050405020304" pitchFamily="18" charset="0"/>
+                <a:ea typeface="Calibri" panose="020F0502020204030204" pitchFamily="34" charset="0"/>
+                <a:cs typeface="Times New Roman" panose="02020603050405020304" pitchFamily="18" charset="0"/>
+              </a:rPr>
+              <a:t> </a:t>
+            </a:r>
+            <a:r>
+              <a:rPr lang="en-US" sz="1800" dirty="0" err="1">
+                <a:effectLst/>
+                <a:latin typeface="Times New Roman" panose="02020603050405020304" pitchFamily="18" charset="0"/>
+                <a:ea typeface="Calibri" panose="020F0502020204030204" pitchFamily="34" charset="0"/>
+                <a:cs typeface="Times New Roman" panose="02020603050405020304" pitchFamily="18" charset="0"/>
+              </a:rPr>
+              <a:t>số</a:t>
+            </a:r>
+            <a:r>
+              <a:rPr lang="en-US" sz="1800" dirty="0">
+                <a:effectLst/>
+                <a:latin typeface="Times New Roman" panose="02020603050405020304" pitchFamily="18" charset="0"/>
+                <a:ea typeface="Calibri" panose="020F0502020204030204" pitchFamily="34" charset="0"/>
+                <a:cs typeface="Times New Roman" panose="02020603050405020304" pitchFamily="18" charset="0"/>
+              </a:rPr>
+              <a:t> </a:t>
+            </a:r>
+            <a:r>
+              <a:rPr lang="en-US" sz="1800" dirty="0" err="1">
+                <a:effectLst/>
+                <a:latin typeface="Times New Roman" panose="02020603050405020304" pitchFamily="18" charset="0"/>
+                <a:ea typeface="Calibri" panose="020F0502020204030204" pitchFamily="34" charset="0"/>
+                <a:cs typeface="Times New Roman" panose="02020603050405020304" pitchFamily="18" charset="0"/>
+              </a:rPr>
+              <a:t>riêng</a:t>
+            </a:r>
+            <a:r>
+              <a:rPr lang="en-US" sz="1800" dirty="0">
+                <a:effectLst/>
+                <a:latin typeface="Times New Roman" panose="02020603050405020304" pitchFamily="18" charset="0"/>
+                <a:ea typeface="Calibri" panose="020F0502020204030204" pitchFamily="34" charset="0"/>
+                <a:cs typeface="Times New Roman" panose="02020603050405020304" pitchFamily="18" charset="0"/>
+              </a:rPr>
+              <a:t> </a:t>
+            </a:r>
+            <a:r>
+              <a:rPr lang="en-US" sz="1800" dirty="0" err="1">
+                <a:effectLst/>
+                <a:latin typeface="Times New Roman" panose="02020603050405020304" pitchFamily="18" charset="0"/>
+                <a:ea typeface="Calibri" panose="020F0502020204030204" pitchFamily="34" charset="0"/>
+                <a:cs typeface="Times New Roman" panose="02020603050405020304" pitchFamily="18" charset="0"/>
+              </a:rPr>
+              <a:t>biệt</a:t>
+            </a:r>
+            <a:r>
+              <a:rPr lang="en-US" sz="1800" dirty="0">
+                <a:effectLst/>
+                <a:latin typeface="Times New Roman" panose="02020603050405020304" pitchFamily="18" charset="0"/>
+                <a:ea typeface="Calibri" panose="020F0502020204030204" pitchFamily="34" charset="0"/>
+                <a:cs typeface="Times New Roman" panose="02020603050405020304" pitchFamily="18" charset="0"/>
+              </a:rPr>
+              <a:t> </a:t>
+            </a:r>
+            <a:r>
+              <a:rPr lang="en-US" sz="1800" dirty="0" err="1">
+                <a:effectLst/>
+                <a:latin typeface="Times New Roman" panose="02020603050405020304" pitchFamily="18" charset="0"/>
+                <a:ea typeface="Calibri" panose="020F0502020204030204" pitchFamily="34" charset="0"/>
+                <a:cs typeface="Times New Roman" panose="02020603050405020304" pitchFamily="18" charset="0"/>
+              </a:rPr>
+              <a:t>dùng</a:t>
+            </a:r>
+            <a:r>
+              <a:rPr lang="en-US" sz="1800" dirty="0">
+                <a:effectLst/>
+                <a:latin typeface="Times New Roman" panose="02020603050405020304" pitchFamily="18" charset="0"/>
+                <a:ea typeface="Calibri" panose="020F0502020204030204" pitchFamily="34" charset="0"/>
+                <a:cs typeface="Times New Roman" panose="02020603050405020304" pitchFamily="18" charset="0"/>
+              </a:rPr>
+              <a:t> </a:t>
+            </a:r>
+            <a:r>
+              <a:rPr lang="en-US" sz="1800" dirty="0" err="1">
+                <a:effectLst/>
+                <a:latin typeface="Times New Roman" panose="02020603050405020304" pitchFamily="18" charset="0"/>
+                <a:ea typeface="Calibri" panose="020F0502020204030204" pitchFamily="34" charset="0"/>
+                <a:cs typeface="Times New Roman" panose="02020603050405020304" pitchFamily="18" charset="0"/>
+              </a:rPr>
+              <a:t>để</a:t>
+            </a:r>
+            <a:r>
+              <a:rPr lang="en-US" sz="1800" dirty="0">
+                <a:effectLst/>
+                <a:latin typeface="Times New Roman" panose="02020603050405020304" pitchFamily="18" charset="0"/>
+                <a:ea typeface="Calibri" panose="020F0502020204030204" pitchFamily="34" charset="0"/>
+                <a:cs typeface="Times New Roman" panose="02020603050405020304" pitchFamily="18" charset="0"/>
+              </a:rPr>
+              <a:t> </a:t>
+            </a:r>
+            <a:r>
+              <a:rPr lang="en-US" sz="1800" dirty="0" err="1">
+                <a:effectLst/>
+                <a:latin typeface="Times New Roman" panose="02020603050405020304" pitchFamily="18" charset="0"/>
+                <a:ea typeface="Calibri" panose="020F0502020204030204" pitchFamily="34" charset="0"/>
+                <a:cs typeface="Times New Roman" panose="02020603050405020304" pitchFamily="18" charset="0"/>
+              </a:rPr>
+              <a:t>phân</a:t>
+            </a:r>
+            <a:r>
+              <a:rPr lang="en-US" sz="1800" dirty="0">
+                <a:effectLst/>
+                <a:latin typeface="Times New Roman" panose="02020603050405020304" pitchFamily="18" charset="0"/>
+                <a:ea typeface="Calibri" panose="020F0502020204030204" pitchFamily="34" charset="0"/>
+                <a:cs typeface="Times New Roman" panose="02020603050405020304" pitchFamily="18" charset="0"/>
+              </a:rPr>
+              <a:t> </a:t>
+            </a:r>
+            <a:r>
+              <a:rPr lang="en-US" sz="1800" dirty="0" err="1">
+                <a:effectLst/>
+                <a:latin typeface="Times New Roman" panose="02020603050405020304" pitchFamily="18" charset="0"/>
+                <a:ea typeface="Calibri" panose="020F0502020204030204" pitchFamily="34" charset="0"/>
+                <a:cs typeface="Times New Roman" panose="02020603050405020304" pitchFamily="18" charset="0"/>
+              </a:rPr>
+              <a:t>biệt</a:t>
+            </a:r>
+            <a:r>
+              <a:rPr lang="en-US" sz="1800" dirty="0">
+                <a:effectLst/>
+                <a:latin typeface="Times New Roman" panose="02020603050405020304" pitchFamily="18" charset="0"/>
+                <a:ea typeface="Calibri" panose="020F0502020204030204" pitchFamily="34" charset="0"/>
+                <a:cs typeface="Times New Roman" panose="02020603050405020304" pitchFamily="18" charset="0"/>
+              </a:rPr>
+              <a:t> </a:t>
+            </a:r>
+            <a:r>
+              <a:rPr lang="en-US" sz="1800" dirty="0" err="1">
+                <a:effectLst/>
+                <a:latin typeface="Times New Roman" panose="02020603050405020304" pitchFamily="18" charset="0"/>
+                <a:ea typeface="Calibri" panose="020F0502020204030204" pitchFamily="34" charset="0"/>
+                <a:cs typeface="Times New Roman" panose="02020603050405020304" pitchFamily="18" charset="0"/>
+              </a:rPr>
+              <a:t>với</a:t>
+            </a:r>
+            <a:r>
+              <a:rPr lang="vi-VN" dirty="0">
+                <a:latin typeface="Times New Roman" panose="02020603050405020304" pitchFamily="18" charset="0"/>
+                <a:ea typeface="Calibri" panose="020F0502020204030204" pitchFamily="34" charset="0"/>
+                <a:cs typeface="Times New Roman" panose="02020603050405020304" pitchFamily="18" charset="0"/>
+              </a:rPr>
+              <a:t> </a:t>
+            </a:r>
+            <a:r>
+              <a:rPr lang="en-US" sz="1800" dirty="0" err="1">
+                <a:effectLst/>
+                <a:latin typeface="Times New Roman" panose="02020603050405020304" pitchFamily="18" charset="0"/>
+                <a:ea typeface="Calibri" panose="020F0502020204030204" pitchFamily="34" charset="0"/>
+                <a:cs typeface="Times New Roman" panose="02020603050405020304" pitchFamily="18" charset="0"/>
+              </a:rPr>
+              <a:t>các</a:t>
+            </a:r>
+            <a:r>
+              <a:rPr lang="en-US" sz="1800" dirty="0">
+                <a:effectLst/>
+                <a:latin typeface="Times New Roman" panose="02020603050405020304" pitchFamily="18" charset="0"/>
+                <a:ea typeface="Calibri" panose="020F0502020204030204" pitchFamily="34" charset="0"/>
+                <a:cs typeface="Times New Roman" panose="02020603050405020304" pitchFamily="18" charset="0"/>
+              </a:rPr>
+              <a:t> </a:t>
+            </a:r>
+            <a:r>
+              <a:rPr lang="en-US" sz="1800" dirty="0" err="1">
+                <a:effectLst/>
+                <a:latin typeface="Times New Roman" panose="02020603050405020304" pitchFamily="18" charset="0"/>
+                <a:ea typeface="Calibri" panose="020F0502020204030204" pitchFamily="34" charset="0"/>
+                <a:cs typeface="Times New Roman" panose="02020603050405020304" pitchFamily="18" charset="0"/>
+              </a:rPr>
+              <a:t>khách</a:t>
+            </a:r>
+            <a:r>
+              <a:rPr lang="en-US" sz="1800" dirty="0">
+                <a:effectLst/>
+                <a:latin typeface="Times New Roman" panose="02020603050405020304" pitchFamily="18" charset="0"/>
+                <a:ea typeface="Calibri" panose="020F0502020204030204" pitchFamily="34" charset="0"/>
+                <a:cs typeface="Times New Roman" panose="02020603050405020304" pitchFamily="18" charset="0"/>
+              </a:rPr>
+              <a:t> </a:t>
+            </a:r>
+            <a:r>
+              <a:rPr lang="en-US" sz="1800" dirty="0" err="1">
+                <a:effectLst/>
+                <a:latin typeface="Times New Roman" panose="02020603050405020304" pitchFamily="18" charset="0"/>
+                <a:ea typeface="Calibri" panose="020F0502020204030204" pitchFamily="34" charset="0"/>
+                <a:cs typeface="Times New Roman" panose="02020603050405020304" pitchFamily="18" charset="0"/>
+              </a:rPr>
+              <a:t>hàng</a:t>
+            </a:r>
+            <a:r>
+              <a:rPr lang="en-US" sz="1800" dirty="0">
+                <a:effectLst/>
+                <a:latin typeface="Times New Roman" panose="02020603050405020304" pitchFamily="18" charset="0"/>
+                <a:ea typeface="Calibri" panose="020F0502020204030204" pitchFamily="34" charset="0"/>
+                <a:cs typeface="Times New Roman" panose="02020603050405020304" pitchFamily="18" charset="0"/>
+              </a:rPr>
+              <a:t> </a:t>
+            </a:r>
+            <a:r>
+              <a:rPr lang="en-US" sz="1800" dirty="0" err="1">
+                <a:effectLst/>
+                <a:latin typeface="Times New Roman" panose="02020603050405020304" pitchFamily="18" charset="0"/>
+                <a:ea typeface="Calibri" panose="020F0502020204030204" pitchFamily="34" charset="0"/>
+                <a:cs typeface="Times New Roman" panose="02020603050405020304" pitchFamily="18" charset="0"/>
+              </a:rPr>
+              <a:t>khác</a:t>
+            </a:r>
+            <a:r>
+              <a:rPr lang="en-US" sz="1800" dirty="0">
+                <a:effectLst/>
+                <a:latin typeface="Times New Roman" panose="02020603050405020304" pitchFamily="18" charset="0"/>
+                <a:ea typeface="Calibri" panose="020F0502020204030204" pitchFamily="34" charset="0"/>
+                <a:cs typeface="Times New Roman" panose="02020603050405020304" pitchFamily="18" charset="0"/>
+              </a:rPr>
+              <a:t>.</a:t>
+            </a:r>
+          </a:p>
+          <a:p>
+            <a:pPr marL="690563" marR="0">
+              <a:spcBef>
+                <a:spcPts val="0"/>
+              </a:spcBef>
+              <a:spcAft>
+                <a:spcPts val="800"/>
+              </a:spcAft>
+              <a:buFont typeface="Wingdings" panose="05000000000000000000" pitchFamily="2" charset="2"/>
+              <a:buChar char="q"/>
+            </a:pPr>
+            <a:r>
+              <a:rPr lang="en-US" sz="1800" dirty="0">
+                <a:effectLst/>
+                <a:latin typeface="Times New Roman" panose="02020603050405020304" pitchFamily="18" charset="0"/>
+                <a:ea typeface="Calibri" panose="020F0502020204030204" pitchFamily="34" charset="0"/>
+                <a:cs typeface="Times New Roman" panose="02020603050405020304" pitchFamily="18" charset="0"/>
+              </a:rPr>
+              <a:t>	∀t1, t2 ∈ </a:t>
+            </a:r>
+            <a:r>
+              <a:rPr lang="en-US" sz="1800" dirty="0" err="1">
+                <a:effectLst/>
+                <a:latin typeface="Times New Roman" panose="02020603050405020304" pitchFamily="18" charset="0"/>
+                <a:ea typeface="Calibri" panose="020F0502020204030204" pitchFamily="34" charset="0"/>
+                <a:cs typeface="Times New Roman" panose="02020603050405020304" pitchFamily="18" charset="0"/>
+              </a:rPr>
+              <a:t>KhachHang</a:t>
+            </a:r>
+            <a:r>
+              <a:rPr lang="en-US" sz="1800" dirty="0">
+                <a:effectLst/>
+                <a:latin typeface="Times New Roman" panose="02020603050405020304" pitchFamily="18" charset="0"/>
+                <a:ea typeface="Calibri" panose="020F0502020204030204" pitchFamily="34" charset="0"/>
+                <a:cs typeface="Times New Roman" panose="02020603050405020304" pitchFamily="18" charset="0"/>
+              </a:rPr>
+              <a:t> (t1 ≠ t2 ⇒ t1.MaKH ≠ t2.MaKH)</a:t>
+            </a:r>
+          </a:p>
+          <a:p>
+            <a:pPr marL="690563" marR="0">
+              <a:spcBef>
+                <a:spcPts val="0"/>
+              </a:spcBef>
+              <a:spcAft>
+                <a:spcPts val="800"/>
+              </a:spcAft>
+            </a:pPr>
+            <a:r>
+              <a:rPr lang="en-US" sz="1800" dirty="0">
+                <a:effectLst/>
+                <a:latin typeface="Times New Roman" panose="02020603050405020304" pitchFamily="18" charset="0"/>
+                <a:ea typeface="Calibri" panose="020F0502020204030204" pitchFamily="34" charset="0"/>
+                <a:cs typeface="Times New Roman" panose="02020603050405020304" pitchFamily="18" charset="0"/>
+              </a:rPr>
+              <a:t>	</a:t>
+            </a:r>
+            <a:r>
+              <a:rPr lang="en-US" sz="1800" dirty="0" err="1">
+                <a:effectLst/>
+                <a:latin typeface="Times New Roman" panose="02020603050405020304" pitchFamily="18" charset="0"/>
+                <a:ea typeface="Calibri" panose="020F0502020204030204" pitchFamily="34" charset="0"/>
+                <a:cs typeface="Times New Roman" panose="02020603050405020304" pitchFamily="18" charset="0"/>
+              </a:rPr>
+              <a:t>Bối</a:t>
+            </a:r>
+            <a:r>
+              <a:rPr lang="en-US" sz="1800" dirty="0">
+                <a:effectLst/>
+                <a:latin typeface="Times New Roman" panose="02020603050405020304" pitchFamily="18" charset="0"/>
+                <a:ea typeface="Calibri" panose="020F0502020204030204" pitchFamily="34" charset="0"/>
+                <a:cs typeface="Times New Roman" panose="02020603050405020304" pitchFamily="18" charset="0"/>
+              </a:rPr>
+              <a:t> </a:t>
+            </a:r>
+            <a:r>
+              <a:rPr lang="en-US" sz="1800" dirty="0" err="1">
+                <a:effectLst/>
+                <a:latin typeface="Times New Roman" panose="02020603050405020304" pitchFamily="18" charset="0"/>
+                <a:ea typeface="Calibri" panose="020F0502020204030204" pitchFamily="34" charset="0"/>
+                <a:cs typeface="Times New Roman" panose="02020603050405020304" pitchFamily="18" charset="0"/>
+              </a:rPr>
+              <a:t>cảnh</a:t>
+            </a:r>
+            <a:r>
+              <a:rPr lang="en-US" sz="1800" dirty="0">
+                <a:effectLst/>
+                <a:latin typeface="Times New Roman" panose="02020603050405020304" pitchFamily="18" charset="0"/>
+                <a:ea typeface="Calibri" panose="020F0502020204030204" pitchFamily="34" charset="0"/>
+                <a:cs typeface="Times New Roman" panose="02020603050405020304" pitchFamily="18" charset="0"/>
+              </a:rPr>
+              <a:t>: </a:t>
+            </a:r>
+            <a:r>
+              <a:rPr lang="en-US" sz="1800" dirty="0" err="1">
+                <a:effectLst/>
+                <a:latin typeface="Times New Roman" panose="02020603050405020304" pitchFamily="18" charset="0"/>
+                <a:ea typeface="Calibri" panose="020F0502020204030204" pitchFamily="34" charset="0"/>
+                <a:cs typeface="Times New Roman" panose="02020603050405020304" pitchFamily="18" charset="0"/>
+              </a:rPr>
+              <a:t>KhachHang</a:t>
+            </a:r>
+            <a:endParaRPr lang="en-US" sz="1800" dirty="0">
+              <a:effectLst/>
+              <a:latin typeface="Times New Roman" panose="02020603050405020304" pitchFamily="18" charset="0"/>
+              <a:ea typeface="Calibri" panose="020F0502020204030204" pitchFamily="34" charset="0"/>
+              <a:cs typeface="Times New Roman" panose="02020603050405020304" pitchFamily="18" charset="0"/>
+            </a:endParaRPr>
+          </a:p>
+          <a:p>
+            <a:pPr marL="690563" marR="0">
+              <a:spcBef>
+                <a:spcPts val="0"/>
+              </a:spcBef>
+              <a:spcAft>
+                <a:spcPts val="800"/>
+              </a:spcAft>
+            </a:pPr>
+            <a:r>
+              <a:rPr lang="en-US" sz="1800" dirty="0">
+                <a:effectLst/>
+                <a:latin typeface="Times New Roman" panose="02020603050405020304" pitchFamily="18" charset="0"/>
+                <a:ea typeface="Calibri" panose="020F0502020204030204" pitchFamily="34" charset="0"/>
+                <a:cs typeface="Times New Roman" panose="02020603050405020304" pitchFamily="18" charset="0"/>
+              </a:rPr>
+              <a:t>RB-2:</a:t>
+            </a:r>
+          </a:p>
+          <a:p>
+            <a:pPr marL="690563" marR="0">
+              <a:spcBef>
+                <a:spcPts val="0"/>
+              </a:spcBef>
+              <a:spcAft>
+                <a:spcPts val="800"/>
+              </a:spcAft>
+              <a:buFont typeface="Wingdings" panose="05000000000000000000" pitchFamily="2" charset="2"/>
+              <a:buChar char="q"/>
+            </a:pPr>
+            <a:r>
+              <a:rPr lang="en-US" sz="1800" dirty="0">
+                <a:effectLst/>
+                <a:latin typeface="Times New Roman" panose="02020603050405020304" pitchFamily="18" charset="0"/>
+                <a:ea typeface="Calibri" panose="020F0502020204030204" pitchFamily="34" charset="0"/>
+                <a:cs typeface="Times New Roman" panose="02020603050405020304" pitchFamily="18" charset="0"/>
+              </a:rPr>
+              <a:t>	</a:t>
+            </a:r>
+            <a:r>
+              <a:rPr lang="en-US" sz="1800" dirty="0" err="1">
+                <a:effectLst/>
+                <a:latin typeface="Times New Roman" panose="02020603050405020304" pitchFamily="18" charset="0"/>
+                <a:ea typeface="Calibri" panose="020F0502020204030204" pitchFamily="34" charset="0"/>
+                <a:cs typeface="Times New Roman" panose="02020603050405020304" pitchFamily="18" charset="0"/>
+              </a:rPr>
+              <a:t>Giá</a:t>
+            </a:r>
+            <a:r>
+              <a:rPr lang="en-US" sz="1800" dirty="0">
+                <a:effectLst/>
+                <a:latin typeface="Times New Roman" panose="02020603050405020304" pitchFamily="18" charset="0"/>
+                <a:ea typeface="Calibri" panose="020F0502020204030204" pitchFamily="34" charset="0"/>
+                <a:cs typeface="Times New Roman" panose="02020603050405020304" pitchFamily="18" charset="0"/>
+              </a:rPr>
+              <a:t> </a:t>
+            </a:r>
+            <a:r>
+              <a:rPr lang="en-US" sz="1800" dirty="0" err="1">
+                <a:effectLst/>
+                <a:latin typeface="Times New Roman" panose="02020603050405020304" pitchFamily="18" charset="0"/>
+                <a:ea typeface="Calibri" panose="020F0502020204030204" pitchFamily="34" charset="0"/>
+                <a:cs typeface="Times New Roman" panose="02020603050405020304" pitchFamily="18" charset="0"/>
+              </a:rPr>
+              <a:t>tiền</a:t>
+            </a:r>
+            <a:r>
+              <a:rPr lang="en-US" sz="1800" dirty="0">
+                <a:effectLst/>
+                <a:latin typeface="Times New Roman" panose="02020603050405020304" pitchFamily="18" charset="0"/>
+                <a:ea typeface="Calibri" panose="020F0502020204030204" pitchFamily="34" charset="0"/>
+                <a:cs typeface="Times New Roman" panose="02020603050405020304" pitchFamily="18" charset="0"/>
+              </a:rPr>
+              <a:t> </a:t>
+            </a:r>
+            <a:r>
+              <a:rPr lang="en-US" sz="1800" dirty="0" err="1">
+                <a:effectLst/>
+                <a:latin typeface="Times New Roman" panose="02020603050405020304" pitchFamily="18" charset="0"/>
+                <a:ea typeface="Calibri" panose="020F0502020204030204" pitchFamily="34" charset="0"/>
+                <a:cs typeface="Times New Roman" panose="02020603050405020304" pitchFamily="18" charset="0"/>
+              </a:rPr>
+              <a:t>của</a:t>
+            </a:r>
+            <a:r>
+              <a:rPr lang="en-US" sz="1800" dirty="0">
+                <a:effectLst/>
+                <a:latin typeface="Times New Roman" panose="02020603050405020304" pitchFamily="18" charset="0"/>
+                <a:ea typeface="Calibri" panose="020F0502020204030204" pitchFamily="34" charset="0"/>
+                <a:cs typeface="Times New Roman" panose="02020603050405020304" pitchFamily="18" charset="0"/>
+              </a:rPr>
+              <a:t> CPU </a:t>
+            </a:r>
+            <a:r>
+              <a:rPr lang="en-US" sz="1800" dirty="0" err="1">
+                <a:effectLst/>
+                <a:latin typeface="Times New Roman" panose="02020603050405020304" pitchFamily="18" charset="0"/>
+                <a:ea typeface="Calibri" panose="020F0502020204030204" pitchFamily="34" charset="0"/>
+                <a:cs typeface="Times New Roman" panose="02020603050405020304" pitchFamily="18" charset="0"/>
+              </a:rPr>
+              <a:t>không</a:t>
+            </a:r>
+            <a:r>
+              <a:rPr lang="en-US" sz="1800" dirty="0">
+                <a:effectLst/>
+                <a:latin typeface="Times New Roman" panose="02020603050405020304" pitchFamily="18" charset="0"/>
+                <a:ea typeface="Calibri" panose="020F0502020204030204" pitchFamily="34" charset="0"/>
+                <a:cs typeface="Times New Roman" panose="02020603050405020304" pitchFamily="18" charset="0"/>
+              </a:rPr>
+              <a:t> </a:t>
+            </a:r>
+            <a:r>
+              <a:rPr lang="en-US" sz="1800" dirty="0" err="1">
+                <a:effectLst/>
+                <a:latin typeface="Times New Roman" panose="02020603050405020304" pitchFamily="18" charset="0"/>
+                <a:ea typeface="Calibri" panose="020F0502020204030204" pitchFamily="34" charset="0"/>
+                <a:cs typeface="Times New Roman" panose="02020603050405020304" pitchFamily="18" charset="0"/>
+              </a:rPr>
+              <a:t>thấp</a:t>
+            </a:r>
+            <a:r>
+              <a:rPr lang="en-US" sz="1800" dirty="0">
+                <a:effectLst/>
+                <a:latin typeface="Times New Roman" panose="02020603050405020304" pitchFamily="18" charset="0"/>
+                <a:ea typeface="Calibri" panose="020F0502020204030204" pitchFamily="34" charset="0"/>
+                <a:cs typeface="Times New Roman" panose="02020603050405020304" pitchFamily="18" charset="0"/>
+              </a:rPr>
+              <a:t> </a:t>
+            </a:r>
+            <a:r>
+              <a:rPr lang="en-US" sz="1800" dirty="0" err="1">
+                <a:effectLst/>
+                <a:latin typeface="Times New Roman" panose="02020603050405020304" pitchFamily="18" charset="0"/>
+                <a:ea typeface="Calibri" panose="020F0502020204030204" pitchFamily="34" charset="0"/>
+                <a:cs typeface="Times New Roman" panose="02020603050405020304" pitchFamily="18" charset="0"/>
+              </a:rPr>
+              <a:t>hơn</a:t>
+            </a:r>
+            <a:r>
+              <a:rPr lang="en-US" sz="1800" dirty="0">
+                <a:effectLst/>
+                <a:latin typeface="Times New Roman" panose="02020603050405020304" pitchFamily="18" charset="0"/>
+                <a:ea typeface="Calibri" panose="020F0502020204030204" pitchFamily="34" charset="0"/>
+                <a:cs typeface="Times New Roman" panose="02020603050405020304" pitchFamily="18" charset="0"/>
+              </a:rPr>
+              <a:t> 2000000.</a:t>
+            </a:r>
+          </a:p>
+          <a:p>
+            <a:pPr marL="690563" marR="0">
+              <a:spcBef>
+                <a:spcPts val="0"/>
+              </a:spcBef>
+              <a:spcAft>
+                <a:spcPts val="800"/>
+              </a:spcAft>
+              <a:buFont typeface="Wingdings" panose="05000000000000000000" pitchFamily="2" charset="2"/>
+              <a:buChar char="q"/>
+            </a:pPr>
+            <a:r>
+              <a:rPr lang="en-US" sz="1800" dirty="0">
+                <a:effectLst/>
+                <a:latin typeface="Times New Roman" panose="02020603050405020304" pitchFamily="18" charset="0"/>
+                <a:ea typeface="Calibri" panose="020F0502020204030204" pitchFamily="34" charset="0"/>
+                <a:cs typeface="Times New Roman" panose="02020603050405020304" pitchFamily="18" charset="0"/>
+              </a:rPr>
+              <a:t>	∀t ∈  CPU(</a:t>
+            </a:r>
+            <a:r>
+              <a:rPr lang="en-US" sz="1800" dirty="0" err="1">
+                <a:effectLst/>
+                <a:latin typeface="Times New Roman" panose="02020603050405020304" pitchFamily="18" charset="0"/>
+                <a:ea typeface="Calibri" panose="020F0502020204030204" pitchFamily="34" charset="0"/>
+                <a:cs typeface="Times New Roman" panose="02020603050405020304" pitchFamily="18" charset="0"/>
+              </a:rPr>
+              <a:t>t.GiaTien</a:t>
+            </a:r>
+            <a:r>
+              <a:rPr lang="en-US" sz="1800" dirty="0">
+                <a:effectLst/>
+                <a:latin typeface="Times New Roman" panose="02020603050405020304" pitchFamily="18" charset="0"/>
+                <a:ea typeface="Calibri" panose="020F0502020204030204" pitchFamily="34" charset="0"/>
+                <a:cs typeface="Times New Roman" panose="02020603050405020304" pitchFamily="18" charset="0"/>
+              </a:rPr>
+              <a:t> &gt;=  2000000)</a:t>
+            </a:r>
+          </a:p>
+          <a:p>
+            <a:pPr marL="690563" marR="0">
+              <a:spcBef>
+                <a:spcPts val="0"/>
+              </a:spcBef>
+              <a:spcAft>
+                <a:spcPts val="800"/>
+              </a:spcAft>
+            </a:pPr>
+            <a:r>
+              <a:rPr lang="en-US" sz="1800" dirty="0">
+                <a:effectLst/>
+                <a:latin typeface="Times New Roman" panose="02020603050405020304" pitchFamily="18" charset="0"/>
+                <a:ea typeface="Calibri" panose="020F0502020204030204" pitchFamily="34" charset="0"/>
+                <a:cs typeface="Times New Roman" panose="02020603050405020304" pitchFamily="18" charset="0"/>
+              </a:rPr>
+              <a:t>	</a:t>
+            </a:r>
+            <a:r>
+              <a:rPr lang="en-US" sz="1800" dirty="0" err="1">
+                <a:effectLst/>
+                <a:latin typeface="Times New Roman" panose="02020603050405020304" pitchFamily="18" charset="0"/>
+                <a:ea typeface="Calibri" panose="020F0502020204030204" pitchFamily="34" charset="0"/>
+                <a:cs typeface="Times New Roman" panose="02020603050405020304" pitchFamily="18" charset="0"/>
+              </a:rPr>
+              <a:t>Bối</a:t>
+            </a:r>
+            <a:r>
+              <a:rPr lang="en-US" sz="1800" dirty="0">
+                <a:effectLst/>
+                <a:latin typeface="Times New Roman" panose="02020603050405020304" pitchFamily="18" charset="0"/>
+                <a:ea typeface="Calibri" panose="020F0502020204030204" pitchFamily="34" charset="0"/>
+                <a:cs typeface="Times New Roman" panose="02020603050405020304" pitchFamily="18" charset="0"/>
+              </a:rPr>
+              <a:t> </a:t>
+            </a:r>
+            <a:r>
+              <a:rPr lang="en-US" sz="1800" dirty="0" err="1">
+                <a:effectLst/>
+                <a:latin typeface="Times New Roman" panose="02020603050405020304" pitchFamily="18" charset="0"/>
+                <a:ea typeface="Calibri" panose="020F0502020204030204" pitchFamily="34" charset="0"/>
+                <a:cs typeface="Times New Roman" panose="02020603050405020304" pitchFamily="18" charset="0"/>
+              </a:rPr>
+              <a:t>cảnh</a:t>
+            </a:r>
+            <a:r>
+              <a:rPr lang="en-US" sz="1800" dirty="0">
+                <a:effectLst/>
+                <a:latin typeface="Times New Roman" panose="02020603050405020304" pitchFamily="18" charset="0"/>
+                <a:ea typeface="Calibri" panose="020F0502020204030204" pitchFamily="34" charset="0"/>
+                <a:cs typeface="Times New Roman" panose="02020603050405020304" pitchFamily="18" charset="0"/>
+              </a:rPr>
+              <a:t>: CPU</a:t>
+            </a:r>
+          </a:p>
+          <a:p>
+            <a:pPr marL="690563" marR="0">
+              <a:spcBef>
+                <a:spcPts val="0"/>
+              </a:spcBef>
+              <a:spcAft>
+                <a:spcPts val="800"/>
+              </a:spcAft>
+            </a:pPr>
+            <a:r>
+              <a:rPr lang="en-US" sz="1800" dirty="0">
+                <a:effectLst/>
+                <a:latin typeface="Times New Roman" panose="02020603050405020304" pitchFamily="18" charset="0"/>
+                <a:ea typeface="Calibri" panose="020F0502020204030204" pitchFamily="34" charset="0"/>
+                <a:cs typeface="Times New Roman" panose="02020603050405020304" pitchFamily="18" charset="0"/>
+              </a:rPr>
+              <a:t>RB-3:</a:t>
+            </a:r>
+          </a:p>
+          <a:p>
+            <a:pPr marL="690563" marR="0">
+              <a:spcBef>
+                <a:spcPts val="0"/>
+              </a:spcBef>
+              <a:spcAft>
+                <a:spcPts val="800"/>
+              </a:spcAft>
+              <a:buFont typeface="Wingdings" panose="05000000000000000000" pitchFamily="2" charset="2"/>
+              <a:buChar char="q"/>
+            </a:pPr>
+            <a:r>
+              <a:rPr lang="en-US" sz="1800" dirty="0">
+                <a:effectLst/>
+                <a:latin typeface="Times New Roman" panose="02020603050405020304" pitchFamily="18" charset="0"/>
+                <a:ea typeface="Calibri" panose="020F0502020204030204" pitchFamily="34" charset="0"/>
+                <a:cs typeface="Times New Roman" panose="02020603050405020304" pitchFamily="18" charset="0"/>
+              </a:rPr>
+              <a:t>	</a:t>
+            </a:r>
+            <a:r>
+              <a:rPr lang="en-US" sz="1800" dirty="0" err="1">
+                <a:effectLst/>
+                <a:latin typeface="Times New Roman" panose="02020603050405020304" pitchFamily="18" charset="0"/>
+                <a:ea typeface="Calibri" panose="020F0502020204030204" pitchFamily="34" charset="0"/>
+                <a:cs typeface="Times New Roman" panose="02020603050405020304" pitchFamily="18" charset="0"/>
+              </a:rPr>
+              <a:t>Mỗi</a:t>
+            </a:r>
+            <a:r>
+              <a:rPr lang="en-US" sz="1800" dirty="0">
+                <a:effectLst/>
+                <a:latin typeface="Times New Roman" panose="02020603050405020304" pitchFamily="18" charset="0"/>
+                <a:ea typeface="Calibri" panose="020F0502020204030204" pitchFamily="34" charset="0"/>
+                <a:cs typeface="Times New Roman" panose="02020603050405020304" pitchFamily="18" charset="0"/>
+              </a:rPr>
+              <a:t> </a:t>
+            </a:r>
+            <a:r>
+              <a:rPr lang="en-US" sz="1800" dirty="0" err="1">
+                <a:effectLst/>
+                <a:latin typeface="Times New Roman" panose="02020603050405020304" pitchFamily="18" charset="0"/>
+                <a:ea typeface="Calibri" panose="020F0502020204030204" pitchFamily="34" charset="0"/>
+                <a:cs typeface="Times New Roman" panose="02020603050405020304" pitchFamily="18" charset="0"/>
+              </a:rPr>
+              <a:t>mã</a:t>
+            </a:r>
+            <a:r>
+              <a:rPr lang="en-US" sz="1800" dirty="0">
+                <a:effectLst/>
+                <a:latin typeface="Times New Roman" panose="02020603050405020304" pitchFamily="18" charset="0"/>
+                <a:ea typeface="Calibri" panose="020F0502020204030204" pitchFamily="34" charset="0"/>
+                <a:cs typeface="Times New Roman" panose="02020603050405020304" pitchFamily="18" charset="0"/>
+              </a:rPr>
+              <a:t> CPU </a:t>
+            </a:r>
+            <a:r>
+              <a:rPr lang="en-US" sz="1800" dirty="0" err="1">
+                <a:effectLst/>
+                <a:latin typeface="Times New Roman" panose="02020603050405020304" pitchFamily="18" charset="0"/>
+                <a:ea typeface="Calibri" panose="020F0502020204030204" pitchFamily="34" charset="0"/>
+                <a:cs typeface="Times New Roman" panose="02020603050405020304" pitchFamily="18" charset="0"/>
+              </a:rPr>
+              <a:t>xác</a:t>
+            </a:r>
+            <a:r>
+              <a:rPr lang="en-US" sz="1800" dirty="0">
+                <a:effectLst/>
+                <a:latin typeface="Times New Roman" panose="02020603050405020304" pitchFamily="18" charset="0"/>
+                <a:ea typeface="Calibri" panose="020F0502020204030204" pitchFamily="34" charset="0"/>
+                <a:cs typeface="Times New Roman" panose="02020603050405020304" pitchFamily="18" charset="0"/>
+              </a:rPr>
+              <a:t> </a:t>
+            </a:r>
+            <a:r>
+              <a:rPr lang="en-US" sz="1800" dirty="0" err="1">
+                <a:effectLst/>
+                <a:latin typeface="Times New Roman" panose="02020603050405020304" pitchFamily="18" charset="0"/>
+                <a:ea typeface="Calibri" panose="020F0502020204030204" pitchFamily="34" charset="0"/>
+                <a:cs typeface="Times New Roman" panose="02020603050405020304" pitchFamily="18" charset="0"/>
+              </a:rPr>
+              <a:t>định</a:t>
+            </a:r>
+            <a:r>
+              <a:rPr lang="en-US" sz="1800" dirty="0">
+                <a:effectLst/>
+                <a:latin typeface="Times New Roman" panose="02020603050405020304" pitchFamily="18" charset="0"/>
+                <a:ea typeface="Calibri" panose="020F0502020204030204" pitchFamily="34" charset="0"/>
+                <a:cs typeface="Times New Roman" panose="02020603050405020304" pitchFamily="18" charset="0"/>
+              </a:rPr>
+              <a:t> </a:t>
+            </a:r>
+            <a:r>
+              <a:rPr lang="en-US" sz="1800" dirty="0" err="1">
+                <a:effectLst/>
+                <a:latin typeface="Times New Roman" panose="02020603050405020304" pitchFamily="18" charset="0"/>
+                <a:ea typeface="Calibri" panose="020F0502020204030204" pitchFamily="34" charset="0"/>
+                <a:cs typeface="Times New Roman" panose="02020603050405020304" pitchFamily="18" charset="0"/>
+              </a:rPr>
+              <a:t>được</a:t>
+            </a:r>
+            <a:r>
+              <a:rPr lang="en-US" sz="1800" dirty="0">
+                <a:effectLst/>
+                <a:latin typeface="Times New Roman" panose="02020603050405020304" pitchFamily="18" charset="0"/>
+                <a:ea typeface="Calibri" panose="020F0502020204030204" pitchFamily="34" charset="0"/>
+                <a:cs typeface="Times New Roman" panose="02020603050405020304" pitchFamily="18" charset="0"/>
+              </a:rPr>
+              <a:t> </a:t>
+            </a:r>
+            <a:r>
+              <a:rPr lang="en-US" sz="1800" dirty="0" err="1">
+                <a:effectLst/>
+                <a:latin typeface="Times New Roman" panose="02020603050405020304" pitchFamily="18" charset="0"/>
+                <a:ea typeface="Calibri" panose="020F0502020204030204" pitchFamily="34" charset="0"/>
+                <a:cs typeface="Times New Roman" panose="02020603050405020304" pitchFamily="18" charset="0"/>
+              </a:rPr>
+              <a:t>một</a:t>
+            </a:r>
+            <a:r>
+              <a:rPr lang="en-US" sz="1800" dirty="0">
+                <a:effectLst/>
+                <a:latin typeface="Times New Roman" panose="02020603050405020304" pitchFamily="18" charset="0"/>
+                <a:ea typeface="Calibri" panose="020F0502020204030204" pitchFamily="34" charset="0"/>
+                <a:cs typeface="Times New Roman" panose="02020603050405020304" pitchFamily="18" charset="0"/>
+              </a:rPr>
+              <a:t> </a:t>
+            </a:r>
+            <a:r>
+              <a:rPr lang="en-US" sz="1800" dirty="0" err="1">
+                <a:effectLst/>
+                <a:latin typeface="Times New Roman" panose="02020603050405020304" pitchFamily="18" charset="0"/>
+                <a:ea typeface="Calibri" panose="020F0502020204030204" pitchFamily="34" charset="0"/>
+                <a:cs typeface="Times New Roman" panose="02020603050405020304" pitchFamily="18" charset="0"/>
+              </a:rPr>
+              <a:t>tên</a:t>
+            </a:r>
+            <a:r>
+              <a:rPr lang="en-US" sz="1800" dirty="0">
+                <a:effectLst/>
+                <a:latin typeface="Times New Roman" panose="02020603050405020304" pitchFamily="18" charset="0"/>
+                <a:ea typeface="Calibri" panose="020F0502020204030204" pitchFamily="34" charset="0"/>
+                <a:cs typeface="Times New Roman" panose="02020603050405020304" pitchFamily="18" charset="0"/>
+              </a:rPr>
+              <a:t> CPU </a:t>
+            </a:r>
+            <a:r>
+              <a:rPr lang="en-US" sz="1800" dirty="0" err="1">
+                <a:effectLst/>
+                <a:latin typeface="Times New Roman" panose="02020603050405020304" pitchFamily="18" charset="0"/>
+                <a:ea typeface="Calibri" panose="020F0502020204030204" pitchFamily="34" charset="0"/>
+                <a:cs typeface="Times New Roman" panose="02020603050405020304" pitchFamily="18" charset="0"/>
+              </a:rPr>
+              <a:t>duy</a:t>
+            </a:r>
+            <a:r>
+              <a:rPr lang="en-US" sz="1800" dirty="0">
+                <a:effectLst/>
+                <a:latin typeface="Times New Roman" panose="02020603050405020304" pitchFamily="18" charset="0"/>
+                <a:ea typeface="Calibri" panose="020F0502020204030204" pitchFamily="34" charset="0"/>
+                <a:cs typeface="Times New Roman" panose="02020603050405020304" pitchFamily="18" charset="0"/>
+              </a:rPr>
+              <a:t> </a:t>
+            </a:r>
+            <a:r>
+              <a:rPr lang="en-US" sz="1800" dirty="0" err="1">
+                <a:effectLst/>
+                <a:latin typeface="Times New Roman" panose="02020603050405020304" pitchFamily="18" charset="0"/>
+                <a:ea typeface="Calibri" panose="020F0502020204030204" pitchFamily="34" charset="0"/>
+                <a:cs typeface="Times New Roman" panose="02020603050405020304" pitchFamily="18" charset="0"/>
+              </a:rPr>
+              <a:t>nhất</a:t>
+            </a:r>
+            <a:r>
+              <a:rPr lang="en-US" sz="1800" dirty="0">
+                <a:effectLst/>
+                <a:latin typeface="Times New Roman" panose="02020603050405020304" pitchFamily="18" charset="0"/>
+                <a:ea typeface="Calibri" panose="020F0502020204030204" pitchFamily="34" charset="0"/>
+                <a:cs typeface="Times New Roman" panose="02020603050405020304" pitchFamily="18" charset="0"/>
+              </a:rPr>
+              <a:t>.</a:t>
+            </a:r>
+          </a:p>
+          <a:p>
+            <a:pPr marL="690563" marR="0">
+              <a:spcBef>
+                <a:spcPts val="0"/>
+              </a:spcBef>
+              <a:spcAft>
+                <a:spcPts val="800"/>
+              </a:spcAft>
+              <a:buFont typeface="Wingdings" panose="05000000000000000000" pitchFamily="2" charset="2"/>
+              <a:buChar char="q"/>
+            </a:pPr>
+            <a:r>
+              <a:rPr lang="en-US" sz="1800" dirty="0">
+                <a:effectLst/>
+                <a:latin typeface="Times New Roman" panose="02020603050405020304" pitchFamily="18" charset="0"/>
+                <a:ea typeface="Calibri" panose="020F0502020204030204" pitchFamily="34" charset="0"/>
+                <a:cs typeface="Times New Roman" panose="02020603050405020304" pitchFamily="18" charset="0"/>
+              </a:rPr>
+              <a:t>	 ∀t ∈  CPU (</a:t>
+            </a:r>
+            <a:r>
+              <a:rPr lang="en-US" sz="1800" dirty="0" err="1">
+                <a:effectLst/>
+                <a:latin typeface="Times New Roman" panose="02020603050405020304" pitchFamily="18" charset="0"/>
+                <a:ea typeface="Calibri" panose="020F0502020204030204" pitchFamily="34" charset="0"/>
+                <a:cs typeface="Times New Roman" panose="02020603050405020304" pitchFamily="18" charset="0"/>
+              </a:rPr>
+              <a:t>t.MaCPU</a:t>
+            </a:r>
+            <a:r>
+              <a:rPr lang="en-US" sz="1800" dirty="0">
+                <a:effectLst/>
+                <a:latin typeface="Times New Roman" panose="02020603050405020304" pitchFamily="18" charset="0"/>
+                <a:ea typeface="Calibri" panose="020F0502020204030204" pitchFamily="34" charset="0"/>
+                <a:cs typeface="Times New Roman" panose="02020603050405020304" pitchFamily="18" charset="0"/>
+              </a:rPr>
+              <a:t> =&gt; ∃! </a:t>
+            </a:r>
+            <a:r>
+              <a:rPr lang="en-US" sz="1800" dirty="0" err="1">
+                <a:effectLst/>
+                <a:latin typeface="Times New Roman" panose="02020603050405020304" pitchFamily="18" charset="0"/>
+                <a:ea typeface="Calibri" panose="020F0502020204030204" pitchFamily="34" charset="0"/>
+                <a:cs typeface="Times New Roman" panose="02020603050405020304" pitchFamily="18" charset="0"/>
+              </a:rPr>
+              <a:t>t.TenCPU</a:t>
+            </a:r>
+            <a:r>
+              <a:rPr lang="en-US" sz="1800" dirty="0">
+                <a:effectLst/>
+                <a:latin typeface="Times New Roman" panose="02020603050405020304" pitchFamily="18" charset="0"/>
+                <a:ea typeface="Calibri" panose="020F0502020204030204" pitchFamily="34" charset="0"/>
+                <a:cs typeface="Times New Roman" panose="02020603050405020304" pitchFamily="18" charset="0"/>
+              </a:rPr>
+              <a:t>)</a:t>
+            </a:r>
+          </a:p>
+          <a:p>
+            <a:pPr marL="690563" marR="0">
+              <a:spcBef>
+                <a:spcPts val="0"/>
+              </a:spcBef>
+              <a:spcAft>
+                <a:spcPts val="800"/>
+              </a:spcAft>
+            </a:pPr>
+            <a:r>
+              <a:rPr lang="en-US" sz="1800" dirty="0">
+                <a:effectLst/>
+                <a:latin typeface="Times New Roman" panose="02020603050405020304" pitchFamily="18" charset="0"/>
+                <a:ea typeface="Calibri" panose="020F0502020204030204" pitchFamily="34" charset="0"/>
+                <a:cs typeface="Times New Roman" panose="02020603050405020304" pitchFamily="18" charset="0"/>
+              </a:rPr>
+              <a:t>	</a:t>
+            </a:r>
+            <a:r>
+              <a:rPr lang="en-US" sz="1800" dirty="0" err="1">
+                <a:effectLst/>
+                <a:latin typeface="Times New Roman" panose="02020603050405020304" pitchFamily="18" charset="0"/>
+                <a:ea typeface="Calibri" panose="020F0502020204030204" pitchFamily="34" charset="0"/>
+                <a:cs typeface="Times New Roman" panose="02020603050405020304" pitchFamily="18" charset="0"/>
+              </a:rPr>
+              <a:t>Bối</a:t>
+            </a:r>
+            <a:r>
+              <a:rPr lang="en-US" sz="1800" dirty="0">
+                <a:effectLst/>
+                <a:latin typeface="Times New Roman" panose="02020603050405020304" pitchFamily="18" charset="0"/>
+                <a:ea typeface="Calibri" panose="020F0502020204030204" pitchFamily="34" charset="0"/>
+                <a:cs typeface="Times New Roman" panose="02020603050405020304" pitchFamily="18" charset="0"/>
+              </a:rPr>
+              <a:t> </a:t>
+            </a:r>
+            <a:r>
+              <a:rPr lang="en-US" sz="1800" dirty="0" err="1">
+                <a:effectLst/>
+                <a:latin typeface="Times New Roman" panose="02020603050405020304" pitchFamily="18" charset="0"/>
+                <a:ea typeface="Calibri" panose="020F0502020204030204" pitchFamily="34" charset="0"/>
+                <a:cs typeface="Times New Roman" panose="02020603050405020304" pitchFamily="18" charset="0"/>
+              </a:rPr>
+              <a:t>cảnh</a:t>
+            </a:r>
+            <a:r>
+              <a:rPr lang="en-US" sz="1800" dirty="0">
+                <a:effectLst/>
+                <a:latin typeface="Times New Roman" panose="02020603050405020304" pitchFamily="18" charset="0"/>
+                <a:ea typeface="Calibri" panose="020F0502020204030204" pitchFamily="34" charset="0"/>
+                <a:cs typeface="Times New Roman" panose="02020603050405020304" pitchFamily="18" charset="0"/>
+              </a:rPr>
+              <a:t>: CPU</a:t>
+            </a:r>
+          </a:p>
+        </p:txBody>
+      </p:sp>
+    </p:spTree>
+    <p:extLst>
+      <p:ext uri="{BB962C8B-B14F-4D97-AF65-F5344CB8AC3E}">
+        <p14:creationId xmlns:p14="http://schemas.microsoft.com/office/powerpoint/2010/main" val="3232356665"/>
+      </p:ext>
+    </p:extLst>
+  </p:cSld>
+  <p:clrMapOvr>
+    <a:masterClrMapping/>
+  </p:clrMapOvr>
+  <mc:AlternateContent xmlns:mc="http://schemas.openxmlformats.org/markup-compatibility/2006" xmlns:p14="http://schemas.microsoft.com/office/powerpoint/2010/main">
+    <mc:Choice Requires="p14">
+      <p:transition spd="slow" p14:dur="800">
+        <p:circle/>
+      </p:transition>
+    </mc:Choice>
+    <mc:Fallback xmlns="">
+      <p:transition spd="slow">
+        <p:circle/>
+      </p:transition>
+    </mc:Fallback>
+  </mc:AlternateContent>
+</p:sld>
+</file>
+
+<file path=ppt/slides/slide22.xml><?xml version="1.0" encoding="utf-8"?>
+<p:sld xmlns:a="http://schemas.openxmlformats.org/drawingml/2006/main" xmlns:r="http://schemas.openxmlformats.org/officeDocument/2006/relationships" xmlns:p="http://schemas.openxmlformats.org/presentationml/2006/main">
+  <p:cSld>
+    <p:bg>
+      <p:bgPr>
+        <a:solidFill>
+          <a:srgbClr val="8FABB7"/>
+        </a:solidFill>
+        <a:effectLst/>
+      </p:bgPr>
+    </p:bg>
+    <p:spTree>
+      <p:nvGrpSpPr>
+        <p:cNvPr id="1" name=""/>
+        <p:cNvGrpSpPr/>
+        <p:nvPr/>
+      </p:nvGrpSpPr>
+      <p:grpSpPr>
+        <a:xfrm>
+          <a:off x="0" y="0"/>
+          <a:ext cx="0" cy="0"/>
+          <a:chOff x="0" y="0"/>
+          <a:chExt cx="0" cy="0"/>
+        </a:xfrm>
+      </p:grpSpPr>
+      <p:sp>
+        <p:nvSpPr>
+          <p:cNvPr id="4" name="Rectangle 3"/>
+          <p:cNvSpPr/>
+          <p:nvPr/>
+        </p:nvSpPr>
+        <p:spPr>
+          <a:xfrm>
+            <a:off x="358924" y="333286"/>
+            <a:ext cx="11459910" cy="6212792"/>
+          </a:xfrm>
+          <a:prstGeom prst="rect">
+            <a:avLst/>
+          </a:prstGeom>
+          <a:solidFill>
+            <a:srgbClr val="F8F8F8"/>
+          </a:solidFill>
+          <a:ln>
+            <a:noFill/>
+          </a:ln>
+        </p:spPr>
+        <p:style>
+          <a:lnRef idx="2">
+            <a:schemeClr val="accent1">
+              <a:shade val="50000"/>
+            </a:schemeClr>
+          </a:lnRef>
+          <a:fillRef idx="1">
+            <a:schemeClr val="accent1"/>
+          </a:fillRef>
+          <a:effectRef idx="0">
+            <a:schemeClr val="accent1"/>
+          </a:effectRef>
+          <a:fontRef idx="minor">
+            <a:schemeClr val="lt1"/>
+          </a:fontRef>
+        </p:style>
+        <p:txBody>
+          <a:bodyPr rtlCol="0" anchor="ctr"/>
+          <a:lstStyle/>
+          <a:p>
+            <a:pPr algn="ctr"/>
+            <a:endParaRPr lang="vi-VN" dirty="0"/>
+          </a:p>
+        </p:txBody>
+      </p:sp>
+      <p:cxnSp>
+        <p:nvCxnSpPr>
+          <p:cNvPr id="10" name="Straight Connector 9"/>
+          <p:cNvCxnSpPr/>
+          <p:nvPr/>
+        </p:nvCxnSpPr>
+        <p:spPr>
+          <a:xfrm flipV="1">
+            <a:off x="358924" y="856716"/>
+            <a:ext cx="11502640" cy="8545"/>
+          </a:xfrm>
+          <a:prstGeom prst="line">
+            <a:avLst/>
+          </a:prstGeom>
+          <a:ln w="19050">
+            <a:solidFill>
+              <a:srgbClr val="8FABB7"/>
+            </a:solidFill>
+            <a:prstDash val="dash"/>
+          </a:ln>
+        </p:spPr>
+        <p:style>
+          <a:lnRef idx="1">
+            <a:schemeClr val="accent1"/>
+          </a:lnRef>
+          <a:fillRef idx="0">
+            <a:schemeClr val="accent1"/>
+          </a:fillRef>
+          <a:effectRef idx="0">
+            <a:schemeClr val="accent1"/>
+          </a:effectRef>
+          <a:fontRef idx="minor">
+            <a:schemeClr val="tx1"/>
+          </a:fontRef>
+        </p:style>
+      </p:cxnSp>
+      <p:cxnSp>
+        <p:nvCxnSpPr>
+          <p:cNvPr id="14" name="Straight Connector 13"/>
+          <p:cNvCxnSpPr/>
+          <p:nvPr/>
+        </p:nvCxnSpPr>
+        <p:spPr>
+          <a:xfrm flipV="1">
+            <a:off x="358924" y="6145138"/>
+            <a:ext cx="11502640" cy="8545"/>
+          </a:xfrm>
+          <a:prstGeom prst="line">
+            <a:avLst/>
+          </a:prstGeom>
+          <a:ln w="19050">
+            <a:solidFill>
+              <a:srgbClr val="8FABB7"/>
+            </a:solidFill>
+            <a:prstDash val="dash"/>
+          </a:ln>
+        </p:spPr>
+        <p:style>
+          <a:lnRef idx="1">
+            <a:schemeClr val="accent1"/>
+          </a:lnRef>
+          <a:fillRef idx="0">
+            <a:schemeClr val="accent1"/>
+          </a:fillRef>
+          <a:effectRef idx="0">
+            <a:schemeClr val="accent1"/>
+          </a:effectRef>
+          <a:fontRef idx="minor">
+            <a:schemeClr val="tx1"/>
+          </a:fontRef>
+        </p:style>
+      </p:cxnSp>
+      <p:sp>
+        <p:nvSpPr>
+          <p:cNvPr id="5" name="TextBox 4"/>
+          <p:cNvSpPr txBox="1"/>
+          <p:nvPr/>
+        </p:nvSpPr>
+        <p:spPr>
+          <a:xfrm>
+            <a:off x="914400" y="865261"/>
+            <a:ext cx="10348958" cy="3628429"/>
+          </a:xfrm>
+          <a:prstGeom prst="rect">
+            <a:avLst/>
+          </a:prstGeom>
+          <a:noFill/>
+        </p:spPr>
+        <p:txBody>
+          <a:bodyPr wrap="square" rtlCol="0">
+            <a:spAutoFit/>
+          </a:bodyPr>
+          <a:lstStyle/>
+          <a:p>
+            <a:r>
+              <a:rPr lang="vi-VN" sz="3000" b="1" dirty="0"/>
+              <a:t>Các ràng buộc toàn vẹn</a:t>
+            </a:r>
+          </a:p>
+          <a:p>
+            <a:pPr marL="690563" marR="0">
+              <a:lnSpc>
+                <a:spcPct val="107000"/>
+              </a:lnSpc>
+              <a:spcBef>
+                <a:spcPts val="0"/>
+              </a:spcBef>
+              <a:spcAft>
+                <a:spcPts val="800"/>
+              </a:spcAft>
+            </a:pPr>
+            <a:r>
+              <a:rPr lang="en-US" sz="1800" dirty="0">
+                <a:effectLst/>
+                <a:latin typeface="Times New Roman" panose="02020603050405020304" pitchFamily="18" charset="0"/>
+                <a:ea typeface="Calibri" panose="020F0502020204030204" pitchFamily="34" charset="0"/>
+                <a:cs typeface="Times New Roman" panose="02020603050405020304" pitchFamily="18" charset="0"/>
+              </a:rPr>
+              <a:t>RB-4: </a:t>
+            </a:r>
+          </a:p>
+          <a:p>
+            <a:pPr marL="690563" marR="0">
+              <a:lnSpc>
+                <a:spcPct val="107000"/>
+              </a:lnSpc>
+              <a:spcBef>
+                <a:spcPts val="0"/>
+              </a:spcBef>
+              <a:spcAft>
+                <a:spcPts val="800"/>
+              </a:spcAft>
+              <a:buFont typeface="Wingdings" panose="05000000000000000000" pitchFamily="2" charset="2"/>
+              <a:buChar char="q"/>
+            </a:pPr>
+            <a:r>
+              <a:rPr lang="en-US" sz="1800" dirty="0">
+                <a:effectLst/>
+                <a:latin typeface="Times New Roman" panose="02020603050405020304" pitchFamily="18" charset="0"/>
+                <a:ea typeface="Calibri" panose="020F0502020204030204" pitchFamily="34" charset="0"/>
+                <a:cs typeface="Times New Roman" panose="02020603050405020304" pitchFamily="18" charset="0"/>
+              </a:rPr>
+              <a:t>	</a:t>
+            </a:r>
+            <a:r>
+              <a:rPr lang="en-US" sz="1800" dirty="0" err="1">
+                <a:effectLst/>
+                <a:latin typeface="Times New Roman" panose="02020603050405020304" pitchFamily="18" charset="0"/>
+                <a:ea typeface="Calibri" panose="020F0502020204030204" pitchFamily="34" charset="0"/>
+                <a:cs typeface="Times New Roman" panose="02020603050405020304" pitchFamily="18" charset="0"/>
+              </a:rPr>
+              <a:t>Mã</a:t>
+            </a:r>
+            <a:r>
+              <a:rPr lang="en-US" sz="1800" dirty="0">
+                <a:effectLst/>
+                <a:latin typeface="Times New Roman" panose="02020603050405020304" pitchFamily="18" charset="0"/>
+                <a:ea typeface="Calibri" panose="020F0502020204030204" pitchFamily="34" charset="0"/>
+                <a:cs typeface="Times New Roman" panose="02020603050405020304" pitchFamily="18" charset="0"/>
+              </a:rPr>
+              <a:t> </a:t>
+            </a:r>
+            <a:r>
+              <a:rPr lang="en-US" sz="1800" dirty="0" err="1">
+                <a:effectLst/>
+                <a:latin typeface="Times New Roman" panose="02020603050405020304" pitchFamily="18" charset="0"/>
+                <a:ea typeface="Calibri" panose="020F0502020204030204" pitchFamily="34" charset="0"/>
+                <a:cs typeface="Times New Roman" panose="02020603050405020304" pitchFamily="18" charset="0"/>
+              </a:rPr>
+              <a:t>cửa</a:t>
+            </a:r>
+            <a:r>
+              <a:rPr lang="en-US" sz="1800" dirty="0">
+                <a:effectLst/>
+                <a:latin typeface="Times New Roman" panose="02020603050405020304" pitchFamily="18" charset="0"/>
+                <a:ea typeface="Calibri" panose="020F0502020204030204" pitchFamily="34" charset="0"/>
+                <a:cs typeface="Times New Roman" panose="02020603050405020304" pitchFamily="18" charset="0"/>
+              </a:rPr>
+              <a:t> </a:t>
+            </a:r>
+            <a:r>
+              <a:rPr lang="en-US" sz="1800" dirty="0" err="1">
+                <a:effectLst/>
+                <a:latin typeface="Times New Roman" panose="02020603050405020304" pitchFamily="18" charset="0"/>
+                <a:ea typeface="Calibri" panose="020F0502020204030204" pitchFamily="34" charset="0"/>
+                <a:cs typeface="Times New Roman" panose="02020603050405020304" pitchFamily="18" charset="0"/>
+              </a:rPr>
+              <a:t>hàng</a:t>
+            </a:r>
+            <a:r>
+              <a:rPr lang="en-US" sz="1800" dirty="0">
+                <a:effectLst/>
+                <a:latin typeface="Times New Roman" panose="02020603050405020304" pitchFamily="18" charset="0"/>
+                <a:ea typeface="Calibri" panose="020F0502020204030204" pitchFamily="34" charset="0"/>
+                <a:cs typeface="Times New Roman" panose="02020603050405020304" pitchFamily="18" charset="0"/>
+              </a:rPr>
+              <a:t> </a:t>
+            </a:r>
+            <a:r>
+              <a:rPr lang="en-US" sz="1800" dirty="0" err="1">
+                <a:effectLst/>
+                <a:latin typeface="Times New Roman" panose="02020603050405020304" pitchFamily="18" charset="0"/>
+                <a:ea typeface="Calibri" panose="020F0502020204030204" pitchFamily="34" charset="0"/>
+                <a:cs typeface="Times New Roman" panose="02020603050405020304" pitchFamily="18" charset="0"/>
+              </a:rPr>
+              <a:t>là</a:t>
+            </a:r>
+            <a:r>
+              <a:rPr lang="en-US" sz="1800" dirty="0">
+                <a:effectLst/>
+                <a:latin typeface="Times New Roman" panose="02020603050405020304" pitchFamily="18" charset="0"/>
+                <a:ea typeface="Calibri" panose="020F0502020204030204" pitchFamily="34" charset="0"/>
+                <a:cs typeface="Times New Roman" panose="02020603050405020304" pitchFamily="18" charset="0"/>
+              </a:rPr>
+              <a:t> </a:t>
+            </a:r>
+            <a:r>
+              <a:rPr lang="en-US" sz="1800" dirty="0" err="1">
+                <a:effectLst/>
+                <a:latin typeface="Times New Roman" panose="02020603050405020304" pitchFamily="18" charset="0"/>
+                <a:ea typeface="Calibri" panose="020F0502020204030204" pitchFamily="34" charset="0"/>
+                <a:cs typeface="Times New Roman" panose="02020603050405020304" pitchFamily="18" charset="0"/>
+              </a:rPr>
+              <a:t>duy</a:t>
+            </a:r>
+            <a:r>
+              <a:rPr lang="en-US" sz="1800" dirty="0">
+                <a:effectLst/>
+                <a:latin typeface="Times New Roman" panose="02020603050405020304" pitchFamily="18" charset="0"/>
+                <a:ea typeface="Calibri" panose="020F0502020204030204" pitchFamily="34" charset="0"/>
+                <a:cs typeface="Times New Roman" panose="02020603050405020304" pitchFamily="18" charset="0"/>
+              </a:rPr>
+              <a:t> </a:t>
+            </a:r>
+            <a:r>
+              <a:rPr lang="en-US" sz="1800" dirty="0" err="1">
+                <a:effectLst/>
+                <a:latin typeface="Times New Roman" panose="02020603050405020304" pitchFamily="18" charset="0"/>
+                <a:ea typeface="Calibri" panose="020F0502020204030204" pitchFamily="34" charset="0"/>
+                <a:cs typeface="Times New Roman" panose="02020603050405020304" pitchFamily="18" charset="0"/>
+              </a:rPr>
+              <a:t>nhất</a:t>
+            </a:r>
+            <a:r>
+              <a:rPr lang="en-US" sz="1800" dirty="0">
+                <a:effectLst/>
+                <a:latin typeface="Times New Roman" panose="02020603050405020304" pitchFamily="18" charset="0"/>
+                <a:ea typeface="Calibri" panose="020F0502020204030204" pitchFamily="34" charset="0"/>
+                <a:cs typeface="Times New Roman" panose="02020603050405020304" pitchFamily="18" charset="0"/>
+              </a:rPr>
+              <a:t>.</a:t>
+            </a:r>
+          </a:p>
+          <a:p>
+            <a:pPr marL="690563" marR="0">
+              <a:lnSpc>
+                <a:spcPct val="107000"/>
+              </a:lnSpc>
+              <a:spcBef>
+                <a:spcPts val="0"/>
+              </a:spcBef>
+              <a:spcAft>
+                <a:spcPts val="800"/>
+              </a:spcAft>
+              <a:buFont typeface="Wingdings" panose="05000000000000000000" pitchFamily="2" charset="2"/>
+              <a:buChar char="q"/>
+            </a:pPr>
+            <a:r>
+              <a:rPr lang="en-US" sz="1800" dirty="0">
+                <a:effectLst/>
+                <a:latin typeface="Times New Roman" panose="02020603050405020304" pitchFamily="18" charset="0"/>
+                <a:ea typeface="Calibri" panose="020F0502020204030204" pitchFamily="34" charset="0"/>
+                <a:cs typeface="Times New Roman" panose="02020603050405020304" pitchFamily="18" charset="0"/>
+              </a:rPr>
+              <a:t>	∀t1, t2 ∈ </a:t>
+            </a:r>
+            <a:r>
+              <a:rPr lang="en-US" sz="1800" dirty="0" err="1">
+                <a:effectLst/>
+                <a:latin typeface="Times New Roman" panose="02020603050405020304" pitchFamily="18" charset="0"/>
+                <a:ea typeface="Calibri" panose="020F0502020204030204" pitchFamily="34" charset="0"/>
+                <a:cs typeface="Times New Roman" panose="02020603050405020304" pitchFamily="18" charset="0"/>
+              </a:rPr>
+              <a:t>CuaHang</a:t>
+            </a:r>
+            <a:r>
+              <a:rPr lang="en-US" sz="1800" dirty="0">
+                <a:effectLst/>
+                <a:latin typeface="Times New Roman" panose="02020603050405020304" pitchFamily="18" charset="0"/>
+                <a:ea typeface="Calibri" panose="020F0502020204030204" pitchFamily="34" charset="0"/>
+                <a:cs typeface="Times New Roman" panose="02020603050405020304" pitchFamily="18" charset="0"/>
+              </a:rPr>
+              <a:t> (t1≠ t2 ⇒ t1.MaCuaHang ≠ t2.MaCuaHang)</a:t>
+            </a:r>
+          </a:p>
+          <a:p>
+            <a:pPr marL="690563" marR="0">
+              <a:lnSpc>
+                <a:spcPct val="107000"/>
+              </a:lnSpc>
+              <a:spcBef>
+                <a:spcPts val="0"/>
+              </a:spcBef>
+              <a:spcAft>
+                <a:spcPts val="800"/>
+              </a:spcAft>
+            </a:pPr>
+            <a:r>
+              <a:rPr lang="en-US" sz="1800" dirty="0">
+                <a:effectLst/>
+                <a:latin typeface="Times New Roman" panose="02020603050405020304" pitchFamily="18" charset="0"/>
+                <a:ea typeface="Calibri" panose="020F0502020204030204" pitchFamily="34" charset="0"/>
+                <a:cs typeface="Times New Roman" panose="02020603050405020304" pitchFamily="18" charset="0"/>
+              </a:rPr>
+              <a:t>	</a:t>
+            </a:r>
+            <a:r>
+              <a:rPr lang="en-US" sz="1800" dirty="0" err="1">
+                <a:effectLst/>
+                <a:latin typeface="Times New Roman" panose="02020603050405020304" pitchFamily="18" charset="0"/>
+                <a:ea typeface="Calibri" panose="020F0502020204030204" pitchFamily="34" charset="0"/>
+                <a:cs typeface="Times New Roman" panose="02020603050405020304" pitchFamily="18" charset="0"/>
+              </a:rPr>
+              <a:t>Bối</a:t>
+            </a:r>
+            <a:r>
+              <a:rPr lang="en-US" sz="1800" dirty="0">
+                <a:effectLst/>
+                <a:latin typeface="Times New Roman" panose="02020603050405020304" pitchFamily="18" charset="0"/>
+                <a:ea typeface="Calibri" panose="020F0502020204030204" pitchFamily="34" charset="0"/>
+                <a:cs typeface="Times New Roman" panose="02020603050405020304" pitchFamily="18" charset="0"/>
+              </a:rPr>
+              <a:t> </a:t>
+            </a:r>
+            <a:r>
+              <a:rPr lang="en-US" sz="1800" dirty="0" err="1">
+                <a:effectLst/>
+                <a:latin typeface="Times New Roman" panose="02020603050405020304" pitchFamily="18" charset="0"/>
+                <a:ea typeface="Calibri" panose="020F0502020204030204" pitchFamily="34" charset="0"/>
+                <a:cs typeface="Times New Roman" panose="02020603050405020304" pitchFamily="18" charset="0"/>
+              </a:rPr>
+              <a:t>cảnh</a:t>
+            </a:r>
+            <a:r>
+              <a:rPr lang="en-US" sz="1800" dirty="0">
+                <a:effectLst/>
+                <a:latin typeface="Times New Roman" panose="02020603050405020304" pitchFamily="18" charset="0"/>
+                <a:ea typeface="Calibri" panose="020F0502020204030204" pitchFamily="34" charset="0"/>
+                <a:cs typeface="Times New Roman" panose="02020603050405020304" pitchFamily="18" charset="0"/>
+              </a:rPr>
+              <a:t>: </a:t>
+            </a:r>
+            <a:r>
+              <a:rPr lang="en-US" sz="1800" dirty="0" err="1">
+                <a:effectLst/>
+                <a:latin typeface="Times New Roman" panose="02020603050405020304" pitchFamily="18" charset="0"/>
+                <a:ea typeface="Calibri" panose="020F0502020204030204" pitchFamily="34" charset="0"/>
+                <a:cs typeface="Times New Roman" panose="02020603050405020304" pitchFamily="18" charset="0"/>
+              </a:rPr>
+              <a:t>CuaHang</a:t>
+            </a:r>
+            <a:endParaRPr lang="en-US" sz="1800" dirty="0">
+              <a:effectLst/>
+              <a:latin typeface="Times New Roman" panose="02020603050405020304" pitchFamily="18" charset="0"/>
+              <a:ea typeface="Calibri" panose="020F0502020204030204" pitchFamily="34" charset="0"/>
+              <a:cs typeface="Times New Roman" panose="02020603050405020304" pitchFamily="18" charset="0"/>
+            </a:endParaRPr>
+          </a:p>
+          <a:p>
+            <a:pPr marL="690563" marR="0">
+              <a:lnSpc>
+                <a:spcPct val="107000"/>
+              </a:lnSpc>
+              <a:spcBef>
+                <a:spcPts val="0"/>
+              </a:spcBef>
+              <a:spcAft>
+                <a:spcPts val="800"/>
+              </a:spcAft>
+            </a:pPr>
+            <a:r>
+              <a:rPr lang="en-US" sz="1800" dirty="0">
+                <a:effectLst/>
+                <a:latin typeface="Times New Roman" panose="02020603050405020304" pitchFamily="18" charset="0"/>
+                <a:ea typeface="Calibri" panose="020F0502020204030204" pitchFamily="34" charset="0"/>
+                <a:cs typeface="Times New Roman" panose="02020603050405020304" pitchFamily="18" charset="0"/>
+              </a:rPr>
+              <a:t>RB-5: </a:t>
+            </a:r>
+          </a:p>
+          <a:p>
+            <a:pPr marL="690563" marR="0">
+              <a:lnSpc>
+                <a:spcPct val="107000"/>
+              </a:lnSpc>
+              <a:spcBef>
+                <a:spcPts val="0"/>
+              </a:spcBef>
+              <a:spcAft>
+                <a:spcPts val="800"/>
+              </a:spcAft>
+              <a:buFont typeface="Wingdings" panose="05000000000000000000" pitchFamily="2" charset="2"/>
+              <a:buChar char="q"/>
+            </a:pPr>
+            <a:r>
+              <a:rPr lang="en-US" sz="1800" dirty="0">
+                <a:effectLst/>
+                <a:latin typeface="Times New Roman" panose="02020603050405020304" pitchFamily="18" charset="0"/>
+                <a:ea typeface="Calibri" panose="020F0502020204030204" pitchFamily="34" charset="0"/>
+                <a:cs typeface="Times New Roman" panose="02020603050405020304" pitchFamily="18" charset="0"/>
+              </a:rPr>
+              <a:t>	</a:t>
+            </a:r>
+            <a:r>
+              <a:rPr lang="en-US" sz="1800" dirty="0" err="1">
+                <a:effectLst/>
+                <a:latin typeface="Times New Roman" panose="02020603050405020304" pitchFamily="18" charset="0"/>
+                <a:ea typeface="Calibri" panose="020F0502020204030204" pitchFamily="34" charset="0"/>
+                <a:cs typeface="Times New Roman" panose="02020603050405020304" pitchFamily="18" charset="0"/>
+              </a:rPr>
+              <a:t>Mỗi</a:t>
+            </a:r>
+            <a:r>
+              <a:rPr lang="en-US" sz="1800" dirty="0">
+                <a:effectLst/>
+                <a:latin typeface="Times New Roman" panose="02020603050405020304" pitchFamily="18" charset="0"/>
+                <a:ea typeface="Calibri" panose="020F0502020204030204" pitchFamily="34" charset="0"/>
+                <a:cs typeface="Times New Roman" panose="02020603050405020304" pitchFamily="18" charset="0"/>
+              </a:rPr>
+              <a:t> </a:t>
+            </a:r>
+            <a:r>
+              <a:rPr lang="en-US" sz="1800" dirty="0" err="1">
+                <a:effectLst/>
+                <a:latin typeface="Times New Roman" panose="02020603050405020304" pitchFamily="18" charset="0"/>
+                <a:ea typeface="Calibri" panose="020F0502020204030204" pitchFamily="34" charset="0"/>
+                <a:cs typeface="Times New Roman" panose="02020603050405020304" pitchFamily="18" charset="0"/>
+              </a:rPr>
+              <a:t>đơn</a:t>
+            </a:r>
+            <a:r>
+              <a:rPr lang="en-US" sz="1800" dirty="0">
+                <a:effectLst/>
+                <a:latin typeface="Times New Roman" panose="02020603050405020304" pitchFamily="18" charset="0"/>
+                <a:ea typeface="Calibri" panose="020F0502020204030204" pitchFamily="34" charset="0"/>
+                <a:cs typeface="Times New Roman" panose="02020603050405020304" pitchFamily="18" charset="0"/>
+              </a:rPr>
+              <a:t> </a:t>
+            </a:r>
+            <a:r>
+              <a:rPr lang="en-US" sz="1800" dirty="0" err="1">
+                <a:effectLst/>
+                <a:latin typeface="Times New Roman" panose="02020603050405020304" pitchFamily="18" charset="0"/>
+                <a:ea typeface="Calibri" panose="020F0502020204030204" pitchFamily="34" charset="0"/>
+                <a:cs typeface="Times New Roman" panose="02020603050405020304" pitchFamily="18" charset="0"/>
+              </a:rPr>
+              <a:t>hàng</a:t>
+            </a:r>
+            <a:r>
+              <a:rPr lang="en-US" sz="1800" dirty="0">
+                <a:effectLst/>
+                <a:latin typeface="Times New Roman" panose="02020603050405020304" pitchFamily="18" charset="0"/>
+                <a:ea typeface="Calibri" panose="020F0502020204030204" pitchFamily="34" charset="0"/>
+                <a:cs typeface="Times New Roman" panose="02020603050405020304" pitchFamily="18" charset="0"/>
+              </a:rPr>
+              <a:t> </a:t>
+            </a:r>
+            <a:r>
+              <a:rPr lang="en-US" sz="1800" dirty="0" err="1">
+                <a:effectLst/>
+                <a:latin typeface="Times New Roman" panose="02020603050405020304" pitchFamily="18" charset="0"/>
+                <a:ea typeface="Calibri" panose="020F0502020204030204" pitchFamily="34" charset="0"/>
+                <a:cs typeface="Times New Roman" panose="02020603050405020304" pitchFamily="18" charset="0"/>
+              </a:rPr>
+              <a:t>thì</a:t>
+            </a:r>
+            <a:r>
+              <a:rPr lang="en-US" sz="1800" dirty="0">
+                <a:effectLst/>
+                <a:latin typeface="Times New Roman" panose="02020603050405020304" pitchFamily="18" charset="0"/>
+                <a:ea typeface="Calibri" panose="020F0502020204030204" pitchFamily="34" charset="0"/>
+                <a:cs typeface="Times New Roman" panose="02020603050405020304" pitchFamily="18" charset="0"/>
+              </a:rPr>
+              <a:t> </a:t>
+            </a:r>
+            <a:r>
+              <a:rPr lang="en-US" sz="1800" dirty="0" err="1">
+                <a:effectLst/>
+                <a:latin typeface="Times New Roman" panose="02020603050405020304" pitchFamily="18" charset="0"/>
+                <a:ea typeface="Calibri" panose="020F0502020204030204" pitchFamily="34" charset="0"/>
+                <a:cs typeface="Times New Roman" panose="02020603050405020304" pitchFamily="18" charset="0"/>
+              </a:rPr>
+              <a:t>phải</a:t>
+            </a:r>
+            <a:r>
+              <a:rPr lang="en-US" sz="1800" dirty="0">
+                <a:effectLst/>
+                <a:latin typeface="Times New Roman" panose="02020603050405020304" pitchFamily="18" charset="0"/>
+                <a:ea typeface="Calibri" panose="020F0502020204030204" pitchFamily="34" charset="0"/>
+                <a:cs typeface="Times New Roman" panose="02020603050405020304" pitchFamily="18" charset="0"/>
+              </a:rPr>
+              <a:t> </a:t>
+            </a:r>
+            <a:r>
+              <a:rPr lang="en-US" sz="1800" dirty="0" err="1">
+                <a:effectLst/>
+                <a:latin typeface="Times New Roman" panose="02020603050405020304" pitchFamily="18" charset="0"/>
+                <a:ea typeface="Calibri" panose="020F0502020204030204" pitchFamily="34" charset="0"/>
+                <a:cs typeface="Times New Roman" panose="02020603050405020304" pitchFamily="18" charset="0"/>
+              </a:rPr>
+              <a:t>có</a:t>
+            </a:r>
+            <a:r>
+              <a:rPr lang="en-US" sz="1800" dirty="0">
+                <a:effectLst/>
+                <a:latin typeface="Times New Roman" panose="02020603050405020304" pitchFamily="18" charset="0"/>
+                <a:ea typeface="Calibri" panose="020F0502020204030204" pitchFamily="34" charset="0"/>
+                <a:cs typeface="Times New Roman" panose="02020603050405020304" pitchFamily="18" charset="0"/>
+              </a:rPr>
+              <a:t> </a:t>
+            </a:r>
+            <a:r>
+              <a:rPr lang="en-US" sz="1800" dirty="0" err="1">
+                <a:effectLst/>
+                <a:latin typeface="Times New Roman" panose="02020603050405020304" pitchFamily="18" charset="0"/>
+                <a:ea typeface="Calibri" panose="020F0502020204030204" pitchFamily="34" charset="0"/>
+                <a:cs typeface="Times New Roman" panose="02020603050405020304" pitchFamily="18" charset="0"/>
+              </a:rPr>
+              <a:t>nhân</a:t>
+            </a:r>
+            <a:r>
+              <a:rPr lang="en-US" sz="1800" dirty="0">
+                <a:effectLst/>
+                <a:latin typeface="Times New Roman" panose="02020603050405020304" pitchFamily="18" charset="0"/>
+                <a:ea typeface="Calibri" panose="020F0502020204030204" pitchFamily="34" charset="0"/>
+                <a:cs typeface="Times New Roman" panose="02020603050405020304" pitchFamily="18" charset="0"/>
+              </a:rPr>
+              <a:t> </a:t>
+            </a:r>
+            <a:r>
+              <a:rPr lang="en-US" sz="1800" dirty="0" err="1">
+                <a:effectLst/>
+                <a:latin typeface="Times New Roman" panose="02020603050405020304" pitchFamily="18" charset="0"/>
+                <a:ea typeface="Calibri" panose="020F0502020204030204" pitchFamily="34" charset="0"/>
+                <a:cs typeface="Times New Roman" panose="02020603050405020304" pitchFamily="18" charset="0"/>
+              </a:rPr>
+              <a:t>viên</a:t>
+            </a:r>
+            <a:r>
+              <a:rPr lang="en-US" sz="1800" dirty="0">
+                <a:effectLst/>
+                <a:latin typeface="Times New Roman" panose="02020603050405020304" pitchFamily="18" charset="0"/>
+                <a:ea typeface="Calibri" panose="020F0502020204030204" pitchFamily="34" charset="0"/>
+                <a:cs typeface="Times New Roman" panose="02020603050405020304" pitchFamily="18" charset="0"/>
+              </a:rPr>
+              <a:t> </a:t>
+            </a:r>
+            <a:r>
+              <a:rPr lang="en-US" sz="1800" dirty="0" err="1">
+                <a:effectLst/>
+                <a:latin typeface="Times New Roman" panose="02020603050405020304" pitchFamily="18" charset="0"/>
+                <a:ea typeface="Calibri" panose="020F0502020204030204" pitchFamily="34" charset="0"/>
+                <a:cs typeface="Times New Roman" panose="02020603050405020304" pitchFamily="18" charset="0"/>
+              </a:rPr>
+              <a:t>nhận</a:t>
+            </a:r>
+            <a:r>
+              <a:rPr lang="en-US" sz="1800" dirty="0">
+                <a:effectLst/>
+                <a:latin typeface="Times New Roman" panose="02020603050405020304" pitchFamily="18" charset="0"/>
+                <a:ea typeface="Calibri" panose="020F0502020204030204" pitchFamily="34" charset="0"/>
+                <a:cs typeface="Times New Roman" panose="02020603050405020304" pitchFamily="18" charset="0"/>
+              </a:rPr>
+              <a:t> </a:t>
+            </a:r>
+            <a:r>
+              <a:rPr lang="en-US" sz="1800" dirty="0" err="1">
+                <a:effectLst/>
+                <a:latin typeface="Times New Roman" panose="02020603050405020304" pitchFamily="18" charset="0"/>
+                <a:ea typeface="Calibri" panose="020F0502020204030204" pitchFamily="34" charset="0"/>
+                <a:cs typeface="Times New Roman" panose="02020603050405020304" pitchFamily="18" charset="0"/>
+              </a:rPr>
+              <a:t>đơn</a:t>
+            </a:r>
+            <a:r>
+              <a:rPr lang="en-US" sz="1800" dirty="0">
+                <a:effectLst/>
+                <a:latin typeface="Times New Roman" panose="02020603050405020304" pitchFamily="18" charset="0"/>
+                <a:ea typeface="Calibri" panose="020F0502020204030204" pitchFamily="34" charset="0"/>
+                <a:cs typeface="Times New Roman" panose="02020603050405020304" pitchFamily="18" charset="0"/>
+              </a:rPr>
+              <a:t> </a:t>
+            </a:r>
+            <a:r>
+              <a:rPr lang="en-US" sz="1800" dirty="0" err="1">
+                <a:effectLst/>
+                <a:latin typeface="Times New Roman" panose="02020603050405020304" pitchFamily="18" charset="0"/>
+                <a:ea typeface="Calibri" panose="020F0502020204030204" pitchFamily="34" charset="0"/>
+                <a:cs typeface="Times New Roman" panose="02020603050405020304" pitchFamily="18" charset="0"/>
+              </a:rPr>
+              <a:t>đặt</a:t>
+            </a:r>
+            <a:r>
+              <a:rPr lang="en-US" sz="1800" dirty="0">
+                <a:effectLst/>
+                <a:latin typeface="Times New Roman" panose="02020603050405020304" pitchFamily="18" charset="0"/>
+                <a:ea typeface="Calibri" panose="020F0502020204030204" pitchFamily="34" charset="0"/>
+                <a:cs typeface="Times New Roman" panose="02020603050405020304" pitchFamily="18" charset="0"/>
+              </a:rPr>
+              <a:t> </a:t>
+            </a:r>
+            <a:r>
+              <a:rPr lang="en-US" sz="1800" dirty="0" err="1">
+                <a:effectLst/>
+                <a:latin typeface="Times New Roman" panose="02020603050405020304" pitchFamily="18" charset="0"/>
+                <a:ea typeface="Calibri" panose="020F0502020204030204" pitchFamily="34" charset="0"/>
+                <a:cs typeface="Times New Roman" panose="02020603050405020304" pitchFamily="18" charset="0"/>
+              </a:rPr>
+              <a:t>hàng</a:t>
+            </a:r>
+            <a:r>
+              <a:rPr lang="en-US" sz="1800" dirty="0">
+                <a:effectLst/>
+                <a:latin typeface="Times New Roman" panose="02020603050405020304" pitchFamily="18" charset="0"/>
+                <a:ea typeface="Calibri" panose="020F0502020204030204" pitchFamily="34" charset="0"/>
+                <a:cs typeface="Times New Roman" panose="02020603050405020304" pitchFamily="18" charset="0"/>
+              </a:rPr>
+              <a:t>.</a:t>
+            </a:r>
+          </a:p>
+          <a:p>
+            <a:pPr marL="690563" marR="0">
+              <a:lnSpc>
+                <a:spcPct val="107000"/>
+              </a:lnSpc>
+              <a:spcBef>
+                <a:spcPts val="0"/>
+              </a:spcBef>
+              <a:spcAft>
+                <a:spcPts val="800"/>
+              </a:spcAft>
+              <a:buFont typeface="Wingdings" panose="05000000000000000000" pitchFamily="2" charset="2"/>
+              <a:buChar char="q"/>
+            </a:pPr>
+            <a:r>
+              <a:rPr lang="en-US" sz="1800" dirty="0">
+                <a:effectLst/>
+                <a:latin typeface="Times New Roman" panose="02020603050405020304" pitchFamily="18" charset="0"/>
+                <a:ea typeface="Calibri" panose="020F0502020204030204" pitchFamily="34" charset="0"/>
+                <a:cs typeface="Times New Roman" panose="02020603050405020304" pitchFamily="18" charset="0"/>
+              </a:rPr>
+              <a:t>	∀t ∈ </a:t>
+            </a:r>
+            <a:r>
+              <a:rPr lang="en-US" sz="1800" dirty="0" err="1">
+                <a:effectLst/>
+                <a:latin typeface="Times New Roman" panose="02020603050405020304" pitchFamily="18" charset="0"/>
+                <a:ea typeface="Calibri" panose="020F0502020204030204" pitchFamily="34" charset="0"/>
+                <a:cs typeface="Times New Roman" panose="02020603050405020304" pitchFamily="18" charset="0"/>
+              </a:rPr>
+              <a:t>DonHang</a:t>
+            </a:r>
+            <a:r>
+              <a:rPr lang="en-US" sz="1800" dirty="0">
+                <a:effectLst/>
+                <a:latin typeface="Times New Roman" panose="02020603050405020304" pitchFamily="18" charset="0"/>
+                <a:ea typeface="Calibri" panose="020F0502020204030204" pitchFamily="34" charset="0"/>
+                <a:cs typeface="Times New Roman" panose="02020603050405020304" pitchFamily="18" charset="0"/>
+              </a:rPr>
+              <a:t> (∃u ∈ NHANVIEN (</a:t>
+            </a:r>
+            <a:r>
+              <a:rPr lang="en-US" sz="1800" dirty="0" err="1">
+                <a:effectLst/>
+                <a:latin typeface="Times New Roman" panose="02020603050405020304" pitchFamily="18" charset="0"/>
+                <a:ea typeface="Calibri" panose="020F0502020204030204" pitchFamily="34" charset="0"/>
+                <a:cs typeface="Times New Roman" panose="02020603050405020304" pitchFamily="18" charset="0"/>
+              </a:rPr>
+              <a:t>u.MaNV</a:t>
+            </a:r>
+            <a:r>
+              <a:rPr lang="en-US" sz="1800" dirty="0">
+                <a:effectLst/>
+                <a:latin typeface="Times New Roman" panose="02020603050405020304" pitchFamily="18" charset="0"/>
+                <a:ea typeface="Calibri" panose="020F0502020204030204" pitchFamily="34" charset="0"/>
+                <a:cs typeface="Times New Roman" panose="02020603050405020304" pitchFamily="18" charset="0"/>
+              </a:rPr>
+              <a:t>= </a:t>
+            </a:r>
+            <a:r>
+              <a:rPr lang="en-US" sz="1800" dirty="0" err="1">
+                <a:effectLst/>
+                <a:latin typeface="Times New Roman" panose="02020603050405020304" pitchFamily="18" charset="0"/>
+                <a:ea typeface="Calibri" panose="020F0502020204030204" pitchFamily="34" charset="0"/>
+                <a:cs typeface="Times New Roman" panose="02020603050405020304" pitchFamily="18" charset="0"/>
+              </a:rPr>
+              <a:t>t.MaNV</a:t>
+            </a:r>
+            <a:r>
+              <a:rPr lang="en-US" sz="1800" dirty="0">
+                <a:effectLst/>
+                <a:latin typeface="Times New Roman" panose="02020603050405020304" pitchFamily="18" charset="0"/>
+                <a:ea typeface="Calibri" panose="020F0502020204030204" pitchFamily="34" charset="0"/>
+                <a:cs typeface="Times New Roman" panose="02020603050405020304" pitchFamily="18" charset="0"/>
+              </a:rPr>
+              <a:t>))</a:t>
+            </a:r>
+          </a:p>
+          <a:p>
+            <a:pPr marL="690563" marR="0">
+              <a:lnSpc>
+                <a:spcPct val="107000"/>
+              </a:lnSpc>
+              <a:spcBef>
+                <a:spcPts val="0"/>
+              </a:spcBef>
+              <a:spcAft>
+                <a:spcPts val="800"/>
+              </a:spcAft>
+            </a:pPr>
+            <a:r>
+              <a:rPr lang="en-US" sz="1800" dirty="0">
+                <a:effectLst/>
+                <a:latin typeface="Times New Roman" panose="02020603050405020304" pitchFamily="18" charset="0"/>
+                <a:ea typeface="Calibri" panose="020F0502020204030204" pitchFamily="34" charset="0"/>
+                <a:cs typeface="Times New Roman" panose="02020603050405020304" pitchFamily="18" charset="0"/>
+              </a:rPr>
+              <a:t>	</a:t>
+            </a:r>
+            <a:r>
+              <a:rPr lang="en-US" sz="1800" dirty="0" err="1">
+                <a:effectLst/>
+                <a:latin typeface="Times New Roman" panose="02020603050405020304" pitchFamily="18" charset="0"/>
+                <a:ea typeface="Calibri" panose="020F0502020204030204" pitchFamily="34" charset="0"/>
+                <a:cs typeface="Times New Roman" panose="02020603050405020304" pitchFamily="18" charset="0"/>
+              </a:rPr>
+              <a:t>Bối</a:t>
+            </a:r>
+            <a:r>
+              <a:rPr lang="en-US" sz="1800" dirty="0">
+                <a:effectLst/>
+                <a:latin typeface="Times New Roman" panose="02020603050405020304" pitchFamily="18" charset="0"/>
+                <a:ea typeface="Calibri" panose="020F0502020204030204" pitchFamily="34" charset="0"/>
+                <a:cs typeface="Times New Roman" panose="02020603050405020304" pitchFamily="18" charset="0"/>
+              </a:rPr>
+              <a:t> </a:t>
+            </a:r>
+            <a:r>
+              <a:rPr lang="en-US" sz="1800" dirty="0" err="1">
+                <a:effectLst/>
+                <a:latin typeface="Times New Roman" panose="02020603050405020304" pitchFamily="18" charset="0"/>
+                <a:ea typeface="Calibri" panose="020F0502020204030204" pitchFamily="34" charset="0"/>
+                <a:cs typeface="Times New Roman" panose="02020603050405020304" pitchFamily="18" charset="0"/>
+              </a:rPr>
+              <a:t>cảnh:NhanVien</a:t>
+            </a:r>
+            <a:r>
+              <a:rPr lang="en-US" sz="1800" dirty="0">
+                <a:effectLst/>
+                <a:latin typeface="Times New Roman" panose="02020603050405020304" pitchFamily="18" charset="0"/>
+                <a:ea typeface="Calibri" panose="020F0502020204030204" pitchFamily="34" charset="0"/>
+                <a:cs typeface="Times New Roman" panose="02020603050405020304" pitchFamily="18" charset="0"/>
+              </a:rPr>
+              <a:t>, </a:t>
+            </a:r>
+            <a:r>
+              <a:rPr lang="en-US" sz="1800" dirty="0" err="1">
+                <a:effectLst/>
+                <a:latin typeface="Times New Roman" panose="02020603050405020304" pitchFamily="18" charset="0"/>
+                <a:ea typeface="Calibri" panose="020F0502020204030204" pitchFamily="34" charset="0"/>
+                <a:cs typeface="Times New Roman" panose="02020603050405020304" pitchFamily="18" charset="0"/>
+              </a:rPr>
+              <a:t>DonHang</a:t>
+            </a:r>
+            <a:endParaRPr lang="en-US" sz="1800" dirty="0">
+              <a:effectLst/>
+              <a:latin typeface="Times New Roman" panose="02020603050405020304" pitchFamily="18" charset="0"/>
+              <a:ea typeface="Calibri" panose="020F0502020204030204" pitchFamily="34" charset="0"/>
+              <a:cs typeface="Times New Roman" panose="02020603050405020304" pitchFamily="18" charset="0"/>
+            </a:endParaRPr>
+          </a:p>
+        </p:txBody>
+      </p:sp>
+    </p:spTree>
+    <p:extLst>
+      <p:ext uri="{BB962C8B-B14F-4D97-AF65-F5344CB8AC3E}">
+        <p14:creationId xmlns:p14="http://schemas.microsoft.com/office/powerpoint/2010/main" val="3278687318"/>
+      </p:ext>
+    </p:extLst>
+  </p:cSld>
+  <p:clrMapOvr>
+    <a:masterClrMapping/>
+  </p:clrMapOvr>
+  <mc:AlternateContent xmlns:mc="http://schemas.openxmlformats.org/markup-compatibility/2006" xmlns:p14="http://schemas.microsoft.com/office/powerpoint/2010/main">
+    <mc:Choice Requires="p14">
+      <p:transition spd="slow" p14:dur="800">
+        <p:circle/>
+      </p:transition>
+    </mc:Choice>
+    <mc:Fallback xmlns="">
+      <p:transition spd="slow">
+        <p:circle/>
+      </p:transition>
+    </mc:Fallback>
+  </mc:AlternateContent>
+</p:sld>
+</file>
+
+<file path=ppt/slides/slide23.xml><?xml version="1.0" encoding="utf-8"?>
+<p:sld xmlns:a="http://schemas.openxmlformats.org/drawingml/2006/main" xmlns:r="http://schemas.openxmlformats.org/officeDocument/2006/relationships" xmlns:p="http://schemas.openxmlformats.org/presentationml/2006/main">
+  <p:cSld>
+    <p:bg>
+      <p:bgPr>
+        <a:solidFill>
+          <a:srgbClr val="8FABB7"/>
+        </a:solidFill>
+        <a:effectLst/>
+      </p:bgPr>
+    </p:bg>
+    <p:spTree>
+      <p:nvGrpSpPr>
+        <p:cNvPr id="1" name=""/>
+        <p:cNvGrpSpPr/>
+        <p:nvPr/>
+      </p:nvGrpSpPr>
+      <p:grpSpPr>
+        <a:xfrm>
+          <a:off x="0" y="0"/>
+          <a:ext cx="0" cy="0"/>
+          <a:chOff x="0" y="0"/>
+          <a:chExt cx="0" cy="0"/>
+        </a:xfrm>
+      </p:grpSpPr>
+      <p:sp>
+        <p:nvSpPr>
+          <p:cNvPr id="4" name="Rectangle 3"/>
+          <p:cNvSpPr/>
+          <p:nvPr/>
+        </p:nvSpPr>
+        <p:spPr>
+          <a:xfrm>
+            <a:off x="358924" y="333286"/>
+            <a:ext cx="11459910" cy="6212792"/>
+          </a:xfrm>
+          <a:prstGeom prst="rect">
+            <a:avLst/>
+          </a:prstGeom>
+          <a:solidFill>
+            <a:srgbClr val="F8F8F8"/>
+          </a:solidFill>
+          <a:ln>
+            <a:noFill/>
+          </a:ln>
+        </p:spPr>
+        <p:style>
+          <a:lnRef idx="2">
+            <a:schemeClr val="accent1">
+              <a:shade val="50000"/>
+            </a:schemeClr>
+          </a:lnRef>
+          <a:fillRef idx="1">
+            <a:schemeClr val="accent1"/>
+          </a:fillRef>
+          <a:effectRef idx="0">
+            <a:schemeClr val="accent1"/>
+          </a:effectRef>
+          <a:fontRef idx="minor">
+            <a:schemeClr val="lt1"/>
+          </a:fontRef>
+        </p:style>
+        <p:txBody>
+          <a:bodyPr rtlCol="0" anchor="ctr"/>
+          <a:lstStyle/>
+          <a:p>
+            <a:pPr algn="ctr"/>
+            <a:endParaRPr lang="vi-VN" dirty="0"/>
+          </a:p>
+        </p:txBody>
+      </p:sp>
+      <p:cxnSp>
+        <p:nvCxnSpPr>
+          <p:cNvPr id="10" name="Straight Connector 9"/>
+          <p:cNvCxnSpPr/>
+          <p:nvPr/>
+        </p:nvCxnSpPr>
+        <p:spPr>
+          <a:xfrm flipV="1">
+            <a:off x="358924" y="856716"/>
+            <a:ext cx="11502640" cy="8545"/>
+          </a:xfrm>
+          <a:prstGeom prst="line">
+            <a:avLst/>
+          </a:prstGeom>
+          <a:ln w="19050">
+            <a:solidFill>
+              <a:srgbClr val="8FABB7"/>
+            </a:solidFill>
+            <a:prstDash val="dash"/>
+          </a:ln>
+        </p:spPr>
+        <p:style>
+          <a:lnRef idx="1">
+            <a:schemeClr val="accent1"/>
+          </a:lnRef>
+          <a:fillRef idx="0">
+            <a:schemeClr val="accent1"/>
+          </a:fillRef>
+          <a:effectRef idx="0">
+            <a:schemeClr val="accent1"/>
+          </a:effectRef>
+          <a:fontRef idx="minor">
+            <a:schemeClr val="tx1"/>
+          </a:fontRef>
+        </p:style>
+      </p:cxnSp>
+      <p:cxnSp>
+        <p:nvCxnSpPr>
+          <p:cNvPr id="14" name="Straight Connector 13"/>
+          <p:cNvCxnSpPr/>
+          <p:nvPr/>
+        </p:nvCxnSpPr>
+        <p:spPr>
+          <a:xfrm flipV="1">
+            <a:off x="358924" y="6145138"/>
+            <a:ext cx="11502640" cy="8545"/>
+          </a:xfrm>
+          <a:prstGeom prst="line">
+            <a:avLst/>
+          </a:prstGeom>
+          <a:ln w="19050">
+            <a:solidFill>
+              <a:srgbClr val="8FABB7"/>
+            </a:solidFill>
+            <a:prstDash val="dash"/>
+          </a:ln>
+        </p:spPr>
+        <p:style>
+          <a:lnRef idx="1">
+            <a:schemeClr val="accent1"/>
+          </a:lnRef>
+          <a:fillRef idx="0">
+            <a:schemeClr val="accent1"/>
+          </a:fillRef>
+          <a:effectRef idx="0">
+            <a:schemeClr val="accent1"/>
+          </a:effectRef>
+          <a:fontRef idx="minor">
+            <a:schemeClr val="tx1"/>
+          </a:fontRef>
+        </p:style>
+      </p:cxnSp>
+      <p:sp>
+        <p:nvSpPr>
+          <p:cNvPr id="5" name="TextBox 4"/>
+          <p:cNvSpPr txBox="1"/>
+          <p:nvPr/>
+        </p:nvSpPr>
+        <p:spPr>
+          <a:xfrm>
+            <a:off x="914400" y="865261"/>
+            <a:ext cx="10348958" cy="553998"/>
+          </a:xfrm>
+          <a:prstGeom prst="rect">
+            <a:avLst/>
+          </a:prstGeom>
+          <a:noFill/>
+        </p:spPr>
+        <p:txBody>
+          <a:bodyPr wrap="square" rtlCol="0">
+            <a:spAutoFit/>
+          </a:bodyPr>
+          <a:lstStyle/>
+          <a:p>
+            <a:r>
+              <a:rPr lang="vi-VN" sz="3000" b="1" dirty="0"/>
+              <a:t>Bảng tầm ảnh hưởng tổng hợp</a:t>
+            </a:r>
+          </a:p>
+        </p:txBody>
+      </p:sp>
+      <p:pic>
+        <p:nvPicPr>
+          <p:cNvPr id="8" name="Picture 7" descr="A screenshot of a computer&#10;&#10;Description automatically generated with low confidence">
+            <a:extLst>
+              <a:ext uri="{FF2B5EF4-FFF2-40B4-BE49-F238E27FC236}">
+                <a16:creationId xmlns:a16="http://schemas.microsoft.com/office/drawing/2014/main" id="{06B6F130-A709-82D2-E11C-592D1377A4E2}"/>
+              </a:ext>
+            </a:extLst>
+          </p:cNvPr>
+          <p:cNvPicPr>
+            <a:picLocks noChangeAspect="1"/>
+          </p:cNvPicPr>
+          <p:nvPr/>
+        </p:nvPicPr>
+        <p:blipFill>
+          <a:blip r:embed="rId2">
+            <a:extLst>
+              <a:ext uri="{28A0092B-C50C-407E-A947-70E740481C1C}">
+                <a14:useLocalDpi xmlns:a14="http://schemas.microsoft.com/office/drawing/2010/main" val="0"/>
+              </a:ext>
+            </a:extLst>
+          </a:blip>
+          <a:stretch>
+            <a:fillRect/>
+          </a:stretch>
+        </p:blipFill>
+        <p:spPr>
+          <a:xfrm>
+            <a:off x="1176546" y="1497800"/>
+            <a:ext cx="9838907" cy="2207239"/>
+          </a:xfrm>
+          <a:prstGeom prst="rect">
+            <a:avLst/>
+          </a:prstGeom>
+        </p:spPr>
+      </p:pic>
+    </p:spTree>
+    <p:extLst>
+      <p:ext uri="{BB962C8B-B14F-4D97-AF65-F5344CB8AC3E}">
+        <p14:creationId xmlns:p14="http://schemas.microsoft.com/office/powerpoint/2010/main" val="627128431"/>
+      </p:ext>
+    </p:extLst>
+  </p:cSld>
+  <p:clrMapOvr>
+    <a:masterClrMapping/>
+  </p:clrMapOvr>
+  <mc:AlternateContent xmlns:mc="http://schemas.openxmlformats.org/markup-compatibility/2006" xmlns:p14="http://schemas.microsoft.com/office/powerpoint/2010/main">
+    <mc:Choice Requires="p14">
+      <p:transition spd="slow" p14:dur="800">
+        <p:circle/>
+      </p:transition>
+    </mc:Choice>
+    <mc:Fallback xmlns="">
+      <p:transition spd="slow">
+        <p:circle/>
+      </p:transition>
+    </mc:Fallback>
+  </mc:AlternateContent>
+</p:sld>
+</file>
+
+<file path=ppt/slides/slide24.xml><?xml version="1.0" encoding="utf-8"?>
+<p:sld xmlns:a="http://schemas.openxmlformats.org/drawingml/2006/main" xmlns:r="http://schemas.openxmlformats.org/officeDocument/2006/relationships" xmlns:p="http://schemas.openxmlformats.org/presentationml/2006/main">
+  <p:cSld>
     <p:spTree>
       <p:nvGrpSpPr>
         <p:cNvPr id="1" name=""/>
@@ -10184,7 +12501,7 @@
 </p:sld>
 </file>
 
-<file path=ppt/slides/slide22.xml><?xml version="1.0" encoding="utf-8"?>
+<file path=ppt/slides/slide25.xml><?xml version="1.0" encoding="utf-8"?>
 <p:sld xmlns:a="http://schemas.openxmlformats.org/drawingml/2006/main" xmlns:r="http://schemas.openxmlformats.org/officeDocument/2006/relationships" xmlns:p="http://schemas.openxmlformats.org/presentationml/2006/main">
   <p:cSld>
     <p:bg>
@@ -10350,42 +12667,23 @@
           <a:lstStyle/>
           <a:p>
             <a:r>
-              <a:rPr lang="en-US" sz="3000" b="1" dirty="0" err="1"/>
-              <a:t>Các</a:t>
-            </a:r>
-            <a:r>
-              <a:rPr lang="en-US" sz="3000" b="1" dirty="0"/>
-              <a:t> </a:t>
-            </a:r>
-            <a:r>
-              <a:rPr lang="en-US" sz="3000" b="1" dirty="0" err="1"/>
-              <a:t>câu</a:t>
-            </a:r>
-            <a:r>
-              <a:rPr lang="en-US" sz="3000" b="1" dirty="0"/>
-              <a:t> </a:t>
-            </a:r>
-            <a:r>
-              <a:rPr lang="en-US" sz="3000" b="1" dirty="0" err="1"/>
-              <a:t>lệnh</a:t>
-            </a:r>
-            <a:r>
-              <a:rPr lang="en-US" sz="3000" b="1" dirty="0"/>
-              <a:t> </a:t>
-            </a:r>
-            <a:r>
-              <a:rPr lang="en-US" sz="3000" b="1" dirty="0" err="1"/>
-              <a:t>truy</a:t>
-            </a:r>
-            <a:r>
-              <a:rPr lang="en-US" sz="3000" b="1" dirty="0"/>
-              <a:t> </a:t>
-            </a:r>
-            <a:r>
-              <a:rPr lang="en-US" sz="3000" b="1" dirty="0" err="1"/>
-              <a:t>vấn</a:t>
-            </a:r>
-            <a:endParaRPr lang="en-US" sz="3000" b="1" dirty="0"/>
+              <a:rPr lang="en-US" sz="3000" b="1" dirty="0">
+                <a:latin typeface="Arial" panose="020B0604020202020204" pitchFamily="34" charset="0"/>
+                <a:cs typeface="Arial" panose="020B0604020202020204" pitchFamily="34" charset="0"/>
+              </a:rPr>
+              <a:t>C</a:t>
+            </a:r>
+            <a:r>
+              <a:rPr lang="vi-VN" sz="3000" b="1" dirty="0">
+                <a:latin typeface="Arial" panose="020B0604020202020204" pitchFamily="34" charset="0"/>
+                <a:cs typeface="Arial" panose="020B0604020202020204" pitchFamily="34" charset="0"/>
+              </a:rPr>
+              <a:t>ác câu hỏi truy vấn dữ liệu</a:t>
+            </a:r>
+            <a:endParaRPr lang="en-US" sz="3000" b="1" dirty="0">
+              <a:latin typeface="Arial" panose="020B0604020202020204" pitchFamily="34" charset="0"/>
+              <a:cs typeface="Arial" panose="020B0604020202020204" pitchFamily="34" charset="0"/>
+            </a:endParaRPr>
           </a:p>
           <a:p>
             <a:pPr marL="342900" marR="0" lvl="0" indent="-342900">
@@ -13753,9 +16051,17 @@
 </p:sld>
 </file>
 
-<file path=ppt/slides/slide23.xml><?xml version="1.0" encoding="utf-8"?>
+<file path=ppt/slides/slide26.xml><?xml version="1.0" encoding="utf-8"?>
 <p:sld xmlns:a="http://schemas.openxmlformats.org/drawingml/2006/main" xmlns:r="http://schemas.openxmlformats.org/officeDocument/2006/relationships" xmlns:p="http://schemas.openxmlformats.org/presentationml/2006/main">
   <p:cSld>
+    <p:bg>
+      <p:bgPr>
+        <a:solidFill>
+          <a:srgbClr val="8FABB7"/>
+        </a:solidFill>
+        <a:effectLst/>
+      </p:bgPr>
+    </p:bg>
     <p:spTree>
       <p:nvGrpSpPr>
         <p:cNvPr id="1" name=""/>
@@ -13812,30 +16118,930 @@
           <a:lstStyle/>
           <a:p>
             <a:pPr algn="ctr"/>
-            <a:endParaRPr lang="vi-VN" dirty="0">
-              <a:solidFill>
-                <a:schemeClr val="tx1"/>
-              </a:solidFill>
+            <a:endParaRPr lang="vi-VN" dirty="0"/>
+          </a:p>
+        </p:txBody>
+      </p:sp>
+      <p:cxnSp>
+        <p:nvCxnSpPr>
+          <p:cNvPr id="10" name="Straight Connector 9"/>
+          <p:cNvCxnSpPr/>
+          <p:nvPr/>
+        </p:nvCxnSpPr>
+        <p:spPr>
+          <a:xfrm flipV="1">
+            <a:off x="358924" y="856716"/>
+            <a:ext cx="11502640" cy="8545"/>
+          </a:xfrm>
+          <a:prstGeom prst="line">
+            <a:avLst/>
+          </a:prstGeom>
+          <a:ln w="19050">
+            <a:solidFill>
+              <a:srgbClr val="8FABB7"/>
+            </a:solidFill>
+            <a:prstDash val="dash"/>
+          </a:ln>
+        </p:spPr>
+        <p:style>
+          <a:lnRef idx="1">
+            <a:schemeClr val="accent1"/>
+          </a:lnRef>
+          <a:fillRef idx="0">
+            <a:schemeClr val="accent1"/>
+          </a:fillRef>
+          <a:effectRef idx="0">
+            <a:schemeClr val="accent1"/>
+          </a:effectRef>
+          <a:fontRef idx="minor">
+            <a:schemeClr val="tx1"/>
+          </a:fontRef>
+        </p:style>
+      </p:cxnSp>
+      <p:cxnSp>
+        <p:nvCxnSpPr>
+          <p:cNvPr id="14" name="Straight Connector 13"/>
+          <p:cNvCxnSpPr/>
+          <p:nvPr/>
+        </p:nvCxnSpPr>
+        <p:spPr>
+          <a:xfrm flipV="1">
+            <a:off x="358924" y="6145138"/>
+            <a:ext cx="11502640" cy="8545"/>
+          </a:xfrm>
+          <a:prstGeom prst="line">
+            <a:avLst/>
+          </a:prstGeom>
+          <a:ln w="19050">
+            <a:solidFill>
+              <a:srgbClr val="8FABB7"/>
+            </a:solidFill>
+            <a:prstDash val="dash"/>
+          </a:ln>
+        </p:spPr>
+        <p:style>
+          <a:lnRef idx="1">
+            <a:schemeClr val="accent1"/>
+          </a:lnRef>
+          <a:fillRef idx="0">
+            <a:schemeClr val="accent1"/>
+          </a:fillRef>
+          <a:effectRef idx="0">
+            <a:schemeClr val="accent1"/>
+          </a:effectRef>
+          <a:fontRef idx="minor">
+            <a:schemeClr val="tx1"/>
+          </a:fontRef>
+        </p:style>
+      </p:cxnSp>
+      <p:sp>
+        <p:nvSpPr>
+          <p:cNvPr id="5" name="TextBox 4"/>
+          <p:cNvSpPr txBox="1"/>
+          <p:nvPr/>
+        </p:nvSpPr>
+        <p:spPr>
+          <a:xfrm>
+            <a:off x="914400" y="865261"/>
+            <a:ext cx="10348958" cy="3208122"/>
+          </a:xfrm>
+          <a:prstGeom prst="rect">
+            <a:avLst/>
+          </a:prstGeom>
+          <a:noFill/>
+        </p:spPr>
+        <p:txBody>
+          <a:bodyPr wrap="square" rtlCol="0">
+            <a:spAutoFit/>
+          </a:bodyPr>
+          <a:lstStyle/>
+          <a:p>
+            <a:r>
+              <a:rPr lang="en-US" sz="3000" b="1" dirty="0"/>
+              <a:t>Bài </a:t>
+            </a:r>
+            <a:r>
+              <a:rPr lang="en-US" sz="3000" b="1" dirty="0" err="1"/>
+              <a:t>làm</a:t>
+            </a:r>
+            <a:endParaRPr lang="en-US" sz="3000" b="1" dirty="0"/>
+          </a:p>
+          <a:p>
+            <a:pPr>
+              <a:lnSpc>
+                <a:spcPct val="107000"/>
+              </a:lnSpc>
+            </a:pPr>
+            <a:r>
+              <a:rPr lang="en-US" sz="1800" dirty="0">
+                <a:effectLst/>
+                <a:latin typeface="Times New Roman" panose="02020603050405020304" pitchFamily="18" charset="0"/>
+                <a:ea typeface="Calibri" panose="020F0502020204030204" pitchFamily="34" charset="0"/>
+                <a:cs typeface="Times New Roman" panose="02020603050405020304" pitchFamily="18" charset="0"/>
+              </a:rPr>
+              <a:t>13. </a:t>
+            </a:r>
+            <a:r>
+              <a:rPr lang="en-US" sz="1800" dirty="0" err="1">
+                <a:effectLst/>
+                <a:latin typeface="Times New Roman" panose="02020603050405020304" pitchFamily="18" charset="0"/>
+                <a:ea typeface="Calibri" panose="020F0502020204030204" pitchFamily="34" charset="0"/>
+                <a:cs typeface="Times New Roman" panose="02020603050405020304" pitchFamily="18" charset="0"/>
+              </a:rPr>
+              <a:t>Đưa</a:t>
+            </a:r>
+            <a:r>
+              <a:rPr lang="en-US" sz="1800" dirty="0">
+                <a:effectLst/>
+                <a:latin typeface="Times New Roman" panose="02020603050405020304" pitchFamily="18" charset="0"/>
+                <a:ea typeface="Calibri" panose="020F0502020204030204" pitchFamily="34" charset="0"/>
+                <a:cs typeface="Times New Roman" panose="02020603050405020304" pitchFamily="18" charset="0"/>
+              </a:rPr>
+              <a:t> </a:t>
+            </a:r>
+            <a:r>
+              <a:rPr lang="en-US" sz="1800" dirty="0" err="1">
+                <a:effectLst/>
+                <a:latin typeface="Times New Roman" panose="02020603050405020304" pitchFamily="18" charset="0"/>
+                <a:ea typeface="Calibri" panose="020F0502020204030204" pitchFamily="34" charset="0"/>
+                <a:cs typeface="Times New Roman" panose="02020603050405020304" pitchFamily="18" charset="0"/>
+              </a:rPr>
+              <a:t>ra</a:t>
+            </a:r>
+            <a:r>
+              <a:rPr lang="en-US" sz="1800" dirty="0">
+                <a:effectLst/>
+                <a:latin typeface="Times New Roman" panose="02020603050405020304" pitchFamily="18" charset="0"/>
+                <a:ea typeface="Calibri" panose="020F0502020204030204" pitchFamily="34" charset="0"/>
+                <a:cs typeface="Times New Roman" panose="02020603050405020304" pitchFamily="18" charset="0"/>
+              </a:rPr>
+              <a:t> </a:t>
+            </a:r>
+            <a:r>
+              <a:rPr lang="en-US" sz="1800" dirty="0" err="1">
+                <a:effectLst/>
+                <a:latin typeface="Times New Roman" panose="02020603050405020304" pitchFamily="18" charset="0"/>
+                <a:ea typeface="Calibri" panose="020F0502020204030204" pitchFamily="34" charset="0"/>
+                <a:cs typeface="Times New Roman" panose="02020603050405020304" pitchFamily="18" charset="0"/>
+              </a:rPr>
+              <a:t>thông</a:t>
+            </a:r>
+            <a:r>
+              <a:rPr lang="en-US" sz="1800" dirty="0">
+                <a:effectLst/>
+                <a:latin typeface="Times New Roman" panose="02020603050405020304" pitchFamily="18" charset="0"/>
+                <a:ea typeface="Calibri" panose="020F0502020204030204" pitchFamily="34" charset="0"/>
+                <a:cs typeface="Times New Roman" panose="02020603050405020304" pitchFamily="18" charset="0"/>
+              </a:rPr>
+              <a:t> tin </a:t>
+            </a:r>
+            <a:r>
+              <a:rPr lang="en-US" sz="1800" dirty="0" err="1">
+                <a:effectLst/>
+                <a:latin typeface="Times New Roman" panose="02020603050405020304" pitchFamily="18" charset="0"/>
+                <a:ea typeface="Calibri" panose="020F0502020204030204" pitchFamily="34" charset="0"/>
+                <a:cs typeface="Times New Roman" panose="02020603050405020304" pitchFamily="18" charset="0"/>
+              </a:rPr>
+              <a:t>khách</a:t>
+            </a:r>
+            <a:r>
+              <a:rPr lang="en-US" sz="1800" dirty="0">
+                <a:effectLst/>
+                <a:latin typeface="Times New Roman" panose="02020603050405020304" pitchFamily="18" charset="0"/>
+                <a:ea typeface="Calibri" panose="020F0502020204030204" pitchFamily="34" charset="0"/>
+                <a:cs typeface="Times New Roman" panose="02020603050405020304" pitchFamily="18" charset="0"/>
+              </a:rPr>
+              <a:t> </a:t>
+            </a:r>
+            <a:r>
+              <a:rPr lang="en-US" sz="1800" dirty="0" err="1">
+                <a:effectLst/>
+                <a:latin typeface="Times New Roman" panose="02020603050405020304" pitchFamily="18" charset="0"/>
+                <a:ea typeface="Calibri" panose="020F0502020204030204" pitchFamily="34" charset="0"/>
+                <a:cs typeface="Times New Roman" panose="02020603050405020304" pitchFamily="18" charset="0"/>
+              </a:rPr>
+              <a:t>hàng</a:t>
+            </a:r>
+            <a:r>
+              <a:rPr lang="en-US" sz="1800" dirty="0">
+                <a:effectLst/>
+                <a:latin typeface="Times New Roman" panose="02020603050405020304" pitchFamily="18" charset="0"/>
+                <a:ea typeface="Calibri" panose="020F0502020204030204" pitchFamily="34" charset="0"/>
+                <a:cs typeface="Times New Roman" panose="02020603050405020304" pitchFamily="18" charset="0"/>
+              </a:rPr>
+              <a:t> </a:t>
+            </a:r>
+            <a:r>
+              <a:rPr lang="en-US" sz="1800" dirty="0" err="1">
+                <a:effectLst/>
+                <a:latin typeface="Times New Roman" panose="02020603050405020304" pitchFamily="18" charset="0"/>
+                <a:ea typeface="Calibri" panose="020F0502020204030204" pitchFamily="34" charset="0"/>
+                <a:cs typeface="Times New Roman" panose="02020603050405020304" pitchFamily="18" charset="0"/>
+              </a:rPr>
+              <a:t>mua</a:t>
+            </a:r>
+            <a:r>
+              <a:rPr lang="en-US" sz="1800" dirty="0">
+                <a:effectLst/>
+                <a:latin typeface="Times New Roman" panose="02020603050405020304" pitchFamily="18" charset="0"/>
+                <a:ea typeface="Calibri" panose="020F0502020204030204" pitchFamily="34" charset="0"/>
+                <a:cs typeface="Times New Roman" panose="02020603050405020304" pitchFamily="18" charset="0"/>
+              </a:rPr>
+              <a:t> </a:t>
+            </a:r>
+            <a:r>
+              <a:rPr lang="en-US" sz="1800" dirty="0" err="1">
+                <a:effectLst/>
+                <a:latin typeface="Times New Roman" panose="02020603050405020304" pitchFamily="18" charset="0"/>
+                <a:ea typeface="Calibri" panose="020F0502020204030204" pitchFamily="34" charset="0"/>
+                <a:cs typeface="Times New Roman" panose="02020603050405020304" pitchFamily="18" charset="0"/>
+              </a:rPr>
+              <a:t>hàng</a:t>
+            </a:r>
+            <a:r>
+              <a:rPr lang="en-US" sz="1800" dirty="0">
+                <a:effectLst/>
+                <a:latin typeface="Times New Roman" panose="02020603050405020304" pitchFamily="18" charset="0"/>
+                <a:ea typeface="Calibri" panose="020F0502020204030204" pitchFamily="34" charset="0"/>
+                <a:cs typeface="Times New Roman" panose="02020603050405020304" pitchFamily="18" charset="0"/>
+              </a:rPr>
+              <a:t> </a:t>
+            </a:r>
+            <a:r>
+              <a:rPr lang="en-US" sz="1800" dirty="0" err="1">
+                <a:effectLst/>
+                <a:latin typeface="Times New Roman" panose="02020603050405020304" pitchFamily="18" charset="0"/>
+                <a:ea typeface="Calibri" panose="020F0502020204030204" pitchFamily="34" charset="0"/>
+                <a:cs typeface="Times New Roman" panose="02020603050405020304" pitchFamily="18" charset="0"/>
+              </a:rPr>
+              <a:t>nhiều</a:t>
+            </a:r>
+            <a:r>
+              <a:rPr lang="en-US" sz="1800" dirty="0">
+                <a:effectLst/>
+                <a:latin typeface="Times New Roman" panose="02020603050405020304" pitchFamily="18" charset="0"/>
+                <a:ea typeface="Calibri" panose="020F0502020204030204" pitchFamily="34" charset="0"/>
+                <a:cs typeface="Times New Roman" panose="02020603050405020304" pitchFamily="18" charset="0"/>
+              </a:rPr>
+              <a:t> </a:t>
+            </a:r>
+            <a:r>
+              <a:rPr lang="en-US" sz="1800" dirty="0" err="1">
+                <a:effectLst/>
+                <a:latin typeface="Times New Roman" panose="02020603050405020304" pitchFamily="18" charset="0"/>
+                <a:ea typeface="Calibri" panose="020F0502020204030204" pitchFamily="34" charset="0"/>
+                <a:cs typeface="Times New Roman" panose="02020603050405020304" pitchFamily="18" charset="0"/>
+              </a:rPr>
+              <a:t>nhất</a:t>
+            </a:r>
+            <a:r>
+              <a:rPr lang="en-US" sz="1800" dirty="0">
+                <a:effectLst/>
+                <a:latin typeface="Times New Roman" panose="02020603050405020304" pitchFamily="18" charset="0"/>
+                <a:ea typeface="Calibri" panose="020F0502020204030204" pitchFamily="34" charset="0"/>
+                <a:cs typeface="Times New Roman" panose="02020603050405020304" pitchFamily="18" charset="0"/>
+              </a:rPr>
+              <a:t> </a:t>
+            </a:r>
+            <a:r>
+              <a:rPr lang="en-US" sz="1800" dirty="0" err="1">
+                <a:effectLst/>
+                <a:latin typeface="Times New Roman" panose="02020603050405020304" pitchFamily="18" charset="0"/>
+                <a:ea typeface="Calibri" panose="020F0502020204030204" pitchFamily="34" charset="0"/>
+                <a:cs typeface="Times New Roman" panose="02020603050405020304" pitchFamily="18" charset="0"/>
+              </a:rPr>
+              <a:t>năm</a:t>
+            </a:r>
+            <a:r>
+              <a:rPr lang="en-US" sz="1800" dirty="0">
+                <a:effectLst/>
+                <a:latin typeface="Times New Roman" panose="02020603050405020304" pitchFamily="18" charset="0"/>
+                <a:ea typeface="Calibri" panose="020F0502020204030204" pitchFamily="34" charset="0"/>
+                <a:cs typeface="Times New Roman" panose="02020603050405020304" pitchFamily="18" charset="0"/>
+              </a:rPr>
+              <a:t> 2022.</a:t>
+            </a:r>
+            <a:r>
+              <a:rPr lang="en-US" sz="1800" dirty="0">
+                <a:effectLst/>
+                <a:ea typeface="Times New Roman" panose="02020603050405020304" pitchFamily="18" charset="0"/>
+                <a:cs typeface="Times New Roman" panose="02020603050405020304" pitchFamily="18" charset="0"/>
+              </a:rPr>
+              <a:t> </a:t>
+            </a:r>
+          </a:p>
+          <a:p>
+            <a:pPr marR="0" lvl="0">
+              <a:lnSpc>
+                <a:spcPct val="107000"/>
+              </a:lnSpc>
+              <a:spcBef>
+                <a:spcPts val="0"/>
+              </a:spcBef>
+              <a:spcAft>
+                <a:spcPts val="0"/>
+              </a:spcAft>
+            </a:pPr>
+            <a:endParaRPr lang="en-US" dirty="0">
+              <a:latin typeface="Calibri" panose="020F0502020204030204" pitchFamily="34" charset="0"/>
+              <a:ea typeface="Calibri" panose="020F0502020204030204" pitchFamily="34" charset="0"/>
+              <a:cs typeface="Times New Roman" panose="02020603050405020304" pitchFamily="18" charset="0"/>
+            </a:endParaRPr>
+          </a:p>
+          <a:p>
+            <a:pPr marR="0" lvl="0">
+              <a:lnSpc>
+                <a:spcPct val="107000"/>
+              </a:lnSpc>
+              <a:spcBef>
+                <a:spcPts val="0"/>
+              </a:spcBef>
+              <a:spcAft>
+                <a:spcPts val="0"/>
+              </a:spcAft>
+            </a:pPr>
+            <a:endParaRPr lang="en-US" dirty="0">
+              <a:latin typeface="Calibri" panose="020F0502020204030204" pitchFamily="34" charset="0"/>
+              <a:ea typeface="Calibri" panose="020F0502020204030204" pitchFamily="34" charset="0"/>
+              <a:cs typeface="Times New Roman" panose="02020603050405020304" pitchFamily="18" charset="0"/>
+            </a:endParaRPr>
+          </a:p>
+          <a:p>
+            <a:pPr marR="0" lvl="0">
+              <a:lnSpc>
+                <a:spcPct val="107000"/>
+              </a:lnSpc>
+              <a:spcBef>
+                <a:spcPts val="0"/>
+              </a:spcBef>
+              <a:spcAft>
+                <a:spcPts val="0"/>
+              </a:spcAft>
+            </a:pPr>
+            <a:endParaRPr lang="en-US" dirty="0">
+              <a:latin typeface="Calibri" panose="020F0502020204030204" pitchFamily="34" charset="0"/>
+              <a:ea typeface="Calibri" panose="020F0502020204030204" pitchFamily="34" charset="0"/>
+              <a:cs typeface="Times New Roman" panose="02020603050405020304" pitchFamily="18" charset="0"/>
+            </a:endParaRPr>
+          </a:p>
+          <a:p>
+            <a:pPr marR="0" lvl="0">
+              <a:lnSpc>
+                <a:spcPct val="107000"/>
+              </a:lnSpc>
+              <a:spcBef>
+                <a:spcPts val="0"/>
+              </a:spcBef>
+              <a:spcAft>
+                <a:spcPts val="0"/>
+              </a:spcAft>
+            </a:pPr>
+            <a:endParaRPr lang="en-US" dirty="0">
+              <a:latin typeface="Calibri" panose="020F0502020204030204" pitchFamily="34" charset="0"/>
+              <a:ea typeface="Calibri" panose="020F0502020204030204" pitchFamily="34" charset="0"/>
+              <a:cs typeface="Times New Roman" panose="02020603050405020304" pitchFamily="18" charset="0"/>
+            </a:endParaRPr>
+          </a:p>
+          <a:p>
+            <a:pPr marR="0" lvl="0">
+              <a:lnSpc>
+                <a:spcPct val="107000"/>
+              </a:lnSpc>
+              <a:spcBef>
+                <a:spcPts val="0"/>
+              </a:spcBef>
+              <a:spcAft>
+                <a:spcPts val="0"/>
+              </a:spcAft>
+            </a:pPr>
+            <a:endParaRPr lang="en-US" dirty="0">
+              <a:latin typeface="Calibri" panose="020F0502020204030204" pitchFamily="34" charset="0"/>
+              <a:ea typeface="Calibri" panose="020F0502020204030204" pitchFamily="34" charset="0"/>
+              <a:cs typeface="Times New Roman" panose="02020603050405020304" pitchFamily="18" charset="0"/>
+            </a:endParaRPr>
+          </a:p>
+          <a:p>
+            <a:pPr marR="0" lvl="0">
+              <a:lnSpc>
+                <a:spcPct val="107000"/>
+              </a:lnSpc>
+              <a:spcBef>
+                <a:spcPts val="0"/>
+              </a:spcBef>
+              <a:spcAft>
+                <a:spcPts val="0"/>
+              </a:spcAft>
+            </a:pPr>
+            <a:endParaRPr lang="en-US" dirty="0">
+              <a:latin typeface="Calibri" panose="020F0502020204030204" pitchFamily="34" charset="0"/>
+              <a:ea typeface="Calibri" panose="020F0502020204030204" pitchFamily="34" charset="0"/>
+              <a:cs typeface="Times New Roman" panose="02020603050405020304" pitchFamily="18" charset="0"/>
+            </a:endParaRPr>
+          </a:p>
+          <a:p>
+            <a:pPr>
+              <a:lnSpc>
+                <a:spcPct val="107000"/>
+              </a:lnSpc>
+            </a:pPr>
+            <a:r>
+              <a:rPr lang="en-US" sz="1800" dirty="0">
+                <a:effectLst/>
+                <a:latin typeface="Calibri" panose="020F0502020204030204" pitchFamily="34" charset="0"/>
+                <a:ea typeface="Calibri" panose="020F0502020204030204" pitchFamily="34" charset="0"/>
+                <a:cs typeface="Times New Roman" panose="02020603050405020304" pitchFamily="18" charset="0"/>
+              </a:rPr>
+              <a:t>14. </a:t>
+            </a:r>
+            <a:r>
+              <a:rPr lang="en-US" sz="1800" dirty="0" err="1">
+                <a:effectLst/>
+                <a:latin typeface="Times New Roman" panose="02020603050405020304" pitchFamily="18" charset="0"/>
+                <a:ea typeface="Calibri" panose="020F0502020204030204" pitchFamily="34" charset="0"/>
+                <a:cs typeface="Times New Roman" panose="02020603050405020304" pitchFamily="18" charset="0"/>
+              </a:rPr>
+              <a:t>Đưa</a:t>
+            </a:r>
+            <a:r>
+              <a:rPr lang="en-US" sz="1800" dirty="0">
+                <a:effectLst/>
+                <a:latin typeface="Times New Roman" panose="02020603050405020304" pitchFamily="18" charset="0"/>
+                <a:ea typeface="Calibri" panose="020F0502020204030204" pitchFamily="34" charset="0"/>
+                <a:cs typeface="Times New Roman" panose="02020603050405020304" pitchFamily="18" charset="0"/>
+              </a:rPr>
+              <a:t> </a:t>
+            </a:r>
+            <a:r>
+              <a:rPr lang="en-US" sz="1800" dirty="0" err="1">
+                <a:effectLst/>
+                <a:latin typeface="Times New Roman" panose="02020603050405020304" pitchFamily="18" charset="0"/>
+                <a:ea typeface="Calibri" panose="020F0502020204030204" pitchFamily="34" charset="0"/>
+                <a:cs typeface="Times New Roman" panose="02020603050405020304" pitchFamily="18" charset="0"/>
+              </a:rPr>
+              <a:t>ra</a:t>
+            </a:r>
+            <a:r>
+              <a:rPr lang="en-US" sz="1800" dirty="0">
+                <a:effectLst/>
+                <a:latin typeface="Times New Roman" panose="02020603050405020304" pitchFamily="18" charset="0"/>
+                <a:ea typeface="Calibri" panose="020F0502020204030204" pitchFamily="34" charset="0"/>
+                <a:cs typeface="Times New Roman" panose="02020603050405020304" pitchFamily="18" charset="0"/>
+              </a:rPr>
+              <a:t> </a:t>
+            </a:r>
+            <a:r>
+              <a:rPr lang="en-US" sz="1800" dirty="0" err="1">
+                <a:effectLst/>
+                <a:latin typeface="Times New Roman" panose="02020603050405020304" pitchFamily="18" charset="0"/>
+                <a:ea typeface="Calibri" panose="020F0502020204030204" pitchFamily="34" charset="0"/>
+                <a:cs typeface="Times New Roman" panose="02020603050405020304" pitchFamily="18" charset="0"/>
+              </a:rPr>
+              <a:t>thông</a:t>
+            </a:r>
+            <a:r>
+              <a:rPr lang="en-US" sz="1800" dirty="0">
+                <a:effectLst/>
+                <a:latin typeface="Times New Roman" panose="02020603050405020304" pitchFamily="18" charset="0"/>
+                <a:ea typeface="Calibri" panose="020F0502020204030204" pitchFamily="34" charset="0"/>
+                <a:cs typeface="Times New Roman" panose="02020603050405020304" pitchFamily="18" charset="0"/>
+              </a:rPr>
+              <a:t> tin </a:t>
+            </a:r>
+            <a:r>
+              <a:rPr lang="en-US" sz="1800" dirty="0" err="1">
+                <a:effectLst/>
+                <a:latin typeface="Times New Roman" panose="02020603050405020304" pitchFamily="18" charset="0"/>
+                <a:ea typeface="Calibri" panose="020F0502020204030204" pitchFamily="34" charset="0"/>
+                <a:cs typeface="Times New Roman" panose="02020603050405020304" pitchFamily="18" charset="0"/>
+              </a:rPr>
+              <a:t>nhân</a:t>
+            </a:r>
+            <a:r>
+              <a:rPr lang="en-US" sz="1800" dirty="0">
+                <a:effectLst/>
+                <a:latin typeface="Times New Roman" panose="02020603050405020304" pitchFamily="18" charset="0"/>
+                <a:ea typeface="Calibri" panose="020F0502020204030204" pitchFamily="34" charset="0"/>
+                <a:cs typeface="Times New Roman" panose="02020603050405020304" pitchFamily="18" charset="0"/>
+              </a:rPr>
+              <a:t> </a:t>
+            </a:r>
+            <a:r>
+              <a:rPr lang="en-US" sz="1800" dirty="0" err="1">
+                <a:effectLst/>
+                <a:latin typeface="Times New Roman" panose="02020603050405020304" pitchFamily="18" charset="0"/>
+                <a:ea typeface="Calibri" panose="020F0502020204030204" pitchFamily="34" charset="0"/>
+                <a:cs typeface="Times New Roman" panose="02020603050405020304" pitchFamily="18" charset="0"/>
+              </a:rPr>
+              <a:t>viên</a:t>
+            </a:r>
+            <a:r>
+              <a:rPr lang="en-US" sz="1800" dirty="0">
+                <a:effectLst/>
+                <a:latin typeface="Times New Roman" panose="02020603050405020304" pitchFamily="18" charset="0"/>
+                <a:ea typeface="Calibri" panose="020F0502020204030204" pitchFamily="34" charset="0"/>
+                <a:cs typeface="Times New Roman" panose="02020603050405020304" pitchFamily="18" charset="0"/>
+              </a:rPr>
+              <a:t> </a:t>
+            </a:r>
+            <a:r>
+              <a:rPr lang="en-US" sz="1800" dirty="0" err="1">
+                <a:effectLst/>
+                <a:latin typeface="Times New Roman" panose="02020603050405020304" pitchFamily="18" charset="0"/>
+                <a:ea typeface="Calibri" panose="020F0502020204030204" pitchFamily="34" charset="0"/>
+                <a:cs typeface="Times New Roman" panose="02020603050405020304" pitchFamily="18" charset="0"/>
+              </a:rPr>
+              <a:t>nhận</a:t>
+            </a:r>
+            <a:r>
+              <a:rPr lang="en-US" sz="1800" dirty="0">
+                <a:effectLst/>
+                <a:latin typeface="Times New Roman" panose="02020603050405020304" pitchFamily="18" charset="0"/>
+                <a:ea typeface="Calibri" panose="020F0502020204030204" pitchFamily="34" charset="0"/>
+                <a:cs typeface="Times New Roman" panose="02020603050405020304" pitchFamily="18" charset="0"/>
+              </a:rPr>
+              <a:t> </a:t>
+            </a:r>
+            <a:r>
+              <a:rPr lang="en-US" sz="1800" dirty="0" err="1">
+                <a:effectLst/>
+                <a:latin typeface="Times New Roman" panose="02020603050405020304" pitchFamily="18" charset="0"/>
+                <a:ea typeface="Calibri" panose="020F0502020204030204" pitchFamily="34" charset="0"/>
+                <a:cs typeface="Times New Roman" panose="02020603050405020304" pitchFamily="18" charset="0"/>
+              </a:rPr>
+              <a:t>nhiều</a:t>
+            </a:r>
+            <a:r>
+              <a:rPr lang="en-US" sz="1800" dirty="0">
+                <a:effectLst/>
+                <a:latin typeface="Times New Roman" panose="02020603050405020304" pitchFamily="18" charset="0"/>
+                <a:ea typeface="Calibri" panose="020F0502020204030204" pitchFamily="34" charset="0"/>
+                <a:cs typeface="Times New Roman" panose="02020603050405020304" pitchFamily="18" charset="0"/>
+              </a:rPr>
+              <a:t> </a:t>
+            </a:r>
+            <a:r>
+              <a:rPr lang="en-US" sz="1800" dirty="0" err="1">
+                <a:effectLst/>
+                <a:latin typeface="Times New Roman" panose="02020603050405020304" pitchFamily="18" charset="0"/>
+                <a:ea typeface="Calibri" panose="020F0502020204030204" pitchFamily="34" charset="0"/>
+                <a:cs typeface="Times New Roman" panose="02020603050405020304" pitchFamily="18" charset="0"/>
+              </a:rPr>
+              <a:t>đơn</a:t>
+            </a:r>
+            <a:r>
+              <a:rPr lang="en-US" sz="1800" dirty="0">
+                <a:effectLst/>
+                <a:latin typeface="Times New Roman" panose="02020603050405020304" pitchFamily="18" charset="0"/>
+                <a:ea typeface="Calibri" panose="020F0502020204030204" pitchFamily="34" charset="0"/>
+                <a:cs typeface="Times New Roman" panose="02020603050405020304" pitchFamily="18" charset="0"/>
+              </a:rPr>
+              <a:t> </a:t>
+            </a:r>
+            <a:r>
+              <a:rPr lang="en-US" sz="1800" dirty="0" err="1">
+                <a:effectLst/>
+                <a:latin typeface="Times New Roman" panose="02020603050405020304" pitchFamily="18" charset="0"/>
+                <a:ea typeface="Calibri" panose="020F0502020204030204" pitchFamily="34" charset="0"/>
+                <a:cs typeface="Times New Roman" panose="02020603050405020304" pitchFamily="18" charset="0"/>
+              </a:rPr>
+              <a:t>hàng</a:t>
+            </a:r>
+            <a:r>
+              <a:rPr lang="en-US" sz="1800" dirty="0">
+                <a:effectLst/>
+                <a:latin typeface="Times New Roman" panose="02020603050405020304" pitchFamily="18" charset="0"/>
+                <a:ea typeface="Calibri" panose="020F0502020204030204" pitchFamily="34" charset="0"/>
+                <a:cs typeface="Times New Roman" panose="02020603050405020304" pitchFamily="18" charset="0"/>
+              </a:rPr>
+              <a:t> </a:t>
+            </a:r>
+            <a:r>
+              <a:rPr lang="en-US" sz="1800" dirty="0" err="1">
+                <a:effectLst/>
+                <a:latin typeface="Times New Roman" panose="02020603050405020304" pitchFamily="18" charset="0"/>
+                <a:ea typeface="Calibri" panose="020F0502020204030204" pitchFamily="34" charset="0"/>
+                <a:cs typeface="Times New Roman" panose="02020603050405020304" pitchFamily="18" charset="0"/>
+              </a:rPr>
+              <a:t>nhất</a:t>
+            </a:r>
+            <a:r>
+              <a:rPr lang="en-US" sz="1800" dirty="0">
+                <a:effectLst/>
+                <a:latin typeface="Times New Roman" panose="02020603050405020304" pitchFamily="18" charset="0"/>
+                <a:ea typeface="Calibri" panose="020F0502020204030204" pitchFamily="34" charset="0"/>
+                <a:cs typeface="Times New Roman" panose="02020603050405020304" pitchFamily="18" charset="0"/>
+              </a:rPr>
+              <a:t> </a:t>
+            </a:r>
+            <a:r>
+              <a:rPr lang="en-US" sz="1800" dirty="0" err="1">
+                <a:effectLst/>
+                <a:latin typeface="Times New Roman" panose="02020603050405020304" pitchFamily="18" charset="0"/>
+                <a:ea typeface="Calibri" panose="020F0502020204030204" pitchFamily="34" charset="0"/>
+                <a:cs typeface="Times New Roman" panose="02020603050405020304" pitchFamily="18" charset="0"/>
+              </a:rPr>
+              <a:t>tại</a:t>
+            </a:r>
+            <a:r>
+              <a:rPr lang="en-US" sz="1800" dirty="0">
+                <a:effectLst/>
+                <a:latin typeface="Times New Roman" panose="02020603050405020304" pitchFamily="18" charset="0"/>
+                <a:ea typeface="Calibri" panose="020F0502020204030204" pitchFamily="34" charset="0"/>
+                <a:cs typeface="Times New Roman" panose="02020603050405020304" pitchFamily="18" charset="0"/>
+              </a:rPr>
+              <a:t> </a:t>
+            </a:r>
+            <a:r>
+              <a:rPr lang="en-US" sz="1800" dirty="0" err="1">
+                <a:effectLst/>
+                <a:latin typeface="Times New Roman" panose="02020603050405020304" pitchFamily="18" charset="0"/>
+                <a:ea typeface="Calibri" panose="020F0502020204030204" pitchFamily="34" charset="0"/>
+                <a:cs typeface="Times New Roman" panose="02020603050405020304" pitchFamily="18" charset="0"/>
+              </a:rPr>
+              <a:t>cửa</a:t>
+            </a:r>
+            <a:r>
+              <a:rPr lang="en-US" sz="1800" dirty="0">
+                <a:effectLst/>
+                <a:latin typeface="Times New Roman" panose="02020603050405020304" pitchFamily="18" charset="0"/>
+                <a:ea typeface="Calibri" panose="020F0502020204030204" pitchFamily="34" charset="0"/>
+                <a:cs typeface="Times New Roman" panose="02020603050405020304" pitchFamily="18" charset="0"/>
+              </a:rPr>
+              <a:t> </a:t>
+            </a:r>
+            <a:r>
+              <a:rPr lang="en-US" sz="1800" dirty="0" err="1">
+                <a:effectLst/>
+                <a:latin typeface="Times New Roman" panose="02020603050405020304" pitchFamily="18" charset="0"/>
+                <a:ea typeface="Calibri" panose="020F0502020204030204" pitchFamily="34" charset="0"/>
+                <a:cs typeface="Times New Roman" panose="02020603050405020304" pitchFamily="18" charset="0"/>
+              </a:rPr>
+              <a:t>hàng</a:t>
+            </a:r>
+            <a:r>
+              <a:rPr lang="en-US" sz="1800" dirty="0">
+                <a:effectLst/>
+                <a:latin typeface="Times New Roman" panose="02020603050405020304" pitchFamily="18" charset="0"/>
+                <a:ea typeface="Calibri" panose="020F0502020204030204" pitchFamily="34" charset="0"/>
+                <a:cs typeface="Times New Roman" panose="02020603050405020304" pitchFamily="18" charset="0"/>
+              </a:rPr>
+              <a:t> ở </a:t>
+            </a:r>
+            <a:r>
+              <a:rPr lang="en-US" sz="1800" dirty="0" err="1">
+                <a:effectLst/>
+                <a:latin typeface="Times New Roman" panose="02020603050405020304" pitchFamily="18" charset="0"/>
+                <a:ea typeface="Calibri" panose="020F0502020204030204" pitchFamily="34" charset="0"/>
+                <a:cs typeface="Times New Roman" panose="02020603050405020304" pitchFamily="18" charset="0"/>
+              </a:rPr>
+              <a:t>địa</a:t>
+            </a:r>
+            <a:r>
+              <a:rPr lang="en-US" sz="1800" dirty="0">
+                <a:effectLst/>
+                <a:latin typeface="Times New Roman" panose="02020603050405020304" pitchFamily="18" charset="0"/>
+                <a:ea typeface="Calibri" panose="020F0502020204030204" pitchFamily="34" charset="0"/>
+                <a:cs typeface="Times New Roman" panose="02020603050405020304" pitchFamily="18" charset="0"/>
+              </a:rPr>
+              <a:t> </a:t>
+            </a:r>
+            <a:r>
+              <a:rPr lang="en-US" sz="1800" dirty="0" err="1">
+                <a:effectLst/>
+                <a:latin typeface="Times New Roman" panose="02020603050405020304" pitchFamily="18" charset="0"/>
+                <a:ea typeface="Calibri" panose="020F0502020204030204" pitchFamily="34" charset="0"/>
+                <a:cs typeface="Times New Roman" panose="02020603050405020304" pitchFamily="18" charset="0"/>
+              </a:rPr>
+              <a:t>chỉ</a:t>
+            </a:r>
+            <a:r>
+              <a:rPr lang="en-US" sz="1800" dirty="0">
+                <a:effectLst/>
+                <a:latin typeface="Times New Roman" panose="02020603050405020304" pitchFamily="18" charset="0"/>
+                <a:ea typeface="Calibri" panose="020F0502020204030204" pitchFamily="34" charset="0"/>
+                <a:cs typeface="Times New Roman" panose="02020603050405020304" pitchFamily="18" charset="0"/>
+              </a:rPr>
+              <a:t> </a:t>
+            </a:r>
+            <a:r>
+              <a:rPr lang="en-US" sz="1800" dirty="0" err="1">
+                <a:effectLst/>
+                <a:latin typeface="Times New Roman" panose="02020603050405020304" pitchFamily="18" charset="0"/>
+                <a:ea typeface="Calibri" panose="020F0502020204030204" pitchFamily="34" charset="0"/>
+                <a:cs typeface="Times New Roman" panose="02020603050405020304" pitchFamily="18" charset="0"/>
+              </a:rPr>
+              <a:t>số</a:t>
+            </a:r>
+            <a:r>
+              <a:rPr lang="en-US" sz="1800" dirty="0">
+                <a:effectLst/>
+                <a:latin typeface="Times New Roman" panose="02020603050405020304" pitchFamily="18" charset="0"/>
+                <a:ea typeface="Calibri" panose="020F0502020204030204" pitchFamily="34" charset="0"/>
+                <a:cs typeface="Times New Roman" panose="02020603050405020304" pitchFamily="18" charset="0"/>
+              </a:rPr>
+              <a:t> 888 </a:t>
+            </a:r>
+            <a:r>
+              <a:rPr lang="en-US" sz="1800" dirty="0" err="1">
+                <a:effectLst/>
+                <a:latin typeface="Times New Roman" panose="02020603050405020304" pitchFamily="18" charset="0"/>
+                <a:ea typeface="Calibri" panose="020F0502020204030204" pitchFamily="34" charset="0"/>
+                <a:cs typeface="Times New Roman" panose="02020603050405020304" pitchFamily="18" charset="0"/>
+              </a:rPr>
+              <a:t>đường</a:t>
+            </a:r>
+            <a:r>
+              <a:rPr lang="en-US" sz="1800" dirty="0">
+                <a:effectLst/>
+                <a:latin typeface="Times New Roman" panose="02020603050405020304" pitchFamily="18" charset="0"/>
+                <a:ea typeface="Calibri" panose="020F0502020204030204" pitchFamily="34" charset="0"/>
+                <a:cs typeface="Times New Roman" panose="02020603050405020304" pitchFamily="18" charset="0"/>
+              </a:rPr>
+              <a:t> </a:t>
+            </a:r>
+            <a:r>
+              <a:rPr lang="en-US" sz="1800" dirty="0" err="1">
+                <a:effectLst/>
+                <a:latin typeface="Times New Roman" panose="02020603050405020304" pitchFamily="18" charset="0"/>
+                <a:ea typeface="Calibri" panose="020F0502020204030204" pitchFamily="34" charset="0"/>
+                <a:cs typeface="Times New Roman" panose="02020603050405020304" pitchFamily="18" charset="0"/>
+              </a:rPr>
+              <a:t>Láng</a:t>
+            </a:r>
+            <a:r>
+              <a:rPr lang="en-US" sz="1800" dirty="0">
+                <a:effectLst/>
+                <a:latin typeface="Times New Roman" panose="02020603050405020304" pitchFamily="18" charset="0"/>
+                <a:ea typeface="Calibri" panose="020F0502020204030204" pitchFamily="34" charset="0"/>
+                <a:cs typeface="Times New Roman" panose="02020603050405020304" pitchFamily="18" charset="0"/>
+              </a:rPr>
+              <a:t>.</a:t>
+            </a:r>
+            <a:endParaRPr lang="en-US" dirty="0">
+              <a:latin typeface="Calibri" panose="020F0502020204030204" pitchFamily="34" charset="0"/>
+              <a:ea typeface="Calibri" panose="020F0502020204030204" pitchFamily="34" charset="0"/>
+              <a:cs typeface="Times New Roman" panose="02020603050405020304" pitchFamily="18" charset="0"/>
+            </a:endParaRPr>
+          </a:p>
+          <a:p>
+            <a:pPr marR="0" lvl="0">
+              <a:lnSpc>
+                <a:spcPct val="107000"/>
+              </a:lnSpc>
+              <a:spcBef>
+                <a:spcPts val="0"/>
+              </a:spcBef>
+              <a:spcAft>
+                <a:spcPts val="0"/>
+              </a:spcAft>
+            </a:pPr>
+            <a:endParaRPr lang="en-US" sz="1800" dirty="0">
+              <a:effectLst/>
+              <a:latin typeface="Calibri" panose="020F0502020204030204" pitchFamily="34" charset="0"/>
+              <a:ea typeface="Calibri" panose="020F0502020204030204" pitchFamily="34" charset="0"/>
+              <a:cs typeface="Times New Roman" panose="02020603050405020304" pitchFamily="18" charset="0"/>
             </a:endParaRPr>
           </a:p>
         </p:txBody>
       </p:sp>
+      <p:pic>
+        <p:nvPicPr>
+          <p:cNvPr id="7" name="Picture 6" descr="Text, letter&#10;&#10;Description automatically generated">
+            <a:extLst>
+              <a:ext uri="{FF2B5EF4-FFF2-40B4-BE49-F238E27FC236}">
+                <a16:creationId xmlns:a16="http://schemas.microsoft.com/office/drawing/2014/main" id="{994EB571-A493-8EBB-0BB2-64BC29EA75B6}"/>
+              </a:ext>
+            </a:extLst>
+          </p:cNvPr>
+          <p:cNvPicPr>
+            <a:picLocks noChangeAspect="1"/>
+          </p:cNvPicPr>
+          <p:nvPr/>
+        </p:nvPicPr>
+        <p:blipFill>
+          <a:blip r:embed="rId2" cstate="print">
+            <a:extLst>
+              <a:ext uri="{28A0092B-C50C-407E-A947-70E740481C1C}">
+                <a14:useLocalDpi xmlns:a14="http://schemas.microsoft.com/office/drawing/2010/main" val="0"/>
+              </a:ext>
+            </a:extLst>
+          </a:blip>
+          <a:stretch>
+            <a:fillRect/>
+          </a:stretch>
+        </p:blipFill>
+        <p:spPr>
+          <a:xfrm>
+            <a:off x="1418252" y="1771595"/>
+            <a:ext cx="6176865" cy="1538300"/>
+          </a:xfrm>
+          <a:prstGeom prst="rect">
+            <a:avLst/>
+          </a:prstGeom>
+        </p:spPr>
+      </p:pic>
+      <p:pic>
+        <p:nvPicPr>
+          <p:cNvPr id="9" name="Picture 8" descr="Text, letter&#10;&#10;Description automatically generated">
+            <a:extLst>
+              <a:ext uri="{FF2B5EF4-FFF2-40B4-BE49-F238E27FC236}">
+                <a16:creationId xmlns:a16="http://schemas.microsoft.com/office/drawing/2014/main" id="{A0AB5C69-07B7-7606-9B20-E28CA209294B}"/>
+              </a:ext>
+            </a:extLst>
+          </p:cNvPr>
+          <p:cNvPicPr>
+            <a:picLocks noChangeAspect="1"/>
+          </p:cNvPicPr>
+          <p:nvPr/>
+        </p:nvPicPr>
+        <p:blipFill>
+          <a:blip r:embed="rId3" cstate="print">
+            <a:extLst>
+              <a:ext uri="{28A0092B-C50C-407E-A947-70E740481C1C}">
+                <a14:useLocalDpi xmlns:a14="http://schemas.microsoft.com/office/drawing/2010/main" val="0"/>
+              </a:ext>
+            </a:extLst>
+          </a:blip>
+          <a:stretch>
+            <a:fillRect/>
+          </a:stretch>
+        </p:blipFill>
+        <p:spPr>
+          <a:xfrm>
+            <a:off x="1418253" y="3831445"/>
+            <a:ext cx="5840963" cy="1834253"/>
+          </a:xfrm>
+          <a:prstGeom prst="rect">
+            <a:avLst/>
+          </a:prstGeom>
+        </p:spPr>
+      </p:pic>
+    </p:spTree>
+    <p:extLst>
+      <p:ext uri="{BB962C8B-B14F-4D97-AF65-F5344CB8AC3E}">
+        <p14:creationId xmlns:p14="http://schemas.microsoft.com/office/powerpoint/2010/main" val="3040299017"/>
+      </p:ext>
+    </p:extLst>
+  </p:cSld>
+  <p:clrMapOvr>
+    <a:masterClrMapping/>
+  </p:clrMapOvr>
+  <mc:AlternateContent xmlns:mc="http://schemas.openxmlformats.org/markup-compatibility/2006" xmlns:p14="http://schemas.microsoft.com/office/powerpoint/2010/main">
+    <mc:Choice Requires="p14">
+      <p:transition spd="slow" p14:dur="800">
+        <p:circle/>
+      </p:transition>
+    </mc:Choice>
+    <mc:Fallback xmlns="">
+      <p:transition spd="slow">
+        <p:circle/>
+      </p:transition>
+    </mc:Fallback>
+  </mc:AlternateContent>
+</p:sld>
+</file>
+
+<file path=ppt/slides/slide27.xml><?xml version="1.0" encoding="utf-8"?>
+<p:sld xmlns:a="http://schemas.openxmlformats.org/drawingml/2006/main" xmlns:r="http://schemas.openxmlformats.org/officeDocument/2006/relationships" xmlns:p="http://schemas.openxmlformats.org/presentationml/2006/main">
+  <p:cSld>
+    <p:bg>
+      <p:bgPr>
+        <a:solidFill>
+          <a:srgbClr val="8FABB7"/>
+        </a:solidFill>
+        <a:effectLst/>
+      </p:bgPr>
+    </p:bg>
+    <p:spTree>
+      <p:nvGrpSpPr>
+        <p:cNvPr id="1" name=""/>
+        <p:cNvGrpSpPr/>
+        <p:nvPr/>
+      </p:nvGrpSpPr>
+      <p:grpSpPr>
+        <a:xfrm>
+          <a:off x="0" y="0"/>
+          <a:ext cx="0" cy="0"/>
+          <a:chOff x="0" y="0"/>
+          <a:chExt cx="0" cy="0"/>
+        </a:xfrm>
+      </p:grpSpPr>
       <p:sp>
         <p:nvSpPr>
-          <p:cNvPr id="6" name="Rectangle 5"/>
+          <p:cNvPr id="4" name="Rectangle 3"/>
           <p:cNvSpPr/>
           <p:nvPr/>
         </p:nvSpPr>
         <p:spPr>
           <a:xfrm>
             <a:off x="358924" y="333286"/>
-            <a:ext cx="11459910" cy="256374"/>
+            <a:ext cx="11459910" cy="6212792"/>
           </a:xfrm>
           <a:prstGeom prst="rect">
             <a:avLst/>
           </a:prstGeom>
           <a:solidFill>
-            <a:srgbClr val="8FABB7"/>
+            <a:srgbClr val="F8F8F8"/>
           </a:solidFill>
           <a:ln>
             <a:noFill/>
@@ -13862,230 +17068,369 @@
           <a:lstStyle/>
           <a:p>
             <a:pPr algn="ctr"/>
-            <a:endParaRPr lang="vi-VN"/>
+            <a:endParaRPr lang="vi-VN" dirty="0"/>
           </a:p>
         </p:txBody>
       </p:sp>
-      <p:sp>
-        <p:nvSpPr>
-          <p:cNvPr id="13" name="Rectangle 12"/>
-          <p:cNvSpPr/>
+      <p:cxnSp>
+        <p:nvCxnSpPr>
+          <p:cNvPr id="10" name="Straight Connector 9"/>
+          <p:cNvCxnSpPr/>
           <p:nvPr/>
-        </p:nvSpPr>
+        </p:nvCxnSpPr>
         <p:spPr>
-          <a:xfrm>
-            <a:off x="358924" y="6289704"/>
-            <a:ext cx="11459910" cy="256374"/>
+          <a:xfrm flipV="1">
+            <a:off x="358924" y="856716"/>
+            <a:ext cx="11502640" cy="8545"/>
           </a:xfrm>
-          <a:prstGeom prst="rect">
+          <a:prstGeom prst="line">
             <a:avLst/>
           </a:prstGeom>
-          <a:solidFill>
-            <a:srgbClr val="8FABB7"/>
-          </a:solidFill>
-          <a:ln>
-            <a:noFill/>
+          <a:ln w="19050">
+            <a:solidFill>
+              <a:srgbClr val="8FABB7"/>
+            </a:solidFill>
+            <a:prstDash val="dash"/>
           </a:ln>
         </p:spPr>
         <p:style>
-          <a:lnRef idx="2">
-            <a:schemeClr val="accent1">
-              <a:shade val="50000"/>
-            </a:schemeClr>
+          <a:lnRef idx="1">
+            <a:schemeClr val="accent1"/>
           </a:lnRef>
-          <a:fillRef idx="1">
+          <a:fillRef idx="0">
             <a:schemeClr val="accent1"/>
           </a:fillRef>
           <a:effectRef idx="0">
             <a:schemeClr val="accent1"/>
           </a:effectRef>
           <a:fontRef idx="minor">
-            <a:schemeClr val="lt1"/>
+            <a:schemeClr val="tx1"/>
           </a:fontRef>
         </p:style>
-        <p:txBody>
-          <a:bodyPr rtlCol="0" anchor="ctr"/>
-          <a:lstStyle/>
-          <a:p>
-            <a:pPr algn="ctr"/>
-            <a:endParaRPr lang="vi-VN"/>
-          </a:p>
-        </p:txBody>
-      </p:sp>
-      <p:sp>
-        <p:nvSpPr>
-          <p:cNvPr id="2" name="Horizontal Scroll 1"/>
-          <p:cNvSpPr/>
+      </p:cxnSp>
+      <p:cxnSp>
+        <p:nvCxnSpPr>
+          <p:cNvPr id="14" name="Straight Connector 13"/>
+          <p:cNvCxnSpPr/>
           <p:nvPr/>
-        </p:nvSpPr>
+        </p:nvCxnSpPr>
         <p:spPr>
-          <a:xfrm>
-            <a:off x="2414187" y="2142858"/>
-            <a:ext cx="7349383" cy="2572284"/>
+          <a:xfrm flipV="1">
+            <a:off x="358924" y="6145138"/>
+            <a:ext cx="11502640" cy="8545"/>
           </a:xfrm>
-          <a:prstGeom prst="horizontalScroll">
+          <a:prstGeom prst="line">
             <a:avLst/>
           </a:prstGeom>
-          <a:noFill/>
           <a:ln w="19050">
             <a:solidFill>
               <a:srgbClr val="8FABB7"/>
             </a:solidFill>
+            <a:prstDash val="dash"/>
           </a:ln>
         </p:spPr>
         <p:style>
-          <a:lnRef idx="2">
-            <a:schemeClr val="accent1">
-              <a:shade val="50000"/>
-            </a:schemeClr>
+          <a:lnRef idx="1">
+            <a:schemeClr val="accent1"/>
           </a:lnRef>
-          <a:fillRef idx="1">
+          <a:fillRef idx="0">
             <a:schemeClr val="accent1"/>
           </a:fillRef>
           <a:effectRef idx="0">
             <a:schemeClr val="accent1"/>
           </a:effectRef>
           <a:fontRef idx="minor">
-            <a:schemeClr val="lt1"/>
+            <a:schemeClr val="tx1"/>
           </a:fontRef>
         </p:style>
+      </p:cxnSp>
+      <p:sp>
+        <p:nvSpPr>
+          <p:cNvPr id="5" name="TextBox 4"/>
+          <p:cNvSpPr txBox="1"/>
+          <p:nvPr/>
+        </p:nvSpPr>
+        <p:spPr>
+          <a:xfrm>
+            <a:off x="914400" y="865261"/>
+            <a:ext cx="10348958" cy="835742"/>
+          </a:xfrm>
+          <a:prstGeom prst="rect">
+            <a:avLst/>
+          </a:prstGeom>
+          <a:noFill/>
+        </p:spPr>
         <p:txBody>
-          <a:bodyPr rtlCol="0" anchor="ctr"/>
+          <a:bodyPr wrap="square" rtlCol="0">
+            <a:spAutoFit/>
+          </a:bodyPr>
           <a:lstStyle/>
           <a:p>
-            <a:pPr algn="ctr"/>
-            <a:r>
-              <a:rPr lang="en-US" sz="3700" b="1" dirty="0" err="1">
-                <a:solidFill>
-                  <a:schemeClr val="tx1"/>
-                </a:solidFill>
-              </a:rPr>
-              <a:t>Đặt</a:t>
-            </a:r>
-            <a:r>
-              <a:rPr lang="en-US" sz="3700" b="1" dirty="0">
-                <a:solidFill>
-                  <a:schemeClr val="tx1"/>
-                </a:solidFill>
-              </a:rPr>
-              <a:t> </a:t>
-            </a:r>
-            <a:r>
-              <a:rPr lang="en-US" sz="3700" b="1" dirty="0" err="1">
-                <a:solidFill>
-                  <a:schemeClr val="tx1"/>
-                </a:solidFill>
-              </a:rPr>
-              <a:t>câu</a:t>
-            </a:r>
-            <a:r>
-              <a:rPr lang="en-US" sz="3700" b="1" dirty="0">
-                <a:solidFill>
-                  <a:schemeClr val="tx1"/>
-                </a:solidFill>
-              </a:rPr>
-              <a:t> </a:t>
-            </a:r>
-            <a:r>
-              <a:rPr lang="en-US" sz="3700" b="1" dirty="0" err="1">
-                <a:solidFill>
-                  <a:schemeClr val="tx1"/>
-                </a:solidFill>
-              </a:rPr>
-              <a:t>hỏi</a:t>
-            </a:r>
-            <a:r>
-              <a:rPr lang="en-US" sz="3700" b="1" dirty="0">
-                <a:solidFill>
-                  <a:schemeClr val="tx1"/>
-                </a:solidFill>
-              </a:rPr>
-              <a:t> </a:t>
-            </a:r>
-            <a:r>
-              <a:rPr lang="en-US" sz="3700" b="1" dirty="0" err="1">
-                <a:solidFill>
-                  <a:schemeClr val="tx1"/>
-                </a:solidFill>
-              </a:rPr>
-              <a:t>và</a:t>
-            </a:r>
-            <a:r>
-              <a:rPr lang="en-US" sz="3700" b="1" dirty="0">
-                <a:solidFill>
-                  <a:schemeClr val="tx1"/>
-                </a:solidFill>
-              </a:rPr>
-              <a:t> </a:t>
-            </a:r>
-            <a:r>
-              <a:rPr lang="en-US" sz="3700" b="1" dirty="0" err="1">
-                <a:solidFill>
-                  <a:schemeClr val="tx1"/>
-                </a:solidFill>
-              </a:rPr>
-              <a:t>giải</a:t>
-            </a:r>
-            <a:r>
-              <a:rPr lang="en-US" sz="3700" b="1" dirty="0">
-                <a:solidFill>
-                  <a:schemeClr val="tx1"/>
-                </a:solidFill>
-              </a:rPr>
-              <a:t> </a:t>
-            </a:r>
-            <a:r>
-              <a:rPr lang="en-US" sz="3700" b="1" dirty="0" err="1">
-                <a:solidFill>
-                  <a:schemeClr val="tx1"/>
-                </a:solidFill>
-              </a:rPr>
-              <a:t>đáp</a:t>
-            </a:r>
-            <a:r>
-              <a:rPr lang="en-US" sz="3700" b="1" dirty="0">
-                <a:solidFill>
-                  <a:schemeClr val="tx1"/>
-                </a:solidFill>
-              </a:rPr>
-              <a:t> </a:t>
-            </a:r>
-            <a:r>
-              <a:rPr lang="en-US" sz="3700" b="1" dirty="0" err="1">
-                <a:solidFill>
-                  <a:schemeClr val="tx1"/>
-                </a:solidFill>
-              </a:rPr>
-              <a:t>thắc</a:t>
-            </a:r>
-            <a:r>
-              <a:rPr lang="en-US" sz="3700" b="1" dirty="0">
-                <a:solidFill>
-                  <a:schemeClr val="tx1"/>
-                </a:solidFill>
-              </a:rPr>
-              <a:t> </a:t>
-            </a:r>
-            <a:r>
-              <a:rPr lang="en-US" sz="3700" b="1" dirty="0" err="1">
-                <a:solidFill>
-                  <a:schemeClr val="tx1"/>
-                </a:solidFill>
-              </a:rPr>
-              <a:t>mắc</a:t>
-            </a:r>
-            <a:endParaRPr lang="vi-VN" sz="3700" dirty="0">
-              <a:solidFill>
-                <a:schemeClr val="tx1"/>
-              </a:solidFill>
+            <a:r>
+              <a:rPr lang="en-US" sz="3000" b="1" dirty="0"/>
+              <a:t>Bài </a:t>
+            </a:r>
+            <a:r>
+              <a:rPr lang="en-US" sz="3000" b="1" dirty="0" err="1"/>
+              <a:t>làm</a:t>
+            </a:r>
+            <a:endParaRPr lang="en-US" sz="3000" b="1" dirty="0"/>
+          </a:p>
+          <a:p>
+            <a:pPr>
+              <a:lnSpc>
+                <a:spcPct val="107000"/>
+              </a:lnSpc>
+            </a:pPr>
+            <a:r>
+              <a:rPr lang="en-US" sz="1800" dirty="0">
+                <a:effectLst/>
+                <a:latin typeface="Times New Roman" panose="02020603050405020304" pitchFamily="18" charset="0"/>
+                <a:ea typeface="Calibri" panose="020F0502020204030204" pitchFamily="34" charset="0"/>
+                <a:cs typeface="Times New Roman" panose="02020603050405020304" pitchFamily="18" charset="0"/>
+              </a:rPr>
+              <a:t>15. </a:t>
+            </a:r>
+            <a:r>
+              <a:rPr lang="en-US" sz="1800" dirty="0" err="1">
+                <a:effectLst/>
+                <a:latin typeface="Times New Roman" panose="02020603050405020304" pitchFamily="18" charset="0"/>
+                <a:ea typeface="Calibri" panose="020F0502020204030204" pitchFamily="34" charset="0"/>
+              </a:rPr>
+              <a:t>Đưa</a:t>
+            </a:r>
+            <a:r>
+              <a:rPr lang="en-US" sz="1800" dirty="0">
+                <a:effectLst/>
+                <a:latin typeface="Times New Roman" panose="02020603050405020304" pitchFamily="18" charset="0"/>
+                <a:ea typeface="Calibri" panose="020F0502020204030204" pitchFamily="34" charset="0"/>
+              </a:rPr>
+              <a:t> </a:t>
+            </a:r>
+            <a:r>
+              <a:rPr lang="en-US" sz="1800" dirty="0" err="1">
+                <a:effectLst/>
+                <a:latin typeface="Times New Roman" panose="02020603050405020304" pitchFamily="18" charset="0"/>
+                <a:ea typeface="Calibri" panose="020F0502020204030204" pitchFamily="34" charset="0"/>
+              </a:rPr>
+              <a:t>ra</a:t>
+            </a:r>
+            <a:r>
+              <a:rPr lang="en-US" sz="1800" dirty="0">
+                <a:effectLst/>
+                <a:latin typeface="Times New Roman" panose="02020603050405020304" pitchFamily="18" charset="0"/>
+                <a:ea typeface="Calibri" panose="020F0502020204030204" pitchFamily="34" charset="0"/>
+              </a:rPr>
+              <a:t> </a:t>
+            </a:r>
+            <a:r>
+              <a:rPr lang="en-US" sz="1800" dirty="0" err="1">
+                <a:effectLst/>
+                <a:latin typeface="Times New Roman" panose="02020603050405020304" pitchFamily="18" charset="0"/>
+                <a:ea typeface="Calibri" panose="020F0502020204030204" pitchFamily="34" charset="0"/>
+              </a:rPr>
+              <a:t>thông</a:t>
+            </a:r>
+            <a:r>
+              <a:rPr lang="en-US" sz="1800" dirty="0">
+                <a:effectLst/>
+                <a:latin typeface="Times New Roman" panose="02020603050405020304" pitchFamily="18" charset="0"/>
+                <a:ea typeface="Calibri" panose="020F0502020204030204" pitchFamily="34" charset="0"/>
+              </a:rPr>
+              <a:t> tin </a:t>
+            </a:r>
+            <a:r>
+              <a:rPr lang="en-US" sz="1800" dirty="0" err="1">
+                <a:effectLst/>
+                <a:latin typeface="Times New Roman" panose="02020603050405020304" pitchFamily="18" charset="0"/>
+                <a:ea typeface="Calibri" panose="020F0502020204030204" pitchFamily="34" charset="0"/>
+              </a:rPr>
+              <a:t>các</a:t>
+            </a:r>
+            <a:r>
+              <a:rPr lang="en-US" sz="1800" dirty="0">
+                <a:effectLst/>
+                <a:latin typeface="Times New Roman" panose="02020603050405020304" pitchFamily="18" charset="0"/>
+                <a:ea typeface="Calibri" panose="020F0502020204030204" pitchFamily="34" charset="0"/>
+              </a:rPr>
+              <a:t> </a:t>
+            </a:r>
+            <a:r>
+              <a:rPr lang="en-US" sz="1800" dirty="0" err="1">
+                <a:effectLst/>
+                <a:latin typeface="Times New Roman" panose="02020603050405020304" pitchFamily="18" charset="0"/>
+                <a:ea typeface="Calibri" panose="020F0502020204030204" pitchFamily="34" charset="0"/>
+              </a:rPr>
+              <a:t>cửa</a:t>
+            </a:r>
+            <a:r>
+              <a:rPr lang="en-US" sz="1800" dirty="0">
+                <a:effectLst/>
+                <a:latin typeface="Times New Roman" panose="02020603050405020304" pitchFamily="18" charset="0"/>
+                <a:ea typeface="Calibri" panose="020F0502020204030204" pitchFamily="34" charset="0"/>
+              </a:rPr>
+              <a:t> </a:t>
+            </a:r>
+            <a:r>
+              <a:rPr lang="en-US" sz="1800" dirty="0" err="1">
+                <a:effectLst/>
+                <a:latin typeface="Times New Roman" panose="02020603050405020304" pitchFamily="18" charset="0"/>
+                <a:ea typeface="Calibri" panose="020F0502020204030204" pitchFamily="34" charset="0"/>
+              </a:rPr>
+              <a:t>hàng</a:t>
+            </a:r>
+            <a:r>
+              <a:rPr lang="en-US" sz="1800" dirty="0">
+                <a:effectLst/>
+                <a:latin typeface="Times New Roman" panose="02020603050405020304" pitchFamily="18" charset="0"/>
+                <a:ea typeface="Calibri" panose="020F0502020204030204" pitchFamily="34" charset="0"/>
+              </a:rPr>
+              <a:t> </a:t>
+            </a:r>
+            <a:r>
+              <a:rPr lang="en-US" sz="1800" dirty="0" err="1">
+                <a:effectLst/>
+                <a:latin typeface="Times New Roman" panose="02020603050405020304" pitchFamily="18" charset="0"/>
+                <a:ea typeface="Calibri" panose="020F0502020204030204" pitchFamily="34" charset="0"/>
+              </a:rPr>
+              <a:t>có</a:t>
+            </a:r>
+            <a:r>
+              <a:rPr lang="en-US" sz="1800" dirty="0">
+                <a:effectLst/>
+                <a:latin typeface="Times New Roman" panose="02020603050405020304" pitchFamily="18" charset="0"/>
+                <a:ea typeface="Calibri" panose="020F0502020204030204" pitchFamily="34" charset="0"/>
+              </a:rPr>
+              <a:t> </a:t>
+            </a:r>
+            <a:r>
+              <a:rPr lang="en-US" sz="1800" dirty="0" err="1">
+                <a:effectLst/>
+                <a:latin typeface="Times New Roman" panose="02020603050405020304" pitchFamily="18" charset="0"/>
+                <a:ea typeface="Calibri" panose="020F0502020204030204" pitchFamily="34" charset="0"/>
+              </a:rPr>
+              <a:t>doanh</a:t>
+            </a:r>
+            <a:r>
+              <a:rPr lang="en-US" sz="1800" dirty="0">
+                <a:effectLst/>
+                <a:latin typeface="Times New Roman" panose="02020603050405020304" pitchFamily="18" charset="0"/>
+                <a:ea typeface="Calibri" panose="020F0502020204030204" pitchFamily="34" charset="0"/>
+              </a:rPr>
+              <a:t> </a:t>
+            </a:r>
+            <a:r>
+              <a:rPr lang="en-US" sz="1800" dirty="0" err="1">
+                <a:effectLst/>
+                <a:latin typeface="Times New Roman" panose="02020603050405020304" pitchFamily="18" charset="0"/>
+                <a:ea typeface="Calibri" panose="020F0502020204030204" pitchFamily="34" charset="0"/>
+              </a:rPr>
+              <a:t>thu</a:t>
+            </a:r>
+            <a:r>
+              <a:rPr lang="en-US" sz="1800" dirty="0">
+                <a:effectLst/>
+                <a:latin typeface="Times New Roman" panose="02020603050405020304" pitchFamily="18" charset="0"/>
+                <a:ea typeface="Calibri" panose="020F0502020204030204" pitchFamily="34" charset="0"/>
+              </a:rPr>
+              <a:t> </a:t>
+            </a:r>
+            <a:r>
+              <a:rPr lang="en-US" sz="1800" dirty="0" err="1">
+                <a:effectLst/>
+                <a:latin typeface="Times New Roman" panose="02020603050405020304" pitchFamily="18" charset="0"/>
+                <a:ea typeface="Calibri" panose="020F0502020204030204" pitchFamily="34" charset="0"/>
+              </a:rPr>
+              <a:t>cao</a:t>
+            </a:r>
+            <a:r>
+              <a:rPr lang="en-US" sz="1800" dirty="0">
+                <a:effectLst/>
+                <a:latin typeface="Times New Roman" panose="02020603050405020304" pitchFamily="18" charset="0"/>
+                <a:ea typeface="Calibri" panose="020F0502020204030204" pitchFamily="34" charset="0"/>
+              </a:rPr>
+              <a:t> </a:t>
+            </a:r>
+            <a:r>
+              <a:rPr lang="en-US" sz="1800" dirty="0" err="1">
+                <a:effectLst/>
+                <a:latin typeface="Times New Roman" panose="02020603050405020304" pitchFamily="18" charset="0"/>
+                <a:ea typeface="Calibri" panose="020F0502020204030204" pitchFamily="34" charset="0"/>
+              </a:rPr>
+              <a:t>nhất</a:t>
+            </a:r>
+            <a:r>
+              <a:rPr lang="en-US" sz="1800" dirty="0">
+                <a:effectLst/>
+                <a:latin typeface="Times New Roman" panose="02020603050405020304" pitchFamily="18" charset="0"/>
+                <a:ea typeface="Calibri" panose="020F0502020204030204" pitchFamily="34" charset="0"/>
+              </a:rPr>
+              <a:t> </a:t>
+            </a:r>
+            <a:r>
+              <a:rPr lang="en-US" sz="1800" dirty="0" err="1">
+                <a:effectLst/>
+                <a:latin typeface="Times New Roman" panose="02020603050405020304" pitchFamily="18" charset="0"/>
+                <a:ea typeface="Calibri" panose="020F0502020204030204" pitchFamily="34" charset="0"/>
+              </a:rPr>
+              <a:t>năm</a:t>
+            </a:r>
+            <a:r>
+              <a:rPr lang="en-US" sz="1800" dirty="0">
+                <a:effectLst/>
+                <a:latin typeface="Times New Roman" panose="02020603050405020304" pitchFamily="18" charset="0"/>
+                <a:ea typeface="Calibri" panose="020F0502020204030204" pitchFamily="34" charset="0"/>
+              </a:rPr>
+              <a:t> 2022.</a:t>
+            </a:r>
+            <a:endParaRPr lang="en-US" sz="1800" dirty="0">
+              <a:effectLst/>
+              <a:ea typeface="Times New Roman" panose="02020603050405020304" pitchFamily="18" charset="0"/>
+              <a:cs typeface="Times New Roman" panose="02020603050405020304" pitchFamily="18" charset="0"/>
             </a:endParaRPr>
           </a:p>
         </p:txBody>
       </p:sp>
+      <p:pic>
+        <p:nvPicPr>
+          <p:cNvPr id="3" name="Picture 2" descr="Chart, text, letter&#10;&#10;Description automatically generated">
+            <a:extLst>
+              <a:ext uri="{FF2B5EF4-FFF2-40B4-BE49-F238E27FC236}">
+                <a16:creationId xmlns:a16="http://schemas.microsoft.com/office/drawing/2014/main" id="{B21C8A73-535C-30D3-CB2E-571E26BA1F9D}"/>
+              </a:ext>
+            </a:extLst>
+          </p:cNvPr>
+          <p:cNvPicPr>
+            <a:picLocks noChangeAspect="1"/>
+          </p:cNvPicPr>
+          <p:nvPr/>
+        </p:nvPicPr>
+        <p:blipFill>
+          <a:blip r:embed="rId2">
+            <a:extLst>
+              <a:ext uri="{28A0092B-C50C-407E-A947-70E740481C1C}">
+                <a14:useLocalDpi xmlns:a14="http://schemas.microsoft.com/office/drawing/2010/main" val="0"/>
+              </a:ext>
+            </a:extLst>
+          </a:blip>
+          <a:stretch>
+            <a:fillRect/>
+          </a:stretch>
+        </p:blipFill>
+        <p:spPr>
+          <a:xfrm>
+            <a:off x="1408923" y="1709548"/>
+            <a:ext cx="7623112" cy="1994625"/>
+          </a:xfrm>
+          <a:prstGeom prst="rect">
+            <a:avLst/>
+          </a:prstGeom>
+        </p:spPr>
+      </p:pic>
     </p:spTree>
     <p:extLst>
       <p:ext uri="{BB962C8B-B14F-4D97-AF65-F5344CB8AC3E}">
-        <p14:creationId xmlns:p14="http://schemas.microsoft.com/office/powerpoint/2010/main" val="2265760894"/>
+        <p14:creationId xmlns:p14="http://schemas.microsoft.com/office/powerpoint/2010/main" val="4093074849"/>
       </p:ext>
     </p:extLst>
   </p:cSld>
@@ -14095,19 +17440,19 @@
   <mc:AlternateContent xmlns:mc="http://schemas.openxmlformats.org/markup-compatibility/2006" xmlns:p14="http://schemas.microsoft.com/office/powerpoint/2010/main">
     <mc:Choice Requires="p14">
       <p:transition spd="slow" p14:dur="800">
-        <p14:flythrough/>
+        <p:circle/>
       </p:transition>
     </mc:Choice>
     <mc:Fallback xmlns="">
       <p:transition spd="slow">
-        <p:fade/>
+        <p:circle/>
       </p:transition>
     </mc:Fallback>
   </mc:AlternateContent>
 </p:sld>
 </file>
 
-<file path=ppt/slides/slide24.xml><?xml version="1.0" encoding="utf-8"?>
+<file path=ppt/slides/slide28.xml><?xml version="1.0" encoding="utf-8"?>
 <p:sld xmlns:a="http://schemas.openxmlformats.org/drawingml/2006/main" xmlns:r="http://schemas.openxmlformats.org/officeDocument/2006/relationships" xmlns:p="http://schemas.openxmlformats.org/presentationml/2006/main">
   <p:cSld>
     <p:spTree>
@@ -21761,14 +25106,6 @@
 <file path=ppt/slides/slide9.xml><?xml version="1.0" encoding="utf-8"?>
 <p:sld xmlns:a="http://schemas.openxmlformats.org/drawingml/2006/main" xmlns:r="http://schemas.openxmlformats.org/officeDocument/2006/relationships" xmlns:p="http://schemas.openxmlformats.org/presentationml/2006/main">
   <p:cSld>
-    <p:bg>
-      <p:bgPr>
-        <a:solidFill>
-          <a:srgbClr val="8FABB7"/>
-        </a:solidFill>
-        <a:effectLst/>
-      </p:bgPr>
-    </p:bg>
     <p:spTree>
       <p:nvGrpSpPr>
         <p:cNvPr id="1" name=""/>
@@ -21783,22 +25120,249 @@
           <a:chExt cx="0" cy="0"/>
         </a:xfrm>
       </p:grpSpPr>
+      <p:grpSp>
+        <p:nvGrpSpPr>
+          <p:cNvPr id="16" name="Group 15"/>
+          <p:cNvGrpSpPr/>
+          <p:nvPr/>
+        </p:nvGrpSpPr>
+        <p:grpSpPr>
+          <a:xfrm>
+            <a:off x="2785929" y="0"/>
+            <a:ext cx="6107394" cy="6858000"/>
+            <a:chOff x="6084606" y="179463"/>
+            <a:chExt cx="6107394" cy="6493379"/>
+          </a:xfrm>
+        </p:grpSpPr>
+        <p:sp>
+          <p:nvSpPr>
+            <p:cNvPr id="6" name="Rectangle 5"/>
+            <p:cNvSpPr/>
+            <p:nvPr/>
+          </p:nvSpPr>
+          <p:spPr>
+            <a:xfrm>
+              <a:off x="6084606" y="179463"/>
+              <a:ext cx="6107394" cy="222190"/>
+            </a:xfrm>
+            <a:prstGeom prst="rect">
+              <a:avLst/>
+            </a:prstGeom>
+            <a:solidFill>
+              <a:srgbClr val="8FABB7"/>
+            </a:solidFill>
+            <a:ln>
+              <a:noFill/>
+            </a:ln>
+          </p:spPr>
+          <p:style>
+            <a:lnRef idx="2">
+              <a:schemeClr val="accent1">
+                <a:shade val="50000"/>
+              </a:schemeClr>
+            </a:lnRef>
+            <a:fillRef idx="1">
+              <a:schemeClr val="accent1"/>
+            </a:fillRef>
+            <a:effectRef idx="0">
+              <a:schemeClr val="accent1"/>
+            </a:effectRef>
+            <a:fontRef idx="minor">
+              <a:schemeClr val="lt1"/>
+            </a:fontRef>
+          </p:style>
+          <p:txBody>
+            <a:bodyPr rtlCol="0" anchor="ctr"/>
+            <a:lstStyle/>
+            <a:p>
+              <a:pPr algn="ctr"/>
+              <a:endParaRPr lang="vi-VN"/>
+            </a:p>
+          </p:txBody>
+        </p:sp>
+        <p:sp>
+          <p:nvSpPr>
+            <p:cNvPr id="7" name="Rectangle 6"/>
+            <p:cNvSpPr/>
+            <p:nvPr/>
+          </p:nvSpPr>
+          <p:spPr>
+            <a:xfrm>
+              <a:off x="6084606" y="6450652"/>
+              <a:ext cx="6107394" cy="222190"/>
+            </a:xfrm>
+            <a:prstGeom prst="rect">
+              <a:avLst/>
+            </a:prstGeom>
+            <a:solidFill>
+              <a:srgbClr val="8FABB7"/>
+            </a:solidFill>
+            <a:ln>
+              <a:noFill/>
+            </a:ln>
+          </p:spPr>
+          <p:style>
+            <a:lnRef idx="2">
+              <a:schemeClr val="accent1">
+                <a:shade val="50000"/>
+              </a:schemeClr>
+            </a:lnRef>
+            <a:fillRef idx="1">
+              <a:schemeClr val="accent1"/>
+            </a:fillRef>
+            <a:effectRef idx="0">
+              <a:schemeClr val="accent1"/>
+            </a:effectRef>
+            <a:fontRef idx="minor">
+              <a:schemeClr val="lt1"/>
+            </a:fontRef>
+          </p:style>
+          <p:txBody>
+            <a:bodyPr rtlCol="0" anchor="ctr"/>
+            <a:lstStyle/>
+            <a:p>
+              <a:pPr algn="ctr"/>
+              <a:endParaRPr lang="vi-VN"/>
+            </a:p>
+          </p:txBody>
+        </p:sp>
+        <p:sp>
+          <p:nvSpPr>
+            <p:cNvPr id="8" name="Rectangle 7"/>
+            <p:cNvSpPr/>
+            <p:nvPr/>
+          </p:nvSpPr>
+          <p:spPr>
+            <a:xfrm>
+              <a:off x="6084606" y="556899"/>
+              <a:ext cx="6107394" cy="5744201"/>
+            </a:xfrm>
+            <a:prstGeom prst="rect">
+              <a:avLst/>
+            </a:prstGeom>
+            <a:solidFill>
+              <a:srgbClr val="F8F8F8"/>
+            </a:solidFill>
+            <a:ln>
+              <a:noFill/>
+            </a:ln>
+          </p:spPr>
+          <p:style>
+            <a:lnRef idx="2">
+              <a:schemeClr val="accent1">
+                <a:shade val="50000"/>
+              </a:schemeClr>
+            </a:lnRef>
+            <a:fillRef idx="1">
+              <a:schemeClr val="accent1"/>
+            </a:fillRef>
+            <a:effectRef idx="0">
+              <a:schemeClr val="accent1"/>
+            </a:effectRef>
+            <a:fontRef idx="minor">
+              <a:schemeClr val="lt1"/>
+            </a:fontRef>
+          </p:style>
+          <p:txBody>
+            <a:bodyPr rtlCol="0" anchor="ctr"/>
+            <a:lstStyle/>
+            <a:p>
+              <a:pPr algn="ctr"/>
+              <a:endParaRPr lang="vi-VN"/>
+            </a:p>
+          </p:txBody>
+        </p:sp>
+        <p:cxnSp>
+          <p:nvCxnSpPr>
+            <p:cNvPr id="9" name="Straight Connector 8"/>
+            <p:cNvCxnSpPr/>
+            <p:nvPr/>
+          </p:nvCxnSpPr>
+          <p:spPr>
+            <a:xfrm flipV="1">
+              <a:off x="6084606" y="888763"/>
+              <a:ext cx="6107394" cy="34183"/>
+            </a:xfrm>
+            <a:prstGeom prst="line">
+              <a:avLst/>
+            </a:prstGeom>
+            <a:ln w="19050">
+              <a:solidFill>
+                <a:srgbClr val="8FABB7"/>
+              </a:solidFill>
+              <a:prstDash val="dash"/>
+            </a:ln>
+          </p:spPr>
+          <p:style>
+            <a:lnRef idx="1">
+              <a:schemeClr val="accent1"/>
+            </a:lnRef>
+            <a:fillRef idx="0">
+              <a:schemeClr val="accent1"/>
+            </a:fillRef>
+            <a:effectRef idx="0">
+              <a:schemeClr val="accent1"/>
+            </a:effectRef>
+            <a:fontRef idx="minor">
+              <a:schemeClr val="tx1"/>
+            </a:fontRef>
+          </p:style>
+        </p:cxnSp>
+      </p:grpSp>
       <p:sp>
         <p:nvSpPr>
-          <p:cNvPr id="4" name="Rectangle 3"/>
+          <p:cNvPr id="17" name="TextBox 16"/>
+          <p:cNvSpPr txBox="1"/>
+          <p:nvPr/>
+        </p:nvSpPr>
+        <p:spPr>
+          <a:xfrm>
+            <a:off x="5131739" y="1435693"/>
+            <a:ext cx="1415772" cy="1569660"/>
+          </a:xfrm>
+          <a:prstGeom prst="rect">
+            <a:avLst/>
+          </a:prstGeom>
+          <a:noFill/>
+        </p:spPr>
+        <p:txBody>
+          <a:bodyPr wrap="none" rtlCol="0">
+            <a:spAutoFit/>
+          </a:bodyPr>
+          <a:lstStyle/>
+          <a:p>
+            <a:r>
+              <a:rPr lang="en-US" sz="9600" dirty="0">
+                <a:latin typeface="Times New Roman" panose="02020603050405020304" pitchFamily="18" charset="0"/>
+                <a:cs typeface="Times New Roman" panose="02020603050405020304" pitchFamily="18" charset="0"/>
+              </a:rPr>
+              <a:t>03</a:t>
+            </a:r>
+            <a:endParaRPr lang="vi-VN" sz="9600" dirty="0">
+              <a:latin typeface="Times New Roman" panose="02020603050405020304" pitchFamily="18" charset="0"/>
+              <a:cs typeface="Times New Roman" panose="02020603050405020304" pitchFamily="18" charset="0"/>
+            </a:endParaRPr>
+          </a:p>
+        </p:txBody>
+      </p:sp>
+      <p:sp>
+        <p:nvSpPr>
+          <p:cNvPr id="20" name="Rectangle 19"/>
           <p:cNvSpPr/>
           <p:nvPr/>
         </p:nvSpPr>
         <p:spPr>
           <a:xfrm>
-            <a:off x="358924" y="333286"/>
-            <a:ext cx="11459910" cy="6212792"/>
+            <a:off x="2785929" y="3163302"/>
+            <a:ext cx="6107394" cy="769441"/>
           </a:xfrm>
           <a:prstGeom prst="rect">
             <a:avLst/>
           </a:prstGeom>
           <a:solidFill>
-            <a:srgbClr val="F8F8F8"/>
+            <a:schemeClr val="bg1">
+              <a:alpha val="70000"/>
+            </a:schemeClr>
           </a:solidFill>
           <a:ln>
             <a:noFill/>
@@ -21825,92 +25389,20 @@
           <a:lstStyle/>
           <a:p>
             <a:pPr algn="ctr"/>
-            <a:endParaRPr lang="vi-VN" dirty="0"/>
+            <a:endParaRPr lang="vi-VN"/>
           </a:p>
         </p:txBody>
       </p:sp>
-      <p:cxnSp>
-        <p:nvCxnSpPr>
-          <p:cNvPr id="10" name="Straight Connector 9"/>
-          <p:cNvCxnSpPr/>
-          <p:nvPr/>
-        </p:nvCxnSpPr>
-        <p:spPr>
-          <a:xfrm flipV="1">
-            <a:off x="358924" y="856716"/>
-            <a:ext cx="11502640" cy="8545"/>
-          </a:xfrm>
-          <a:prstGeom prst="line">
-            <a:avLst/>
-          </a:prstGeom>
-          <a:ln w="19050">
-            <a:solidFill>
-              <a:srgbClr val="8FABB7"/>
-            </a:solidFill>
-            <a:prstDash val="dash"/>
-          </a:ln>
-        </p:spPr>
-        <p:style>
-          <a:lnRef idx="1">
-            <a:schemeClr val="accent1"/>
-          </a:lnRef>
-          <a:fillRef idx="0">
-            <a:schemeClr val="accent1"/>
-          </a:fillRef>
-          <a:effectRef idx="0">
-            <a:schemeClr val="accent1"/>
-          </a:effectRef>
-          <a:fontRef idx="minor">
-            <a:schemeClr val="tx1"/>
-          </a:fontRef>
-        </p:style>
-      </p:cxnSp>
-      <p:cxnSp>
-        <p:nvCxnSpPr>
-          <p:cNvPr id="14" name="Straight Connector 13"/>
-          <p:cNvCxnSpPr/>
-          <p:nvPr/>
-        </p:nvCxnSpPr>
-        <p:spPr>
-          <a:xfrm flipV="1">
-            <a:off x="358924" y="6145138"/>
-            <a:ext cx="11502640" cy="8545"/>
-          </a:xfrm>
-          <a:prstGeom prst="line">
-            <a:avLst/>
-          </a:prstGeom>
-          <a:ln w="19050">
-            <a:solidFill>
-              <a:srgbClr val="8FABB7"/>
-            </a:solidFill>
-            <a:prstDash val="dash"/>
-          </a:ln>
-        </p:spPr>
-        <p:style>
-          <a:lnRef idx="1">
-            <a:schemeClr val="accent1"/>
-          </a:lnRef>
-          <a:fillRef idx="0">
-            <a:schemeClr val="accent1"/>
-          </a:fillRef>
-          <a:effectRef idx="0">
-            <a:schemeClr val="accent1"/>
-          </a:effectRef>
-          <a:fontRef idx="minor">
-            <a:schemeClr val="tx1"/>
-          </a:fontRef>
-        </p:style>
-      </p:cxnSp>
       <p:sp>
         <p:nvSpPr>
-          <p:cNvPr id="5" name="TextBox 4"/>
+          <p:cNvPr id="18" name="TextBox 17"/>
           <p:cNvSpPr txBox="1"/>
           <p:nvPr/>
         </p:nvSpPr>
         <p:spPr>
           <a:xfrm>
-            <a:off x="914400" y="865261"/>
-            <a:ext cx="10348958" cy="1295868"/>
+            <a:off x="3123920" y="3163301"/>
+            <a:ext cx="5431409" cy="769441"/>
           </a:xfrm>
           <a:prstGeom prst="rect">
             <a:avLst/>
@@ -21923,162 +25415,188 @@
           </a:bodyPr>
           <a:lstStyle/>
           <a:p>
-            <a:pPr>
-              <a:lnSpc>
-                <a:spcPct val="150000"/>
-              </a:lnSpc>
-            </a:pPr>
-            <a:r>
-              <a:rPr lang="en-US" b="1" dirty="0"/>
-              <a:t>2.3 </a:t>
-            </a:r>
-            <a:r>
-              <a:rPr lang="en-US" b="1" dirty="0" err="1"/>
-              <a:t>Cấu</a:t>
-            </a:r>
-            <a:r>
-              <a:rPr lang="en-US" b="1" dirty="0"/>
-              <a:t> </a:t>
-            </a:r>
-            <a:r>
-              <a:rPr lang="en-US" b="1" dirty="0" err="1"/>
-              <a:t>trúc</a:t>
-            </a:r>
-            <a:r>
-              <a:rPr lang="en-US" b="1" dirty="0"/>
-              <a:t> chi </a:t>
-            </a:r>
-            <a:r>
-              <a:rPr lang="en-US" b="1" dirty="0" err="1"/>
-              <a:t>tiết</a:t>
-            </a:r>
-            <a:r>
-              <a:rPr lang="en-US" b="1" dirty="0"/>
-              <a:t> </a:t>
-            </a:r>
-            <a:r>
-              <a:rPr lang="en-US" b="1" dirty="0" err="1"/>
-              <a:t>các</a:t>
-            </a:r>
-            <a:r>
-              <a:rPr lang="en-US" b="1" dirty="0"/>
-              <a:t> </a:t>
-            </a:r>
-            <a:r>
-              <a:rPr lang="en-US" b="1" dirty="0" err="1"/>
-              <a:t>bảng</a:t>
-            </a:r>
-            <a:endParaRPr lang="en-US" b="1" dirty="0"/>
-          </a:p>
-          <a:p>
-            <a:pPr marL="285750" indent="-285750">
-              <a:lnSpc>
-                <a:spcPct val="150000"/>
-              </a:lnSpc>
-              <a:buFont typeface="Arial" panose="020B0604020202020204" pitchFamily="34" charset="0"/>
-              <a:buChar char="•"/>
-            </a:pPr>
-            <a:r>
-              <a:rPr lang="en-US" b="1" dirty="0" err="1"/>
-              <a:t>Bảng</a:t>
-            </a:r>
-            <a:r>
-              <a:rPr lang="en-US" b="1" dirty="0"/>
-              <a:t> </a:t>
-            </a:r>
-            <a:r>
-              <a:rPr lang="en-US" b="1" dirty="0" err="1"/>
-              <a:t>DonHang</a:t>
-            </a:r>
-            <a:r>
-              <a:rPr lang="en-US" b="1" dirty="0"/>
-              <a:t> (</a:t>
-            </a:r>
-            <a:r>
-              <a:rPr lang="en-US" b="1" dirty="0" err="1"/>
-              <a:t>Đơn</a:t>
-            </a:r>
-            <a:r>
-              <a:rPr lang="en-US" b="1" dirty="0"/>
-              <a:t> </a:t>
-            </a:r>
-            <a:r>
-              <a:rPr lang="en-US" b="1" dirty="0" err="1"/>
-              <a:t>hàng</a:t>
-            </a:r>
-            <a:r>
-              <a:rPr lang="en-US" b="1" dirty="0"/>
-              <a:t>)</a:t>
-            </a:r>
-          </a:p>
-          <a:p>
-            <a:pPr>
-              <a:lnSpc>
-                <a:spcPct val="150000"/>
-              </a:lnSpc>
-            </a:pPr>
-            <a:endParaRPr lang="en-US" b="1" dirty="0"/>
+            <a:pPr algn="ctr"/>
+            <a:r>
+              <a:rPr lang="en-US" sz="2200" b="1" dirty="0" err="1">
+                <a:latin typeface="Times New Roman" panose="02020603050405020304" pitchFamily="18" charset="0"/>
+                <a:cs typeface="Times New Roman" panose="02020603050405020304" pitchFamily="18" charset="0"/>
+              </a:rPr>
+              <a:t>Chuyển</a:t>
+            </a:r>
+            <a:r>
+              <a:rPr lang="en-US" sz="2200" b="1" dirty="0">
+                <a:latin typeface="Times New Roman" panose="02020603050405020304" pitchFamily="18" charset="0"/>
+                <a:cs typeface="Times New Roman" panose="02020603050405020304" pitchFamily="18" charset="0"/>
+              </a:rPr>
+              <a:t> </a:t>
+            </a:r>
+            <a:r>
+              <a:rPr lang="en-US" sz="2200" b="1" dirty="0" err="1">
+                <a:latin typeface="Times New Roman" panose="02020603050405020304" pitchFamily="18" charset="0"/>
+                <a:cs typeface="Times New Roman" panose="02020603050405020304" pitchFamily="18" charset="0"/>
+              </a:rPr>
+              <a:t>từ</a:t>
+            </a:r>
+            <a:r>
+              <a:rPr lang="en-US" sz="2200" b="1" dirty="0">
+                <a:latin typeface="Times New Roman" panose="02020603050405020304" pitchFamily="18" charset="0"/>
+                <a:cs typeface="Times New Roman" panose="02020603050405020304" pitchFamily="18" charset="0"/>
+              </a:rPr>
+              <a:t> </a:t>
+            </a:r>
+            <a:r>
+              <a:rPr lang="en-US" sz="2200" b="1" dirty="0" err="1">
+                <a:latin typeface="Times New Roman" panose="02020603050405020304" pitchFamily="18" charset="0"/>
+                <a:cs typeface="Times New Roman" panose="02020603050405020304" pitchFamily="18" charset="0"/>
+              </a:rPr>
+              <a:t>mô</a:t>
+            </a:r>
+            <a:r>
+              <a:rPr lang="en-US" sz="2200" b="1" dirty="0">
+                <a:latin typeface="Times New Roman" panose="02020603050405020304" pitchFamily="18" charset="0"/>
+                <a:cs typeface="Times New Roman" panose="02020603050405020304" pitchFamily="18" charset="0"/>
+              </a:rPr>
+              <a:t> </a:t>
+            </a:r>
+            <a:r>
+              <a:rPr lang="en-US" sz="2200" b="1" dirty="0" err="1">
+                <a:latin typeface="Times New Roman" panose="02020603050405020304" pitchFamily="18" charset="0"/>
+                <a:cs typeface="Times New Roman" panose="02020603050405020304" pitchFamily="18" charset="0"/>
+              </a:rPr>
+              <a:t>hình</a:t>
+            </a:r>
+            <a:r>
+              <a:rPr lang="en-US" sz="2200" b="1" dirty="0">
+                <a:latin typeface="Times New Roman" panose="02020603050405020304" pitchFamily="18" charset="0"/>
+                <a:cs typeface="Times New Roman" panose="02020603050405020304" pitchFamily="18" charset="0"/>
+              </a:rPr>
+              <a:t> </a:t>
+            </a:r>
+            <a:r>
+              <a:rPr lang="en-US" sz="2200" b="1" dirty="0" err="1">
+                <a:latin typeface="Times New Roman" panose="02020603050405020304" pitchFamily="18" charset="0"/>
+                <a:cs typeface="Times New Roman" panose="02020603050405020304" pitchFamily="18" charset="0"/>
+              </a:rPr>
+              <a:t>thực</a:t>
+            </a:r>
+            <a:r>
+              <a:rPr lang="en-US" sz="2200" b="1" dirty="0">
+                <a:latin typeface="Times New Roman" panose="02020603050405020304" pitchFamily="18" charset="0"/>
+                <a:cs typeface="Times New Roman" panose="02020603050405020304" pitchFamily="18" charset="0"/>
+              </a:rPr>
+              <a:t> </a:t>
+            </a:r>
+            <a:r>
+              <a:rPr lang="en-US" sz="2200" b="1" dirty="0" err="1">
+                <a:latin typeface="Times New Roman" panose="02020603050405020304" pitchFamily="18" charset="0"/>
+                <a:cs typeface="Times New Roman" panose="02020603050405020304" pitchFamily="18" charset="0"/>
+              </a:rPr>
+              <a:t>thể</a:t>
+            </a:r>
+            <a:r>
+              <a:rPr lang="en-US" sz="2200" b="1" dirty="0">
+                <a:latin typeface="Times New Roman" panose="02020603050405020304" pitchFamily="18" charset="0"/>
+                <a:cs typeface="Times New Roman" panose="02020603050405020304" pitchFamily="18" charset="0"/>
+              </a:rPr>
+              <a:t> </a:t>
+            </a:r>
+            <a:r>
+              <a:rPr lang="en-US" sz="2200" b="1" dirty="0" err="1">
+                <a:latin typeface="Times New Roman" panose="02020603050405020304" pitchFamily="18" charset="0"/>
+                <a:cs typeface="Times New Roman" panose="02020603050405020304" pitchFamily="18" charset="0"/>
+              </a:rPr>
+              <a:t>liên</a:t>
+            </a:r>
+            <a:r>
+              <a:rPr lang="en-US" sz="2200" b="1" dirty="0">
+                <a:latin typeface="Times New Roman" panose="02020603050405020304" pitchFamily="18" charset="0"/>
+                <a:cs typeface="Times New Roman" panose="02020603050405020304" pitchFamily="18" charset="0"/>
+              </a:rPr>
+              <a:t> </a:t>
+            </a:r>
+            <a:r>
+              <a:rPr lang="en-US" sz="2200" b="1" dirty="0" err="1">
+                <a:latin typeface="Times New Roman" panose="02020603050405020304" pitchFamily="18" charset="0"/>
+                <a:cs typeface="Times New Roman" panose="02020603050405020304" pitchFamily="18" charset="0"/>
+              </a:rPr>
+              <a:t>kết</a:t>
+            </a:r>
+            <a:r>
+              <a:rPr lang="en-US" sz="2200" b="1" dirty="0">
+                <a:latin typeface="Times New Roman" panose="02020603050405020304" pitchFamily="18" charset="0"/>
+                <a:cs typeface="Times New Roman" panose="02020603050405020304" pitchFamily="18" charset="0"/>
+              </a:rPr>
+              <a:t> sang </a:t>
+            </a:r>
+            <a:r>
+              <a:rPr lang="en-US" sz="2200" b="1" dirty="0" err="1">
+                <a:latin typeface="Times New Roman" panose="02020603050405020304" pitchFamily="18" charset="0"/>
+                <a:cs typeface="Times New Roman" panose="02020603050405020304" pitchFamily="18" charset="0"/>
+              </a:rPr>
+              <a:t>mô</a:t>
+            </a:r>
+            <a:r>
+              <a:rPr lang="en-US" sz="2200" b="1" dirty="0">
+                <a:latin typeface="Times New Roman" panose="02020603050405020304" pitchFamily="18" charset="0"/>
+                <a:cs typeface="Times New Roman" panose="02020603050405020304" pitchFamily="18" charset="0"/>
+              </a:rPr>
+              <a:t> </a:t>
+            </a:r>
+            <a:r>
+              <a:rPr lang="en-US" sz="2200" b="1" dirty="0" err="1">
+                <a:latin typeface="Times New Roman" panose="02020603050405020304" pitchFamily="18" charset="0"/>
+                <a:cs typeface="Times New Roman" panose="02020603050405020304" pitchFamily="18" charset="0"/>
+              </a:rPr>
+              <a:t>hình</a:t>
+            </a:r>
+            <a:r>
+              <a:rPr lang="en-US" sz="2200" b="1" dirty="0">
+                <a:latin typeface="Times New Roman" panose="02020603050405020304" pitchFamily="18" charset="0"/>
+                <a:cs typeface="Times New Roman" panose="02020603050405020304" pitchFamily="18" charset="0"/>
+              </a:rPr>
+              <a:t> </a:t>
+            </a:r>
+            <a:r>
+              <a:rPr lang="en-US" sz="2200" b="1" dirty="0" err="1">
+                <a:latin typeface="Times New Roman" panose="02020603050405020304" pitchFamily="18" charset="0"/>
+                <a:cs typeface="Times New Roman" panose="02020603050405020304" pitchFamily="18" charset="0"/>
+              </a:rPr>
+              <a:t>quan</a:t>
+            </a:r>
+            <a:r>
+              <a:rPr lang="en-US" sz="2200" b="1" dirty="0">
+                <a:latin typeface="Times New Roman" panose="02020603050405020304" pitchFamily="18" charset="0"/>
+                <a:cs typeface="Times New Roman" panose="02020603050405020304" pitchFamily="18" charset="0"/>
+              </a:rPr>
+              <a:t> </a:t>
+            </a:r>
+            <a:r>
+              <a:rPr lang="en-US" sz="2200" b="1" dirty="0" err="1">
+                <a:latin typeface="Times New Roman" panose="02020603050405020304" pitchFamily="18" charset="0"/>
+                <a:cs typeface="Times New Roman" panose="02020603050405020304" pitchFamily="18" charset="0"/>
+              </a:rPr>
+              <a:t>hệ</a:t>
+            </a:r>
+            <a:endParaRPr lang="vi-VN" sz="2200" b="1" dirty="0">
+              <a:latin typeface="Times New Roman" panose="02020603050405020304" pitchFamily="18" charset="0"/>
+              <a:cs typeface="Times New Roman" panose="02020603050405020304" pitchFamily="18" charset="0"/>
+            </a:endParaRPr>
           </a:p>
         </p:txBody>
       </p:sp>
-      <p:pic>
-        <p:nvPicPr>
-          <p:cNvPr id="8" name="Picture 7" descr="Table&#10;&#10;Description automatically generated">
-            <a:extLst>
-              <a:ext uri="{FF2B5EF4-FFF2-40B4-BE49-F238E27FC236}">
-                <a16:creationId xmlns:a16="http://schemas.microsoft.com/office/drawing/2014/main" id="{102A60A0-51FA-80CC-D791-8D3E47D84E49}"/>
-              </a:ext>
-            </a:extLst>
-          </p:cNvPr>
-          <p:cNvPicPr>
-            <a:picLocks noChangeAspect="1"/>
-          </p:cNvPicPr>
-          <p:nvPr/>
-        </p:nvPicPr>
-        <p:blipFill>
-          <a:blip r:embed="rId2">
-            <a:extLst>
-              <a:ext uri="{28A0092B-C50C-407E-A947-70E740481C1C}">
-                <a14:useLocalDpi xmlns:a14="http://schemas.microsoft.com/office/drawing/2010/main" val="0"/>
-              </a:ext>
-            </a:extLst>
-          </a:blip>
-          <a:stretch>
-            <a:fillRect/>
-          </a:stretch>
-        </p:blipFill>
-        <p:spPr>
-          <a:xfrm>
-            <a:off x="1836520" y="1964977"/>
-            <a:ext cx="8518959" cy="3702866"/>
-          </a:xfrm>
-          <a:prstGeom prst="rect">
-            <a:avLst/>
-          </a:prstGeom>
-        </p:spPr>
-      </p:pic>
     </p:spTree>
     <p:extLst>
       <p:ext uri="{BB962C8B-B14F-4D97-AF65-F5344CB8AC3E}">
-        <p14:creationId xmlns:p14="http://schemas.microsoft.com/office/powerpoint/2010/main" val="3696559501"/>
+        <p14:creationId xmlns:p14="http://schemas.microsoft.com/office/powerpoint/2010/main" val="1218212760"/>
       </p:ext>
     </p:extLst>
   </p:cSld>
   <p:clrMapOvr>
     <a:masterClrMapping/>
   </p:clrMapOvr>
-  <mc:AlternateContent xmlns:mc="http://schemas.openxmlformats.org/markup-compatibility/2006" xmlns:p14="http://schemas.microsoft.com/office/powerpoint/2010/main">
-    <mc:Choice Requires="p14">
-      <p:transition spd="slow" p14:dur="800">
-        <p:circle/>
-      </p:transition>
-    </mc:Choice>
-    <mc:Fallback xmlns="">
-      <p:transition spd="slow">
-        <p:circle/>
-      </p:transition>
-    </mc:Fallback>
-  </mc:AlternateContent>
+  <p:transition spd="slow">
+    <p:cover/>
+  </p:transition>
 </p:sld>
 </file>
 

--- a/CSDL_1_2_22_N04_NHOM07_Loading.pptx
+++ b/CSDL_1_2_22_N04_NHOM07_Loading.pptx
@@ -16203,7 +16203,7 @@
         <p:spPr>
           <a:xfrm>
             <a:off x="914400" y="865261"/>
-            <a:ext cx="10348958" cy="3208122"/>
+            <a:ext cx="10348958" cy="3504486"/>
           </a:xfrm>
           <a:prstGeom prst="rect">
             <a:avLst/>
@@ -16429,6 +16429,24 @@
               </a:rPr>
               <a:t> </a:t>
             </a:r>
+          </a:p>
+          <a:p>
+            <a:pPr marR="0" lvl="0">
+              <a:lnSpc>
+                <a:spcPct val="107000"/>
+              </a:lnSpc>
+              <a:spcBef>
+                <a:spcPts val="0"/>
+              </a:spcBef>
+              <a:spcAft>
+                <a:spcPts val="0"/>
+              </a:spcAft>
+            </a:pPr>
+            <a:endParaRPr lang="en-US" dirty="0">
+              <a:latin typeface="Calibri" panose="020F0502020204030204" pitchFamily="34" charset="0"/>
+              <a:ea typeface="Calibri" panose="020F0502020204030204" pitchFamily="34" charset="0"/>
+              <a:cs typeface="Times New Roman" panose="02020603050405020304" pitchFamily="18" charset="0"/>
+            </a:endParaRPr>
           </a:p>
           <a:p>
             <a:pPr marR="0" lvl="0">
@@ -16906,10 +16924,10 @@
       </p:sp>
       <p:pic>
         <p:nvPicPr>
-          <p:cNvPr id="7" name="Picture 6" descr="Text, letter&#10;&#10;Description automatically generated">
+          <p:cNvPr id="9" name="Picture 8" descr="Text, letter&#10;&#10;Description automatically generated">
             <a:extLst>
               <a:ext uri="{FF2B5EF4-FFF2-40B4-BE49-F238E27FC236}">
-                <a16:creationId xmlns:a16="http://schemas.microsoft.com/office/drawing/2014/main" id="{994EB571-A493-8EBB-0BB2-64BC29EA75B6}"/>
+                <a16:creationId xmlns:a16="http://schemas.microsoft.com/office/drawing/2014/main" id="{A0AB5C69-07B7-7606-9B20-E28CA209294B}"/>
               </a:ext>
             </a:extLst>
           </p:cNvPr>
@@ -16932,8 +16950,8 @@
         </p:blipFill>
         <p:spPr>
           <a:xfrm>
-            <a:off x="1418252" y="1771595"/>
-            <a:ext cx="6176865" cy="1538300"/>
+            <a:off x="1418253" y="4093911"/>
+            <a:ext cx="5840963" cy="1834253"/>
           </a:xfrm>
           <a:prstGeom prst="rect">
             <a:avLst/>
@@ -16942,10 +16960,10 @@
       </p:pic>
       <p:pic>
         <p:nvPicPr>
-          <p:cNvPr id="9" name="Picture 8" descr="Text, letter&#10;&#10;Description automatically generated">
+          <p:cNvPr id="3" name="Picture 2" descr="Text, letter&#10;&#10;Description automatically generated">
             <a:extLst>
               <a:ext uri="{FF2B5EF4-FFF2-40B4-BE49-F238E27FC236}">
-                <a16:creationId xmlns:a16="http://schemas.microsoft.com/office/drawing/2014/main" id="{A0AB5C69-07B7-7606-9B20-E28CA209294B}"/>
+                <a16:creationId xmlns:a16="http://schemas.microsoft.com/office/drawing/2014/main" id="{F0C487B2-2959-3D76-331A-548E594BB4F5}"/>
               </a:ext>
             </a:extLst>
           </p:cNvPr>
@@ -16955,7 +16973,7 @@
           <p:nvPr/>
         </p:nvPicPr>
         <p:blipFill>
-          <a:blip r:embed="rId3" cstate="print">
+          <a:blip r:embed="rId3">
             <a:extLst>
               <a:ext uri="{28A0092B-C50C-407E-A947-70E740481C1C}">
                 <a14:useLocalDpi xmlns:a14="http://schemas.microsoft.com/office/drawing/2010/main" val="0"/>
@@ -16968,8 +16986,8 @@
         </p:blipFill>
         <p:spPr>
           <a:xfrm>
-            <a:off x="1418253" y="3831445"/>
-            <a:ext cx="5840963" cy="1834253"/>
+            <a:off x="1418253" y="1741911"/>
+            <a:ext cx="6176865" cy="1849814"/>
           </a:xfrm>
           <a:prstGeom prst="rect">
             <a:avLst/>
